--- a/doc/0.공용폴더/07 스토리보드/스토리보드 - 관리자 페이지.pptx
+++ b/doc/0.공용폴더/07 스토리보드/스토리보드 - 관리자 페이지.pptx
@@ -15,10 +15,9 @@
     <p:sldId id="264" r:id="rId9"/>
     <p:sldId id="265" r:id="rId10"/>
     <p:sldId id="266" r:id="rId11"/>
-    <p:sldId id="267" r:id="rId12"/>
-    <p:sldId id="268" r:id="rId13"/>
-    <p:sldId id="269" r:id="rId14"/>
-    <p:sldId id="270" r:id="rId15"/>
+    <p:sldId id="268" r:id="rId12"/>
+    <p:sldId id="269" r:id="rId13"/>
+    <p:sldId id="270" r:id="rId14"/>
   </p:sldIdLst>
   <p:sldSz cx="9144000" cy="6858000" type="screen4x3"/>
   <p:notesSz cx="6858000" cy="9144000"/>
@@ -301,7 +300,7 @@
           <a:p>
             <a:fld id="{4204022D-519A-4CD6-99D3-23FD7668B2FE}" type="datetimeFigureOut">
               <a:rPr lang="ko-KR" altLang="en-US" smtClean="0"/>
-              <a:t>2020-06-29</a:t>
+              <a:t>2020-06-30</a:t>
             </a:fld>
             <a:endParaRPr lang="ko-KR" altLang="en-US"/>
           </a:p>
@@ -466,7 +465,7 @@
           <a:p>
             <a:fld id="{4204022D-519A-4CD6-99D3-23FD7668B2FE}" type="datetimeFigureOut">
               <a:rPr lang="ko-KR" altLang="en-US" smtClean="0"/>
-              <a:t>2020-06-29</a:t>
+              <a:t>2020-06-30</a:t>
             </a:fld>
             <a:endParaRPr lang="ko-KR" altLang="en-US"/>
           </a:p>
@@ -641,7 +640,7 @@
           <a:p>
             <a:fld id="{4204022D-519A-4CD6-99D3-23FD7668B2FE}" type="datetimeFigureOut">
               <a:rPr lang="ko-KR" altLang="en-US" smtClean="0"/>
-              <a:t>2020-06-29</a:t>
+              <a:t>2020-06-30</a:t>
             </a:fld>
             <a:endParaRPr lang="ko-KR" altLang="en-US"/>
           </a:p>
@@ -806,7 +805,7 @@
           <a:p>
             <a:fld id="{4204022D-519A-4CD6-99D3-23FD7668B2FE}" type="datetimeFigureOut">
               <a:rPr lang="ko-KR" altLang="en-US" smtClean="0"/>
-              <a:t>2020-06-29</a:t>
+              <a:t>2020-06-30</a:t>
             </a:fld>
             <a:endParaRPr lang="ko-KR" altLang="en-US"/>
           </a:p>
@@ -1047,7 +1046,7 @@
           <a:p>
             <a:fld id="{4204022D-519A-4CD6-99D3-23FD7668B2FE}" type="datetimeFigureOut">
               <a:rPr lang="ko-KR" altLang="en-US" smtClean="0"/>
-              <a:t>2020-06-29</a:t>
+              <a:t>2020-06-30</a:t>
             </a:fld>
             <a:endParaRPr lang="ko-KR" altLang="en-US"/>
           </a:p>
@@ -1330,7 +1329,7 @@
           <a:p>
             <a:fld id="{4204022D-519A-4CD6-99D3-23FD7668B2FE}" type="datetimeFigureOut">
               <a:rPr lang="ko-KR" altLang="en-US" smtClean="0"/>
-              <a:t>2020-06-29</a:t>
+              <a:t>2020-06-30</a:t>
             </a:fld>
             <a:endParaRPr lang="ko-KR" altLang="en-US"/>
           </a:p>
@@ -1747,7 +1746,7 @@
           <a:p>
             <a:fld id="{4204022D-519A-4CD6-99D3-23FD7668B2FE}" type="datetimeFigureOut">
               <a:rPr lang="ko-KR" altLang="en-US" smtClean="0"/>
-              <a:t>2020-06-29</a:t>
+              <a:t>2020-06-30</a:t>
             </a:fld>
             <a:endParaRPr lang="ko-KR" altLang="en-US"/>
           </a:p>
@@ -1860,7 +1859,7 @@
           <a:p>
             <a:fld id="{4204022D-519A-4CD6-99D3-23FD7668B2FE}" type="datetimeFigureOut">
               <a:rPr lang="ko-KR" altLang="en-US" smtClean="0"/>
-              <a:t>2020-06-29</a:t>
+              <a:t>2020-06-30</a:t>
             </a:fld>
             <a:endParaRPr lang="ko-KR" altLang="en-US"/>
           </a:p>
@@ -1950,7 +1949,7 @@
           <a:p>
             <a:fld id="{4204022D-519A-4CD6-99D3-23FD7668B2FE}" type="datetimeFigureOut">
               <a:rPr lang="ko-KR" altLang="en-US" smtClean="0"/>
-              <a:t>2020-06-29</a:t>
+              <a:t>2020-06-30</a:t>
             </a:fld>
             <a:endParaRPr lang="ko-KR" altLang="en-US"/>
           </a:p>
@@ -2222,7 +2221,7 @@
           <a:p>
             <a:fld id="{4204022D-519A-4CD6-99D3-23FD7668B2FE}" type="datetimeFigureOut">
               <a:rPr lang="ko-KR" altLang="en-US" smtClean="0"/>
-              <a:t>2020-06-29</a:t>
+              <a:t>2020-06-30</a:t>
             </a:fld>
             <a:endParaRPr lang="ko-KR" altLang="en-US"/>
           </a:p>
@@ -2470,7 +2469,7 @@
           <a:p>
             <a:fld id="{4204022D-519A-4CD6-99D3-23FD7668B2FE}" type="datetimeFigureOut">
               <a:rPr lang="ko-KR" altLang="en-US" smtClean="0"/>
-              <a:t>2020-06-29</a:t>
+              <a:t>2020-06-30</a:t>
             </a:fld>
             <a:endParaRPr lang="ko-KR" altLang="en-US"/>
           </a:p>
@@ -2678,7 +2677,7 @@
           <a:p>
             <a:fld id="{4204022D-519A-4CD6-99D3-23FD7668B2FE}" type="datetimeFigureOut">
               <a:rPr lang="ko-KR" altLang="en-US" smtClean="0"/>
-              <a:t>2020-06-29</a:t>
+              <a:t>2020-06-30</a:t>
             </a:fld>
             <a:endParaRPr lang="ko-KR" altLang="en-US"/>
           </a:p>
@@ -3076,7 +3075,7 @@
                 <a:gridCol w="6587921">
                   <a:extLst>
                     <a:ext uri="{9D8B030D-6E8A-4147-A177-3AD203B41FA5}">
-                      <a16:colId xmlns="" xmlns:a16="http://schemas.microsoft.com/office/drawing/2014/main" val="20000"/>
+                      <a16:colId xmlns:a16="http://schemas.microsoft.com/office/drawing/2014/main" xmlns="" val="20000"/>
                     </a:ext>
                   </a:extLst>
                 </a:gridCol>
@@ -3233,7 +3232,7 @@
                 </a:tc>
                 <a:extLst>
                   <a:ext uri="{0D108BD9-81ED-4DB2-BD59-A6C34878D82A}">
-                    <a16:rowId xmlns="" xmlns:a16="http://schemas.microsoft.com/office/drawing/2014/main" val="10000"/>
+                    <a16:rowId xmlns:a16="http://schemas.microsoft.com/office/drawing/2014/main" xmlns="" val="10000"/>
                   </a:ext>
                 </a:extLst>
               </a:tr>
@@ -3393,42 +3392,42 @@
                 <a:gridCol w="1380432">
                   <a:extLst>
                     <a:ext uri="{9D8B030D-6E8A-4147-A177-3AD203B41FA5}">
-                      <a16:colId xmlns="" xmlns:a16="http://schemas.microsoft.com/office/drawing/2014/main" val="20000"/>
+                      <a16:colId xmlns:a16="http://schemas.microsoft.com/office/drawing/2014/main" xmlns="" val="20000"/>
                     </a:ext>
                   </a:extLst>
                 </a:gridCol>
                 <a:gridCol w="2195892">
                   <a:extLst>
                     <a:ext uri="{9D8B030D-6E8A-4147-A177-3AD203B41FA5}">
-                      <a16:colId xmlns="" xmlns:a16="http://schemas.microsoft.com/office/drawing/2014/main" val="20001"/>
+                      <a16:colId xmlns:a16="http://schemas.microsoft.com/office/drawing/2014/main" xmlns="" val="20001"/>
                     </a:ext>
                   </a:extLst>
                 </a:gridCol>
                 <a:gridCol w="1086007">
                   <a:extLst>
                     <a:ext uri="{9D8B030D-6E8A-4147-A177-3AD203B41FA5}">
-                      <a16:colId xmlns="" xmlns:a16="http://schemas.microsoft.com/office/drawing/2014/main" val="20002"/>
+                      <a16:colId xmlns:a16="http://schemas.microsoft.com/office/drawing/2014/main" xmlns="" val="20002"/>
                     </a:ext>
                   </a:extLst>
                 </a:gridCol>
                 <a:gridCol w="1927970">
                   <a:extLst>
                     <a:ext uri="{9D8B030D-6E8A-4147-A177-3AD203B41FA5}">
-                      <a16:colId xmlns="" xmlns:a16="http://schemas.microsoft.com/office/drawing/2014/main" val="20003"/>
+                      <a16:colId xmlns:a16="http://schemas.microsoft.com/office/drawing/2014/main" xmlns="" val="20003"/>
                     </a:ext>
                   </a:extLst>
                 </a:gridCol>
                 <a:gridCol w="1233488">
                   <a:extLst>
                     <a:ext uri="{9D8B030D-6E8A-4147-A177-3AD203B41FA5}">
-                      <a16:colId xmlns="" xmlns:a16="http://schemas.microsoft.com/office/drawing/2014/main" val="20004"/>
+                      <a16:colId xmlns:a16="http://schemas.microsoft.com/office/drawing/2014/main" xmlns="" val="20004"/>
                     </a:ext>
                   </a:extLst>
                 </a:gridCol>
                 <a:gridCol w="971549">
                   <a:extLst>
                     <a:ext uri="{9D8B030D-6E8A-4147-A177-3AD203B41FA5}">
-                      <a16:colId xmlns="" xmlns:a16="http://schemas.microsoft.com/office/drawing/2014/main" val="20006"/>
+                      <a16:colId xmlns:a16="http://schemas.microsoft.com/office/drawing/2014/main" xmlns="" val="20006"/>
                     </a:ext>
                   </a:extLst>
                 </a:gridCol>
@@ -3872,7 +3871,7 @@
                 </a:tc>
                 <a:extLst>
                   <a:ext uri="{0D108BD9-81ED-4DB2-BD59-A6C34878D82A}">
-                    <a16:rowId xmlns="" xmlns:a16="http://schemas.microsoft.com/office/drawing/2014/main" val="10000"/>
+                    <a16:rowId xmlns:a16="http://schemas.microsoft.com/office/drawing/2014/main" xmlns="" val="10000"/>
                   </a:ext>
                 </a:extLst>
               </a:tr>
@@ -5363,7 +5362,7 @@
                 <a:gridCol w="6587921">
                   <a:extLst>
                     <a:ext uri="{9D8B030D-6E8A-4147-A177-3AD203B41FA5}">
-                      <a16:colId xmlns="" xmlns:a16="http://schemas.microsoft.com/office/drawing/2014/main" val="20000"/>
+                      <a16:colId xmlns:a16="http://schemas.microsoft.com/office/drawing/2014/main" xmlns="" val="20000"/>
                     </a:ext>
                   </a:extLst>
                 </a:gridCol>
@@ -5520,7 +5519,7 @@
                 </a:tc>
                 <a:extLst>
                   <a:ext uri="{0D108BD9-81ED-4DB2-BD59-A6C34878D82A}">
-                    <a16:rowId xmlns="" xmlns:a16="http://schemas.microsoft.com/office/drawing/2014/main" val="10000"/>
+                    <a16:rowId xmlns:a16="http://schemas.microsoft.com/office/drawing/2014/main" xmlns="" val="10000"/>
                   </a:ext>
                 </a:extLst>
               </a:tr>
@@ -5680,42 +5679,42 @@
                 <a:gridCol w="1380432">
                   <a:extLst>
                     <a:ext uri="{9D8B030D-6E8A-4147-A177-3AD203B41FA5}">
-                      <a16:colId xmlns="" xmlns:a16="http://schemas.microsoft.com/office/drawing/2014/main" val="20000"/>
+                      <a16:colId xmlns:a16="http://schemas.microsoft.com/office/drawing/2014/main" xmlns="" val="20000"/>
                     </a:ext>
                   </a:extLst>
                 </a:gridCol>
                 <a:gridCol w="2195892">
                   <a:extLst>
                     <a:ext uri="{9D8B030D-6E8A-4147-A177-3AD203B41FA5}">
-                      <a16:colId xmlns="" xmlns:a16="http://schemas.microsoft.com/office/drawing/2014/main" val="20001"/>
+                      <a16:colId xmlns:a16="http://schemas.microsoft.com/office/drawing/2014/main" xmlns="" val="20001"/>
                     </a:ext>
                   </a:extLst>
                 </a:gridCol>
                 <a:gridCol w="1086007">
                   <a:extLst>
                     <a:ext uri="{9D8B030D-6E8A-4147-A177-3AD203B41FA5}">
-                      <a16:colId xmlns="" xmlns:a16="http://schemas.microsoft.com/office/drawing/2014/main" val="20002"/>
+                      <a16:colId xmlns:a16="http://schemas.microsoft.com/office/drawing/2014/main" xmlns="" val="20002"/>
                     </a:ext>
                   </a:extLst>
                 </a:gridCol>
                 <a:gridCol w="1927970">
                   <a:extLst>
                     <a:ext uri="{9D8B030D-6E8A-4147-A177-3AD203B41FA5}">
-                      <a16:colId xmlns="" xmlns:a16="http://schemas.microsoft.com/office/drawing/2014/main" val="20003"/>
+                      <a16:colId xmlns:a16="http://schemas.microsoft.com/office/drawing/2014/main" xmlns="" val="20003"/>
                     </a:ext>
                   </a:extLst>
                 </a:gridCol>
                 <a:gridCol w="1233488">
                   <a:extLst>
                     <a:ext uri="{9D8B030D-6E8A-4147-A177-3AD203B41FA5}">
-                      <a16:colId xmlns="" xmlns:a16="http://schemas.microsoft.com/office/drawing/2014/main" val="20004"/>
+                      <a16:colId xmlns:a16="http://schemas.microsoft.com/office/drawing/2014/main" xmlns="" val="20004"/>
                     </a:ext>
                   </a:extLst>
                 </a:gridCol>
                 <a:gridCol w="971549">
                   <a:extLst>
                     <a:ext uri="{9D8B030D-6E8A-4147-A177-3AD203B41FA5}">
-                      <a16:colId xmlns="" xmlns:a16="http://schemas.microsoft.com/office/drawing/2014/main" val="20006"/>
+                      <a16:colId xmlns:a16="http://schemas.microsoft.com/office/drawing/2014/main" xmlns="" val="20006"/>
                     </a:ext>
                   </a:extLst>
                 </a:gridCol>
@@ -6169,7 +6168,7 @@
                 </a:tc>
                 <a:extLst>
                   <a:ext uri="{0D108BD9-81ED-4DB2-BD59-A6C34878D82A}">
-                    <a16:rowId xmlns="" xmlns:a16="http://schemas.microsoft.com/office/drawing/2014/main" val="10000"/>
+                    <a16:rowId xmlns:a16="http://schemas.microsoft.com/office/drawing/2014/main" xmlns="" val="10000"/>
                   </a:ext>
                 </a:extLst>
               </a:tr>
@@ -6379,7 +6378,7 @@
       </p:graphicFrame>
       <p:pic>
         <p:nvPicPr>
-          <p:cNvPr id="9218" name="Picture 2" descr="C:\Users\hong\Downloads\[관리자페이지] data관리 - 팀정보 - 정보 수정.jpg"/>
+          <p:cNvPr id="3074" name="Picture 2" descr="C:\Users\hong\Downloads\[관리자페이지] data관리 - 팀정보 - 정보 수정 (1).jpg"/>
           <p:cNvPicPr>
             <a:picLocks noChangeAspect="1" noChangeArrowheads="1"/>
           </p:cNvPicPr>
@@ -6400,7 +6399,7 @@
         </p:blipFill>
         <p:spPr bwMode="auto">
           <a:xfrm>
-            <a:off x="179512" y="1720725"/>
+            <a:off x="289000" y="1689460"/>
             <a:ext cx="6480000" cy="3975460"/>
           </a:xfrm>
           <a:prstGeom prst="rect">
@@ -6484,7 +6483,7 @@
                 <a:gridCol w="6587921">
                   <a:extLst>
                     <a:ext uri="{9D8B030D-6E8A-4147-A177-3AD203B41FA5}">
-                      <a16:colId xmlns="" xmlns:a16="http://schemas.microsoft.com/office/drawing/2014/main" val="20000"/>
+                      <a16:colId xmlns:a16="http://schemas.microsoft.com/office/drawing/2014/main" xmlns="" val="20000"/>
                     </a:ext>
                   </a:extLst>
                 </a:gridCol>
@@ -6641,7 +6640,7 @@
                 </a:tc>
                 <a:extLst>
                   <a:ext uri="{0D108BD9-81ED-4DB2-BD59-A6C34878D82A}">
-                    <a16:rowId xmlns="" xmlns:a16="http://schemas.microsoft.com/office/drawing/2014/main" val="10000"/>
+                    <a16:rowId xmlns:a16="http://schemas.microsoft.com/office/drawing/2014/main" xmlns="" val="10000"/>
                   </a:ext>
                 </a:extLst>
               </a:tr>
@@ -6782,14 +6781,14 @@
           <p:nvPr>
             <p:extLst>
               <p:ext uri="{D42A27DB-BD31-4B8C-83A1-F6EECF244321}">
-                <p14:modId xmlns:p14="http://schemas.microsoft.com/office/powerpoint/2010/main" val="3361038991"/>
+                <p14:modId xmlns:p14="http://schemas.microsoft.com/office/powerpoint/2010/main" val="4144603601"/>
               </p:ext>
             </p:extLst>
           </p:nvPr>
         </p:nvGraphicFramePr>
         <p:xfrm>
           <a:off x="177212" y="214290"/>
-          <a:ext cx="8795338" cy="396240"/>
+          <a:ext cx="8795338" cy="370840"/>
         </p:xfrm>
         <a:graphic>
           <a:graphicData uri="http://schemas.openxmlformats.org/drawingml/2006/table">
@@ -6801,42 +6800,42 @@
                 <a:gridCol w="1380432">
                   <a:extLst>
                     <a:ext uri="{9D8B030D-6E8A-4147-A177-3AD203B41FA5}">
-                      <a16:colId xmlns="" xmlns:a16="http://schemas.microsoft.com/office/drawing/2014/main" val="20000"/>
+                      <a16:colId xmlns:a16="http://schemas.microsoft.com/office/drawing/2014/main" xmlns="" val="20000"/>
                     </a:ext>
                   </a:extLst>
                 </a:gridCol>
                 <a:gridCol w="2195892">
                   <a:extLst>
                     <a:ext uri="{9D8B030D-6E8A-4147-A177-3AD203B41FA5}">
-                      <a16:colId xmlns="" xmlns:a16="http://schemas.microsoft.com/office/drawing/2014/main" val="20001"/>
+                      <a16:colId xmlns:a16="http://schemas.microsoft.com/office/drawing/2014/main" xmlns="" val="20001"/>
                     </a:ext>
                   </a:extLst>
                 </a:gridCol>
                 <a:gridCol w="1086007">
                   <a:extLst>
                     <a:ext uri="{9D8B030D-6E8A-4147-A177-3AD203B41FA5}">
-                      <a16:colId xmlns="" xmlns:a16="http://schemas.microsoft.com/office/drawing/2014/main" val="20002"/>
+                      <a16:colId xmlns:a16="http://schemas.microsoft.com/office/drawing/2014/main" xmlns="" val="20002"/>
                     </a:ext>
                   </a:extLst>
                 </a:gridCol>
                 <a:gridCol w="1927970">
                   <a:extLst>
                     <a:ext uri="{9D8B030D-6E8A-4147-A177-3AD203B41FA5}">
-                      <a16:colId xmlns="" xmlns:a16="http://schemas.microsoft.com/office/drawing/2014/main" val="20003"/>
+                      <a16:colId xmlns:a16="http://schemas.microsoft.com/office/drawing/2014/main" xmlns="" val="20003"/>
                     </a:ext>
                   </a:extLst>
                 </a:gridCol>
                 <a:gridCol w="1233488">
                   <a:extLst>
                     <a:ext uri="{9D8B030D-6E8A-4147-A177-3AD203B41FA5}">
-                      <a16:colId xmlns="" xmlns:a16="http://schemas.microsoft.com/office/drawing/2014/main" val="20004"/>
+                      <a16:colId xmlns:a16="http://schemas.microsoft.com/office/drawing/2014/main" xmlns="" val="20004"/>
                     </a:ext>
                   </a:extLst>
                 </a:gridCol>
                 <a:gridCol w="971549">
                   <a:extLst>
                     <a:ext uri="{9D8B030D-6E8A-4147-A177-3AD203B41FA5}">
-                      <a16:colId xmlns="" xmlns:a16="http://schemas.microsoft.com/office/drawing/2014/main" val="20006"/>
+                      <a16:colId xmlns:a16="http://schemas.microsoft.com/office/drawing/2014/main" xmlns="" val="20006"/>
                     </a:ext>
                   </a:extLst>
                 </a:gridCol>
@@ -7067,20 +7066,10 @@
                           <a:latin typeface="+mn-ea"/>
                           <a:ea typeface="+mn-ea"/>
                         </a:rPr>
-                        <a:t>Data</a:t>
-                      </a:r>
-                      <a:r>
-                        <a:rPr lang="en-US" altLang="ko-KR" sz="1000" b="0" baseline="0" dirty="0" smtClean="0">
-                          <a:solidFill>
-                            <a:schemeClr val="tx1"/>
-                          </a:solidFill>
-                          <a:latin typeface="+mn-ea"/>
-                          <a:ea typeface="+mn-ea"/>
-                        </a:rPr>
-                        <a:t> </a:t>
-                      </a:r>
-                      <a:r>
-                        <a:rPr lang="ko-KR" altLang="en-US" sz="1000" b="0" baseline="0" dirty="0" smtClean="0">
+                        <a:t>Data </a:t>
+                      </a:r>
+                      <a:r>
+                        <a:rPr lang="ko-KR" altLang="en-US" sz="1000" b="0" dirty="0" smtClean="0">
                           <a:solidFill>
                             <a:schemeClr val="tx1"/>
                           </a:solidFill>
@@ -7090,7 +7079,7 @@
                         <a:t>관리 </a:t>
                       </a:r>
                       <a:r>
-                        <a:rPr lang="en-US" altLang="ko-KR" sz="1000" b="0" baseline="0" dirty="0" smtClean="0">
+                        <a:rPr lang="en-US" altLang="ko-KR" sz="1000" b="0" dirty="0" smtClean="0">
                           <a:solidFill>
                             <a:schemeClr val="tx1"/>
                           </a:solidFill>
@@ -7100,54 +7089,14 @@
                         <a:t>– </a:t>
                       </a:r>
                       <a:r>
-                        <a:rPr lang="ko-KR" altLang="en-US" sz="1000" b="0" baseline="0" dirty="0" err="1" smtClean="0">
+                        <a:rPr lang="ko-KR" altLang="en-US" sz="1000" b="0" dirty="0" smtClean="0">
                           <a:solidFill>
                             <a:schemeClr val="tx1"/>
                           </a:solidFill>
                           <a:latin typeface="+mn-ea"/>
                           <a:ea typeface="+mn-ea"/>
                         </a:rPr>
-                        <a:t>팀정보</a:t>
-                      </a:r>
-                      <a:r>
-                        <a:rPr lang="ko-KR" altLang="en-US" sz="1000" b="0" baseline="0" dirty="0" smtClean="0">
-                          <a:solidFill>
-                            <a:schemeClr val="tx1"/>
-                          </a:solidFill>
-                          <a:latin typeface="+mn-ea"/>
-                          <a:ea typeface="+mn-ea"/>
-                        </a:rPr>
-                        <a:t> 수정 </a:t>
-                      </a:r>
-                      <a:r>
-                        <a:rPr lang="en-US" altLang="ko-KR" sz="1000" b="0" baseline="0" dirty="0" smtClean="0">
-                          <a:solidFill>
-                            <a:schemeClr val="tx1"/>
-                          </a:solidFill>
-                          <a:latin typeface="+mn-ea"/>
-                          <a:ea typeface="+mn-ea"/>
-                        </a:rPr>
-                        <a:t>– </a:t>
-                      </a:r>
-                      <a:r>
-                        <a:rPr lang="ko-KR" altLang="en-US" sz="1000" b="0" baseline="0" dirty="0" err="1" smtClean="0">
-                          <a:solidFill>
-                            <a:schemeClr val="tx1"/>
-                          </a:solidFill>
-                          <a:latin typeface="+mn-ea"/>
-                          <a:ea typeface="+mn-ea"/>
-                        </a:rPr>
-                        <a:t>팀이력</a:t>
-                      </a:r>
-                      <a:r>
-                        <a:rPr lang="ko-KR" altLang="en-US" sz="1000" b="0" baseline="0" dirty="0" smtClean="0">
-                          <a:solidFill>
-                            <a:schemeClr val="tx1"/>
-                          </a:solidFill>
-                          <a:latin typeface="+mn-ea"/>
-                          <a:ea typeface="+mn-ea"/>
-                        </a:rPr>
-                        <a:t> 수정</a:t>
+                        <a:t>선수 목록</a:t>
                       </a:r>
                       <a:endParaRPr lang="ko-KR" altLang="en-US" sz="1000" b="0" dirty="0">
                         <a:solidFill>
@@ -7330,7 +7279,7 @@
                 </a:tc>
                 <a:extLst>
                   <a:ext uri="{0D108BD9-81ED-4DB2-BD59-A6C34878D82A}">
-                    <a16:rowId xmlns="" xmlns:a16="http://schemas.microsoft.com/office/drawing/2014/main" val="10000"/>
+                    <a16:rowId xmlns:a16="http://schemas.microsoft.com/office/drawing/2014/main" xmlns="" val="10000"/>
                   </a:ext>
                 </a:extLst>
               </a:tr>
@@ -7540,7 +7489,7 @@
       </p:graphicFrame>
       <p:pic>
         <p:nvPicPr>
-          <p:cNvPr id="10242" name="Picture 2" descr="C:\Users\hong\Downloads\[관리자페이지] data관리 - 팀정보 - 이력 수정.jpg"/>
+          <p:cNvPr id="7" name="Picture 3" descr="C:\Users\hong\Downloads\[관리자페이지] data관리 - 선수정보 (2).jpg"/>
           <p:cNvPicPr>
             <a:picLocks noChangeAspect="1" noChangeArrowheads="1"/>
           </p:cNvPicPr>
@@ -7561,7 +7510,7 @@
         </p:blipFill>
         <p:spPr bwMode="auto">
           <a:xfrm>
-            <a:off x="251520" y="1556792"/>
+            <a:off x="251520" y="1772816"/>
             <a:ext cx="6480000" cy="3975460"/>
           </a:xfrm>
           <a:prstGeom prst="rect">
@@ -7645,7 +7594,7 @@
                 <a:gridCol w="6587921">
                   <a:extLst>
                     <a:ext uri="{9D8B030D-6E8A-4147-A177-3AD203B41FA5}">
-                      <a16:colId xmlns="" xmlns:a16="http://schemas.microsoft.com/office/drawing/2014/main" val="20000"/>
+                      <a16:colId xmlns:a16="http://schemas.microsoft.com/office/drawing/2014/main" xmlns="" val="20000"/>
                     </a:ext>
                   </a:extLst>
                 </a:gridCol>
@@ -7802,7 +7751,7 @@
                 </a:tc>
                 <a:extLst>
                   <a:ext uri="{0D108BD9-81ED-4DB2-BD59-A6C34878D82A}">
-                    <a16:rowId xmlns="" xmlns:a16="http://schemas.microsoft.com/office/drawing/2014/main" val="10000"/>
+                    <a16:rowId xmlns:a16="http://schemas.microsoft.com/office/drawing/2014/main" xmlns="" val="10000"/>
                   </a:ext>
                 </a:extLst>
               </a:tr>
@@ -7943,7 +7892,7 @@
           <p:nvPr>
             <p:extLst>
               <p:ext uri="{D42A27DB-BD31-4B8C-83A1-F6EECF244321}">
-                <p14:modId xmlns:p14="http://schemas.microsoft.com/office/powerpoint/2010/main" val="4144603601"/>
+                <p14:modId xmlns:p14="http://schemas.microsoft.com/office/powerpoint/2010/main" val="2635194371"/>
               </p:ext>
             </p:extLst>
           </p:nvPr>
@@ -7962,42 +7911,42 @@
                 <a:gridCol w="1380432">
                   <a:extLst>
                     <a:ext uri="{9D8B030D-6E8A-4147-A177-3AD203B41FA5}">
-                      <a16:colId xmlns="" xmlns:a16="http://schemas.microsoft.com/office/drawing/2014/main" val="20000"/>
+                      <a16:colId xmlns:a16="http://schemas.microsoft.com/office/drawing/2014/main" xmlns="" val="20000"/>
                     </a:ext>
                   </a:extLst>
                 </a:gridCol>
                 <a:gridCol w="2195892">
                   <a:extLst>
                     <a:ext uri="{9D8B030D-6E8A-4147-A177-3AD203B41FA5}">
-                      <a16:colId xmlns="" xmlns:a16="http://schemas.microsoft.com/office/drawing/2014/main" val="20001"/>
+                      <a16:colId xmlns:a16="http://schemas.microsoft.com/office/drawing/2014/main" xmlns="" val="20001"/>
                     </a:ext>
                   </a:extLst>
                 </a:gridCol>
                 <a:gridCol w="1086007">
                   <a:extLst>
                     <a:ext uri="{9D8B030D-6E8A-4147-A177-3AD203B41FA5}">
-                      <a16:colId xmlns="" xmlns:a16="http://schemas.microsoft.com/office/drawing/2014/main" val="20002"/>
+                      <a16:colId xmlns:a16="http://schemas.microsoft.com/office/drawing/2014/main" xmlns="" val="20002"/>
                     </a:ext>
                   </a:extLst>
                 </a:gridCol>
                 <a:gridCol w="1927970">
                   <a:extLst>
                     <a:ext uri="{9D8B030D-6E8A-4147-A177-3AD203B41FA5}">
-                      <a16:colId xmlns="" xmlns:a16="http://schemas.microsoft.com/office/drawing/2014/main" val="20003"/>
+                      <a16:colId xmlns:a16="http://schemas.microsoft.com/office/drawing/2014/main" xmlns="" val="20003"/>
                     </a:ext>
                   </a:extLst>
                 </a:gridCol>
                 <a:gridCol w="1233488">
                   <a:extLst>
                     <a:ext uri="{9D8B030D-6E8A-4147-A177-3AD203B41FA5}">
-                      <a16:colId xmlns="" xmlns:a16="http://schemas.microsoft.com/office/drawing/2014/main" val="20004"/>
+                      <a16:colId xmlns:a16="http://schemas.microsoft.com/office/drawing/2014/main" xmlns="" val="20004"/>
                     </a:ext>
                   </a:extLst>
                 </a:gridCol>
                 <a:gridCol w="971549">
                   <a:extLst>
                     <a:ext uri="{9D8B030D-6E8A-4147-A177-3AD203B41FA5}">
-                      <a16:colId xmlns="" xmlns:a16="http://schemas.microsoft.com/office/drawing/2014/main" val="20006"/>
+                      <a16:colId xmlns:a16="http://schemas.microsoft.com/office/drawing/2014/main" xmlns="" val="20006"/>
                     </a:ext>
                   </a:extLst>
                 </a:gridCol>
@@ -8228,7 +8177,7 @@
                           <a:latin typeface="+mn-ea"/>
                           <a:ea typeface="+mn-ea"/>
                         </a:rPr>
-                        <a:t>Data </a:t>
+                        <a:t>Data</a:t>
                       </a:r>
                       <a:r>
                         <a:rPr lang="ko-KR" altLang="en-US" sz="1000" b="0" dirty="0" smtClean="0">
@@ -8258,7 +8207,7 @@
                           <a:latin typeface="+mn-ea"/>
                           <a:ea typeface="+mn-ea"/>
                         </a:rPr>
-                        <a:t>선수 목록</a:t>
+                        <a:t>선수정보 수정</a:t>
                       </a:r>
                       <a:endParaRPr lang="ko-KR" altLang="en-US" sz="1000" b="0" dirty="0">
                         <a:solidFill>
@@ -8441,7 +8390,7 @@
                 </a:tc>
                 <a:extLst>
                   <a:ext uri="{0D108BD9-81ED-4DB2-BD59-A6C34878D82A}">
-                    <a16:rowId xmlns="" xmlns:a16="http://schemas.microsoft.com/office/drawing/2014/main" val="10000"/>
+                    <a16:rowId xmlns:a16="http://schemas.microsoft.com/office/drawing/2014/main" xmlns="" val="10000"/>
                   </a:ext>
                 </a:extLst>
               </a:tr>
@@ -8651,7 +8600,7 @@
       </p:graphicFrame>
       <p:pic>
         <p:nvPicPr>
-          <p:cNvPr id="11266" name="Picture 2" descr="C:\Users\hong\Downloads\[관리자페이지] data관리 - 선수정보.jpg"/>
+          <p:cNvPr id="6" name="Picture 4" descr="C:\Users\hong\Downloads\[관리자페이지] data관리 - 선수정보 - 정보 수정 (1).jpg"/>
           <p:cNvPicPr>
             <a:picLocks noChangeAspect="1" noChangeArrowheads="1"/>
           </p:cNvPicPr>
@@ -8672,7 +8621,7 @@
         </p:blipFill>
         <p:spPr bwMode="auto">
           <a:xfrm>
-            <a:off x="179512" y="1689460"/>
+            <a:off x="179512" y="1556792"/>
             <a:ext cx="6480000" cy="3975460"/>
           </a:xfrm>
           <a:prstGeom prst="rect">
@@ -8756,7 +8705,7 @@
                 <a:gridCol w="6587921">
                   <a:extLst>
                     <a:ext uri="{9D8B030D-6E8A-4147-A177-3AD203B41FA5}">
-                      <a16:colId xmlns="" xmlns:a16="http://schemas.microsoft.com/office/drawing/2014/main" val="20000"/>
+                      <a16:colId xmlns:a16="http://schemas.microsoft.com/office/drawing/2014/main" xmlns="" val="20000"/>
                     </a:ext>
                   </a:extLst>
                 </a:gridCol>
@@ -8913,7 +8862,7 @@
                 </a:tc>
                 <a:extLst>
                   <a:ext uri="{0D108BD9-81ED-4DB2-BD59-A6C34878D82A}">
-                    <a16:rowId xmlns="" xmlns:a16="http://schemas.microsoft.com/office/drawing/2014/main" val="10000"/>
+                    <a16:rowId xmlns:a16="http://schemas.microsoft.com/office/drawing/2014/main" xmlns="" val="10000"/>
                   </a:ext>
                 </a:extLst>
               </a:tr>
@@ -9054,7 +9003,7 @@
           <p:nvPr>
             <p:extLst>
               <p:ext uri="{D42A27DB-BD31-4B8C-83A1-F6EECF244321}">
-                <p14:modId xmlns:p14="http://schemas.microsoft.com/office/powerpoint/2010/main" val="2635194371"/>
+                <p14:modId xmlns:p14="http://schemas.microsoft.com/office/powerpoint/2010/main" val="3783002346"/>
               </p:ext>
             </p:extLst>
           </p:nvPr>
@@ -9073,42 +9022,42 @@
                 <a:gridCol w="1380432">
                   <a:extLst>
                     <a:ext uri="{9D8B030D-6E8A-4147-A177-3AD203B41FA5}">
-                      <a16:colId xmlns="" xmlns:a16="http://schemas.microsoft.com/office/drawing/2014/main" val="20000"/>
+                      <a16:colId xmlns:a16="http://schemas.microsoft.com/office/drawing/2014/main" xmlns="" val="20000"/>
                     </a:ext>
                   </a:extLst>
                 </a:gridCol>
                 <a:gridCol w="2195892">
                   <a:extLst>
                     <a:ext uri="{9D8B030D-6E8A-4147-A177-3AD203B41FA5}">
-                      <a16:colId xmlns="" xmlns:a16="http://schemas.microsoft.com/office/drawing/2014/main" val="20001"/>
+                      <a16:colId xmlns:a16="http://schemas.microsoft.com/office/drawing/2014/main" xmlns="" val="20001"/>
                     </a:ext>
                   </a:extLst>
                 </a:gridCol>
                 <a:gridCol w="1086007">
                   <a:extLst>
                     <a:ext uri="{9D8B030D-6E8A-4147-A177-3AD203B41FA5}">
-                      <a16:colId xmlns="" xmlns:a16="http://schemas.microsoft.com/office/drawing/2014/main" val="20002"/>
+                      <a16:colId xmlns:a16="http://schemas.microsoft.com/office/drawing/2014/main" xmlns="" val="20002"/>
                     </a:ext>
                   </a:extLst>
                 </a:gridCol>
                 <a:gridCol w="1927970">
                   <a:extLst>
                     <a:ext uri="{9D8B030D-6E8A-4147-A177-3AD203B41FA5}">
-                      <a16:colId xmlns="" xmlns:a16="http://schemas.microsoft.com/office/drawing/2014/main" val="20003"/>
+                      <a16:colId xmlns:a16="http://schemas.microsoft.com/office/drawing/2014/main" xmlns="" val="20003"/>
                     </a:ext>
                   </a:extLst>
                 </a:gridCol>
                 <a:gridCol w="1233488">
                   <a:extLst>
                     <a:ext uri="{9D8B030D-6E8A-4147-A177-3AD203B41FA5}">
-                      <a16:colId xmlns="" xmlns:a16="http://schemas.microsoft.com/office/drawing/2014/main" val="20004"/>
+                      <a16:colId xmlns:a16="http://schemas.microsoft.com/office/drawing/2014/main" xmlns="" val="20004"/>
                     </a:ext>
                   </a:extLst>
                 </a:gridCol>
                 <a:gridCol w="971549">
                   <a:extLst>
                     <a:ext uri="{9D8B030D-6E8A-4147-A177-3AD203B41FA5}">
-                      <a16:colId xmlns="" xmlns:a16="http://schemas.microsoft.com/office/drawing/2014/main" val="20006"/>
+                      <a16:colId xmlns:a16="http://schemas.microsoft.com/office/drawing/2014/main" xmlns="" val="20006"/>
                     </a:ext>
                   </a:extLst>
                 </a:gridCol>
@@ -9369,7 +9318,7 @@
                           <a:latin typeface="+mn-ea"/>
                           <a:ea typeface="+mn-ea"/>
                         </a:rPr>
-                        <a:t>선수정보 수정</a:t>
+                        <a:t>경기일정 수정</a:t>
                       </a:r>
                       <a:endParaRPr lang="ko-KR" altLang="en-US" sz="1000" b="0" dirty="0">
                         <a:solidFill>
@@ -9552,7 +9501,7 @@
                 </a:tc>
                 <a:extLst>
                   <a:ext uri="{0D108BD9-81ED-4DB2-BD59-A6C34878D82A}">
-                    <a16:rowId xmlns="" xmlns:a16="http://schemas.microsoft.com/office/drawing/2014/main" val="10000"/>
+                    <a16:rowId xmlns:a16="http://schemas.microsoft.com/office/drawing/2014/main" xmlns="" val="10000"/>
                   </a:ext>
                 </a:extLst>
               </a:tr>
@@ -9762,7 +9711,7 @@
       </p:graphicFrame>
       <p:pic>
         <p:nvPicPr>
-          <p:cNvPr id="12290" name="Picture 2" descr="C:\Users\hong\Downloads\[관리자페이지] data관리 - 선수정보 - 정보 수정.jpg"/>
+          <p:cNvPr id="11" name="Picture 4" descr="C:\Users\hong\Downloads\[관리자페이지] data관리 - 경기일정 (1).jpg"/>
           <p:cNvPicPr>
             <a:picLocks noChangeAspect="1" noChangeArrowheads="1"/>
           </p:cNvPicPr>
@@ -9783,1138 +9732,7 @@
         </p:blipFill>
         <p:spPr bwMode="auto">
           <a:xfrm>
-            <a:off x="179512" y="1844824"/>
-            <a:ext cx="6480000" cy="3975460"/>
-          </a:xfrm>
-          <a:prstGeom prst="rect">
-            <a:avLst/>
-          </a:prstGeom>
-          <a:noFill/>
-          <a:extLst>
-            <a:ext uri="{909E8E84-426E-40DD-AFC4-6F175D3DCCD1}">
-              <a14:hiddenFill xmlns:a14="http://schemas.microsoft.com/office/drawing/2010/main">
-                <a:solidFill>
-                  <a:srgbClr val="FFFFFF"/>
-                </a:solidFill>
-              </a14:hiddenFill>
-            </a:ext>
-          </a:extLst>
-        </p:spPr>
-      </p:pic>
-    </p:spTree>
-    <p:extLst>
-      <p:ext uri="{BB962C8B-B14F-4D97-AF65-F5344CB8AC3E}">
-        <p14:creationId xmlns:p14="http://schemas.microsoft.com/office/powerpoint/2010/main" val="1797118782"/>
-      </p:ext>
-    </p:extLst>
-  </p:cSld>
-  <p:clrMapOvr>
-    <a:masterClrMapping/>
-  </p:clrMapOvr>
-  <p:transition/>
-  <p:timing>
-    <p:tnLst>
-      <p:par>
-        <p:cTn id="1" dur="indefinite" restart="never" nodeType="tmRoot"/>
-      </p:par>
-    </p:tnLst>
-  </p:timing>
-</p:sld>
-</file>
-
-<file path=ppt/slides/slide14.xml><?xml version="1.0" encoding="utf-8"?>
-<p:sld xmlns:a="http://schemas.openxmlformats.org/drawingml/2006/main" xmlns:r="http://schemas.openxmlformats.org/officeDocument/2006/relationships" xmlns:p="http://schemas.openxmlformats.org/presentationml/2006/main">
-  <p:cSld>
-    <p:spTree>
-      <p:nvGrpSpPr>
-        <p:cNvPr id="1" name=""/>
-        <p:cNvGrpSpPr/>
-        <p:nvPr/>
-      </p:nvGrpSpPr>
-      <p:grpSpPr>
-        <a:xfrm>
-          <a:off x="0" y="0"/>
-          <a:ext cx="0" cy="0"/>
-          <a:chOff x="0" y="0"/>
-          <a:chExt cx="0" cy="0"/>
-        </a:xfrm>
-      </p:grpSpPr>
-      <p:graphicFrame>
-        <p:nvGraphicFramePr>
-          <p:cNvPr id="34" name="표 33"/>
-          <p:cNvGraphicFramePr>
-            <a:graphicFrameLocks noGrp="1"/>
-          </p:cNvGraphicFramePr>
-          <p:nvPr>
-            <p:extLst>
-              <p:ext uri="{D42A27DB-BD31-4B8C-83A1-F6EECF244321}">
-                <p14:modId xmlns:p14="http://schemas.microsoft.com/office/powerpoint/2010/main" val="3107416924"/>
-              </p:ext>
-            </p:extLst>
-          </p:nvPr>
-        </p:nvGraphicFramePr>
-        <p:xfrm>
-          <a:off x="177211" y="590532"/>
-          <a:ext cx="8795341" cy="6038869"/>
-        </p:xfrm>
-        <a:graphic>
-          <a:graphicData uri="http://schemas.openxmlformats.org/drawingml/2006/table">
-            <a:tbl>
-              <a:tblPr firstRow="1" bandRow="1">
-                <a:tableStyleId>{5C22544A-7EE6-4342-B048-85BDC9FD1C3A}</a:tableStyleId>
-              </a:tblPr>
-              <a:tblGrid>
-                <a:gridCol w="6587921">
-                  <a:extLst>
-                    <a:ext uri="{9D8B030D-6E8A-4147-A177-3AD203B41FA5}">
-                      <a16:colId xmlns="" xmlns:a16="http://schemas.microsoft.com/office/drawing/2014/main" val="20000"/>
-                    </a:ext>
-                  </a:extLst>
-                </a:gridCol>
-                <a:gridCol w="2207420"/>
-              </a:tblGrid>
-              <a:tr h="339580">
-                <a:tc>
-                  <a:txBody>
-                    <a:bodyPr/>
-                    <a:lstStyle/>
-                    <a:p>
-                      <a:pPr algn="ctr" latinLnBrk="1">
-                        <a:defRPr lang="ko-KR" altLang="en-US"/>
-                      </a:pPr>
-                      <a:r>
-                        <a:rPr lang="ko-KR" altLang="en-US" sz="1000" b="0" dirty="0" smtClean="0">
-                          <a:solidFill>
-                            <a:schemeClr val="tx1"/>
-                          </a:solidFill>
-                          <a:latin typeface="+mn-ea"/>
-                          <a:ea typeface="+mn-ea"/>
-                        </a:rPr>
-                        <a:t>화면 구성</a:t>
-                      </a:r>
-                      <a:endParaRPr lang="ko-KR" altLang="en-US" sz="1000" b="0" dirty="0">
-                        <a:solidFill>
-                          <a:schemeClr val="tx1"/>
-                        </a:solidFill>
-                        <a:latin typeface="+mn-ea"/>
-                        <a:ea typeface="+mn-ea"/>
-                      </a:endParaRPr>
-                    </a:p>
-                  </a:txBody>
-                  <a:tcPr anchor="ctr">
-                    <a:lnL w="12700" cap="flat" cmpd="sng" algn="ctr">
-                      <a:solidFill>
-                        <a:schemeClr val="bg1">
-                          <a:lumMod val="65000"/>
-                        </a:schemeClr>
-                      </a:solidFill>
-                      <a:prstDash val="solid"/>
-                      <a:round/>
-                    </a:lnL>
-                    <a:lnR w="12700" cap="flat" cmpd="sng" algn="ctr">
-                      <a:solidFill>
-                        <a:schemeClr val="bg1">
-                          <a:lumMod val="65000"/>
-                        </a:schemeClr>
-                      </a:solidFill>
-                      <a:prstDash val="solid"/>
-                      <a:round/>
-                      <a:headEnd type="none" w="med" len="med"/>
-                      <a:tailEnd type="none" w="med" len="med"/>
-                    </a:lnR>
-                    <a:lnT w="12700" cap="flat" cmpd="sng" algn="ctr">
-                      <a:solidFill>
-                        <a:schemeClr val="bg1">
-                          <a:lumMod val="65000"/>
-                        </a:schemeClr>
-                      </a:solidFill>
-                      <a:prstDash val="solid"/>
-                      <a:round/>
-                    </a:lnT>
-                    <a:lnB w="12700" cap="flat" cmpd="sng" algn="ctr">
-                      <a:solidFill>
-                        <a:schemeClr val="bg1">
-                          <a:lumMod val="65000"/>
-                        </a:schemeClr>
-                      </a:solidFill>
-                      <a:prstDash val="solid"/>
-                      <a:round/>
-                      <a:headEnd type="none" w="med" len="med"/>
-                      <a:tailEnd type="none" w="med" len="med"/>
-                    </a:lnB>
-                    <a:solidFill>
-                      <a:schemeClr val="bg1">
-                        <a:lumMod val="85000"/>
-                      </a:schemeClr>
-                    </a:solidFill>
-                  </a:tcPr>
-                </a:tc>
-                <a:tc>
-                  <a:txBody>
-                    <a:bodyPr/>
-                    <a:lstStyle/>
-                    <a:p>
-                      <a:pPr algn="ctr" latinLnBrk="1">
-                        <a:defRPr lang="ko-KR" altLang="en-US"/>
-                      </a:pPr>
-                      <a:r>
-                        <a:rPr lang="ko-KR" altLang="en-US" sz="1000" b="0" dirty="0" smtClean="0">
-                          <a:solidFill>
-                            <a:schemeClr val="tx1"/>
-                          </a:solidFill>
-                          <a:latin typeface="+mn-ea"/>
-                          <a:ea typeface="+mn-ea"/>
-                        </a:rPr>
-                        <a:t>화면 설명</a:t>
-                      </a:r>
-                      <a:endParaRPr lang="ko-KR" altLang="en-US" sz="1000" b="0" dirty="0">
-                        <a:solidFill>
-                          <a:schemeClr val="tx1"/>
-                        </a:solidFill>
-                        <a:latin typeface="+mn-ea"/>
-                        <a:ea typeface="+mn-ea"/>
-                      </a:endParaRPr>
-                    </a:p>
-                  </a:txBody>
-                  <a:tcPr anchor="ctr">
-                    <a:lnL w="12700" cap="flat" cmpd="sng" algn="ctr">
-                      <a:solidFill>
-                        <a:schemeClr val="bg1">
-                          <a:lumMod val="65000"/>
-                        </a:schemeClr>
-                      </a:solidFill>
-                      <a:prstDash val="solid"/>
-                      <a:round/>
-                    </a:lnL>
-                    <a:lnR w="12700" cap="flat" cmpd="sng" algn="ctr">
-                      <a:solidFill>
-                        <a:schemeClr val="bg1">
-                          <a:lumMod val="65000"/>
-                        </a:schemeClr>
-                      </a:solidFill>
-                      <a:prstDash val="solid"/>
-                      <a:round/>
-                    </a:lnR>
-                    <a:lnT w="12700" cap="flat" cmpd="sng" algn="ctr">
-                      <a:solidFill>
-                        <a:schemeClr val="bg1">
-                          <a:lumMod val="65000"/>
-                        </a:schemeClr>
-                      </a:solidFill>
-                      <a:prstDash val="solid"/>
-                      <a:round/>
-                    </a:lnT>
-                    <a:lnB w="12700" cap="flat" cmpd="sng" algn="ctr">
-                      <a:solidFill>
-                        <a:schemeClr val="bg1">
-                          <a:lumMod val="65000"/>
-                        </a:schemeClr>
-                      </a:solidFill>
-                      <a:prstDash val="solid"/>
-                      <a:round/>
-                      <a:headEnd type="none" w="med" len="med"/>
-                      <a:tailEnd type="none" w="med" len="med"/>
-                    </a:lnB>
-                    <a:solidFill>
-                      <a:schemeClr val="bg1">
-                        <a:lumMod val="85000"/>
-                      </a:schemeClr>
-                    </a:solidFill>
-                  </a:tcPr>
-                </a:tc>
-                <a:extLst>
-                  <a:ext uri="{0D108BD9-81ED-4DB2-BD59-A6C34878D82A}">
-                    <a16:rowId xmlns="" xmlns:a16="http://schemas.microsoft.com/office/drawing/2014/main" val="10000"/>
-                  </a:ext>
-                </a:extLst>
-              </a:tr>
-              <a:tr h="5699289">
-                <a:tc>
-                  <a:txBody>
-                    <a:bodyPr/>
-                    <a:lstStyle/>
-                    <a:p>
-                      <a:pPr algn="ctr" latinLnBrk="1">
-                        <a:defRPr lang="ko-KR" altLang="en-US"/>
-                      </a:pPr>
-                      <a:endParaRPr lang="ko-KR" altLang="en-US" sz="1000" b="0" dirty="0">
-                        <a:solidFill>
-                          <a:schemeClr val="tx1"/>
-                        </a:solidFill>
-                        <a:latin typeface="+mn-ea"/>
-                        <a:ea typeface="+mn-ea"/>
-                      </a:endParaRPr>
-                    </a:p>
-                  </a:txBody>
-                  <a:tcPr anchor="ctr">
-                    <a:lnL w="12700" cap="flat" cmpd="sng" algn="ctr">
-                      <a:solidFill>
-                        <a:schemeClr val="bg1">
-                          <a:lumMod val="65000"/>
-                        </a:schemeClr>
-                      </a:solidFill>
-                      <a:prstDash val="solid"/>
-                      <a:round/>
-                    </a:lnL>
-                    <a:lnR w="12700" cap="flat" cmpd="sng" algn="ctr">
-                      <a:solidFill>
-                        <a:schemeClr val="bg1">
-                          <a:lumMod val="65000"/>
-                        </a:schemeClr>
-                      </a:solidFill>
-                      <a:prstDash val="solid"/>
-                      <a:round/>
-                      <a:headEnd type="none" w="med" len="med"/>
-                      <a:tailEnd type="none" w="med" len="med"/>
-                    </a:lnR>
-                    <a:lnT w="12700" cap="flat" cmpd="sng" algn="ctr">
-                      <a:solidFill>
-                        <a:schemeClr val="bg1">
-                          <a:lumMod val="65000"/>
-                        </a:schemeClr>
-                      </a:solidFill>
-                      <a:prstDash val="solid"/>
-                      <a:round/>
-                    </a:lnT>
-                    <a:lnB w="12700" cap="flat" cmpd="sng" algn="ctr">
-                      <a:solidFill>
-                        <a:schemeClr val="bg1">
-                          <a:lumMod val="65000"/>
-                        </a:schemeClr>
-                      </a:solidFill>
-                      <a:prstDash val="solid"/>
-                      <a:round/>
-                      <a:headEnd type="none" w="med" len="med"/>
-                      <a:tailEnd type="none" w="med" len="med"/>
-                    </a:lnB>
-                    <a:noFill/>
-                  </a:tcPr>
-                </a:tc>
-                <a:tc>
-                  <a:txBody>
-                    <a:bodyPr/>
-                    <a:lstStyle/>
-                    <a:p>
-                      <a:pPr algn="ctr" latinLnBrk="1">
-                        <a:defRPr lang="ko-KR" altLang="en-US"/>
-                      </a:pPr>
-                      <a:endParaRPr lang="ko-KR" altLang="en-US" sz="1000" b="0" dirty="0">
-                        <a:solidFill>
-                          <a:schemeClr val="tx1"/>
-                        </a:solidFill>
-                        <a:latin typeface="+mn-ea"/>
-                        <a:ea typeface="+mn-ea"/>
-                      </a:endParaRPr>
-                    </a:p>
-                  </a:txBody>
-                  <a:tcPr anchor="ctr">
-                    <a:lnL w="12700" cap="flat" cmpd="sng" algn="ctr">
-                      <a:solidFill>
-                        <a:schemeClr val="bg1">
-                          <a:lumMod val="65000"/>
-                        </a:schemeClr>
-                      </a:solidFill>
-                      <a:prstDash val="solid"/>
-                      <a:round/>
-                      <a:headEnd type="none" w="med" len="med"/>
-                      <a:tailEnd type="none" w="med" len="med"/>
-                    </a:lnL>
-                    <a:lnR w="12700" cap="flat" cmpd="sng" algn="ctr">
-                      <a:solidFill>
-                        <a:schemeClr val="bg1">
-                          <a:lumMod val="65000"/>
-                        </a:schemeClr>
-                      </a:solidFill>
-                      <a:prstDash val="solid"/>
-                      <a:round/>
-                    </a:lnR>
-                    <a:lnT w="12700" cap="flat" cmpd="sng" algn="ctr">
-                      <a:solidFill>
-                        <a:schemeClr val="bg1">
-                          <a:lumMod val="65000"/>
-                        </a:schemeClr>
-                      </a:solidFill>
-                      <a:prstDash val="solid"/>
-                      <a:round/>
-                    </a:lnT>
-                    <a:lnB w="12700" cap="flat" cmpd="sng" algn="ctr">
-                      <a:solidFill>
-                        <a:schemeClr val="bg1">
-                          <a:lumMod val="65000"/>
-                        </a:schemeClr>
-                      </a:solidFill>
-                      <a:prstDash val="solid"/>
-                      <a:round/>
-                      <a:headEnd type="none" w="med" len="med"/>
-                      <a:tailEnd type="none" w="med" len="med"/>
-                    </a:lnB>
-                    <a:noFill/>
-                  </a:tcPr>
-                </a:tc>
-              </a:tr>
-            </a:tbl>
-          </a:graphicData>
-        </a:graphic>
-      </p:graphicFrame>
-      <p:graphicFrame>
-        <p:nvGraphicFramePr>
-          <p:cNvPr id="26" name="표 25"/>
-          <p:cNvGraphicFramePr>
-            <a:graphicFrameLocks noGrp="1"/>
-          </p:cNvGraphicFramePr>
-          <p:nvPr>
-            <p:extLst>
-              <p:ext uri="{D42A27DB-BD31-4B8C-83A1-F6EECF244321}">
-                <p14:modId xmlns:p14="http://schemas.microsoft.com/office/powerpoint/2010/main" val="3491080137"/>
-              </p:ext>
-            </p:extLst>
-          </p:nvPr>
-        </p:nvGraphicFramePr>
-        <p:xfrm>
-          <a:off x="177212" y="214290"/>
-          <a:ext cx="8795338" cy="396240"/>
-        </p:xfrm>
-        <a:graphic>
-          <a:graphicData uri="http://schemas.openxmlformats.org/drawingml/2006/table">
-            <a:tbl>
-              <a:tblPr firstRow="1" bandRow="1">
-                <a:tableStyleId>{5C22544A-7EE6-4342-B048-85BDC9FD1C3A}</a:tableStyleId>
-              </a:tblPr>
-              <a:tblGrid>
-                <a:gridCol w="1380432">
-                  <a:extLst>
-                    <a:ext uri="{9D8B030D-6E8A-4147-A177-3AD203B41FA5}">
-                      <a16:colId xmlns="" xmlns:a16="http://schemas.microsoft.com/office/drawing/2014/main" val="20000"/>
-                    </a:ext>
-                  </a:extLst>
-                </a:gridCol>
-                <a:gridCol w="2195892">
-                  <a:extLst>
-                    <a:ext uri="{9D8B030D-6E8A-4147-A177-3AD203B41FA5}">
-                      <a16:colId xmlns="" xmlns:a16="http://schemas.microsoft.com/office/drawing/2014/main" val="20001"/>
-                    </a:ext>
-                  </a:extLst>
-                </a:gridCol>
-                <a:gridCol w="1086007">
-                  <a:extLst>
-                    <a:ext uri="{9D8B030D-6E8A-4147-A177-3AD203B41FA5}">
-                      <a16:colId xmlns="" xmlns:a16="http://schemas.microsoft.com/office/drawing/2014/main" val="20002"/>
-                    </a:ext>
-                  </a:extLst>
-                </a:gridCol>
-                <a:gridCol w="1927970">
-                  <a:extLst>
-                    <a:ext uri="{9D8B030D-6E8A-4147-A177-3AD203B41FA5}">
-                      <a16:colId xmlns="" xmlns:a16="http://schemas.microsoft.com/office/drawing/2014/main" val="20003"/>
-                    </a:ext>
-                  </a:extLst>
-                </a:gridCol>
-                <a:gridCol w="1233488">
-                  <a:extLst>
-                    <a:ext uri="{9D8B030D-6E8A-4147-A177-3AD203B41FA5}">
-                      <a16:colId xmlns="" xmlns:a16="http://schemas.microsoft.com/office/drawing/2014/main" val="20004"/>
-                    </a:ext>
-                  </a:extLst>
-                </a:gridCol>
-                <a:gridCol w="971549">
-                  <a:extLst>
-                    <a:ext uri="{9D8B030D-6E8A-4147-A177-3AD203B41FA5}">
-                      <a16:colId xmlns="" xmlns:a16="http://schemas.microsoft.com/office/drawing/2014/main" val="20006"/>
-                    </a:ext>
-                  </a:extLst>
-                </a:gridCol>
-              </a:tblGrid>
-              <a:tr h="370840">
-                <a:tc>
-                  <a:txBody>
-                    <a:bodyPr/>
-                    <a:lstStyle/>
-                    <a:p>
-                      <a:pPr algn="ctr" latinLnBrk="1">
-                        <a:defRPr lang="ko-KR" altLang="en-US"/>
-                      </a:pPr>
-                      <a:r>
-                        <a:rPr lang="ko-KR" altLang="en-US" sz="1000" b="0" dirty="0" smtClean="0">
-                          <a:solidFill>
-                            <a:schemeClr val="tx1"/>
-                          </a:solidFill>
-                          <a:latin typeface="+mn-ea"/>
-                          <a:ea typeface="+mn-ea"/>
-                        </a:rPr>
-                        <a:t>프로젝트 명 </a:t>
-                      </a:r>
-                      <a:endParaRPr lang="ko-KR" altLang="en-US" sz="1000" b="0" dirty="0">
-                        <a:solidFill>
-                          <a:schemeClr val="tx1"/>
-                        </a:solidFill>
-                        <a:latin typeface="+mn-ea"/>
-                        <a:ea typeface="+mn-ea"/>
-                      </a:endParaRPr>
-                    </a:p>
-                  </a:txBody>
-                  <a:tcPr anchor="ctr">
-                    <a:lnL w="12700" cap="flat" cmpd="sng" algn="ctr">
-                      <a:solidFill>
-                        <a:schemeClr val="bg1">
-                          <a:lumMod val="65000"/>
-                        </a:schemeClr>
-                      </a:solidFill>
-                      <a:prstDash val="solid"/>
-                      <a:round/>
-                    </a:lnL>
-                    <a:lnR w="12700" cap="flat" cmpd="sng" algn="ctr">
-                      <a:solidFill>
-                        <a:schemeClr val="bg1">
-                          <a:lumMod val="65000"/>
-                        </a:schemeClr>
-                      </a:solidFill>
-                      <a:prstDash val="solid"/>
-                      <a:round/>
-                    </a:lnR>
-                    <a:lnT w="12700" cap="flat" cmpd="sng" algn="ctr">
-                      <a:solidFill>
-                        <a:schemeClr val="bg1">
-                          <a:lumMod val="65000"/>
-                        </a:schemeClr>
-                      </a:solidFill>
-                      <a:prstDash val="solid"/>
-                      <a:round/>
-                    </a:lnT>
-                    <a:lnB w="12700" cap="flat" cmpd="sng" algn="ctr">
-                      <a:solidFill>
-                        <a:schemeClr val="bg1">
-                          <a:lumMod val="65000"/>
-                        </a:schemeClr>
-                      </a:solidFill>
-                      <a:prstDash val="solid"/>
-                      <a:round/>
-                    </a:lnB>
-                    <a:solidFill>
-                      <a:schemeClr val="bg1">
-                        <a:lumMod val="85000"/>
-                      </a:schemeClr>
-                    </a:solidFill>
-                  </a:tcPr>
-                </a:tc>
-                <a:tc>
-                  <a:txBody>
-                    <a:bodyPr/>
-                    <a:lstStyle/>
-                    <a:p>
-                      <a:pPr latinLnBrk="1">
-                        <a:defRPr lang="ko-KR" altLang="en-US"/>
-                      </a:pPr>
-                      <a:r>
-                        <a:rPr lang="en-US" altLang="ko-KR" sz="1000" b="0" dirty="0" smtClean="0">
-                          <a:solidFill>
-                            <a:schemeClr val="tx1"/>
-                          </a:solidFill>
-                          <a:latin typeface="+mn-ea"/>
-                          <a:ea typeface="+mn-ea"/>
-                        </a:rPr>
-                        <a:t>99s</a:t>
-                      </a:r>
-                      <a:endParaRPr lang="ko-KR" altLang="en-US" sz="1000" b="0" dirty="0">
-                        <a:solidFill>
-                          <a:schemeClr val="tx1"/>
-                        </a:solidFill>
-                        <a:latin typeface="+mn-ea"/>
-                        <a:ea typeface="+mn-ea"/>
-                      </a:endParaRPr>
-                    </a:p>
-                  </a:txBody>
-                  <a:tcPr anchor="ctr">
-                    <a:lnL w="12700" cap="flat" cmpd="sng" algn="ctr">
-                      <a:solidFill>
-                        <a:schemeClr val="bg1">
-                          <a:lumMod val="65000"/>
-                        </a:schemeClr>
-                      </a:solidFill>
-                      <a:prstDash val="solid"/>
-                      <a:round/>
-                    </a:lnL>
-                    <a:lnR w="12700" cap="flat" cmpd="sng" algn="ctr">
-                      <a:solidFill>
-                        <a:schemeClr val="bg1">
-                          <a:lumMod val="65000"/>
-                        </a:schemeClr>
-                      </a:solidFill>
-                      <a:prstDash val="solid"/>
-                      <a:round/>
-                    </a:lnR>
-                    <a:lnT w="12700" cap="flat" cmpd="sng" algn="ctr">
-                      <a:solidFill>
-                        <a:schemeClr val="bg1">
-                          <a:lumMod val="65000"/>
-                        </a:schemeClr>
-                      </a:solidFill>
-                      <a:prstDash val="solid"/>
-                      <a:round/>
-                    </a:lnT>
-                    <a:lnB w="12700" cap="flat" cmpd="sng" algn="ctr">
-                      <a:solidFill>
-                        <a:schemeClr val="bg1">
-                          <a:lumMod val="65000"/>
-                        </a:schemeClr>
-                      </a:solidFill>
-                      <a:prstDash val="solid"/>
-                      <a:round/>
-                    </a:lnB>
-                    <a:noFill/>
-                  </a:tcPr>
-                </a:tc>
-                <a:tc>
-                  <a:txBody>
-                    <a:bodyPr/>
-                    <a:lstStyle/>
-                    <a:p>
-                      <a:pPr algn="ctr" latinLnBrk="1">
-                        <a:defRPr lang="ko-KR" altLang="en-US"/>
-                      </a:pPr>
-                      <a:r>
-                        <a:rPr lang="ko-KR" altLang="en-US" sz="1000" b="0" dirty="0" smtClean="0">
-                          <a:solidFill>
-                            <a:schemeClr val="tx1"/>
-                          </a:solidFill>
-                          <a:latin typeface="+mn-ea"/>
-                          <a:ea typeface="+mn-ea"/>
-                        </a:rPr>
-                        <a:t>페이지 명</a:t>
-                      </a:r>
-                      <a:endParaRPr lang="ko-KR" altLang="en-US" sz="1000" b="0" dirty="0">
-                        <a:solidFill>
-                          <a:schemeClr val="tx1"/>
-                        </a:solidFill>
-                        <a:latin typeface="+mn-ea"/>
-                        <a:ea typeface="+mn-ea"/>
-                      </a:endParaRPr>
-                    </a:p>
-                  </a:txBody>
-                  <a:tcPr anchor="ctr">
-                    <a:lnL w="12700" cap="flat" cmpd="sng" algn="ctr">
-                      <a:solidFill>
-                        <a:schemeClr val="bg1">
-                          <a:lumMod val="65000"/>
-                        </a:schemeClr>
-                      </a:solidFill>
-                      <a:prstDash val="solid"/>
-                      <a:round/>
-                    </a:lnL>
-                    <a:lnR w="12700" cap="flat" cmpd="sng" algn="ctr">
-                      <a:solidFill>
-                        <a:schemeClr val="bg1">
-                          <a:lumMod val="65000"/>
-                        </a:schemeClr>
-                      </a:solidFill>
-                      <a:prstDash val="solid"/>
-                      <a:round/>
-                    </a:lnR>
-                    <a:lnT w="12700" cap="flat" cmpd="sng" algn="ctr">
-                      <a:solidFill>
-                        <a:schemeClr val="bg1">
-                          <a:lumMod val="65000"/>
-                        </a:schemeClr>
-                      </a:solidFill>
-                      <a:prstDash val="solid"/>
-                      <a:round/>
-                    </a:lnT>
-                    <a:lnB w="12700" cap="flat" cmpd="sng" algn="ctr">
-                      <a:solidFill>
-                        <a:schemeClr val="bg1">
-                          <a:lumMod val="65000"/>
-                        </a:schemeClr>
-                      </a:solidFill>
-                      <a:prstDash val="solid"/>
-                      <a:round/>
-                    </a:lnB>
-                    <a:solidFill>
-                      <a:schemeClr val="bg1">
-                        <a:lumMod val="85000"/>
-                      </a:schemeClr>
-                    </a:solidFill>
-                  </a:tcPr>
-                </a:tc>
-                <a:tc>
-                  <a:txBody>
-                    <a:bodyPr/>
-                    <a:lstStyle/>
-                    <a:p>
-                      <a:pPr latinLnBrk="1">
-                        <a:defRPr lang="ko-KR" altLang="en-US"/>
-                      </a:pPr>
-                      <a:r>
-                        <a:rPr lang="en-US" altLang="ko-KR" sz="1000" b="0" dirty="0" smtClean="0">
-                          <a:solidFill>
-                            <a:schemeClr val="tx1"/>
-                          </a:solidFill>
-                          <a:latin typeface="+mn-ea"/>
-                          <a:ea typeface="+mn-ea"/>
-                        </a:rPr>
-                        <a:t>Data</a:t>
-                      </a:r>
-                      <a:r>
-                        <a:rPr lang="ko-KR" altLang="en-US" sz="1000" b="0" dirty="0" smtClean="0">
-                          <a:solidFill>
-                            <a:schemeClr val="tx1"/>
-                          </a:solidFill>
-                          <a:latin typeface="+mn-ea"/>
-                          <a:ea typeface="+mn-ea"/>
-                        </a:rPr>
-                        <a:t>관리 </a:t>
-                      </a:r>
-                      <a:r>
-                        <a:rPr lang="en-US" altLang="ko-KR" sz="1000" b="0" dirty="0" smtClean="0">
-                          <a:solidFill>
-                            <a:schemeClr val="tx1"/>
-                          </a:solidFill>
-                          <a:latin typeface="+mn-ea"/>
-                          <a:ea typeface="+mn-ea"/>
-                        </a:rPr>
-                        <a:t>– </a:t>
-                      </a:r>
-                      <a:r>
-                        <a:rPr lang="ko-KR" altLang="en-US" sz="1000" b="0" dirty="0" smtClean="0">
-                          <a:solidFill>
-                            <a:schemeClr val="tx1"/>
-                          </a:solidFill>
-                          <a:latin typeface="+mn-ea"/>
-                          <a:ea typeface="+mn-ea"/>
-                        </a:rPr>
-                        <a:t>선수정보 수정 </a:t>
-                      </a:r>
-                      <a:r>
-                        <a:rPr lang="en-US" altLang="ko-KR" sz="1000" b="0" dirty="0" smtClean="0">
-                          <a:solidFill>
-                            <a:schemeClr val="tx1"/>
-                          </a:solidFill>
-                          <a:latin typeface="+mn-ea"/>
-                          <a:ea typeface="+mn-ea"/>
-                        </a:rPr>
-                        <a:t>– </a:t>
-                      </a:r>
-                      <a:r>
-                        <a:rPr lang="ko-KR" altLang="en-US" sz="1000" b="0" dirty="0" smtClean="0">
-                          <a:solidFill>
-                            <a:schemeClr val="tx1"/>
-                          </a:solidFill>
-                          <a:latin typeface="+mn-ea"/>
-                          <a:ea typeface="+mn-ea"/>
-                        </a:rPr>
-                        <a:t>선수 이력 수정</a:t>
-                      </a:r>
-                      <a:endParaRPr lang="ko-KR" altLang="en-US" sz="1000" b="0" dirty="0">
-                        <a:solidFill>
-                          <a:schemeClr val="tx1"/>
-                        </a:solidFill>
-                        <a:latin typeface="+mn-ea"/>
-                        <a:ea typeface="+mn-ea"/>
-                      </a:endParaRPr>
-                    </a:p>
-                  </a:txBody>
-                  <a:tcPr anchor="ctr">
-                    <a:lnL w="12700" cap="flat" cmpd="sng" algn="ctr">
-                      <a:solidFill>
-                        <a:schemeClr val="bg1">
-                          <a:lumMod val="65000"/>
-                        </a:schemeClr>
-                      </a:solidFill>
-                      <a:prstDash val="solid"/>
-                      <a:round/>
-                    </a:lnL>
-                    <a:lnR w="12700" cap="flat" cmpd="sng" algn="ctr">
-                      <a:solidFill>
-                        <a:schemeClr val="bg1">
-                          <a:lumMod val="65000"/>
-                        </a:schemeClr>
-                      </a:solidFill>
-                      <a:prstDash val="solid"/>
-                      <a:round/>
-                    </a:lnR>
-                    <a:lnT w="12700" cap="flat" cmpd="sng" algn="ctr">
-                      <a:solidFill>
-                        <a:schemeClr val="bg1">
-                          <a:lumMod val="65000"/>
-                        </a:schemeClr>
-                      </a:solidFill>
-                      <a:prstDash val="solid"/>
-                      <a:round/>
-                    </a:lnT>
-                    <a:lnB w="12700" cap="flat" cmpd="sng" algn="ctr">
-                      <a:solidFill>
-                        <a:schemeClr val="bg1">
-                          <a:lumMod val="65000"/>
-                        </a:schemeClr>
-                      </a:solidFill>
-                      <a:prstDash val="solid"/>
-                      <a:round/>
-                    </a:lnB>
-                    <a:noFill/>
-                  </a:tcPr>
-                </a:tc>
-                <a:tc>
-                  <a:txBody>
-                    <a:bodyPr/>
-                    <a:lstStyle/>
-                    <a:p>
-                      <a:pPr algn="ctr" latinLnBrk="1">
-                        <a:defRPr lang="ko-KR" altLang="en-US"/>
-                      </a:pPr>
-                      <a:r>
-                        <a:rPr lang="ko-KR" altLang="en-US" sz="1000" b="0" dirty="0" smtClean="0">
-                          <a:solidFill>
-                            <a:schemeClr val="tx1"/>
-                          </a:solidFill>
-                          <a:latin typeface="+mn-ea"/>
-                          <a:ea typeface="+mn-ea"/>
-                        </a:rPr>
-                        <a:t>작성자</a:t>
-                      </a:r>
-                      <a:endParaRPr lang="ko-KR" altLang="en-US" sz="1000" b="0" dirty="0">
-                        <a:solidFill>
-                          <a:schemeClr val="tx1"/>
-                        </a:solidFill>
-                        <a:latin typeface="+mn-ea"/>
-                        <a:ea typeface="+mn-ea"/>
-                      </a:endParaRPr>
-                    </a:p>
-                  </a:txBody>
-                  <a:tcPr anchor="ctr">
-                    <a:lnL w="12700" cap="flat" cmpd="sng" algn="ctr">
-                      <a:solidFill>
-                        <a:schemeClr val="bg1">
-                          <a:lumMod val="65000"/>
-                        </a:schemeClr>
-                      </a:solidFill>
-                      <a:prstDash val="solid"/>
-                      <a:round/>
-                    </a:lnL>
-                    <a:lnR w="12700" cap="flat" cmpd="sng" algn="ctr">
-                      <a:solidFill>
-                        <a:schemeClr val="bg1">
-                          <a:lumMod val="65000"/>
-                        </a:schemeClr>
-                      </a:solidFill>
-                      <a:prstDash val="solid"/>
-                      <a:round/>
-                    </a:lnR>
-                    <a:lnT w="12700" cap="flat" cmpd="sng" algn="ctr">
-                      <a:solidFill>
-                        <a:schemeClr val="bg1">
-                          <a:lumMod val="65000"/>
-                        </a:schemeClr>
-                      </a:solidFill>
-                      <a:prstDash val="solid"/>
-                      <a:round/>
-                    </a:lnT>
-                    <a:lnB w="12700" cap="flat" cmpd="sng" algn="ctr">
-                      <a:solidFill>
-                        <a:schemeClr val="bg1">
-                          <a:lumMod val="65000"/>
-                        </a:schemeClr>
-                      </a:solidFill>
-                      <a:prstDash val="solid"/>
-                      <a:round/>
-                    </a:lnB>
-                    <a:solidFill>
-                      <a:schemeClr val="bg1">
-                        <a:lumMod val="85000"/>
-                      </a:schemeClr>
-                    </a:solidFill>
-                  </a:tcPr>
-                </a:tc>
-                <a:tc>
-                  <a:txBody>
-                    <a:bodyPr/>
-                    <a:lstStyle/>
-                    <a:p>
-                      <a:pPr latinLnBrk="1">
-                        <a:defRPr lang="ko-KR" altLang="en-US"/>
-                      </a:pPr>
-                      <a:endParaRPr lang="ko-KR" altLang="en-US" sz="1000" b="0" dirty="0">
-                        <a:solidFill>
-                          <a:schemeClr val="tx1"/>
-                        </a:solidFill>
-                        <a:latin typeface="+mn-ea"/>
-                        <a:ea typeface="+mn-ea"/>
-                      </a:endParaRPr>
-                    </a:p>
-                  </a:txBody>
-                  <a:tcPr anchor="ctr">
-                    <a:lnL w="12700" cap="flat" cmpd="sng" algn="ctr">
-                      <a:solidFill>
-                        <a:schemeClr val="bg1">
-                          <a:lumMod val="65000"/>
-                        </a:schemeClr>
-                      </a:solidFill>
-                      <a:prstDash val="solid"/>
-                      <a:round/>
-                      <a:headEnd type="none" w="med" len="med"/>
-                      <a:tailEnd type="none" w="med" len="med"/>
-                    </a:lnL>
-                    <a:lnR w="12700" cap="flat" cmpd="sng" algn="ctr">
-                      <a:solidFill>
-                        <a:schemeClr val="bg1">
-                          <a:lumMod val="65000"/>
-                        </a:schemeClr>
-                      </a:solidFill>
-                      <a:prstDash val="solid"/>
-                      <a:round/>
-                    </a:lnR>
-                    <a:lnT w="12700" cap="flat" cmpd="sng" algn="ctr">
-                      <a:solidFill>
-                        <a:schemeClr val="bg1">
-                          <a:lumMod val="65000"/>
-                        </a:schemeClr>
-                      </a:solidFill>
-                      <a:prstDash val="solid"/>
-                      <a:round/>
-                    </a:lnT>
-                    <a:lnB w="12700" cap="flat" cmpd="sng" algn="ctr">
-                      <a:solidFill>
-                        <a:schemeClr val="bg1">
-                          <a:lumMod val="65000"/>
-                        </a:schemeClr>
-                      </a:solidFill>
-                      <a:prstDash val="solid"/>
-                      <a:round/>
-                    </a:lnB>
-                    <a:noFill/>
-                  </a:tcPr>
-                </a:tc>
-                <a:extLst>
-                  <a:ext uri="{0D108BD9-81ED-4DB2-BD59-A6C34878D82A}">
-                    <a16:rowId xmlns="" xmlns:a16="http://schemas.microsoft.com/office/drawing/2014/main" val="10000"/>
-                  </a:ext>
-                </a:extLst>
-              </a:tr>
-            </a:tbl>
-          </a:graphicData>
-        </a:graphic>
-      </p:graphicFrame>
-      <p:graphicFrame>
-        <p:nvGraphicFramePr>
-          <p:cNvPr id="23" name="표 22"/>
-          <p:cNvGraphicFramePr>
-            <a:graphicFrameLocks noGrp="1"/>
-          </p:cNvGraphicFramePr>
-          <p:nvPr>
-            <p:extLst>
-              <p:ext uri="{D42A27DB-BD31-4B8C-83A1-F6EECF244321}">
-                <p14:modId xmlns:p14="http://schemas.microsoft.com/office/powerpoint/2010/main" val="738574299"/>
-              </p:ext>
-            </p:extLst>
-          </p:nvPr>
-        </p:nvGraphicFramePr>
-        <p:xfrm>
-          <a:off x="6781801" y="4319365"/>
-          <a:ext cx="2158313" cy="2316480"/>
-        </p:xfrm>
-        <a:graphic>
-          <a:graphicData uri="http://schemas.openxmlformats.org/drawingml/2006/table">
-            <a:tbl>
-              <a:tblPr firstRow="1" bandRow="1">
-                <a:tableStyleId>{F5AB1C69-6EDB-4FF4-983F-18BD219EF322}</a:tableStyleId>
-              </a:tblPr>
-              <a:tblGrid>
-                <a:gridCol w="2158313"/>
-              </a:tblGrid>
-              <a:tr h="170543">
-                <a:tc>
-                  <a:txBody>
-                    <a:bodyPr/>
-                    <a:lstStyle/>
-                    <a:p>
-                      <a:pPr algn="ctr" latinLnBrk="1"/>
-                      <a:r>
-                        <a:rPr lang="ko-KR" altLang="en-US" sz="1200" dirty="0" smtClean="0"/>
-                        <a:t>경로</a:t>
-                      </a:r>
-                      <a:endParaRPr lang="ko-KR" altLang="en-US" sz="1200" dirty="0"/>
-                    </a:p>
-                  </a:txBody>
-                  <a:tcPr marL="68580" marR="68580"/>
-                </a:tc>
-              </a:tr>
-              <a:tr h="170543">
-                <a:tc>
-                  <a:txBody>
-                    <a:bodyPr/>
-                    <a:lstStyle/>
-                    <a:p>
-                      <a:pPr latinLnBrk="1"/>
-                      <a:r>
-                        <a:rPr lang="en-US" altLang="ko-KR" sz="1200" dirty="0" smtClean="0"/>
-                        <a:t>Request</a:t>
-                      </a:r>
-                      <a:endParaRPr lang="ko-KR" altLang="en-US" sz="1200" dirty="0"/>
-                    </a:p>
-                  </a:txBody>
-                  <a:tcPr marL="68580" marR="68580"/>
-                </a:tc>
-              </a:tr>
-              <a:tr h="170543">
-                <a:tc>
-                  <a:txBody>
-                    <a:bodyPr/>
-                    <a:lstStyle/>
-                    <a:p>
-                      <a:pPr marL="0" marR="0" indent="0" algn="l" defTabSz="914400" rtl="0" eaLnBrk="1" fontAlgn="auto" latinLnBrk="1" hangingPunct="1">
-                        <a:lnSpc>
-                          <a:spcPct val="100000"/>
-                        </a:lnSpc>
-                        <a:spcBef>
-                          <a:spcPts val="0"/>
-                        </a:spcBef>
-                        <a:spcAft>
-                          <a:spcPts val="0"/>
-                        </a:spcAft>
-                        <a:buClrTx/>
-                        <a:buSzTx/>
-                        <a:buFontTx/>
-                        <a:buNone/>
-                        <a:tabLst/>
-                        <a:defRPr/>
-                      </a:pPr>
-                      <a:endParaRPr lang="ko-KR" altLang="en-US" sz="1000" dirty="0"/>
-                    </a:p>
-                  </a:txBody>
-                  <a:tcPr marL="68580" marR="68580"/>
-                </a:tc>
-              </a:tr>
-              <a:tr h="170543">
-                <a:tc>
-                  <a:txBody>
-                    <a:bodyPr/>
-                    <a:lstStyle/>
-                    <a:p>
-                      <a:pPr latinLnBrk="1"/>
-                      <a:r>
-                        <a:rPr lang="en-US" altLang="ko-KR" sz="1200" dirty="0" smtClean="0"/>
-                        <a:t>Controller</a:t>
-                      </a:r>
-                      <a:endParaRPr lang="ko-KR" altLang="en-US" sz="1200" dirty="0"/>
-                    </a:p>
-                  </a:txBody>
-                  <a:tcPr marL="68580" marR="68580"/>
-                </a:tc>
-              </a:tr>
-              <a:tr h="170543">
-                <a:tc>
-                  <a:txBody>
-                    <a:bodyPr/>
-                    <a:lstStyle/>
-                    <a:p>
-                      <a:pPr marL="0" marR="0" indent="0" algn="l" defTabSz="914400" rtl="0" eaLnBrk="1" fontAlgn="auto" latinLnBrk="1" hangingPunct="1">
-                        <a:lnSpc>
-                          <a:spcPct val="100000"/>
-                        </a:lnSpc>
-                        <a:spcBef>
-                          <a:spcPts val="0"/>
-                        </a:spcBef>
-                        <a:spcAft>
-                          <a:spcPts val="0"/>
-                        </a:spcAft>
-                        <a:buClrTx/>
-                        <a:buSzTx/>
-                        <a:buFontTx/>
-                        <a:buNone/>
-                        <a:tabLst/>
-                        <a:defRPr/>
-                      </a:pPr>
-                      <a:endParaRPr lang="ko-KR" altLang="en-US" sz="1000" dirty="0"/>
-                    </a:p>
-                  </a:txBody>
-                  <a:tcPr marL="68580" marR="68580"/>
-                </a:tc>
-              </a:tr>
-              <a:tr h="170543">
-                <a:tc>
-                  <a:txBody>
-                    <a:bodyPr/>
-                    <a:lstStyle/>
-                    <a:p>
-                      <a:pPr latinLnBrk="1"/>
-                      <a:r>
-                        <a:rPr lang="en-US" altLang="ko-KR" sz="1200" dirty="0" smtClean="0"/>
-                        <a:t>Parameter</a:t>
-                      </a:r>
-                      <a:endParaRPr lang="ko-KR" altLang="en-US" sz="1200" dirty="0"/>
-                    </a:p>
-                  </a:txBody>
-                  <a:tcPr marL="68580" marR="68580"/>
-                </a:tc>
-              </a:tr>
-              <a:tr h="170543">
-                <a:tc>
-                  <a:txBody>
-                    <a:bodyPr/>
-                    <a:lstStyle/>
-                    <a:p>
-                      <a:pPr latinLnBrk="1"/>
-                      <a:endParaRPr lang="ko-KR" altLang="en-US" sz="1000" dirty="0"/>
-                    </a:p>
-                  </a:txBody>
-                  <a:tcPr marL="68580" marR="68580"/>
-                </a:tc>
-              </a:tr>
-              <a:tr h="170543">
-                <a:tc>
-                  <a:txBody>
-                    <a:bodyPr/>
-                    <a:lstStyle/>
-                    <a:p>
-                      <a:pPr latinLnBrk="1"/>
-                      <a:r>
-                        <a:rPr lang="en-US" altLang="ko-KR" sz="1000" dirty="0" smtClean="0"/>
-                        <a:t>View</a:t>
-                      </a:r>
-                      <a:endParaRPr lang="ko-KR" altLang="en-US" sz="1000" dirty="0"/>
-                    </a:p>
-                  </a:txBody>
-                  <a:tcPr marL="68580" marR="68580"/>
-                </a:tc>
-              </a:tr>
-              <a:tr h="170543">
-                <a:tc>
-                  <a:txBody>
-                    <a:bodyPr/>
-                    <a:lstStyle/>
-                    <a:p>
-                      <a:pPr latinLnBrk="1"/>
-                      <a:endParaRPr lang="ko-KR" altLang="en-US" sz="1000" dirty="0"/>
-                    </a:p>
-                  </a:txBody>
-                  <a:tcPr marL="68580" marR="68580"/>
-                </a:tc>
-              </a:tr>
-            </a:tbl>
-          </a:graphicData>
-        </a:graphic>
-      </p:graphicFrame>
-      <p:pic>
-        <p:nvPicPr>
-          <p:cNvPr id="13314" name="Picture 2" descr="C:\Users\hong\Downloads\[관리자페이지] data관리 - 선수정보 - 이력 수정.jpg"/>
-          <p:cNvPicPr>
-            <a:picLocks noChangeAspect="1" noChangeArrowheads="1"/>
-          </p:cNvPicPr>
-          <p:nvPr/>
-        </p:nvPicPr>
-        <p:blipFill>
-          <a:blip r:embed="rId2" cstate="print">
-            <a:extLst>
-              <a:ext uri="{28A0092B-C50C-407E-A947-70E740481C1C}">
-                <a14:useLocalDpi xmlns:a14="http://schemas.microsoft.com/office/drawing/2010/main" val="0"/>
-              </a:ext>
-            </a:extLst>
-          </a:blip>
-          <a:srcRect/>
-          <a:stretch>
-            <a:fillRect/>
-          </a:stretch>
-        </p:blipFill>
-        <p:spPr bwMode="auto">
-          <a:xfrm>
-            <a:off x="251520" y="1916832"/>
+            <a:off x="179512" y="1484784"/>
             <a:ext cx="6480000" cy="3975460"/>
           </a:xfrm>
           <a:prstGeom prst="rect">
@@ -10998,7 +9816,7 @@
                 <a:gridCol w="6587921">
                   <a:extLst>
                     <a:ext uri="{9D8B030D-6E8A-4147-A177-3AD203B41FA5}">
-                      <a16:colId xmlns="" xmlns:a16="http://schemas.microsoft.com/office/drawing/2014/main" val="20000"/>
+                      <a16:colId xmlns:a16="http://schemas.microsoft.com/office/drawing/2014/main" xmlns="" val="20000"/>
                     </a:ext>
                   </a:extLst>
                 </a:gridCol>
@@ -11155,7 +9973,7 @@
                 </a:tc>
                 <a:extLst>
                   <a:ext uri="{0D108BD9-81ED-4DB2-BD59-A6C34878D82A}">
-                    <a16:rowId xmlns="" xmlns:a16="http://schemas.microsoft.com/office/drawing/2014/main" val="10000"/>
+                    <a16:rowId xmlns:a16="http://schemas.microsoft.com/office/drawing/2014/main" xmlns="" val="10000"/>
                   </a:ext>
                 </a:extLst>
               </a:tr>
@@ -11315,42 +10133,42 @@
                 <a:gridCol w="1380432">
                   <a:extLst>
                     <a:ext uri="{9D8B030D-6E8A-4147-A177-3AD203B41FA5}">
-                      <a16:colId xmlns="" xmlns:a16="http://schemas.microsoft.com/office/drawing/2014/main" val="20000"/>
+                      <a16:colId xmlns:a16="http://schemas.microsoft.com/office/drawing/2014/main" xmlns="" val="20000"/>
                     </a:ext>
                   </a:extLst>
                 </a:gridCol>
                 <a:gridCol w="2195892">
                   <a:extLst>
                     <a:ext uri="{9D8B030D-6E8A-4147-A177-3AD203B41FA5}">
-                      <a16:colId xmlns="" xmlns:a16="http://schemas.microsoft.com/office/drawing/2014/main" val="20001"/>
+                      <a16:colId xmlns:a16="http://schemas.microsoft.com/office/drawing/2014/main" xmlns="" val="20001"/>
                     </a:ext>
                   </a:extLst>
                 </a:gridCol>
                 <a:gridCol w="1086007">
                   <a:extLst>
                     <a:ext uri="{9D8B030D-6E8A-4147-A177-3AD203B41FA5}">
-                      <a16:colId xmlns="" xmlns:a16="http://schemas.microsoft.com/office/drawing/2014/main" val="20002"/>
+                      <a16:colId xmlns:a16="http://schemas.microsoft.com/office/drawing/2014/main" xmlns="" val="20002"/>
                     </a:ext>
                   </a:extLst>
                 </a:gridCol>
                 <a:gridCol w="1927970">
                   <a:extLst>
                     <a:ext uri="{9D8B030D-6E8A-4147-A177-3AD203B41FA5}">
-                      <a16:colId xmlns="" xmlns:a16="http://schemas.microsoft.com/office/drawing/2014/main" val="20003"/>
+                      <a16:colId xmlns:a16="http://schemas.microsoft.com/office/drawing/2014/main" xmlns="" val="20003"/>
                     </a:ext>
                   </a:extLst>
                 </a:gridCol>
                 <a:gridCol w="1233488">
                   <a:extLst>
                     <a:ext uri="{9D8B030D-6E8A-4147-A177-3AD203B41FA5}">
-                      <a16:colId xmlns="" xmlns:a16="http://schemas.microsoft.com/office/drawing/2014/main" val="20004"/>
+                      <a16:colId xmlns:a16="http://schemas.microsoft.com/office/drawing/2014/main" xmlns="" val="20004"/>
                     </a:ext>
                   </a:extLst>
                 </a:gridCol>
                 <a:gridCol w="971549">
                   <a:extLst>
                     <a:ext uri="{9D8B030D-6E8A-4147-A177-3AD203B41FA5}">
-                      <a16:colId xmlns="" xmlns:a16="http://schemas.microsoft.com/office/drawing/2014/main" val="20006"/>
+                      <a16:colId xmlns:a16="http://schemas.microsoft.com/office/drawing/2014/main" xmlns="" val="20006"/>
                     </a:ext>
                   </a:extLst>
                 </a:gridCol>
@@ -11764,7 +10582,7 @@
                 </a:tc>
                 <a:extLst>
                   <a:ext uri="{0D108BD9-81ED-4DB2-BD59-A6C34878D82A}">
-                    <a16:rowId xmlns="" xmlns:a16="http://schemas.microsoft.com/office/drawing/2014/main" val="10000"/>
+                    <a16:rowId xmlns:a16="http://schemas.microsoft.com/office/drawing/2014/main" xmlns="" val="10000"/>
                   </a:ext>
                 </a:extLst>
               </a:tr>
@@ -12079,7 +10897,7 @@
                 <a:gridCol w="6587921">
                   <a:extLst>
                     <a:ext uri="{9D8B030D-6E8A-4147-A177-3AD203B41FA5}">
-                      <a16:colId xmlns="" xmlns:a16="http://schemas.microsoft.com/office/drawing/2014/main" val="20000"/>
+                      <a16:colId xmlns:a16="http://schemas.microsoft.com/office/drawing/2014/main" xmlns="" val="20000"/>
                     </a:ext>
                   </a:extLst>
                 </a:gridCol>
@@ -12236,7 +11054,7 @@
                 </a:tc>
                 <a:extLst>
                   <a:ext uri="{0D108BD9-81ED-4DB2-BD59-A6C34878D82A}">
-                    <a16:rowId xmlns="" xmlns:a16="http://schemas.microsoft.com/office/drawing/2014/main" val="10000"/>
+                    <a16:rowId xmlns:a16="http://schemas.microsoft.com/office/drawing/2014/main" xmlns="" val="10000"/>
                   </a:ext>
                 </a:extLst>
               </a:tr>
@@ -12396,42 +11214,42 @@
                 <a:gridCol w="1380432">
                   <a:extLst>
                     <a:ext uri="{9D8B030D-6E8A-4147-A177-3AD203B41FA5}">
-                      <a16:colId xmlns="" xmlns:a16="http://schemas.microsoft.com/office/drawing/2014/main" val="20000"/>
+                      <a16:colId xmlns:a16="http://schemas.microsoft.com/office/drawing/2014/main" xmlns="" val="20000"/>
                     </a:ext>
                   </a:extLst>
                 </a:gridCol>
                 <a:gridCol w="2195892">
                   <a:extLst>
                     <a:ext uri="{9D8B030D-6E8A-4147-A177-3AD203B41FA5}">
-                      <a16:colId xmlns="" xmlns:a16="http://schemas.microsoft.com/office/drawing/2014/main" val="20001"/>
+                      <a16:colId xmlns:a16="http://schemas.microsoft.com/office/drawing/2014/main" xmlns="" val="20001"/>
                     </a:ext>
                   </a:extLst>
                 </a:gridCol>
                 <a:gridCol w="1086007">
                   <a:extLst>
                     <a:ext uri="{9D8B030D-6E8A-4147-A177-3AD203B41FA5}">
-                      <a16:colId xmlns="" xmlns:a16="http://schemas.microsoft.com/office/drawing/2014/main" val="20002"/>
+                      <a16:colId xmlns:a16="http://schemas.microsoft.com/office/drawing/2014/main" xmlns="" val="20002"/>
                     </a:ext>
                   </a:extLst>
                 </a:gridCol>
                 <a:gridCol w="1927970">
                   <a:extLst>
                     <a:ext uri="{9D8B030D-6E8A-4147-A177-3AD203B41FA5}">
-                      <a16:colId xmlns="" xmlns:a16="http://schemas.microsoft.com/office/drawing/2014/main" val="20003"/>
+                      <a16:colId xmlns:a16="http://schemas.microsoft.com/office/drawing/2014/main" xmlns="" val="20003"/>
                     </a:ext>
                   </a:extLst>
                 </a:gridCol>
                 <a:gridCol w="1233488">
                   <a:extLst>
                     <a:ext uri="{9D8B030D-6E8A-4147-A177-3AD203B41FA5}">
-                      <a16:colId xmlns="" xmlns:a16="http://schemas.microsoft.com/office/drawing/2014/main" val="20004"/>
+                      <a16:colId xmlns:a16="http://schemas.microsoft.com/office/drawing/2014/main" xmlns="" val="20004"/>
                     </a:ext>
                   </a:extLst>
                 </a:gridCol>
                 <a:gridCol w="971549">
                   <a:extLst>
                     <a:ext uri="{9D8B030D-6E8A-4147-A177-3AD203B41FA5}">
-                      <a16:colId xmlns="" xmlns:a16="http://schemas.microsoft.com/office/drawing/2014/main" val="20006"/>
+                      <a16:colId xmlns:a16="http://schemas.microsoft.com/office/drawing/2014/main" xmlns="" val="20006"/>
                     </a:ext>
                   </a:extLst>
                 </a:gridCol>
@@ -12865,7 +11683,7 @@
                 </a:tc>
                 <a:extLst>
                   <a:ext uri="{0D108BD9-81ED-4DB2-BD59-A6C34878D82A}">
-                    <a16:rowId xmlns="" xmlns:a16="http://schemas.microsoft.com/office/drawing/2014/main" val="10000"/>
+                    <a16:rowId xmlns:a16="http://schemas.microsoft.com/office/drawing/2014/main" xmlns="" val="10000"/>
                   </a:ext>
                 </a:extLst>
               </a:tr>
@@ -13180,7 +11998,7 @@
                 <a:gridCol w="6587921">
                   <a:extLst>
                     <a:ext uri="{9D8B030D-6E8A-4147-A177-3AD203B41FA5}">
-                      <a16:colId xmlns="" xmlns:a16="http://schemas.microsoft.com/office/drawing/2014/main" val="20000"/>
+                      <a16:colId xmlns:a16="http://schemas.microsoft.com/office/drawing/2014/main" xmlns="" val="20000"/>
                     </a:ext>
                   </a:extLst>
                 </a:gridCol>
@@ -13337,7 +12155,7 @@
                 </a:tc>
                 <a:extLst>
                   <a:ext uri="{0D108BD9-81ED-4DB2-BD59-A6C34878D82A}">
-                    <a16:rowId xmlns="" xmlns:a16="http://schemas.microsoft.com/office/drawing/2014/main" val="10000"/>
+                    <a16:rowId xmlns:a16="http://schemas.microsoft.com/office/drawing/2014/main" xmlns="" val="10000"/>
                   </a:ext>
                 </a:extLst>
               </a:tr>
@@ -13497,42 +12315,42 @@
                 <a:gridCol w="1380432">
                   <a:extLst>
                     <a:ext uri="{9D8B030D-6E8A-4147-A177-3AD203B41FA5}">
-                      <a16:colId xmlns="" xmlns:a16="http://schemas.microsoft.com/office/drawing/2014/main" val="20000"/>
+                      <a16:colId xmlns:a16="http://schemas.microsoft.com/office/drawing/2014/main" xmlns="" val="20000"/>
                     </a:ext>
                   </a:extLst>
                 </a:gridCol>
                 <a:gridCol w="2195892">
                   <a:extLst>
                     <a:ext uri="{9D8B030D-6E8A-4147-A177-3AD203B41FA5}">
-                      <a16:colId xmlns="" xmlns:a16="http://schemas.microsoft.com/office/drawing/2014/main" val="20001"/>
+                      <a16:colId xmlns:a16="http://schemas.microsoft.com/office/drawing/2014/main" xmlns="" val="20001"/>
                     </a:ext>
                   </a:extLst>
                 </a:gridCol>
                 <a:gridCol w="1086007">
                   <a:extLst>
                     <a:ext uri="{9D8B030D-6E8A-4147-A177-3AD203B41FA5}">
-                      <a16:colId xmlns="" xmlns:a16="http://schemas.microsoft.com/office/drawing/2014/main" val="20002"/>
+                      <a16:colId xmlns:a16="http://schemas.microsoft.com/office/drawing/2014/main" xmlns="" val="20002"/>
                     </a:ext>
                   </a:extLst>
                 </a:gridCol>
                 <a:gridCol w="1927970">
                   <a:extLst>
                     <a:ext uri="{9D8B030D-6E8A-4147-A177-3AD203B41FA5}">
-                      <a16:colId xmlns="" xmlns:a16="http://schemas.microsoft.com/office/drawing/2014/main" val="20003"/>
+                      <a16:colId xmlns:a16="http://schemas.microsoft.com/office/drawing/2014/main" xmlns="" val="20003"/>
                     </a:ext>
                   </a:extLst>
                 </a:gridCol>
                 <a:gridCol w="1233488">
                   <a:extLst>
                     <a:ext uri="{9D8B030D-6E8A-4147-A177-3AD203B41FA5}">
-                      <a16:colId xmlns="" xmlns:a16="http://schemas.microsoft.com/office/drawing/2014/main" val="20004"/>
+                      <a16:colId xmlns:a16="http://schemas.microsoft.com/office/drawing/2014/main" xmlns="" val="20004"/>
                     </a:ext>
                   </a:extLst>
                 </a:gridCol>
                 <a:gridCol w="971549">
                   <a:extLst>
                     <a:ext uri="{9D8B030D-6E8A-4147-A177-3AD203B41FA5}">
-                      <a16:colId xmlns="" xmlns:a16="http://schemas.microsoft.com/office/drawing/2014/main" val="20006"/>
+                      <a16:colId xmlns:a16="http://schemas.microsoft.com/office/drawing/2014/main" xmlns="" val="20006"/>
                     </a:ext>
                   </a:extLst>
                 </a:gridCol>
@@ -13976,7 +12794,7 @@
                 </a:tc>
                 <a:extLst>
                   <a:ext uri="{0D108BD9-81ED-4DB2-BD59-A6C34878D82A}">
-                    <a16:rowId xmlns="" xmlns:a16="http://schemas.microsoft.com/office/drawing/2014/main" val="10000"/>
+                    <a16:rowId xmlns:a16="http://schemas.microsoft.com/office/drawing/2014/main" xmlns="" val="10000"/>
                   </a:ext>
                 </a:extLst>
               </a:tr>
@@ -14291,7 +13109,7 @@
                 <a:gridCol w="6587921">
                   <a:extLst>
                     <a:ext uri="{9D8B030D-6E8A-4147-A177-3AD203B41FA5}">
-                      <a16:colId xmlns="" xmlns:a16="http://schemas.microsoft.com/office/drawing/2014/main" val="20000"/>
+                      <a16:colId xmlns:a16="http://schemas.microsoft.com/office/drawing/2014/main" xmlns="" val="20000"/>
                     </a:ext>
                   </a:extLst>
                 </a:gridCol>
@@ -14448,7 +13266,7 @@
                 </a:tc>
                 <a:extLst>
                   <a:ext uri="{0D108BD9-81ED-4DB2-BD59-A6C34878D82A}">
-                    <a16:rowId xmlns="" xmlns:a16="http://schemas.microsoft.com/office/drawing/2014/main" val="10000"/>
+                    <a16:rowId xmlns:a16="http://schemas.microsoft.com/office/drawing/2014/main" xmlns="" val="10000"/>
                   </a:ext>
                 </a:extLst>
               </a:tr>
@@ -14608,42 +13426,42 @@
                 <a:gridCol w="1380432">
                   <a:extLst>
                     <a:ext uri="{9D8B030D-6E8A-4147-A177-3AD203B41FA5}">
-                      <a16:colId xmlns="" xmlns:a16="http://schemas.microsoft.com/office/drawing/2014/main" val="20000"/>
+                      <a16:colId xmlns:a16="http://schemas.microsoft.com/office/drawing/2014/main" xmlns="" val="20000"/>
                     </a:ext>
                   </a:extLst>
                 </a:gridCol>
                 <a:gridCol w="2195892">
                   <a:extLst>
                     <a:ext uri="{9D8B030D-6E8A-4147-A177-3AD203B41FA5}">
-                      <a16:colId xmlns="" xmlns:a16="http://schemas.microsoft.com/office/drawing/2014/main" val="20001"/>
+                      <a16:colId xmlns:a16="http://schemas.microsoft.com/office/drawing/2014/main" xmlns="" val="20001"/>
                     </a:ext>
                   </a:extLst>
                 </a:gridCol>
                 <a:gridCol w="1086007">
                   <a:extLst>
                     <a:ext uri="{9D8B030D-6E8A-4147-A177-3AD203B41FA5}">
-                      <a16:colId xmlns="" xmlns:a16="http://schemas.microsoft.com/office/drawing/2014/main" val="20002"/>
+                      <a16:colId xmlns:a16="http://schemas.microsoft.com/office/drawing/2014/main" xmlns="" val="20002"/>
                     </a:ext>
                   </a:extLst>
                 </a:gridCol>
                 <a:gridCol w="1927970">
                   <a:extLst>
                     <a:ext uri="{9D8B030D-6E8A-4147-A177-3AD203B41FA5}">
-                      <a16:colId xmlns="" xmlns:a16="http://schemas.microsoft.com/office/drawing/2014/main" val="20003"/>
+                      <a16:colId xmlns:a16="http://schemas.microsoft.com/office/drawing/2014/main" xmlns="" val="20003"/>
                     </a:ext>
                   </a:extLst>
                 </a:gridCol>
                 <a:gridCol w="1233488">
                   <a:extLst>
                     <a:ext uri="{9D8B030D-6E8A-4147-A177-3AD203B41FA5}">
-                      <a16:colId xmlns="" xmlns:a16="http://schemas.microsoft.com/office/drawing/2014/main" val="20004"/>
+                      <a16:colId xmlns:a16="http://schemas.microsoft.com/office/drawing/2014/main" xmlns="" val="20004"/>
                     </a:ext>
                   </a:extLst>
                 </a:gridCol>
                 <a:gridCol w="971549">
                   <a:extLst>
                     <a:ext uri="{9D8B030D-6E8A-4147-A177-3AD203B41FA5}">
-                      <a16:colId xmlns="" xmlns:a16="http://schemas.microsoft.com/office/drawing/2014/main" val="20006"/>
+                      <a16:colId xmlns:a16="http://schemas.microsoft.com/office/drawing/2014/main" xmlns="" val="20006"/>
                     </a:ext>
                   </a:extLst>
                 </a:gridCol>
@@ -15107,7 +13925,7 @@
                 </a:tc>
                 <a:extLst>
                   <a:ext uri="{0D108BD9-81ED-4DB2-BD59-A6C34878D82A}">
-                    <a16:rowId xmlns="" xmlns:a16="http://schemas.microsoft.com/office/drawing/2014/main" val="10000"/>
+                    <a16:rowId xmlns:a16="http://schemas.microsoft.com/office/drawing/2014/main" xmlns="" val="10000"/>
                   </a:ext>
                 </a:extLst>
               </a:tr>
@@ -15422,7 +14240,7 @@
                 <a:gridCol w="6587921">
                   <a:extLst>
                     <a:ext uri="{9D8B030D-6E8A-4147-A177-3AD203B41FA5}">
-                      <a16:colId xmlns="" xmlns:a16="http://schemas.microsoft.com/office/drawing/2014/main" val="20000"/>
+                      <a16:colId xmlns:a16="http://schemas.microsoft.com/office/drawing/2014/main" xmlns="" val="20000"/>
                     </a:ext>
                   </a:extLst>
                 </a:gridCol>
@@ -15579,7 +14397,7 @@
                 </a:tc>
                 <a:extLst>
                   <a:ext uri="{0D108BD9-81ED-4DB2-BD59-A6C34878D82A}">
-                    <a16:rowId xmlns="" xmlns:a16="http://schemas.microsoft.com/office/drawing/2014/main" val="10000"/>
+                    <a16:rowId xmlns:a16="http://schemas.microsoft.com/office/drawing/2014/main" xmlns="" val="10000"/>
                   </a:ext>
                 </a:extLst>
               </a:tr>
@@ -15739,42 +14557,42 @@
                 <a:gridCol w="1380432">
                   <a:extLst>
                     <a:ext uri="{9D8B030D-6E8A-4147-A177-3AD203B41FA5}">
-                      <a16:colId xmlns="" xmlns:a16="http://schemas.microsoft.com/office/drawing/2014/main" val="20000"/>
+                      <a16:colId xmlns:a16="http://schemas.microsoft.com/office/drawing/2014/main" xmlns="" val="20000"/>
                     </a:ext>
                   </a:extLst>
                 </a:gridCol>
                 <a:gridCol w="2195892">
                   <a:extLst>
                     <a:ext uri="{9D8B030D-6E8A-4147-A177-3AD203B41FA5}">
-                      <a16:colId xmlns="" xmlns:a16="http://schemas.microsoft.com/office/drawing/2014/main" val="20001"/>
+                      <a16:colId xmlns:a16="http://schemas.microsoft.com/office/drawing/2014/main" xmlns="" val="20001"/>
                     </a:ext>
                   </a:extLst>
                 </a:gridCol>
                 <a:gridCol w="1086007">
                   <a:extLst>
                     <a:ext uri="{9D8B030D-6E8A-4147-A177-3AD203B41FA5}">
-                      <a16:colId xmlns="" xmlns:a16="http://schemas.microsoft.com/office/drawing/2014/main" val="20002"/>
+                      <a16:colId xmlns:a16="http://schemas.microsoft.com/office/drawing/2014/main" xmlns="" val="20002"/>
                     </a:ext>
                   </a:extLst>
                 </a:gridCol>
                 <a:gridCol w="1927970">
                   <a:extLst>
                     <a:ext uri="{9D8B030D-6E8A-4147-A177-3AD203B41FA5}">
-                      <a16:colId xmlns="" xmlns:a16="http://schemas.microsoft.com/office/drawing/2014/main" val="20003"/>
+                      <a16:colId xmlns:a16="http://schemas.microsoft.com/office/drawing/2014/main" xmlns="" val="20003"/>
                     </a:ext>
                   </a:extLst>
                 </a:gridCol>
                 <a:gridCol w="1233488">
                   <a:extLst>
                     <a:ext uri="{9D8B030D-6E8A-4147-A177-3AD203B41FA5}">
-                      <a16:colId xmlns="" xmlns:a16="http://schemas.microsoft.com/office/drawing/2014/main" val="20004"/>
+                      <a16:colId xmlns:a16="http://schemas.microsoft.com/office/drawing/2014/main" xmlns="" val="20004"/>
                     </a:ext>
                   </a:extLst>
                 </a:gridCol>
                 <a:gridCol w="971549">
                   <a:extLst>
                     <a:ext uri="{9D8B030D-6E8A-4147-A177-3AD203B41FA5}">
-                      <a16:colId xmlns="" xmlns:a16="http://schemas.microsoft.com/office/drawing/2014/main" val="20006"/>
+                      <a16:colId xmlns:a16="http://schemas.microsoft.com/office/drawing/2014/main" xmlns="" val="20006"/>
                     </a:ext>
                   </a:extLst>
                 </a:gridCol>
@@ -16218,7 +15036,7 @@
                 </a:tc>
                 <a:extLst>
                   <a:ext uri="{0D108BD9-81ED-4DB2-BD59-A6C34878D82A}">
-                    <a16:rowId xmlns="" xmlns:a16="http://schemas.microsoft.com/office/drawing/2014/main" val="10000"/>
+                    <a16:rowId xmlns:a16="http://schemas.microsoft.com/office/drawing/2014/main" xmlns="" val="10000"/>
                   </a:ext>
                 </a:extLst>
               </a:tr>
@@ -16533,7 +15351,7 @@
                 <a:gridCol w="6587921">
                   <a:extLst>
                     <a:ext uri="{9D8B030D-6E8A-4147-A177-3AD203B41FA5}">
-                      <a16:colId xmlns="" xmlns:a16="http://schemas.microsoft.com/office/drawing/2014/main" val="20000"/>
+                      <a16:colId xmlns:a16="http://schemas.microsoft.com/office/drawing/2014/main" xmlns="" val="20000"/>
                     </a:ext>
                   </a:extLst>
                 </a:gridCol>
@@ -16690,7 +15508,7 @@
                 </a:tc>
                 <a:extLst>
                   <a:ext uri="{0D108BD9-81ED-4DB2-BD59-A6C34878D82A}">
-                    <a16:rowId xmlns="" xmlns:a16="http://schemas.microsoft.com/office/drawing/2014/main" val="10000"/>
+                    <a16:rowId xmlns:a16="http://schemas.microsoft.com/office/drawing/2014/main" xmlns="" val="10000"/>
                   </a:ext>
                 </a:extLst>
               </a:tr>
@@ -16850,42 +15668,42 @@
                 <a:gridCol w="1380432">
                   <a:extLst>
                     <a:ext uri="{9D8B030D-6E8A-4147-A177-3AD203B41FA5}">
-                      <a16:colId xmlns="" xmlns:a16="http://schemas.microsoft.com/office/drawing/2014/main" val="20000"/>
+                      <a16:colId xmlns:a16="http://schemas.microsoft.com/office/drawing/2014/main" xmlns="" val="20000"/>
                     </a:ext>
                   </a:extLst>
                 </a:gridCol>
                 <a:gridCol w="2195892">
                   <a:extLst>
                     <a:ext uri="{9D8B030D-6E8A-4147-A177-3AD203B41FA5}">
-                      <a16:colId xmlns="" xmlns:a16="http://schemas.microsoft.com/office/drawing/2014/main" val="20001"/>
+                      <a16:colId xmlns:a16="http://schemas.microsoft.com/office/drawing/2014/main" xmlns="" val="20001"/>
                     </a:ext>
                   </a:extLst>
                 </a:gridCol>
                 <a:gridCol w="1086007">
                   <a:extLst>
                     <a:ext uri="{9D8B030D-6E8A-4147-A177-3AD203B41FA5}">
-                      <a16:colId xmlns="" xmlns:a16="http://schemas.microsoft.com/office/drawing/2014/main" val="20002"/>
+                      <a16:colId xmlns:a16="http://schemas.microsoft.com/office/drawing/2014/main" xmlns="" val="20002"/>
                     </a:ext>
                   </a:extLst>
                 </a:gridCol>
                 <a:gridCol w="1927970">
                   <a:extLst>
                     <a:ext uri="{9D8B030D-6E8A-4147-A177-3AD203B41FA5}">
-                      <a16:colId xmlns="" xmlns:a16="http://schemas.microsoft.com/office/drawing/2014/main" val="20003"/>
+                      <a16:colId xmlns:a16="http://schemas.microsoft.com/office/drawing/2014/main" xmlns="" val="20003"/>
                     </a:ext>
                   </a:extLst>
                 </a:gridCol>
                 <a:gridCol w="1233488">
                   <a:extLst>
                     <a:ext uri="{9D8B030D-6E8A-4147-A177-3AD203B41FA5}">
-                      <a16:colId xmlns="" xmlns:a16="http://schemas.microsoft.com/office/drawing/2014/main" val="20004"/>
+                      <a16:colId xmlns:a16="http://schemas.microsoft.com/office/drawing/2014/main" xmlns="" val="20004"/>
                     </a:ext>
                   </a:extLst>
                 </a:gridCol>
                 <a:gridCol w="971549">
                   <a:extLst>
                     <a:ext uri="{9D8B030D-6E8A-4147-A177-3AD203B41FA5}">
-                      <a16:colId xmlns="" xmlns:a16="http://schemas.microsoft.com/office/drawing/2014/main" val="20006"/>
+                      <a16:colId xmlns:a16="http://schemas.microsoft.com/office/drawing/2014/main" xmlns="" val="20006"/>
                     </a:ext>
                   </a:extLst>
                 </a:gridCol>
@@ -17319,7 +16137,7 @@
                 </a:tc>
                 <a:extLst>
                   <a:ext uri="{0D108BD9-81ED-4DB2-BD59-A6C34878D82A}">
-                    <a16:rowId xmlns="" xmlns:a16="http://schemas.microsoft.com/office/drawing/2014/main" val="10000"/>
+                    <a16:rowId xmlns:a16="http://schemas.microsoft.com/office/drawing/2014/main" xmlns="" val="10000"/>
                   </a:ext>
                 </a:extLst>
               </a:tr>
@@ -17634,7 +16452,7 @@
                 <a:gridCol w="6587921">
                   <a:extLst>
                     <a:ext uri="{9D8B030D-6E8A-4147-A177-3AD203B41FA5}">
-                      <a16:colId xmlns="" xmlns:a16="http://schemas.microsoft.com/office/drawing/2014/main" val="20000"/>
+                      <a16:colId xmlns:a16="http://schemas.microsoft.com/office/drawing/2014/main" xmlns="" val="20000"/>
                     </a:ext>
                   </a:extLst>
                 </a:gridCol>
@@ -17791,7 +16609,7 @@
                 </a:tc>
                 <a:extLst>
                   <a:ext uri="{0D108BD9-81ED-4DB2-BD59-A6C34878D82A}">
-                    <a16:rowId xmlns="" xmlns:a16="http://schemas.microsoft.com/office/drawing/2014/main" val="10000"/>
+                    <a16:rowId xmlns:a16="http://schemas.microsoft.com/office/drawing/2014/main" xmlns="" val="10000"/>
                   </a:ext>
                 </a:extLst>
               </a:tr>
@@ -17951,42 +16769,42 @@
                 <a:gridCol w="1380432">
                   <a:extLst>
                     <a:ext uri="{9D8B030D-6E8A-4147-A177-3AD203B41FA5}">
-                      <a16:colId xmlns="" xmlns:a16="http://schemas.microsoft.com/office/drawing/2014/main" val="20000"/>
+                      <a16:colId xmlns:a16="http://schemas.microsoft.com/office/drawing/2014/main" xmlns="" val="20000"/>
                     </a:ext>
                   </a:extLst>
                 </a:gridCol>
                 <a:gridCol w="2195892">
                   <a:extLst>
                     <a:ext uri="{9D8B030D-6E8A-4147-A177-3AD203B41FA5}">
-                      <a16:colId xmlns="" xmlns:a16="http://schemas.microsoft.com/office/drawing/2014/main" val="20001"/>
+                      <a16:colId xmlns:a16="http://schemas.microsoft.com/office/drawing/2014/main" xmlns="" val="20001"/>
                     </a:ext>
                   </a:extLst>
                 </a:gridCol>
                 <a:gridCol w="1086007">
                   <a:extLst>
                     <a:ext uri="{9D8B030D-6E8A-4147-A177-3AD203B41FA5}">
-                      <a16:colId xmlns="" xmlns:a16="http://schemas.microsoft.com/office/drawing/2014/main" val="20002"/>
+                      <a16:colId xmlns:a16="http://schemas.microsoft.com/office/drawing/2014/main" xmlns="" val="20002"/>
                     </a:ext>
                   </a:extLst>
                 </a:gridCol>
                 <a:gridCol w="1927970">
                   <a:extLst>
                     <a:ext uri="{9D8B030D-6E8A-4147-A177-3AD203B41FA5}">
-                      <a16:colId xmlns="" xmlns:a16="http://schemas.microsoft.com/office/drawing/2014/main" val="20003"/>
+                      <a16:colId xmlns:a16="http://schemas.microsoft.com/office/drawing/2014/main" xmlns="" val="20003"/>
                     </a:ext>
                   </a:extLst>
                 </a:gridCol>
                 <a:gridCol w="1233488">
                   <a:extLst>
                     <a:ext uri="{9D8B030D-6E8A-4147-A177-3AD203B41FA5}">
-                      <a16:colId xmlns="" xmlns:a16="http://schemas.microsoft.com/office/drawing/2014/main" val="20004"/>
+                      <a16:colId xmlns:a16="http://schemas.microsoft.com/office/drawing/2014/main" xmlns="" val="20004"/>
                     </a:ext>
                   </a:extLst>
                 </a:gridCol>
                 <a:gridCol w="971549">
                   <a:extLst>
                     <a:ext uri="{9D8B030D-6E8A-4147-A177-3AD203B41FA5}">
-                      <a16:colId xmlns="" xmlns:a16="http://schemas.microsoft.com/office/drawing/2014/main" val="20006"/>
+                      <a16:colId xmlns:a16="http://schemas.microsoft.com/office/drawing/2014/main" xmlns="" val="20006"/>
                     </a:ext>
                   </a:extLst>
                 </a:gridCol>
@@ -18420,7 +17238,7 @@
                 </a:tc>
                 <a:extLst>
                   <a:ext uri="{0D108BD9-81ED-4DB2-BD59-A6C34878D82A}">
-                    <a16:rowId xmlns="" xmlns:a16="http://schemas.microsoft.com/office/drawing/2014/main" val="10000"/>
+                    <a16:rowId xmlns:a16="http://schemas.microsoft.com/office/drawing/2014/main" xmlns="" val="10000"/>
                   </a:ext>
                 </a:extLst>
               </a:tr>
@@ -18735,7 +17553,7 @@
                 <a:gridCol w="6587921">
                   <a:extLst>
                     <a:ext uri="{9D8B030D-6E8A-4147-A177-3AD203B41FA5}">
-                      <a16:colId xmlns="" xmlns:a16="http://schemas.microsoft.com/office/drawing/2014/main" val="20000"/>
+                      <a16:colId xmlns:a16="http://schemas.microsoft.com/office/drawing/2014/main" xmlns="" val="20000"/>
                     </a:ext>
                   </a:extLst>
                 </a:gridCol>
@@ -18892,7 +17710,7 @@
                 </a:tc>
                 <a:extLst>
                   <a:ext uri="{0D108BD9-81ED-4DB2-BD59-A6C34878D82A}">
-                    <a16:rowId xmlns="" xmlns:a16="http://schemas.microsoft.com/office/drawing/2014/main" val="10000"/>
+                    <a16:rowId xmlns:a16="http://schemas.microsoft.com/office/drawing/2014/main" xmlns="" val="10000"/>
                   </a:ext>
                 </a:extLst>
               </a:tr>
@@ -19052,42 +17870,42 @@
                 <a:gridCol w="1380432">
                   <a:extLst>
                     <a:ext uri="{9D8B030D-6E8A-4147-A177-3AD203B41FA5}">
-                      <a16:colId xmlns="" xmlns:a16="http://schemas.microsoft.com/office/drawing/2014/main" val="20000"/>
+                      <a16:colId xmlns:a16="http://schemas.microsoft.com/office/drawing/2014/main" xmlns="" val="20000"/>
                     </a:ext>
                   </a:extLst>
                 </a:gridCol>
                 <a:gridCol w="2195892">
                   <a:extLst>
                     <a:ext uri="{9D8B030D-6E8A-4147-A177-3AD203B41FA5}">
-                      <a16:colId xmlns="" xmlns:a16="http://schemas.microsoft.com/office/drawing/2014/main" val="20001"/>
+                      <a16:colId xmlns:a16="http://schemas.microsoft.com/office/drawing/2014/main" xmlns="" val="20001"/>
                     </a:ext>
                   </a:extLst>
                 </a:gridCol>
                 <a:gridCol w="1086007">
                   <a:extLst>
                     <a:ext uri="{9D8B030D-6E8A-4147-A177-3AD203B41FA5}">
-                      <a16:colId xmlns="" xmlns:a16="http://schemas.microsoft.com/office/drawing/2014/main" val="20002"/>
+                      <a16:colId xmlns:a16="http://schemas.microsoft.com/office/drawing/2014/main" xmlns="" val="20002"/>
                     </a:ext>
                   </a:extLst>
                 </a:gridCol>
                 <a:gridCol w="1927970">
                   <a:extLst>
                     <a:ext uri="{9D8B030D-6E8A-4147-A177-3AD203B41FA5}">
-                      <a16:colId xmlns="" xmlns:a16="http://schemas.microsoft.com/office/drawing/2014/main" val="20003"/>
+                      <a16:colId xmlns:a16="http://schemas.microsoft.com/office/drawing/2014/main" xmlns="" val="20003"/>
                     </a:ext>
                   </a:extLst>
                 </a:gridCol>
                 <a:gridCol w="1233488">
                   <a:extLst>
                     <a:ext uri="{9D8B030D-6E8A-4147-A177-3AD203B41FA5}">
-                      <a16:colId xmlns="" xmlns:a16="http://schemas.microsoft.com/office/drawing/2014/main" val="20004"/>
+                      <a16:colId xmlns:a16="http://schemas.microsoft.com/office/drawing/2014/main" xmlns="" val="20004"/>
                     </a:ext>
                   </a:extLst>
                 </a:gridCol>
                 <a:gridCol w="971549">
                   <a:extLst>
                     <a:ext uri="{9D8B030D-6E8A-4147-A177-3AD203B41FA5}">
-                      <a16:colId xmlns="" xmlns:a16="http://schemas.microsoft.com/office/drawing/2014/main" val="20006"/>
+                      <a16:colId xmlns:a16="http://schemas.microsoft.com/office/drawing/2014/main" xmlns="" val="20006"/>
                     </a:ext>
                   </a:extLst>
                 </a:gridCol>
@@ -19531,7 +18349,7 @@
                 </a:tc>
                 <a:extLst>
                   <a:ext uri="{0D108BD9-81ED-4DB2-BD59-A6C34878D82A}">
-                    <a16:rowId xmlns="" xmlns:a16="http://schemas.microsoft.com/office/drawing/2014/main" val="10000"/>
+                    <a16:rowId xmlns:a16="http://schemas.microsoft.com/office/drawing/2014/main" xmlns="" val="10000"/>
                   </a:ext>
                 </a:extLst>
               </a:tr>
@@ -19741,7 +18559,7 @@
       </p:graphicFrame>
       <p:pic>
         <p:nvPicPr>
-          <p:cNvPr id="8194" name="Picture 2" descr="C:\Users\hong\Downloads\[관리자페이지] data관리 - 팀정보.jpg"/>
+          <p:cNvPr id="7" name="Picture 2" descr="C:\Users\hong\Downloads\[관리자페이지] data관리 - 팀정보 (1).jpg"/>
           <p:cNvPicPr>
             <a:picLocks noChangeAspect="1" noChangeArrowheads="1"/>
           </p:cNvPicPr>
@@ -19762,7 +18580,7 @@
         </p:blipFill>
         <p:spPr bwMode="auto">
           <a:xfrm>
-            <a:off x="179512" y="1916832"/>
+            <a:off x="251520" y="1548780"/>
             <a:ext cx="6480000" cy="3975460"/>
           </a:xfrm>
           <a:prstGeom prst="rect">

--- a/doc/0.공용폴더/07 스토리보드/스토리보드 - 관리자 페이지.pptx
+++ b/doc/0.공용폴더/07 스토리보드/스토리보드 - 관리자 페이지.pptx
@@ -16,10 +16,9 @@
     <p:sldId id="264" r:id="rId10"/>
     <p:sldId id="265" r:id="rId11"/>
     <p:sldId id="266" r:id="rId12"/>
-    <p:sldId id="267" r:id="rId13"/>
-    <p:sldId id="268" r:id="rId14"/>
-    <p:sldId id="269" r:id="rId15"/>
-    <p:sldId id="270" r:id="rId16"/>
+    <p:sldId id="268" r:id="rId13"/>
+    <p:sldId id="269" r:id="rId14"/>
+    <p:sldId id="270" r:id="rId15"/>
   </p:sldIdLst>
   <p:sldSz cx="9144000" cy="6858000" type="screen4x3"/>
   <p:notesSz cx="6858000" cy="9144000"/>
@@ -3077,7 +3076,7 @@
                 <a:gridCol w="6587921">
                   <a:extLst>
                     <a:ext uri="{9D8B030D-6E8A-4147-A177-3AD203B41FA5}">
-                      <a16:colId xmlns:a16="http://schemas.microsoft.com/office/drawing/2014/main" xmlns="" val="20000"/>
+                      <a16:colId xmlns="" xmlns:a16="http://schemas.microsoft.com/office/drawing/2014/main" val="20000"/>
                     </a:ext>
                   </a:extLst>
                 </a:gridCol>
@@ -3234,7 +3233,7 @@
                 </a:tc>
                 <a:extLst>
                   <a:ext uri="{0D108BD9-81ED-4DB2-BD59-A6C34878D82A}">
-                    <a16:rowId xmlns:a16="http://schemas.microsoft.com/office/drawing/2014/main" xmlns="" val="10000"/>
+                    <a16:rowId xmlns="" xmlns:a16="http://schemas.microsoft.com/office/drawing/2014/main" val="10000"/>
                   </a:ext>
                 </a:extLst>
               </a:tr>
@@ -3394,42 +3393,42 @@
                 <a:gridCol w="1380432">
                   <a:extLst>
                     <a:ext uri="{9D8B030D-6E8A-4147-A177-3AD203B41FA5}">
-                      <a16:colId xmlns:a16="http://schemas.microsoft.com/office/drawing/2014/main" xmlns="" val="20000"/>
+                      <a16:colId xmlns="" xmlns:a16="http://schemas.microsoft.com/office/drawing/2014/main" val="20000"/>
                     </a:ext>
                   </a:extLst>
                 </a:gridCol>
                 <a:gridCol w="2195892">
                   <a:extLst>
                     <a:ext uri="{9D8B030D-6E8A-4147-A177-3AD203B41FA5}">
-                      <a16:colId xmlns:a16="http://schemas.microsoft.com/office/drawing/2014/main" xmlns="" val="20001"/>
+                      <a16:colId xmlns="" xmlns:a16="http://schemas.microsoft.com/office/drawing/2014/main" val="20001"/>
                     </a:ext>
                   </a:extLst>
                 </a:gridCol>
                 <a:gridCol w="1086007">
                   <a:extLst>
                     <a:ext uri="{9D8B030D-6E8A-4147-A177-3AD203B41FA5}">
-                      <a16:colId xmlns:a16="http://schemas.microsoft.com/office/drawing/2014/main" xmlns="" val="20002"/>
+                      <a16:colId xmlns="" xmlns:a16="http://schemas.microsoft.com/office/drawing/2014/main" val="20002"/>
                     </a:ext>
                   </a:extLst>
                 </a:gridCol>
                 <a:gridCol w="1927970">
                   <a:extLst>
                     <a:ext uri="{9D8B030D-6E8A-4147-A177-3AD203B41FA5}">
-                      <a16:colId xmlns:a16="http://schemas.microsoft.com/office/drawing/2014/main" xmlns="" val="20003"/>
+                      <a16:colId xmlns="" xmlns:a16="http://schemas.microsoft.com/office/drawing/2014/main" val="20003"/>
                     </a:ext>
                   </a:extLst>
                 </a:gridCol>
                 <a:gridCol w="1233488">
                   <a:extLst>
                     <a:ext uri="{9D8B030D-6E8A-4147-A177-3AD203B41FA5}">
-                      <a16:colId xmlns:a16="http://schemas.microsoft.com/office/drawing/2014/main" xmlns="" val="20004"/>
+                      <a16:colId xmlns="" xmlns:a16="http://schemas.microsoft.com/office/drawing/2014/main" val="20004"/>
                     </a:ext>
                   </a:extLst>
                 </a:gridCol>
                 <a:gridCol w="971549">
                   <a:extLst>
                     <a:ext uri="{9D8B030D-6E8A-4147-A177-3AD203B41FA5}">
-                      <a16:colId xmlns:a16="http://schemas.microsoft.com/office/drawing/2014/main" xmlns="" val="20006"/>
+                      <a16:colId xmlns="" xmlns:a16="http://schemas.microsoft.com/office/drawing/2014/main" val="20006"/>
                     </a:ext>
                   </a:extLst>
                 </a:gridCol>
@@ -3873,7 +3872,7 @@
                 </a:tc>
                 <a:extLst>
                   <a:ext uri="{0D108BD9-81ED-4DB2-BD59-A6C34878D82A}">
-                    <a16:rowId xmlns:a16="http://schemas.microsoft.com/office/drawing/2014/main" xmlns="" val="10000"/>
+                    <a16:rowId xmlns="" xmlns:a16="http://schemas.microsoft.com/office/drawing/2014/main" val="10000"/>
                   </a:ext>
                 </a:extLst>
               </a:tr>
@@ -5345,7 +5344,7 @@
           <p:nvPr>
             <p:extLst>
               <p:ext uri="{D42A27DB-BD31-4B8C-83A1-F6EECF244321}">
-                <p14:modId xmlns:p14="http://schemas.microsoft.com/office/powerpoint/2010/main" val="2922545624"/>
+                <p14:modId xmlns:p14="http://schemas.microsoft.com/office/powerpoint/2010/main" val="2169355125"/>
               </p:ext>
             </p:extLst>
           </p:nvPr>
@@ -5364,7 +5363,7 @@
                 <a:gridCol w="6587921">
                   <a:extLst>
                     <a:ext uri="{9D8B030D-6E8A-4147-A177-3AD203B41FA5}">
-                      <a16:colId xmlns:a16="http://schemas.microsoft.com/office/drawing/2014/main" xmlns="" val="20000"/>
+                      <a16:colId xmlns="" xmlns:a16="http://schemas.microsoft.com/office/drawing/2014/main" val="20000"/>
                     </a:ext>
                   </a:extLst>
                 </a:gridCol>
@@ -5521,7 +5520,7 @@
                 </a:tc>
                 <a:extLst>
                   <a:ext uri="{0D108BD9-81ED-4DB2-BD59-A6C34878D82A}">
-                    <a16:rowId xmlns:a16="http://schemas.microsoft.com/office/drawing/2014/main" xmlns="" val="10000"/>
+                    <a16:rowId xmlns="" xmlns:a16="http://schemas.microsoft.com/office/drawing/2014/main" val="10000"/>
                   </a:ext>
                 </a:extLst>
               </a:tr>
@@ -5681,42 +5680,42 @@
                 <a:gridCol w="1380432">
                   <a:extLst>
                     <a:ext uri="{9D8B030D-6E8A-4147-A177-3AD203B41FA5}">
-                      <a16:colId xmlns:a16="http://schemas.microsoft.com/office/drawing/2014/main" xmlns="" val="20000"/>
+                      <a16:colId xmlns="" xmlns:a16="http://schemas.microsoft.com/office/drawing/2014/main" val="20000"/>
                     </a:ext>
                   </a:extLst>
                 </a:gridCol>
                 <a:gridCol w="2195892">
                   <a:extLst>
                     <a:ext uri="{9D8B030D-6E8A-4147-A177-3AD203B41FA5}">
-                      <a16:colId xmlns:a16="http://schemas.microsoft.com/office/drawing/2014/main" xmlns="" val="20001"/>
+                      <a16:colId xmlns="" xmlns:a16="http://schemas.microsoft.com/office/drawing/2014/main" val="20001"/>
                     </a:ext>
                   </a:extLst>
                 </a:gridCol>
                 <a:gridCol w="1086007">
                   <a:extLst>
                     <a:ext uri="{9D8B030D-6E8A-4147-A177-3AD203B41FA5}">
-                      <a16:colId xmlns:a16="http://schemas.microsoft.com/office/drawing/2014/main" xmlns="" val="20002"/>
+                      <a16:colId xmlns="" xmlns:a16="http://schemas.microsoft.com/office/drawing/2014/main" val="20002"/>
                     </a:ext>
                   </a:extLst>
                 </a:gridCol>
                 <a:gridCol w="1927970">
                   <a:extLst>
                     <a:ext uri="{9D8B030D-6E8A-4147-A177-3AD203B41FA5}">
-                      <a16:colId xmlns:a16="http://schemas.microsoft.com/office/drawing/2014/main" xmlns="" val="20003"/>
+                      <a16:colId xmlns="" xmlns:a16="http://schemas.microsoft.com/office/drawing/2014/main" val="20003"/>
                     </a:ext>
                   </a:extLst>
                 </a:gridCol>
                 <a:gridCol w="1233488">
                   <a:extLst>
                     <a:ext uri="{9D8B030D-6E8A-4147-A177-3AD203B41FA5}">
-                      <a16:colId xmlns:a16="http://schemas.microsoft.com/office/drawing/2014/main" xmlns="" val="20004"/>
+                      <a16:colId xmlns="" xmlns:a16="http://schemas.microsoft.com/office/drawing/2014/main" val="20004"/>
                     </a:ext>
                   </a:extLst>
                 </a:gridCol>
                 <a:gridCol w="971549">
                   <a:extLst>
                     <a:ext uri="{9D8B030D-6E8A-4147-A177-3AD203B41FA5}">
-                      <a16:colId xmlns:a16="http://schemas.microsoft.com/office/drawing/2014/main" xmlns="" val="20006"/>
+                      <a16:colId xmlns="" xmlns:a16="http://schemas.microsoft.com/office/drawing/2014/main" val="20006"/>
                     </a:ext>
                   </a:extLst>
                 </a:gridCol>
@@ -6170,7 +6169,7 @@
                 </a:tc>
                 <a:extLst>
                   <a:ext uri="{0D108BD9-81ED-4DB2-BD59-A6C34878D82A}">
-                    <a16:rowId xmlns:a16="http://schemas.microsoft.com/office/drawing/2014/main" xmlns="" val="10000"/>
+                    <a16:rowId xmlns="" xmlns:a16="http://schemas.microsoft.com/office/drawing/2014/main" val="10000"/>
                   </a:ext>
                 </a:extLst>
               </a:tr>
@@ -6516,14 +6515,14 @@
       </p:sp>
       <p:pic>
         <p:nvPicPr>
-          <p:cNvPr id="2" name="Picture 2"/>
+          <p:cNvPr id="10" name="Picture 2" descr="C:\Users\hong\Downloads\[관리자페이지] data관리 - 팀정보 (1).jpg"/>
           <p:cNvPicPr>
             <a:picLocks noChangeAspect="1" noChangeArrowheads="1"/>
           </p:cNvPicPr>
           <p:nvPr/>
         </p:nvPicPr>
         <p:blipFill>
-          <a:blip r:embed="rId2">
+          <a:blip r:embed="rId2" cstate="print">
             <a:extLst>
               <a:ext uri="{28A0092B-C50C-407E-A947-70E740481C1C}">
                 <a14:useLocalDpi xmlns:a14="http://schemas.microsoft.com/office/drawing/2010/main" val="0"/>
@@ -6537,56 +6536,33 @@
         </p:blipFill>
         <p:spPr bwMode="auto">
           <a:xfrm>
-            <a:off x="179512" y="980728"/>
-            <a:ext cx="6572889" cy="5616624"/>
+            <a:off x="251520" y="1548780"/>
+            <a:ext cx="6480000" cy="3975460"/>
           </a:xfrm>
           <a:prstGeom prst="rect">
             <a:avLst/>
           </a:prstGeom>
           <a:noFill/>
-          <a:ln>
-            <a:noFill/>
-          </a:ln>
-          <a:effectLst/>
           <a:extLst>
             <a:ext uri="{909E8E84-426E-40DD-AFC4-6F175D3DCCD1}">
               <a14:hiddenFill xmlns:a14="http://schemas.microsoft.com/office/drawing/2010/main">
                 <a:solidFill>
-                  <a:schemeClr val="accent1"/>
+                  <a:srgbClr val="FFFFFF"/>
                 </a:solidFill>
               </a14:hiddenFill>
-            </a:ext>
-            <a:ext uri="{91240B29-F687-4F45-9708-019B960494DF}">
-              <a14:hiddenLine xmlns:a14="http://schemas.microsoft.com/office/drawing/2010/main" w="9525">
-                <a:solidFill>
-                  <a:schemeClr val="tx1"/>
-                </a:solidFill>
-                <a:miter lim="800000"/>
-                <a:headEnd/>
-                <a:tailEnd/>
-              </a14:hiddenLine>
-            </a:ext>
-            <a:ext uri="{AF507438-7753-43E0-B8FC-AC1667EBCBE1}">
-              <a14:hiddenEffects xmlns:a14="http://schemas.microsoft.com/office/drawing/2010/main">
-                <a:effectLst>
-                  <a:outerShdw dist="35921" dir="2700000" algn="ctr" rotWithShape="0">
-                    <a:schemeClr val="bg2"/>
-                  </a:outerShdw>
-                </a:effectLst>
-              </a14:hiddenEffects>
             </a:ext>
           </a:extLst>
         </p:spPr>
       </p:pic>
       <p:sp>
         <p:nvSpPr>
-          <p:cNvPr id="13" name="타원 12"/>
+          <p:cNvPr id="11" name="타원 10"/>
           <p:cNvSpPr/>
           <p:nvPr/>
         </p:nvSpPr>
         <p:spPr>
           <a:xfrm>
-            <a:off x="323528" y="1772816"/>
+            <a:off x="201930" y="2564904"/>
             <a:ext cx="339812" cy="326752"/>
           </a:xfrm>
           <a:prstGeom prst="ellipse">
@@ -6624,13 +6600,13 @@
       </p:sp>
       <p:sp>
         <p:nvSpPr>
-          <p:cNvPr id="14" name="타원 13"/>
+          <p:cNvPr id="12" name="타원 11"/>
           <p:cNvSpPr/>
           <p:nvPr/>
         </p:nvSpPr>
         <p:spPr>
           <a:xfrm>
-            <a:off x="493434" y="2274156"/>
+            <a:off x="201930" y="2958232"/>
             <a:ext cx="339812" cy="326752"/>
           </a:xfrm>
           <a:prstGeom prst="ellipse">
@@ -6668,13 +6644,13 @@
       </p:sp>
       <p:sp>
         <p:nvSpPr>
-          <p:cNvPr id="15" name="타원 14"/>
+          <p:cNvPr id="16" name="타원 15"/>
           <p:cNvSpPr/>
           <p:nvPr/>
         </p:nvSpPr>
         <p:spPr>
           <a:xfrm>
-            <a:off x="493434" y="2996952"/>
+            <a:off x="251520" y="3717032"/>
             <a:ext cx="339812" cy="326752"/>
           </a:xfrm>
           <a:prstGeom prst="ellipse">
@@ -6776,7 +6752,7 @@
                 <a:gridCol w="6587921">
                   <a:extLst>
                     <a:ext uri="{9D8B030D-6E8A-4147-A177-3AD203B41FA5}">
-                      <a16:colId xmlns:a16="http://schemas.microsoft.com/office/drawing/2014/main" xmlns="" val="20000"/>
+                      <a16:colId xmlns="" xmlns:a16="http://schemas.microsoft.com/office/drawing/2014/main" val="20000"/>
                     </a:ext>
                   </a:extLst>
                 </a:gridCol>
@@ -6933,7 +6909,7 @@
                 </a:tc>
                 <a:extLst>
                   <a:ext uri="{0D108BD9-81ED-4DB2-BD59-A6C34878D82A}">
-                    <a16:rowId xmlns:a16="http://schemas.microsoft.com/office/drawing/2014/main" xmlns="" val="10000"/>
+                    <a16:rowId xmlns="" xmlns:a16="http://schemas.microsoft.com/office/drawing/2014/main" val="10000"/>
                   </a:ext>
                 </a:extLst>
               </a:tr>
@@ -7093,42 +7069,42 @@
                 <a:gridCol w="1380432">
                   <a:extLst>
                     <a:ext uri="{9D8B030D-6E8A-4147-A177-3AD203B41FA5}">
-                      <a16:colId xmlns:a16="http://schemas.microsoft.com/office/drawing/2014/main" xmlns="" val="20000"/>
+                      <a16:colId xmlns="" xmlns:a16="http://schemas.microsoft.com/office/drawing/2014/main" val="20000"/>
                     </a:ext>
                   </a:extLst>
                 </a:gridCol>
                 <a:gridCol w="2195892">
                   <a:extLst>
                     <a:ext uri="{9D8B030D-6E8A-4147-A177-3AD203B41FA5}">
-                      <a16:colId xmlns:a16="http://schemas.microsoft.com/office/drawing/2014/main" xmlns="" val="20001"/>
+                      <a16:colId xmlns="" xmlns:a16="http://schemas.microsoft.com/office/drawing/2014/main" val="20001"/>
                     </a:ext>
                   </a:extLst>
                 </a:gridCol>
                 <a:gridCol w="1086007">
                   <a:extLst>
                     <a:ext uri="{9D8B030D-6E8A-4147-A177-3AD203B41FA5}">
-                      <a16:colId xmlns:a16="http://schemas.microsoft.com/office/drawing/2014/main" xmlns="" val="20002"/>
+                      <a16:colId xmlns="" xmlns:a16="http://schemas.microsoft.com/office/drawing/2014/main" val="20002"/>
                     </a:ext>
                   </a:extLst>
                 </a:gridCol>
                 <a:gridCol w="1927970">
                   <a:extLst>
                     <a:ext uri="{9D8B030D-6E8A-4147-A177-3AD203B41FA5}">
-                      <a16:colId xmlns:a16="http://schemas.microsoft.com/office/drawing/2014/main" xmlns="" val="20003"/>
+                      <a16:colId xmlns="" xmlns:a16="http://schemas.microsoft.com/office/drawing/2014/main" val="20003"/>
                     </a:ext>
                   </a:extLst>
                 </a:gridCol>
                 <a:gridCol w="1233488">
                   <a:extLst>
                     <a:ext uri="{9D8B030D-6E8A-4147-A177-3AD203B41FA5}">
-                      <a16:colId xmlns:a16="http://schemas.microsoft.com/office/drawing/2014/main" xmlns="" val="20004"/>
+                      <a16:colId xmlns="" xmlns:a16="http://schemas.microsoft.com/office/drawing/2014/main" val="20004"/>
                     </a:ext>
                   </a:extLst>
                 </a:gridCol>
                 <a:gridCol w="971549">
                   <a:extLst>
                     <a:ext uri="{9D8B030D-6E8A-4147-A177-3AD203B41FA5}">
-                      <a16:colId xmlns:a16="http://schemas.microsoft.com/office/drawing/2014/main" xmlns="" val="20006"/>
+                      <a16:colId xmlns="" xmlns:a16="http://schemas.microsoft.com/office/drawing/2014/main" val="20006"/>
                     </a:ext>
                   </a:extLst>
                 </a:gridCol>
@@ -7592,7 +7568,7 @@
                 </a:tc>
                 <a:extLst>
                   <a:ext uri="{0D108BD9-81ED-4DB2-BD59-A6C34878D82A}">
-                    <a16:rowId xmlns:a16="http://schemas.microsoft.com/office/drawing/2014/main" xmlns="" val="10000"/>
+                    <a16:rowId xmlns="" xmlns:a16="http://schemas.microsoft.com/office/drawing/2014/main" val="10000"/>
                   </a:ext>
                 </a:extLst>
               </a:tr>
@@ -7883,16 +7859,52 @@
               <a:defRPr lang="ko-KR" altLang="en-US"/>
             </a:pPr>
             <a:r>
-              <a:rPr lang="ko-KR" altLang="en-US" sz="800" dirty="0" smtClean="0">
+              <a:rPr lang="ko-KR" altLang="en-US" sz="800" dirty="0">
                 <a:solidFill>
                   <a:schemeClr val="tx1"/>
                 </a:solidFill>
                 <a:latin typeface="+mn-ea"/>
               </a:rPr>
-              <a:t>팀 이력정보를 확인할 수 있다</a:t>
-            </a:r>
-            <a:r>
-              <a:rPr lang="en-US" altLang="ko-KR" sz="800" dirty="0" smtClean="0">
+              <a:t>팀 이력 정보를 추가</a:t>
+            </a:r>
+            <a:r>
+              <a:rPr lang="en-US" altLang="ko-KR" sz="800" dirty="0">
+                <a:solidFill>
+                  <a:schemeClr val="tx1"/>
+                </a:solidFill>
+                <a:latin typeface="+mn-ea"/>
+              </a:rPr>
+              <a:t>/</a:t>
+            </a:r>
+            <a:r>
+              <a:rPr lang="ko-KR" altLang="en-US" sz="800" dirty="0">
+                <a:solidFill>
+                  <a:schemeClr val="tx1"/>
+                </a:solidFill>
+                <a:latin typeface="+mn-ea"/>
+              </a:rPr>
+              <a:t>수정</a:t>
+            </a:r>
+            <a:r>
+              <a:rPr lang="en-US" altLang="ko-KR" sz="800" dirty="0">
+                <a:solidFill>
+                  <a:schemeClr val="tx1"/>
+                </a:solidFill>
+                <a:latin typeface="+mn-ea"/>
+              </a:rPr>
+              <a:t>/</a:t>
+            </a:r>
+            <a:r>
+              <a:rPr lang="ko-KR" altLang="en-US" sz="800" dirty="0">
+                <a:solidFill>
+                  <a:schemeClr val="tx1"/>
+                </a:solidFill>
+                <a:latin typeface="+mn-ea"/>
+              </a:rPr>
+              <a:t>삭제 할 수 있다</a:t>
+            </a:r>
+            <a:r>
+              <a:rPr lang="en-US" altLang="ko-KR" sz="800" dirty="0">
                 <a:solidFill>
                   <a:schemeClr val="tx1"/>
                 </a:solidFill>
@@ -7900,19 +7912,25 @@
               </a:rPr>
               <a:t>.</a:t>
             </a:r>
+            <a:endParaRPr lang="en-US" altLang="ko-KR" sz="800" dirty="0">
+              <a:solidFill>
+                <a:schemeClr val="tx1"/>
+              </a:solidFill>
+              <a:latin typeface="+mn-ea"/>
+            </a:endParaRPr>
           </a:p>
         </p:txBody>
       </p:sp>
       <p:pic>
         <p:nvPicPr>
-          <p:cNvPr id="2" name="Picture 2"/>
+          <p:cNvPr id="9" name="Picture 2" descr="C:\Users\hong\Downloads\[관리자페이지] data관리 - 팀정보 - 정보 수정 (1).jpg"/>
           <p:cNvPicPr>
             <a:picLocks noChangeAspect="1" noChangeArrowheads="1"/>
           </p:cNvPicPr>
           <p:nvPr/>
         </p:nvPicPr>
         <p:blipFill>
-          <a:blip r:embed="rId2">
+          <a:blip r:embed="rId2" cstate="print">
             <a:extLst>
               <a:ext uri="{28A0092B-C50C-407E-A947-70E740481C1C}">
                 <a14:useLocalDpi xmlns:a14="http://schemas.microsoft.com/office/drawing/2010/main" val="0"/>
@@ -7926,56 +7944,33 @@
         </p:blipFill>
         <p:spPr bwMode="auto">
           <a:xfrm>
-            <a:off x="179512" y="980728"/>
-            <a:ext cx="6572889" cy="5616624"/>
+            <a:off x="252240" y="1689460"/>
+            <a:ext cx="6480000" cy="3975460"/>
           </a:xfrm>
           <a:prstGeom prst="rect">
             <a:avLst/>
           </a:prstGeom>
           <a:noFill/>
-          <a:ln>
-            <a:noFill/>
-          </a:ln>
-          <a:effectLst/>
           <a:extLst>
             <a:ext uri="{909E8E84-426E-40DD-AFC4-6F175D3DCCD1}">
               <a14:hiddenFill xmlns:a14="http://schemas.microsoft.com/office/drawing/2010/main">
                 <a:solidFill>
-                  <a:schemeClr val="accent1"/>
+                  <a:srgbClr val="FFFFFF"/>
                 </a:solidFill>
               </a14:hiddenFill>
-            </a:ext>
-            <a:ext uri="{91240B29-F687-4F45-9708-019B960494DF}">
-              <a14:hiddenLine xmlns:a14="http://schemas.microsoft.com/office/drawing/2010/main" w="9525">
-                <a:solidFill>
-                  <a:schemeClr val="tx1"/>
-                </a:solidFill>
-                <a:miter lim="800000"/>
-                <a:headEnd/>
-                <a:tailEnd/>
-              </a14:hiddenLine>
-            </a:ext>
-            <a:ext uri="{AF507438-7753-43E0-B8FC-AC1667EBCBE1}">
-              <a14:hiddenEffects xmlns:a14="http://schemas.microsoft.com/office/drawing/2010/main">
-                <a:effectLst>
-                  <a:outerShdw dist="35921" dir="2700000" algn="ctr" rotWithShape="0">
-                    <a:schemeClr val="bg2"/>
-                  </a:outerShdw>
-                </a:effectLst>
-              </a14:hiddenEffects>
             </a:ext>
           </a:extLst>
         </p:spPr>
       </p:pic>
       <p:sp>
         <p:nvSpPr>
-          <p:cNvPr id="10" name="타원 9"/>
+          <p:cNvPr id="12" name="타원 11"/>
           <p:cNvSpPr/>
           <p:nvPr/>
         </p:nvSpPr>
         <p:spPr>
           <a:xfrm>
-            <a:off x="467544" y="1988840"/>
+            <a:off x="237156" y="3140968"/>
             <a:ext cx="339812" cy="326752"/>
           </a:xfrm>
           <a:prstGeom prst="ellipse">
@@ -8013,13 +8008,13 @@
       </p:sp>
       <p:sp>
         <p:nvSpPr>
-          <p:cNvPr id="11" name="타원 10"/>
+          <p:cNvPr id="13" name="타원 12"/>
           <p:cNvSpPr/>
           <p:nvPr/>
         </p:nvSpPr>
         <p:spPr>
           <a:xfrm>
-            <a:off x="539552" y="4129720"/>
+            <a:off x="222072" y="4437112"/>
             <a:ext cx="339812" cy="326752"/>
           </a:xfrm>
           <a:prstGeom prst="ellipse">
@@ -8102,7 +8097,7 @@
           <p:nvPr>
             <p:extLst>
               <p:ext uri="{D42A27DB-BD31-4B8C-83A1-F6EECF244321}">
-                <p14:modId xmlns:p14="http://schemas.microsoft.com/office/powerpoint/2010/main" val="3107416924"/>
+                <p14:modId xmlns:p14="http://schemas.microsoft.com/office/powerpoint/2010/main" val="807336892"/>
               </p:ext>
             </p:extLst>
           </p:nvPr>
@@ -8121,7 +8116,7 @@
                 <a:gridCol w="6587921">
                   <a:extLst>
                     <a:ext uri="{9D8B030D-6E8A-4147-A177-3AD203B41FA5}">
-                      <a16:colId xmlns:a16="http://schemas.microsoft.com/office/drawing/2014/main" xmlns="" val="20000"/>
+                      <a16:colId xmlns="" xmlns:a16="http://schemas.microsoft.com/office/drawing/2014/main" val="20000"/>
                     </a:ext>
                   </a:extLst>
                 </a:gridCol>
@@ -8278,7 +8273,7 @@
                 </a:tc>
                 <a:extLst>
                   <a:ext uri="{0D108BD9-81ED-4DB2-BD59-A6C34878D82A}">
-                    <a16:rowId xmlns:a16="http://schemas.microsoft.com/office/drawing/2014/main" xmlns="" val="10000"/>
+                    <a16:rowId xmlns="" xmlns:a16="http://schemas.microsoft.com/office/drawing/2014/main" val="10000"/>
                   </a:ext>
                 </a:extLst>
               </a:tr>
@@ -8419,14 +8414,14 @@
           <p:nvPr>
             <p:extLst>
               <p:ext uri="{D42A27DB-BD31-4B8C-83A1-F6EECF244321}">
-                <p14:modId xmlns:p14="http://schemas.microsoft.com/office/powerpoint/2010/main" val="3361038991"/>
+                <p14:modId xmlns:p14="http://schemas.microsoft.com/office/powerpoint/2010/main" val="4144603601"/>
               </p:ext>
             </p:extLst>
           </p:nvPr>
         </p:nvGraphicFramePr>
         <p:xfrm>
           <a:off x="177212" y="214290"/>
-          <a:ext cx="8795338" cy="396240"/>
+          <a:ext cx="8795338" cy="370840"/>
         </p:xfrm>
         <a:graphic>
           <a:graphicData uri="http://schemas.openxmlformats.org/drawingml/2006/table">
@@ -8438,42 +8433,42 @@
                 <a:gridCol w="1380432">
                   <a:extLst>
                     <a:ext uri="{9D8B030D-6E8A-4147-A177-3AD203B41FA5}">
-                      <a16:colId xmlns:a16="http://schemas.microsoft.com/office/drawing/2014/main" xmlns="" val="20000"/>
+                      <a16:colId xmlns="" xmlns:a16="http://schemas.microsoft.com/office/drawing/2014/main" val="20000"/>
                     </a:ext>
                   </a:extLst>
                 </a:gridCol>
                 <a:gridCol w="2195892">
                   <a:extLst>
                     <a:ext uri="{9D8B030D-6E8A-4147-A177-3AD203B41FA5}">
-                      <a16:colId xmlns:a16="http://schemas.microsoft.com/office/drawing/2014/main" xmlns="" val="20001"/>
+                      <a16:colId xmlns="" xmlns:a16="http://schemas.microsoft.com/office/drawing/2014/main" val="20001"/>
                     </a:ext>
                   </a:extLst>
                 </a:gridCol>
                 <a:gridCol w="1086007">
                   <a:extLst>
                     <a:ext uri="{9D8B030D-6E8A-4147-A177-3AD203B41FA5}">
-                      <a16:colId xmlns:a16="http://schemas.microsoft.com/office/drawing/2014/main" xmlns="" val="20002"/>
+                      <a16:colId xmlns="" xmlns:a16="http://schemas.microsoft.com/office/drawing/2014/main" val="20002"/>
                     </a:ext>
                   </a:extLst>
                 </a:gridCol>
                 <a:gridCol w="1927970">
                   <a:extLst>
                     <a:ext uri="{9D8B030D-6E8A-4147-A177-3AD203B41FA5}">
-                      <a16:colId xmlns:a16="http://schemas.microsoft.com/office/drawing/2014/main" xmlns="" val="20003"/>
+                      <a16:colId xmlns="" xmlns:a16="http://schemas.microsoft.com/office/drawing/2014/main" val="20003"/>
                     </a:ext>
                   </a:extLst>
                 </a:gridCol>
                 <a:gridCol w="1233488">
                   <a:extLst>
                     <a:ext uri="{9D8B030D-6E8A-4147-A177-3AD203B41FA5}">
-                      <a16:colId xmlns:a16="http://schemas.microsoft.com/office/drawing/2014/main" xmlns="" val="20004"/>
+                      <a16:colId xmlns="" xmlns:a16="http://schemas.microsoft.com/office/drawing/2014/main" val="20004"/>
                     </a:ext>
                   </a:extLst>
                 </a:gridCol>
                 <a:gridCol w="971549">
                   <a:extLst>
                     <a:ext uri="{9D8B030D-6E8A-4147-A177-3AD203B41FA5}">
-                      <a16:colId xmlns:a16="http://schemas.microsoft.com/office/drawing/2014/main" xmlns="" val="20006"/>
+                      <a16:colId xmlns="" xmlns:a16="http://schemas.microsoft.com/office/drawing/2014/main" val="20006"/>
                     </a:ext>
                   </a:extLst>
                 </a:gridCol>
@@ -8704,20 +8699,10 @@
                           <a:latin typeface="+mn-ea"/>
                           <a:ea typeface="+mn-ea"/>
                         </a:rPr>
-                        <a:t>Data</a:t>
+                        <a:t>Data </a:t>
                       </a:r>
                       <a:r>
-                        <a:rPr lang="en-US" altLang="ko-KR" sz="1000" b="0" baseline="0" dirty="0" smtClean="0">
-                          <a:solidFill>
-                            <a:schemeClr val="tx1"/>
-                          </a:solidFill>
-                          <a:latin typeface="+mn-ea"/>
-                          <a:ea typeface="+mn-ea"/>
-                        </a:rPr>
-                        <a:t> </a:t>
-                      </a:r>
-                      <a:r>
-                        <a:rPr lang="ko-KR" altLang="en-US" sz="1000" b="0" baseline="0" dirty="0" smtClean="0">
+                        <a:rPr lang="ko-KR" altLang="en-US" sz="1000" b="0" dirty="0" smtClean="0">
                           <a:solidFill>
                             <a:schemeClr val="tx1"/>
                           </a:solidFill>
@@ -8727,7 +8712,7 @@
                         <a:t>관리 </a:t>
                       </a:r>
                       <a:r>
-                        <a:rPr lang="en-US" altLang="ko-KR" sz="1000" b="0" baseline="0" dirty="0" smtClean="0">
+                        <a:rPr lang="en-US" altLang="ko-KR" sz="1000" b="0" dirty="0" smtClean="0">
                           <a:solidFill>
                             <a:schemeClr val="tx1"/>
                           </a:solidFill>
@@ -8737,54 +8722,14 @@
                         <a:t>– </a:t>
                       </a:r>
                       <a:r>
-                        <a:rPr lang="ko-KR" altLang="en-US" sz="1000" b="0" baseline="0" dirty="0" err="1" smtClean="0">
+                        <a:rPr lang="ko-KR" altLang="en-US" sz="1000" b="0" dirty="0" smtClean="0">
                           <a:solidFill>
                             <a:schemeClr val="tx1"/>
                           </a:solidFill>
                           <a:latin typeface="+mn-ea"/>
                           <a:ea typeface="+mn-ea"/>
                         </a:rPr>
-                        <a:t>팀정보</a:t>
-                      </a:r>
-                      <a:r>
-                        <a:rPr lang="ko-KR" altLang="en-US" sz="1000" b="0" baseline="0" dirty="0" smtClean="0">
-                          <a:solidFill>
-                            <a:schemeClr val="tx1"/>
-                          </a:solidFill>
-                          <a:latin typeface="+mn-ea"/>
-                          <a:ea typeface="+mn-ea"/>
-                        </a:rPr>
-                        <a:t> 수정 </a:t>
-                      </a:r>
-                      <a:r>
-                        <a:rPr lang="en-US" altLang="ko-KR" sz="1000" b="0" baseline="0" dirty="0" smtClean="0">
-                          <a:solidFill>
-                            <a:schemeClr val="tx1"/>
-                          </a:solidFill>
-                          <a:latin typeface="+mn-ea"/>
-                          <a:ea typeface="+mn-ea"/>
-                        </a:rPr>
-                        <a:t>– </a:t>
-                      </a:r>
-                      <a:r>
-                        <a:rPr lang="ko-KR" altLang="en-US" sz="1000" b="0" baseline="0" dirty="0" err="1" smtClean="0">
-                          <a:solidFill>
-                            <a:schemeClr val="tx1"/>
-                          </a:solidFill>
-                          <a:latin typeface="+mn-ea"/>
-                          <a:ea typeface="+mn-ea"/>
-                        </a:rPr>
-                        <a:t>팀이력</a:t>
-                      </a:r>
-                      <a:r>
-                        <a:rPr lang="ko-KR" altLang="en-US" sz="1000" b="0" baseline="0" dirty="0" smtClean="0">
-                          <a:solidFill>
-                            <a:schemeClr val="tx1"/>
-                          </a:solidFill>
-                          <a:latin typeface="+mn-ea"/>
-                          <a:ea typeface="+mn-ea"/>
-                        </a:rPr>
-                        <a:t> 수정</a:t>
+                        <a:t>선수 목록</a:t>
                       </a:r>
                       <a:endParaRPr lang="ko-KR" altLang="en-US" sz="1000" b="0" dirty="0">
                         <a:solidFill>
@@ -8977,7 +8922,7 @@
                 </a:tc>
                 <a:extLst>
                   <a:ext uri="{0D108BD9-81ED-4DB2-BD59-A6C34878D82A}">
-                    <a16:rowId xmlns:a16="http://schemas.microsoft.com/office/drawing/2014/main" xmlns="" val="10000"/>
+                    <a16:rowId xmlns="" xmlns:a16="http://schemas.microsoft.com/office/drawing/2014/main" val="10000"/>
                   </a:ext>
                 </a:extLst>
               </a:tr>
@@ -9222,6 +9167,7 @@
           <a:lstStyle/>
           <a:p>
             <a:pPr marL="228600" indent="-228600" algn="ctr">
+              <a:buFontTx/>
               <a:buAutoNum type="arabicPeriod"/>
               <a:defRPr lang="ko-KR" altLang="en-US"/>
             </a:pPr>
@@ -9232,7 +9178,70 @@
                 </a:solidFill>
                 <a:latin typeface="+mn-ea"/>
               </a:rPr>
-              <a:t>팀 이력 정보를 추가</a:t>
+              <a:t>정보 오류 게시판에서 처리되지 않은 글 목록을 확인할 수 있다</a:t>
+            </a:r>
+            <a:r>
+              <a:rPr lang="en-US" altLang="ko-KR" sz="800" dirty="0" smtClean="0">
+                <a:solidFill>
+                  <a:schemeClr val="tx1"/>
+                </a:solidFill>
+                <a:latin typeface="+mn-ea"/>
+              </a:rPr>
+              <a:t>.</a:t>
+            </a:r>
+            <a:endParaRPr lang="en-US" altLang="ko-KR" sz="800" dirty="0" smtClean="0">
+              <a:solidFill>
+                <a:schemeClr val="tx1"/>
+              </a:solidFill>
+              <a:latin typeface="+mn-ea"/>
+            </a:endParaRPr>
+          </a:p>
+          <a:p>
+            <a:pPr marL="228600" indent="-228600" algn="ctr">
+              <a:buAutoNum type="arabicPeriod"/>
+              <a:defRPr lang="ko-KR" altLang="en-US"/>
+            </a:pPr>
+            <a:r>
+              <a:rPr lang="ko-KR" altLang="en-US" sz="800" dirty="0" smtClean="0">
+                <a:solidFill>
+                  <a:schemeClr val="tx1"/>
+                </a:solidFill>
+                <a:latin typeface="+mn-ea"/>
+              </a:rPr>
+              <a:t>등록된 </a:t>
+            </a:r>
+            <a:r>
+              <a:rPr lang="ko-KR" altLang="en-US" sz="800" dirty="0">
+                <a:solidFill>
+                  <a:schemeClr val="tx1"/>
+                </a:solidFill>
+                <a:latin typeface="+mn-ea"/>
+              </a:rPr>
+              <a:t>선수에 대한 목록을 확인 할 수 있다</a:t>
+            </a:r>
+            <a:r>
+              <a:rPr lang="en-US" altLang="ko-KR" sz="800" dirty="0" smtClean="0">
+                <a:solidFill>
+                  <a:schemeClr val="tx1"/>
+                </a:solidFill>
+                <a:latin typeface="+mn-ea"/>
+              </a:rPr>
+              <a:t>.</a:t>
+            </a:r>
+          </a:p>
+          <a:p>
+            <a:pPr marL="228600" indent="-228600" algn="ctr">
+              <a:buAutoNum type="arabicPeriod"/>
+              <a:defRPr lang="ko-KR" altLang="en-US"/>
+            </a:pPr>
+            <a:r>
+              <a:rPr lang="ko-KR" altLang="en-US" sz="800" dirty="0">
+                <a:solidFill>
+                  <a:schemeClr val="tx1"/>
+                </a:solidFill>
+                <a:latin typeface="+mn-ea"/>
+              </a:rPr>
+              <a:t>이름</a:t>
             </a:r>
             <a:r>
               <a:rPr lang="en-US" altLang="ko-KR" sz="800" dirty="0">
@@ -9241,7 +9250,7 @@
                 </a:solidFill>
                 <a:latin typeface="+mn-ea"/>
               </a:rPr>
-              <a:t>/</a:t>
+              <a:t>, </a:t>
             </a:r>
             <a:r>
               <a:rPr lang="ko-KR" altLang="en-US" sz="800" dirty="0">
@@ -9250,28 +9259,10 @@
                 </a:solidFill>
                 <a:latin typeface="+mn-ea"/>
               </a:rPr>
-              <a:t>수정</a:t>
-            </a:r>
-            <a:r>
-              <a:rPr lang="en-US" altLang="ko-KR" sz="800" dirty="0">
-                <a:solidFill>
-                  <a:schemeClr val="tx1"/>
-                </a:solidFill>
-                <a:latin typeface="+mn-ea"/>
-              </a:rPr>
-              <a:t>/</a:t>
-            </a:r>
-            <a:r>
-              <a:rPr lang="ko-KR" altLang="en-US" sz="800" dirty="0">
-                <a:solidFill>
-                  <a:schemeClr val="tx1"/>
-                </a:solidFill>
-                <a:latin typeface="+mn-ea"/>
-              </a:rPr>
-              <a:t>삭제 할 수 있다</a:t>
-            </a:r>
-            <a:r>
-              <a:rPr lang="en-US" altLang="ko-KR" sz="800" dirty="0">
+              <a:t>팀을 기준으로 선수를 검색할 수 있다</a:t>
+            </a:r>
+            <a:r>
+              <a:rPr lang="en-US" altLang="ko-KR" sz="800" dirty="0" smtClean="0">
                 <a:solidFill>
                   <a:schemeClr val="tx1"/>
                 </a:solidFill>
@@ -9280,18 +9271,30 @@
               <a:t>.</a:t>
             </a:r>
           </a:p>
+          <a:p>
+            <a:pPr marL="228600" indent="-228600" algn="ctr">
+              <a:buAutoNum type="arabicPeriod"/>
+              <a:defRPr lang="ko-KR" altLang="en-US"/>
+            </a:pPr>
+            <a:endParaRPr lang="en-US" altLang="ko-KR" sz="800" dirty="0">
+              <a:solidFill>
+                <a:schemeClr val="tx1"/>
+              </a:solidFill>
+              <a:latin typeface="+mn-ea"/>
+            </a:endParaRPr>
+          </a:p>
         </p:txBody>
       </p:sp>
       <p:pic>
         <p:nvPicPr>
-          <p:cNvPr id="2" name="Picture 2"/>
+          <p:cNvPr id="9" name="Picture 3" descr="C:\Users\hong\Downloads\[관리자페이지] data관리 - 선수정보 (2).jpg"/>
           <p:cNvPicPr>
             <a:picLocks noChangeAspect="1" noChangeArrowheads="1"/>
           </p:cNvPicPr>
           <p:nvPr/>
         </p:nvPicPr>
         <p:blipFill>
-          <a:blip r:embed="rId2">
+          <a:blip r:embed="rId2" cstate="print">
             <a:extLst>
               <a:ext uri="{28A0092B-C50C-407E-A947-70E740481C1C}">
                 <a14:useLocalDpi xmlns:a14="http://schemas.microsoft.com/office/drawing/2010/main" val="0"/>
@@ -9305,56 +9308,33 @@
         </p:blipFill>
         <p:spPr bwMode="auto">
           <a:xfrm>
-            <a:off x="179512" y="980728"/>
-            <a:ext cx="6572889" cy="5616624"/>
+            <a:off x="251520" y="1772816"/>
+            <a:ext cx="6480000" cy="3975460"/>
           </a:xfrm>
           <a:prstGeom prst="rect">
             <a:avLst/>
           </a:prstGeom>
           <a:noFill/>
-          <a:ln>
-            <a:noFill/>
-          </a:ln>
-          <a:effectLst/>
           <a:extLst>
             <a:ext uri="{909E8E84-426E-40DD-AFC4-6F175D3DCCD1}">
               <a14:hiddenFill xmlns:a14="http://schemas.microsoft.com/office/drawing/2010/main">
                 <a:solidFill>
-                  <a:schemeClr val="accent1"/>
+                  <a:srgbClr val="FFFFFF"/>
                 </a:solidFill>
               </a14:hiddenFill>
-            </a:ext>
-            <a:ext uri="{91240B29-F687-4F45-9708-019B960494DF}">
-              <a14:hiddenLine xmlns:a14="http://schemas.microsoft.com/office/drawing/2010/main" w="9525">
-                <a:solidFill>
-                  <a:schemeClr val="tx1"/>
-                </a:solidFill>
-                <a:miter lim="800000"/>
-                <a:headEnd/>
-                <a:tailEnd/>
-              </a14:hiddenLine>
-            </a:ext>
-            <a:ext uri="{AF507438-7753-43E0-B8FC-AC1667EBCBE1}">
-              <a14:hiddenEffects xmlns:a14="http://schemas.microsoft.com/office/drawing/2010/main">
-                <a:effectLst>
-                  <a:outerShdw dist="35921" dir="2700000" algn="ctr" rotWithShape="0">
-                    <a:schemeClr val="bg2"/>
-                  </a:outerShdw>
-                </a:effectLst>
-              </a14:hiddenEffects>
             </a:ext>
           </a:extLst>
         </p:spPr>
       </p:pic>
       <p:sp>
         <p:nvSpPr>
-          <p:cNvPr id="9" name="타원 8"/>
+          <p:cNvPr id="12" name="타원 11"/>
           <p:cNvSpPr/>
           <p:nvPr/>
         </p:nvSpPr>
         <p:spPr>
           <a:xfrm>
-            <a:off x="251520" y="1988840"/>
+            <a:off x="229991" y="2783624"/>
             <a:ext cx="339812" cy="326752"/>
           </a:xfrm>
           <a:prstGeom prst="ellipse">
@@ -9389,6 +9369,110 @@
                 </a:solidFill>
               </a:rPr>
               <a:t>1</a:t>
+            </a:r>
+            <a:endParaRPr lang="ko-KR" altLang="en-US" dirty="0">
+              <a:solidFill>
+                <a:schemeClr val="bg1"/>
+              </a:solidFill>
+            </a:endParaRPr>
+          </a:p>
+        </p:txBody>
+      </p:sp>
+      <p:sp>
+        <p:nvSpPr>
+          <p:cNvPr id="13" name="타원 12"/>
+          <p:cNvSpPr/>
+          <p:nvPr/>
+        </p:nvSpPr>
+        <p:spPr>
+          <a:xfrm>
+            <a:off x="3995936" y="3750320"/>
+            <a:ext cx="339812" cy="326752"/>
+          </a:xfrm>
+          <a:prstGeom prst="ellipse">
+            <a:avLst/>
+          </a:prstGeom>
+        </p:spPr>
+        <p:style>
+          <a:lnRef idx="2">
+            <a:schemeClr val="accent5">
+              <a:shade val="50000"/>
+            </a:schemeClr>
+          </a:lnRef>
+          <a:fillRef idx="1">
+            <a:schemeClr val="accent5"/>
+          </a:fillRef>
+          <a:effectRef idx="0">
+            <a:schemeClr val="accent5"/>
+          </a:effectRef>
+          <a:fontRef idx="minor">
+            <a:schemeClr val="lt1"/>
+          </a:fontRef>
+        </p:style>
+        <p:txBody>
+          <a:bodyPr rtlCol="0" anchor="ctr"/>
+          <a:lstStyle/>
+          <a:p>
+            <a:pPr algn="ctr"/>
+            <a:r>
+              <a:rPr lang="en-US" altLang="ko-KR" dirty="0" smtClean="0">
+                <a:solidFill>
+                  <a:schemeClr val="bg1"/>
+                </a:solidFill>
+              </a:rPr>
+              <a:t>3</a:t>
+            </a:r>
+            <a:endParaRPr lang="ko-KR" altLang="en-US" dirty="0">
+              <a:solidFill>
+                <a:schemeClr val="bg1"/>
+              </a:solidFill>
+            </a:endParaRPr>
+          </a:p>
+        </p:txBody>
+      </p:sp>
+      <p:sp>
+        <p:nvSpPr>
+          <p:cNvPr id="14" name="타원 13"/>
+          <p:cNvSpPr/>
+          <p:nvPr/>
+        </p:nvSpPr>
+        <p:spPr>
+          <a:xfrm>
+            <a:off x="251520" y="4129720"/>
+            <a:ext cx="339812" cy="326752"/>
+          </a:xfrm>
+          <a:prstGeom prst="ellipse">
+            <a:avLst/>
+          </a:prstGeom>
+        </p:spPr>
+        <p:style>
+          <a:lnRef idx="2">
+            <a:schemeClr val="accent5">
+              <a:shade val="50000"/>
+            </a:schemeClr>
+          </a:lnRef>
+          <a:fillRef idx="1">
+            <a:schemeClr val="accent5"/>
+          </a:fillRef>
+          <a:effectRef idx="0">
+            <a:schemeClr val="accent5"/>
+          </a:effectRef>
+          <a:fontRef idx="minor">
+            <a:schemeClr val="lt1"/>
+          </a:fontRef>
+        </p:style>
+        <p:txBody>
+          <a:bodyPr rtlCol="0" anchor="ctr"/>
+          <a:lstStyle/>
+          <a:p>
+            <a:pPr algn="ctr"/>
+            <a:r>
+              <a:rPr lang="en-US" altLang="ko-KR" dirty="0" smtClean="0">
+                <a:solidFill>
+                  <a:schemeClr val="bg1"/>
+                </a:solidFill>
+              </a:rPr>
+              <a:t>2</a:t>
             </a:r>
             <a:endParaRPr lang="ko-KR" altLang="en-US" dirty="0">
               <a:solidFill>
@@ -9445,7 +9529,7 @@
           <p:nvPr>
             <p:extLst>
               <p:ext uri="{D42A27DB-BD31-4B8C-83A1-F6EECF244321}">
-                <p14:modId xmlns:p14="http://schemas.microsoft.com/office/powerpoint/2010/main" val="3107416924"/>
+                <p14:modId xmlns:p14="http://schemas.microsoft.com/office/powerpoint/2010/main" val="2499837606"/>
               </p:ext>
             </p:extLst>
           </p:nvPr>
@@ -9464,7 +9548,7 @@
                 <a:gridCol w="6587921">
                   <a:extLst>
                     <a:ext uri="{9D8B030D-6E8A-4147-A177-3AD203B41FA5}">
-                      <a16:colId xmlns:a16="http://schemas.microsoft.com/office/drawing/2014/main" xmlns="" val="20000"/>
+                      <a16:colId xmlns="" xmlns:a16="http://schemas.microsoft.com/office/drawing/2014/main" val="20000"/>
                     </a:ext>
                   </a:extLst>
                 </a:gridCol>
@@ -9621,7 +9705,7 @@
                 </a:tc>
                 <a:extLst>
                   <a:ext uri="{0D108BD9-81ED-4DB2-BD59-A6C34878D82A}">
-                    <a16:rowId xmlns:a16="http://schemas.microsoft.com/office/drawing/2014/main" xmlns="" val="10000"/>
+                    <a16:rowId xmlns="" xmlns:a16="http://schemas.microsoft.com/office/drawing/2014/main" val="10000"/>
                   </a:ext>
                 </a:extLst>
               </a:tr>
@@ -9762,7 +9846,7 @@
           <p:nvPr>
             <p:extLst>
               <p:ext uri="{D42A27DB-BD31-4B8C-83A1-F6EECF244321}">
-                <p14:modId xmlns:p14="http://schemas.microsoft.com/office/powerpoint/2010/main" val="4144603601"/>
+                <p14:modId xmlns:p14="http://schemas.microsoft.com/office/powerpoint/2010/main" val="2635194371"/>
               </p:ext>
             </p:extLst>
           </p:nvPr>
@@ -9781,42 +9865,42 @@
                 <a:gridCol w="1380432">
                   <a:extLst>
                     <a:ext uri="{9D8B030D-6E8A-4147-A177-3AD203B41FA5}">
-                      <a16:colId xmlns:a16="http://schemas.microsoft.com/office/drawing/2014/main" xmlns="" val="20000"/>
+                      <a16:colId xmlns="" xmlns:a16="http://schemas.microsoft.com/office/drawing/2014/main" val="20000"/>
                     </a:ext>
                   </a:extLst>
                 </a:gridCol>
                 <a:gridCol w="2195892">
                   <a:extLst>
                     <a:ext uri="{9D8B030D-6E8A-4147-A177-3AD203B41FA5}">
-                      <a16:colId xmlns:a16="http://schemas.microsoft.com/office/drawing/2014/main" xmlns="" val="20001"/>
+                      <a16:colId xmlns="" xmlns:a16="http://schemas.microsoft.com/office/drawing/2014/main" val="20001"/>
                     </a:ext>
                   </a:extLst>
                 </a:gridCol>
                 <a:gridCol w="1086007">
                   <a:extLst>
                     <a:ext uri="{9D8B030D-6E8A-4147-A177-3AD203B41FA5}">
-                      <a16:colId xmlns:a16="http://schemas.microsoft.com/office/drawing/2014/main" xmlns="" val="20002"/>
+                      <a16:colId xmlns="" xmlns:a16="http://schemas.microsoft.com/office/drawing/2014/main" val="20002"/>
                     </a:ext>
                   </a:extLst>
                 </a:gridCol>
                 <a:gridCol w="1927970">
                   <a:extLst>
                     <a:ext uri="{9D8B030D-6E8A-4147-A177-3AD203B41FA5}">
-                      <a16:colId xmlns:a16="http://schemas.microsoft.com/office/drawing/2014/main" xmlns="" val="20003"/>
+                      <a16:colId xmlns="" xmlns:a16="http://schemas.microsoft.com/office/drawing/2014/main" val="20003"/>
                     </a:ext>
                   </a:extLst>
                 </a:gridCol>
                 <a:gridCol w="1233488">
                   <a:extLst>
                     <a:ext uri="{9D8B030D-6E8A-4147-A177-3AD203B41FA5}">
-                      <a16:colId xmlns:a16="http://schemas.microsoft.com/office/drawing/2014/main" xmlns="" val="20004"/>
+                      <a16:colId xmlns="" xmlns:a16="http://schemas.microsoft.com/office/drawing/2014/main" val="20004"/>
                     </a:ext>
                   </a:extLst>
                 </a:gridCol>
                 <a:gridCol w="971549">
                   <a:extLst>
                     <a:ext uri="{9D8B030D-6E8A-4147-A177-3AD203B41FA5}">
-                      <a16:colId xmlns:a16="http://schemas.microsoft.com/office/drawing/2014/main" xmlns="" val="20006"/>
+                      <a16:colId xmlns="" xmlns:a16="http://schemas.microsoft.com/office/drawing/2014/main" val="20006"/>
                     </a:ext>
                   </a:extLst>
                 </a:gridCol>
@@ -10047,7 +10131,7 @@
                           <a:latin typeface="+mn-ea"/>
                           <a:ea typeface="+mn-ea"/>
                         </a:rPr>
-                        <a:t>Data </a:t>
+                        <a:t>Data</a:t>
                       </a:r>
                       <a:r>
                         <a:rPr lang="ko-KR" altLang="en-US" sz="1000" b="0" dirty="0" smtClean="0">
@@ -10077,7 +10161,7 @@
                           <a:latin typeface="+mn-ea"/>
                           <a:ea typeface="+mn-ea"/>
                         </a:rPr>
-                        <a:t>선수 목록</a:t>
+                        <a:t>선수정보 수정</a:t>
                       </a:r>
                       <a:endParaRPr lang="ko-KR" altLang="en-US" sz="1000" b="0" dirty="0">
                         <a:solidFill>
@@ -10270,7 +10354,7 @@
                 </a:tc>
                 <a:extLst>
                   <a:ext uri="{0D108BD9-81ED-4DB2-BD59-A6C34878D82A}">
-                    <a16:rowId xmlns:a16="http://schemas.microsoft.com/office/drawing/2014/main" xmlns="" val="10000"/>
+                    <a16:rowId xmlns="" xmlns:a16="http://schemas.microsoft.com/office/drawing/2014/main" val="10000"/>
                   </a:ext>
                 </a:extLst>
               </a:tr>
@@ -10525,7 +10609,7 @@
                 </a:solidFill>
                 <a:latin typeface="+mn-ea"/>
               </a:rPr>
-              <a:t>등록된 선수에 대한 목록을 확인 할 수 있다</a:t>
+              <a:t>선수 기본 정보를 수정할 수 있다</a:t>
             </a:r>
             <a:r>
               <a:rPr lang="en-US" altLang="ko-KR" sz="800" dirty="0" smtClean="0">
@@ -10549,7 +10633,7 @@
                 </a:solidFill>
                 <a:latin typeface="+mn-ea"/>
               </a:rPr>
-              <a:t>이름</a:t>
+              <a:t>선수 이력 정보를 추가</a:t>
             </a:r>
             <a:r>
               <a:rPr lang="en-US" altLang="ko-KR" sz="800" dirty="0">
@@ -10558,7 +10642,7 @@
                 </a:solidFill>
                 <a:latin typeface="+mn-ea"/>
               </a:rPr>
-              <a:t>, </a:t>
+              <a:t>/</a:t>
             </a:r>
             <a:r>
               <a:rPr lang="ko-KR" altLang="en-US" sz="800" dirty="0">
@@ -10567,10 +10651,28 @@
                 </a:solidFill>
                 <a:latin typeface="+mn-ea"/>
               </a:rPr>
-              <a:t>팀을 기준으로 선수를 검색할 수 있다</a:t>
-            </a:r>
-            <a:r>
-              <a:rPr lang="en-US" altLang="ko-KR" sz="800" dirty="0" smtClean="0">
+              <a:t>수정</a:t>
+            </a:r>
+            <a:r>
+              <a:rPr lang="en-US" altLang="ko-KR" sz="800" dirty="0">
+                <a:solidFill>
+                  <a:schemeClr val="tx1"/>
+                </a:solidFill>
+                <a:latin typeface="+mn-ea"/>
+              </a:rPr>
+              <a:t>/</a:t>
+            </a:r>
+            <a:r>
+              <a:rPr lang="ko-KR" altLang="en-US" sz="800" dirty="0">
+                <a:solidFill>
+                  <a:schemeClr val="tx1"/>
+                </a:solidFill>
+                <a:latin typeface="+mn-ea"/>
+              </a:rPr>
+              <a:t>삭제 할 수 있다</a:t>
+            </a:r>
+            <a:r>
+              <a:rPr lang="en-US" altLang="ko-KR" sz="800" dirty="0">
                 <a:solidFill>
                   <a:schemeClr val="tx1"/>
                 </a:solidFill>
@@ -10578,12 +10680,6 @@
               </a:rPr>
               <a:t>.</a:t>
             </a:r>
-          </a:p>
-          <a:p>
-            <a:pPr marL="228600" indent="-228600" algn="ctr">
-              <a:buAutoNum type="arabicPeriod"/>
-              <a:defRPr lang="ko-KR" altLang="en-US"/>
-            </a:pPr>
             <a:endParaRPr lang="en-US" altLang="ko-KR" sz="800" dirty="0">
               <a:solidFill>
                 <a:schemeClr val="tx1"/>
@@ -10595,14 +10691,14 @@
       </p:sp>
       <p:pic>
         <p:nvPicPr>
-          <p:cNvPr id="2" name="Picture 2"/>
+          <p:cNvPr id="11" name="Picture 4" descr="C:\Users\hong\Downloads\[관리자페이지] data관리 - 선수정보 - 정보 수정 (1).jpg"/>
           <p:cNvPicPr>
             <a:picLocks noChangeAspect="1" noChangeArrowheads="1"/>
           </p:cNvPicPr>
           <p:nvPr/>
         </p:nvPicPr>
         <p:blipFill>
-          <a:blip r:embed="rId2">
+          <a:blip r:embed="rId2" cstate="print">
             <a:extLst>
               <a:ext uri="{28A0092B-C50C-407E-A947-70E740481C1C}">
                 <a14:useLocalDpi xmlns:a14="http://schemas.microsoft.com/office/drawing/2010/main" val="0"/>
@@ -10616,56 +10712,33 @@
         </p:blipFill>
         <p:spPr bwMode="auto">
           <a:xfrm>
-            <a:off x="179512" y="943815"/>
-            <a:ext cx="6572889" cy="5653537"/>
+            <a:off x="252240" y="1556792"/>
+            <a:ext cx="6480000" cy="3975460"/>
           </a:xfrm>
           <a:prstGeom prst="rect">
             <a:avLst/>
           </a:prstGeom>
           <a:noFill/>
-          <a:ln>
-            <a:noFill/>
-          </a:ln>
-          <a:effectLst/>
           <a:extLst>
             <a:ext uri="{909E8E84-426E-40DD-AFC4-6F175D3DCCD1}">
               <a14:hiddenFill xmlns:a14="http://schemas.microsoft.com/office/drawing/2010/main">
                 <a:solidFill>
-                  <a:schemeClr val="accent1"/>
+                  <a:srgbClr val="FFFFFF"/>
                 </a:solidFill>
               </a14:hiddenFill>
-            </a:ext>
-            <a:ext uri="{91240B29-F687-4F45-9708-019B960494DF}">
-              <a14:hiddenLine xmlns:a14="http://schemas.microsoft.com/office/drawing/2010/main" w="9525">
-                <a:solidFill>
-                  <a:schemeClr val="tx1"/>
-                </a:solidFill>
-                <a:miter lim="800000"/>
-                <a:headEnd/>
-                <a:tailEnd/>
-              </a14:hiddenLine>
-            </a:ext>
-            <a:ext uri="{AF507438-7753-43E0-B8FC-AC1667EBCBE1}">
-              <a14:hiddenEffects xmlns:a14="http://schemas.microsoft.com/office/drawing/2010/main">
-                <a:effectLst>
-                  <a:outerShdw dist="35921" dir="2700000" algn="ctr" rotWithShape="0">
-                    <a:schemeClr val="bg2"/>
-                  </a:outerShdw>
-                </a:effectLst>
-              </a14:hiddenEffects>
             </a:ext>
           </a:extLst>
         </p:spPr>
       </p:pic>
       <p:sp>
         <p:nvSpPr>
-          <p:cNvPr id="10" name="타원 9"/>
+          <p:cNvPr id="12" name="타원 11"/>
           <p:cNvSpPr/>
           <p:nvPr/>
         </p:nvSpPr>
         <p:spPr>
           <a:xfrm>
-            <a:off x="493434" y="2947000"/>
+            <a:off x="252240" y="3068960"/>
             <a:ext cx="339812" cy="326752"/>
           </a:xfrm>
           <a:prstGeom prst="ellipse">
@@ -10711,13 +10784,13 @@
       </p:sp>
       <p:sp>
         <p:nvSpPr>
-          <p:cNvPr id="11" name="타원 10"/>
+          <p:cNvPr id="13" name="타원 12"/>
           <p:cNvSpPr/>
           <p:nvPr/>
         </p:nvSpPr>
         <p:spPr>
           <a:xfrm>
-            <a:off x="3995936" y="2670200"/>
+            <a:off x="239338" y="4221088"/>
             <a:ext cx="339812" cy="326752"/>
           </a:xfrm>
           <a:prstGeom prst="ellipse">
@@ -10808,7 +10881,7 @@
           <p:nvPr>
             <p:extLst>
               <p:ext uri="{D42A27DB-BD31-4B8C-83A1-F6EECF244321}">
-                <p14:modId xmlns:p14="http://schemas.microsoft.com/office/powerpoint/2010/main" val="3107416924"/>
+                <p14:modId xmlns:p14="http://schemas.microsoft.com/office/powerpoint/2010/main" val="1369898789"/>
               </p:ext>
             </p:extLst>
           </p:nvPr>
@@ -10827,7 +10900,7 @@
                 <a:gridCol w="6587921">
                   <a:extLst>
                     <a:ext uri="{9D8B030D-6E8A-4147-A177-3AD203B41FA5}">
-                      <a16:colId xmlns:a16="http://schemas.microsoft.com/office/drawing/2014/main" xmlns="" val="20000"/>
+                      <a16:colId xmlns="" xmlns:a16="http://schemas.microsoft.com/office/drawing/2014/main" val="20000"/>
                     </a:ext>
                   </a:extLst>
                 </a:gridCol>
@@ -10984,7 +11057,7 @@
                 </a:tc>
                 <a:extLst>
                   <a:ext uri="{0D108BD9-81ED-4DB2-BD59-A6C34878D82A}">
-                    <a16:rowId xmlns:a16="http://schemas.microsoft.com/office/drawing/2014/main" xmlns="" val="10000"/>
+                    <a16:rowId xmlns="" xmlns:a16="http://schemas.microsoft.com/office/drawing/2014/main" val="10000"/>
                   </a:ext>
                 </a:extLst>
               </a:tr>
@@ -11125,7 +11198,7 @@
           <p:nvPr>
             <p:extLst>
               <p:ext uri="{D42A27DB-BD31-4B8C-83A1-F6EECF244321}">
-                <p14:modId xmlns:p14="http://schemas.microsoft.com/office/powerpoint/2010/main" val="2635194371"/>
+                <p14:modId xmlns:p14="http://schemas.microsoft.com/office/powerpoint/2010/main" val="3491080137"/>
               </p:ext>
             </p:extLst>
           </p:nvPr>
@@ -11144,42 +11217,42 @@
                 <a:gridCol w="1380432">
                   <a:extLst>
                     <a:ext uri="{9D8B030D-6E8A-4147-A177-3AD203B41FA5}">
-                      <a16:colId xmlns:a16="http://schemas.microsoft.com/office/drawing/2014/main" xmlns="" val="20000"/>
+                      <a16:colId xmlns="" xmlns:a16="http://schemas.microsoft.com/office/drawing/2014/main" val="20000"/>
                     </a:ext>
                   </a:extLst>
                 </a:gridCol>
                 <a:gridCol w="2195892">
                   <a:extLst>
                     <a:ext uri="{9D8B030D-6E8A-4147-A177-3AD203B41FA5}">
-                      <a16:colId xmlns:a16="http://schemas.microsoft.com/office/drawing/2014/main" xmlns="" val="20001"/>
+                      <a16:colId xmlns="" xmlns:a16="http://schemas.microsoft.com/office/drawing/2014/main" val="20001"/>
                     </a:ext>
                   </a:extLst>
                 </a:gridCol>
                 <a:gridCol w="1086007">
                   <a:extLst>
                     <a:ext uri="{9D8B030D-6E8A-4147-A177-3AD203B41FA5}">
-                      <a16:colId xmlns:a16="http://schemas.microsoft.com/office/drawing/2014/main" xmlns="" val="20002"/>
+                      <a16:colId xmlns="" xmlns:a16="http://schemas.microsoft.com/office/drawing/2014/main" val="20002"/>
                     </a:ext>
                   </a:extLst>
                 </a:gridCol>
                 <a:gridCol w="1927970">
                   <a:extLst>
                     <a:ext uri="{9D8B030D-6E8A-4147-A177-3AD203B41FA5}">
-                      <a16:colId xmlns:a16="http://schemas.microsoft.com/office/drawing/2014/main" xmlns="" val="20003"/>
+                      <a16:colId xmlns="" xmlns:a16="http://schemas.microsoft.com/office/drawing/2014/main" val="20003"/>
                     </a:ext>
                   </a:extLst>
                 </a:gridCol>
                 <a:gridCol w="1233488">
                   <a:extLst>
                     <a:ext uri="{9D8B030D-6E8A-4147-A177-3AD203B41FA5}">
-                      <a16:colId xmlns:a16="http://schemas.microsoft.com/office/drawing/2014/main" xmlns="" val="20004"/>
+                      <a16:colId xmlns="" xmlns:a16="http://schemas.microsoft.com/office/drawing/2014/main" val="20004"/>
                     </a:ext>
                   </a:extLst>
                 </a:gridCol>
                 <a:gridCol w="971549">
                   <a:extLst>
                     <a:ext uri="{9D8B030D-6E8A-4147-A177-3AD203B41FA5}">
-                      <a16:colId xmlns:a16="http://schemas.microsoft.com/office/drawing/2014/main" xmlns="" val="20006"/>
+                      <a16:colId xmlns="" xmlns:a16="http://schemas.microsoft.com/office/drawing/2014/main" val="20006"/>
                     </a:ext>
                   </a:extLst>
                 </a:gridCol>
@@ -11440,7 +11513,7 @@
                           <a:latin typeface="+mn-ea"/>
                           <a:ea typeface="+mn-ea"/>
                         </a:rPr>
-                        <a:t>선수정보 수정</a:t>
+                        <a:t>경기일정 수정</a:t>
                       </a:r>
                       <a:endParaRPr lang="ko-KR" altLang="en-US" sz="1000" b="0" dirty="0">
                         <a:solidFill>
@@ -11633,7 +11706,7 @@
                 </a:tc>
                 <a:extLst>
                   <a:ext uri="{0D108BD9-81ED-4DB2-BD59-A6C34878D82A}">
-                    <a16:rowId xmlns:a16="http://schemas.microsoft.com/office/drawing/2014/main" xmlns="" val="10000"/>
+                    <a16:rowId xmlns="" xmlns:a16="http://schemas.microsoft.com/office/drawing/2014/main" val="10000"/>
                   </a:ext>
                 </a:extLst>
               </a:tr>
@@ -11878,6 +11951,7 @@
           <a:lstStyle/>
           <a:p>
             <a:pPr marL="228600" indent="-228600" algn="ctr">
+              <a:buFontTx/>
               <a:buAutoNum type="arabicPeriod"/>
               <a:defRPr lang="ko-KR" altLang="en-US"/>
             </a:pPr>
@@ -11888,7 +11962,7 @@
                 </a:solidFill>
                 <a:latin typeface="+mn-ea"/>
               </a:rPr>
-              <a:t>선수 기본 정보를 수정할 수 있다</a:t>
+              <a:t>정보 오류 게시판에서 처리되지 않은 글 목록을 확인할 수 있다</a:t>
             </a:r>
             <a:r>
               <a:rPr lang="en-US" altLang="ko-KR" sz="800" dirty="0" smtClean="0">
@@ -11899,6 +11973,12 @@
               </a:rPr>
               <a:t>.</a:t>
             </a:r>
+            <a:endParaRPr lang="en-US" altLang="ko-KR" sz="800" dirty="0" smtClean="0">
+              <a:solidFill>
+                <a:schemeClr val="tx1"/>
+              </a:solidFill>
+              <a:latin typeface="+mn-ea"/>
+            </a:endParaRPr>
           </a:p>
           <a:p>
             <a:pPr marL="228600" indent="-228600" algn="ctr">
@@ -11906,31 +11986,22 @@
               <a:defRPr lang="ko-KR" altLang="en-US"/>
             </a:pPr>
             <a:r>
-              <a:rPr lang="ko-KR" altLang="en-US" sz="800" dirty="0" smtClean="0">
+              <a:rPr lang="ko-KR" altLang="en-US" sz="800" smtClean="0">
                 <a:solidFill>
                   <a:schemeClr val="tx1"/>
                 </a:solidFill>
                 <a:latin typeface="+mn-ea"/>
               </a:rPr>
-              <a:t>선수 </a:t>
-            </a:r>
-            <a:r>
-              <a:rPr lang="ko-KR" altLang="en-US" sz="800" dirty="0">
+              <a:t>경기일정을</a:t>
+            </a:r>
+            <a:r>
+              <a:rPr lang="ko-KR" altLang="en-US" sz="800" smtClean="0">
                 <a:solidFill>
                   <a:schemeClr val="tx1"/>
                 </a:solidFill>
                 <a:latin typeface="+mn-ea"/>
               </a:rPr>
-              <a:t>이력 정보를 </a:t>
-            </a:r>
-            <a:r>
-              <a:rPr lang="ko-KR" altLang="en-US" sz="800" dirty="0" smtClean="0">
-                <a:solidFill>
-                  <a:schemeClr val="tx1"/>
-                </a:solidFill>
-                <a:latin typeface="+mn-ea"/>
-              </a:rPr>
-              <a:t>확인할 </a:t>
+              <a:t> 수정할 </a:t>
             </a:r>
             <a:r>
               <a:rPr lang="ko-KR" altLang="en-US" sz="800" dirty="0">
@@ -11955,14 +12026,14 @@
       </p:sp>
       <p:pic>
         <p:nvPicPr>
-          <p:cNvPr id="13313" name="Picture 1"/>
+          <p:cNvPr id="8" name="Picture 4" descr="C:\Users\hong\Downloads\[관리자페이지] data관리 - 경기일정 (1).jpg"/>
           <p:cNvPicPr>
             <a:picLocks noChangeAspect="1" noChangeArrowheads="1"/>
           </p:cNvPicPr>
           <p:nvPr/>
         </p:nvPicPr>
         <p:blipFill>
-          <a:blip r:embed="rId2">
+          <a:blip r:embed="rId2" cstate="print">
             <a:extLst>
               <a:ext uri="{28A0092B-C50C-407E-A947-70E740481C1C}">
                 <a14:useLocalDpi xmlns:a14="http://schemas.microsoft.com/office/drawing/2010/main" val="0"/>
@@ -11976,56 +12047,33 @@
         </p:blipFill>
         <p:spPr bwMode="auto">
           <a:xfrm>
-            <a:off x="179511" y="980728"/>
-            <a:ext cx="6572889" cy="5616624"/>
+            <a:off x="179512" y="1484784"/>
+            <a:ext cx="6480000" cy="3975460"/>
           </a:xfrm>
           <a:prstGeom prst="rect">
             <a:avLst/>
           </a:prstGeom>
           <a:noFill/>
-          <a:ln>
-            <a:noFill/>
-          </a:ln>
-          <a:effectLst/>
           <a:extLst>
             <a:ext uri="{909E8E84-426E-40DD-AFC4-6F175D3DCCD1}">
               <a14:hiddenFill xmlns:a14="http://schemas.microsoft.com/office/drawing/2010/main">
                 <a:solidFill>
-                  <a:schemeClr val="accent1"/>
+                  <a:srgbClr val="FFFFFF"/>
                 </a:solidFill>
               </a14:hiddenFill>
-            </a:ext>
-            <a:ext uri="{91240B29-F687-4F45-9708-019B960494DF}">
-              <a14:hiddenLine xmlns:a14="http://schemas.microsoft.com/office/drawing/2010/main" w="9525">
-                <a:solidFill>
-                  <a:schemeClr val="tx1"/>
-                </a:solidFill>
-                <a:miter lim="800000"/>
-                <a:headEnd/>
-                <a:tailEnd/>
-              </a14:hiddenLine>
-            </a:ext>
-            <a:ext uri="{AF507438-7753-43E0-B8FC-AC1667EBCBE1}">
-              <a14:hiddenEffects xmlns:a14="http://schemas.microsoft.com/office/drawing/2010/main">
-                <a:effectLst>
-                  <a:outerShdw dist="35921" dir="2700000" algn="ctr" rotWithShape="0">
-                    <a:schemeClr val="bg2"/>
-                  </a:outerShdw>
-                </a:effectLst>
-              </a14:hiddenEffects>
             </a:ext>
           </a:extLst>
         </p:spPr>
       </p:pic>
       <p:sp>
         <p:nvSpPr>
-          <p:cNvPr id="9" name="타원 8"/>
+          <p:cNvPr id="10" name="타원 9"/>
           <p:cNvSpPr/>
           <p:nvPr/>
         </p:nvSpPr>
         <p:spPr>
           <a:xfrm>
-            <a:off x="323528" y="1813339"/>
+            <a:off x="205654" y="3923063"/>
             <a:ext cx="339812" cy="326752"/>
           </a:xfrm>
           <a:prstGeom prst="ellipse">
@@ -12054,12 +12102,12 @@
           <a:p>
             <a:pPr algn="ctr"/>
             <a:r>
-              <a:rPr lang="en-US" altLang="ko-KR" dirty="0" smtClean="0">
+              <a:rPr lang="en-US" altLang="ko-KR" dirty="0">
                 <a:solidFill>
                   <a:schemeClr val="bg1"/>
                 </a:solidFill>
               </a:rPr>
-              <a:t>1</a:t>
+              <a:t>2</a:t>
             </a:r>
             <a:endParaRPr lang="ko-KR" altLang="en-US" dirty="0">
               <a:solidFill>
@@ -12071,1335 +12119,13 @@
       </p:sp>
       <p:sp>
         <p:nvSpPr>
-          <p:cNvPr id="10" name="타원 9"/>
+          <p:cNvPr id="11" name="타원 10"/>
           <p:cNvSpPr/>
           <p:nvPr/>
         </p:nvSpPr>
         <p:spPr>
           <a:xfrm>
-            <a:off x="493434" y="4129720"/>
-            <a:ext cx="339812" cy="326752"/>
-          </a:xfrm>
-          <a:prstGeom prst="ellipse">
-            <a:avLst/>
-          </a:prstGeom>
-        </p:spPr>
-        <p:style>
-          <a:lnRef idx="2">
-            <a:schemeClr val="accent5">
-              <a:shade val="50000"/>
-            </a:schemeClr>
-          </a:lnRef>
-          <a:fillRef idx="1">
-            <a:schemeClr val="accent5"/>
-          </a:fillRef>
-          <a:effectRef idx="0">
-            <a:schemeClr val="accent5"/>
-          </a:effectRef>
-          <a:fontRef idx="minor">
-            <a:schemeClr val="lt1"/>
-          </a:fontRef>
-        </p:style>
-        <p:txBody>
-          <a:bodyPr rtlCol="0" anchor="ctr"/>
-          <a:lstStyle/>
-          <a:p>
-            <a:pPr algn="ctr"/>
-            <a:r>
-              <a:rPr lang="en-US" altLang="ko-KR" dirty="0" smtClean="0">
-                <a:solidFill>
-                  <a:schemeClr val="bg1"/>
-                </a:solidFill>
-              </a:rPr>
-              <a:t>2</a:t>
-            </a:r>
-            <a:endParaRPr lang="ko-KR" altLang="en-US" dirty="0">
-              <a:solidFill>
-                <a:schemeClr val="bg1"/>
-              </a:solidFill>
-            </a:endParaRPr>
-          </a:p>
-        </p:txBody>
-      </p:sp>
-    </p:spTree>
-    <p:extLst>
-      <p:ext uri="{BB962C8B-B14F-4D97-AF65-F5344CB8AC3E}">
-        <p14:creationId xmlns:p14="http://schemas.microsoft.com/office/powerpoint/2010/main" val="1797118782"/>
-      </p:ext>
-    </p:extLst>
-  </p:cSld>
-  <p:clrMapOvr>
-    <a:masterClrMapping/>
-  </p:clrMapOvr>
-  <p:transition/>
-  <p:timing>
-    <p:tnLst>
-      <p:par>
-        <p:cTn id="1" dur="indefinite" restart="never" nodeType="tmRoot"/>
-      </p:par>
-    </p:tnLst>
-  </p:timing>
-</p:sld>
-</file>
-
-<file path=ppt/slides/slide15.xml><?xml version="1.0" encoding="utf-8"?>
-<p:sld xmlns:a="http://schemas.openxmlformats.org/drawingml/2006/main" xmlns:r="http://schemas.openxmlformats.org/officeDocument/2006/relationships" xmlns:p="http://schemas.openxmlformats.org/presentationml/2006/main">
-  <p:cSld>
-    <p:spTree>
-      <p:nvGrpSpPr>
-        <p:cNvPr id="1" name=""/>
-        <p:cNvGrpSpPr/>
-        <p:nvPr/>
-      </p:nvGrpSpPr>
-      <p:grpSpPr>
-        <a:xfrm>
-          <a:off x="0" y="0"/>
-          <a:ext cx="0" cy="0"/>
-          <a:chOff x="0" y="0"/>
-          <a:chExt cx="0" cy="0"/>
-        </a:xfrm>
-      </p:grpSpPr>
-      <p:graphicFrame>
-        <p:nvGraphicFramePr>
-          <p:cNvPr id="34" name="표 33"/>
-          <p:cNvGraphicFramePr>
-            <a:graphicFrameLocks noGrp="1"/>
-          </p:cNvGraphicFramePr>
-          <p:nvPr>
-            <p:extLst>
-              <p:ext uri="{D42A27DB-BD31-4B8C-83A1-F6EECF244321}">
-                <p14:modId xmlns:p14="http://schemas.microsoft.com/office/powerpoint/2010/main" val="3107416924"/>
-              </p:ext>
-            </p:extLst>
-          </p:nvPr>
-        </p:nvGraphicFramePr>
-        <p:xfrm>
-          <a:off x="177211" y="590532"/>
-          <a:ext cx="8795341" cy="6038869"/>
-        </p:xfrm>
-        <a:graphic>
-          <a:graphicData uri="http://schemas.openxmlformats.org/drawingml/2006/table">
-            <a:tbl>
-              <a:tblPr firstRow="1" bandRow="1">
-                <a:tableStyleId>{5C22544A-7EE6-4342-B048-85BDC9FD1C3A}</a:tableStyleId>
-              </a:tblPr>
-              <a:tblGrid>
-                <a:gridCol w="6587921">
-                  <a:extLst>
-                    <a:ext uri="{9D8B030D-6E8A-4147-A177-3AD203B41FA5}">
-                      <a16:colId xmlns:a16="http://schemas.microsoft.com/office/drawing/2014/main" xmlns="" val="20000"/>
-                    </a:ext>
-                  </a:extLst>
-                </a:gridCol>
-                <a:gridCol w="2207420"/>
-              </a:tblGrid>
-              <a:tr h="339580">
-                <a:tc>
-                  <a:txBody>
-                    <a:bodyPr/>
-                    <a:lstStyle/>
-                    <a:p>
-                      <a:pPr algn="ctr" latinLnBrk="1">
-                        <a:defRPr lang="ko-KR" altLang="en-US"/>
-                      </a:pPr>
-                      <a:r>
-                        <a:rPr lang="ko-KR" altLang="en-US" sz="1000" b="0" dirty="0" smtClean="0">
-                          <a:solidFill>
-                            <a:schemeClr val="tx1"/>
-                          </a:solidFill>
-                          <a:latin typeface="+mn-ea"/>
-                          <a:ea typeface="+mn-ea"/>
-                        </a:rPr>
-                        <a:t>화면 구성</a:t>
-                      </a:r>
-                      <a:endParaRPr lang="ko-KR" altLang="en-US" sz="1000" b="0" dirty="0">
-                        <a:solidFill>
-                          <a:schemeClr val="tx1"/>
-                        </a:solidFill>
-                        <a:latin typeface="+mn-ea"/>
-                        <a:ea typeface="+mn-ea"/>
-                      </a:endParaRPr>
-                    </a:p>
-                  </a:txBody>
-                  <a:tcPr anchor="ctr">
-                    <a:lnL w="12700" cap="flat" cmpd="sng" algn="ctr">
-                      <a:solidFill>
-                        <a:schemeClr val="bg1">
-                          <a:lumMod val="65000"/>
-                        </a:schemeClr>
-                      </a:solidFill>
-                      <a:prstDash val="solid"/>
-                      <a:round/>
-                    </a:lnL>
-                    <a:lnR w="12700" cap="flat" cmpd="sng" algn="ctr">
-                      <a:solidFill>
-                        <a:schemeClr val="bg1">
-                          <a:lumMod val="65000"/>
-                        </a:schemeClr>
-                      </a:solidFill>
-                      <a:prstDash val="solid"/>
-                      <a:round/>
-                      <a:headEnd type="none" w="med" len="med"/>
-                      <a:tailEnd type="none" w="med" len="med"/>
-                    </a:lnR>
-                    <a:lnT w="12700" cap="flat" cmpd="sng" algn="ctr">
-                      <a:solidFill>
-                        <a:schemeClr val="bg1">
-                          <a:lumMod val="65000"/>
-                        </a:schemeClr>
-                      </a:solidFill>
-                      <a:prstDash val="solid"/>
-                      <a:round/>
-                    </a:lnT>
-                    <a:lnB w="12700" cap="flat" cmpd="sng" algn="ctr">
-                      <a:solidFill>
-                        <a:schemeClr val="bg1">
-                          <a:lumMod val="65000"/>
-                        </a:schemeClr>
-                      </a:solidFill>
-                      <a:prstDash val="solid"/>
-                      <a:round/>
-                      <a:headEnd type="none" w="med" len="med"/>
-                      <a:tailEnd type="none" w="med" len="med"/>
-                    </a:lnB>
-                    <a:solidFill>
-                      <a:schemeClr val="bg1">
-                        <a:lumMod val="85000"/>
-                      </a:schemeClr>
-                    </a:solidFill>
-                  </a:tcPr>
-                </a:tc>
-                <a:tc>
-                  <a:txBody>
-                    <a:bodyPr/>
-                    <a:lstStyle/>
-                    <a:p>
-                      <a:pPr algn="ctr" latinLnBrk="1">
-                        <a:defRPr lang="ko-KR" altLang="en-US"/>
-                      </a:pPr>
-                      <a:r>
-                        <a:rPr lang="ko-KR" altLang="en-US" sz="1000" b="0" dirty="0" smtClean="0">
-                          <a:solidFill>
-                            <a:schemeClr val="tx1"/>
-                          </a:solidFill>
-                          <a:latin typeface="+mn-ea"/>
-                          <a:ea typeface="+mn-ea"/>
-                        </a:rPr>
-                        <a:t>화면 설명</a:t>
-                      </a:r>
-                      <a:endParaRPr lang="ko-KR" altLang="en-US" sz="1000" b="0" dirty="0">
-                        <a:solidFill>
-                          <a:schemeClr val="tx1"/>
-                        </a:solidFill>
-                        <a:latin typeface="+mn-ea"/>
-                        <a:ea typeface="+mn-ea"/>
-                      </a:endParaRPr>
-                    </a:p>
-                  </a:txBody>
-                  <a:tcPr anchor="ctr">
-                    <a:lnL w="12700" cap="flat" cmpd="sng" algn="ctr">
-                      <a:solidFill>
-                        <a:schemeClr val="bg1">
-                          <a:lumMod val="65000"/>
-                        </a:schemeClr>
-                      </a:solidFill>
-                      <a:prstDash val="solid"/>
-                      <a:round/>
-                    </a:lnL>
-                    <a:lnR w="12700" cap="flat" cmpd="sng" algn="ctr">
-                      <a:solidFill>
-                        <a:schemeClr val="bg1">
-                          <a:lumMod val="65000"/>
-                        </a:schemeClr>
-                      </a:solidFill>
-                      <a:prstDash val="solid"/>
-                      <a:round/>
-                    </a:lnR>
-                    <a:lnT w="12700" cap="flat" cmpd="sng" algn="ctr">
-                      <a:solidFill>
-                        <a:schemeClr val="bg1">
-                          <a:lumMod val="65000"/>
-                        </a:schemeClr>
-                      </a:solidFill>
-                      <a:prstDash val="solid"/>
-                      <a:round/>
-                    </a:lnT>
-                    <a:lnB w="12700" cap="flat" cmpd="sng" algn="ctr">
-                      <a:solidFill>
-                        <a:schemeClr val="bg1">
-                          <a:lumMod val="65000"/>
-                        </a:schemeClr>
-                      </a:solidFill>
-                      <a:prstDash val="solid"/>
-                      <a:round/>
-                      <a:headEnd type="none" w="med" len="med"/>
-                      <a:tailEnd type="none" w="med" len="med"/>
-                    </a:lnB>
-                    <a:solidFill>
-                      <a:schemeClr val="bg1">
-                        <a:lumMod val="85000"/>
-                      </a:schemeClr>
-                    </a:solidFill>
-                  </a:tcPr>
-                </a:tc>
-                <a:extLst>
-                  <a:ext uri="{0D108BD9-81ED-4DB2-BD59-A6C34878D82A}">
-                    <a16:rowId xmlns:a16="http://schemas.microsoft.com/office/drawing/2014/main" xmlns="" val="10000"/>
-                  </a:ext>
-                </a:extLst>
-              </a:tr>
-              <a:tr h="5699289">
-                <a:tc>
-                  <a:txBody>
-                    <a:bodyPr/>
-                    <a:lstStyle/>
-                    <a:p>
-                      <a:pPr algn="ctr" latinLnBrk="1">
-                        <a:defRPr lang="ko-KR" altLang="en-US"/>
-                      </a:pPr>
-                      <a:endParaRPr lang="ko-KR" altLang="en-US" sz="1000" b="0" dirty="0">
-                        <a:solidFill>
-                          <a:schemeClr val="tx1"/>
-                        </a:solidFill>
-                        <a:latin typeface="+mn-ea"/>
-                        <a:ea typeface="+mn-ea"/>
-                      </a:endParaRPr>
-                    </a:p>
-                  </a:txBody>
-                  <a:tcPr anchor="ctr">
-                    <a:lnL w="12700" cap="flat" cmpd="sng" algn="ctr">
-                      <a:solidFill>
-                        <a:schemeClr val="bg1">
-                          <a:lumMod val="65000"/>
-                        </a:schemeClr>
-                      </a:solidFill>
-                      <a:prstDash val="solid"/>
-                      <a:round/>
-                    </a:lnL>
-                    <a:lnR w="12700" cap="flat" cmpd="sng" algn="ctr">
-                      <a:solidFill>
-                        <a:schemeClr val="bg1">
-                          <a:lumMod val="65000"/>
-                        </a:schemeClr>
-                      </a:solidFill>
-                      <a:prstDash val="solid"/>
-                      <a:round/>
-                      <a:headEnd type="none" w="med" len="med"/>
-                      <a:tailEnd type="none" w="med" len="med"/>
-                    </a:lnR>
-                    <a:lnT w="12700" cap="flat" cmpd="sng" algn="ctr">
-                      <a:solidFill>
-                        <a:schemeClr val="bg1">
-                          <a:lumMod val="65000"/>
-                        </a:schemeClr>
-                      </a:solidFill>
-                      <a:prstDash val="solid"/>
-                      <a:round/>
-                    </a:lnT>
-                    <a:lnB w="12700" cap="flat" cmpd="sng" algn="ctr">
-                      <a:solidFill>
-                        <a:schemeClr val="bg1">
-                          <a:lumMod val="65000"/>
-                        </a:schemeClr>
-                      </a:solidFill>
-                      <a:prstDash val="solid"/>
-                      <a:round/>
-                      <a:headEnd type="none" w="med" len="med"/>
-                      <a:tailEnd type="none" w="med" len="med"/>
-                    </a:lnB>
-                    <a:noFill/>
-                  </a:tcPr>
-                </a:tc>
-                <a:tc>
-                  <a:txBody>
-                    <a:bodyPr/>
-                    <a:lstStyle/>
-                    <a:p>
-                      <a:pPr algn="ctr" latinLnBrk="1">
-                        <a:defRPr lang="ko-KR" altLang="en-US"/>
-                      </a:pPr>
-                      <a:endParaRPr lang="ko-KR" altLang="en-US" sz="1000" b="0" dirty="0">
-                        <a:solidFill>
-                          <a:schemeClr val="tx1"/>
-                        </a:solidFill>
-                        <a:latin typeface="+mn-ea"/>
-                        <a:ea typeface="+mn-ea"/>
-                      </a:endParaRPr>
-                    </a:p>
-                  </a:txBody>
-                  <a:tcPr anchor="ctr">
-                    <a:lnL w="12700" cap="flat" cmpd="sng" algn="ctr">
-                      <a:solidFill>
-                        <a:schemeClr val="bg1">
-                          <a:lumMod val="65000"/>
-                        </a:schemeClr>
-                      </a:solidFill>
-                      <a:prstDash val="solid"/>
-                      <a:round/>
-                      <a:headEnd type="none" w="med" len="med"/>
-                      <a:tailEnd type="none" w="med" len="med"/>
-                    </a:lnL>
-                    <a:lnR w="12700" cap="flat" cmpd="sng" algn="ctr">
-                      <a:solidFill>
-                        <a:schemeClr val="bg1">
-                          <a:lumMod val="65000"/>
-                        </a:schemeClr>
-                      </a:solidFill>
-                      <a:prstDash val="solid"/>
-                      <a:round/>
-                    </a:lnR>
-                    <a:lnT w="12700" cap="flat" cmpd="sng" algn="ctr">
-                      <a:solidFill>
-                        <a:schemeClr val="bg1">
-                          <a:lumMod val="65000"/>
-                        </a:schemeClr>
-                      </a:solidFill>
-                      <a:prstDash val="solid"/>
-                      <a:round/>
-                    </a:lnT>
-                    <a:lnB w="12700" cap="flat" cmpd="sng" algn="ctr">
-                      <a:solidFill>
-                        <a:schemeClr val="bg1">
-                          <a:lumMod val="65000"/>
-                        </a:schemeClr>
-                      </a:solidFill>
-                      <a:prstDash val="solid"/>
-                      <a:round/>
-                      <a:headEnd type="none" w="med" len="med"/>
-                      <a:tailEnd type="none" w="med" len="med"/>
-                    </a:lnB>
-                    <a:noFill/>
-                  </a:tcPr>
-                </a:tc>
-              </a:tr>
-            </a:tbl>
-          </a:graphicData>
-        </a:graphic>
-      </p:graphicFrame>
-      <p:graphicFrame>
-        <p:nvGraphicFramePr>
-          <p:cNvPr id="26" name="표 25"/>
-          <p:cNvGraphicFramePr>
-            <a:graphicFrameLocks noGrp="1"/>
-          </p:cNvGraphicFramePr>
-          <p:nvPr>
-            <p:extLst>
-              <p:ext uri="{D42A27DB-BD31-4B8C-83A1-F6EECF244321}">
-                <p14:modId xmlns:p14="http://schemas.microsoft.com/office/powerpoint/2010/main" val="3491080137"/>
-              </p:ext>
-            </p:extLst>
-          </p:nvPr>
-        </p:nvGraphicFramePr>
-        <p:xfrm>
-          <a:off x="177212" y="214290"/>
-          <a:ext cx="8795338" cy="396240"/>
-        </p:xfrm>
-        <a:graphic>
-          <a:graphicData uri="http://schemas.openxmlformats.org/drawingml/2006/table">
-            <a:tbl>
-              <a:tblPr firstRow="1" bandRow="1">
-                <a:tableStyleId>{5C22544A-7EE6-4342-B048-85BDC9FD1C3A}</a:tableStyleId>
-              </a:tblPr>
-              <a:tblGrid>
-                <a:gridCol w="1380432">
-                  <a:extLst>
-                    <a:ext uri="{9D8B030D-6E8A-4147-A177-3AD203B41FA5}">
-                      <a16:colId xmlns:a16="http://schemas.microsoft.com/office/drawing/2014/main" xmlns="" val="20000"/>
-                    </a:ext>
-                  </a:extLst>
-                </a:gridCol>
-                <a:gridCol w="2195892">
-                  <a:extLst>
-                    <a:ext uri="{9D8B030D-6E8A-4147-A177-3AD203B41FA5}">
-                      <a16:colId xmlns:a16="http://schemas.microsoft.com/office/drawing/2014/main" xmlns="" val="20001"/>
-                    </a:ext>
-                  </a:extLst>
-                </a:gridCol>
-                <a:gridCol w="1086007">
-                  <a:extLst>
-                    <a:ext uri="{9D8B030D-6E8A-4147-A177-3AD203B41FA5}">
-                      <a16:colId xmlns:a16="http://schemas.microsoft.com/office/drawing/2014/main" xmlns="" val="20002"/>
-                    </a:ext>
-                  </a:extLst>
-                </a:gridCol>
-                <a:gridCol w="1927970">
-                  <a:extLst>
-                    <a:ext uri="{9D8B030D-6E8A-4147-A177-3AD203B41FA5}">
-                      <a16:colId xmlns:a16="http://schemas.microsoft.com/office/drawing/2014/main" xmlns="" val="20003"/>
-                    </a:ext>
-                  </a:extLst>
-                </a:gridCol>
-                <a:gridCol w="1233488">
-                  <a:extLst>
-                    <a:ext uri="{9D8B030D-6E8A-4147-A177-3AD203B41FA5}">
-                      <a16:colId xmlns:a16="http://schemas.microsoft.com/office/drawing/2014/main" xmlns="" val="20004"/>
-                    </a:ext>
-                  </a:extLst>
-                </a:gridCol>
-                <a:gridCol w="971549">
-                  <a:extLst>
-                    <a:ext uri="{9D8B030D-6E8A-4147-A177-3AD203B41FA5}">
-                      <a16:colId xmlns:a16="http://schemas.microsoft.com/office/drawing/2014/main" xmlns="" val="20006"/>
-                    </a:ext>
-                  </a:extLst>
-                </a:gridCol>
-              </a:tblGrid>
-              <a:tr h="370840">
-                <a:tc>
-                  <a:txBody>
-                    <a:bodyPr/>
-                    <a:lstStyle/>
-                    <a:p>
-                      <a:pPr algn="ctr" latinLnBrk="1">
-                        <a:defRPr lang="ko-KR" altLang="en-US"/>
-                      </a:pPr>
-                      <a:r>
-                        <a:rPr lang="ko-KR" altLang="en-US" sz="1000" b="0" dirty="0" smtClean="0">
-                          <a:solidFill>
-                            <a:schemeClr val="tx1"/>
-                          </a:solidFill>
-                          <a:latin typeface="+mn-ea"/>
-                          <a:ea typeface="+mn-ea"/>
-                        </a:rPr>
-                        <a:t>프로젝트 명 </a:t>
-                      </a:r>
-                      <a:endParaRPr lang="ko-KR" altLang="en-US" sz="1000" b="0" dirty="0">
-                        <a:solidFill>
-                          <a:schemeClr val="tx1"/>
-                        </a:solidFill>
-                        <a:latin typeface="+mn-ea"/>
-                        <a:ea typeface="+mn-ea"/>
-                      </a:endParaRPr>
-                    </a:p>
-                  </a:txBody>
-                  <a:tcPr anchor="ctr">
-                    <a:lnL w="12700" cap="flat" cmpd="sng" algn="ctr">
-                      <a:solidFill>
-                        <a:schemeClr val="bg1">
-                          <a:lumMod val="65000"/>
-                        </a:schemeClr>
-                      </a:solidFill>
-                      <a:prstDash val="solid"/>
-                      <a:round/>
-                    </a:lnL>
-                    <a:lnR w="12700" cap="flat" cmpd="sng" algn="ctr">
-                      <a:solidFill>
-                        <a:schemeClr val="bg1">
-                          <a:lumMod val="65000"/>
-                        </a:schemeClr>
-                      </a:solidFill>
-                      <a:prstDash val="solid"/>
-                      <a:round/>
-                    </a:lnR>
-                    <a:lnT w="12700" cap="flat" cmpd="sng" algn="ctr">
-                      <a:solidFill>
-                        <a:schemeClr val="bg1">
-                          <a:lumMod val="65000"/>
-                        </a:schemeClr>
-                      </a:solidFill>
-                      <a:prstDash val="solid"/>
-                      <a:round/>
-                    </a:lnT>
-                    <a:lnB w="12700" cap="flat" cmpd="sng" algn="ctr">
-                      <a:solidFill>
-                        <a:schemeClr val="bg1">
-                          <a:lumMod val="65000"/>
-                        </a:schemeClr>
-                      </a:solidFill>
-                      <a:prstDash val="solid"/>
-                      <a:round/>
-                    </a:lnB>
-                    <a:solidFill>
-                      <a:schemeClr val="bg1">
-                        <a:lumMod val="85000"/>
-                      </a:schemeClr>
-                    </a:solidFill>
-                  </a:tcPr>
-                </a:tc>
-                <a:tc>
-                  <a:txBody>
-                    <a:bodyPr/>
-                    <a:lstStyle/>
-                    <a:p>
-                      <a:pPr latinLnBrk="1">
-                        <a:defRPr lang="ko-KR" altLang="en-US"/>
-                      </a:pPr>
-                      <a:r>
-                        <a:rPr lang="en-US" altLang="ko-KR" sz="1000" b="0" dirty="0" smtClean="0">
-                          <a:solidFill>
-                            <a:schemeClr val="tx1"/>
-                          </a:solidFill>
-                          <a:latin typeface="+mn-ea"/>
-                          <a:ea typeface="+mn-ea"/>
-                        </a:rPr>
-                        <a:t>99s</a:t>
-                      </a:r>
-                      <a:endParaRPr lang="ko-KR" altLang="en-US" sz="1000" b="0" dirty="0">
-                        <a:solidFill>
-                          <a:schemeClr val="tx1"/>
-                        </a:solidFill>
-                        <a:latin typeface="+mn-ea"/>
-                        <a:ea typeface="+mn-ea"/>
-                      </a:endParaRPr>
-                    </a:p>
-                  </a:txBody>
-                  <a:tcPr anchor="ctr">
-                    <a:lnL w="12700" cap="flat" cmpd="sng" algn="ctr">
-                      <a:solidFill>
-                        <a:schemeClr val="bg1">
-                          <a:lumMod val="65000"/>
-                        </a:schemeClr>
-                      </a:solidFill>
-                      <a:prstDash val="solid"/>
-                      <a:round/>
-                    </a:lnL>
-                    <a:lnR w="12700" cap="flat" cmpd="sng" algn="ctr">
-                      <a:solidFill>
-                        <a:schemeClr val="bg1">
-                          <a:lumMod val="65000"/>
-                        </a:schemeClr>
-                      </a:solidFill>
-                      <a:prstDash val="solid"/>
-                      <a:round/>
-                    </a:lnR>
-                    <a:lnT w="12700" cap="flat" cmpd="sng" algn="ctr">
-                      <a:solidFill>
-                        <a:schemeClr val="bg1">
-                          <a:lumMod val="65000"/>
-                        </a:schemeClr>
-                      </a:solidFill>
-                      <a:prstDash val="solid"/>
-                      <a:round/>
-                    </a:lnT>
-                    <a:lnB w="12700" cap="flat" cmpd="sng" algn="ctr">
-                      <a:solidFill>
-                        <a:schemeClr val="bg1">
-                          <a:lumMod val="65000"/>
-                        </a:schemeClr>
-                      </a:solidFill>
-                      <a:prstDash val="solid"/>
-                      <a:round/>
-                    </a:lnB>
-                    <a:noFill/>
-                  </a:tcPr>
-                </a:tc>
-                <a:tc>
-                  <a:txBody>
-                    <a:bodyPr/>
-                    <a:lstStyle/>
-                    <a:p>
-                      <a:pPr algn="ctr" latinLnBrk="1">
-                        <a:defRPr lang="ko-KR" altLang="en-US"/>
-                      </a:pPr>
-                      <a:r>
-                        <a:rPr lang="ko-KR" altLang="en-US" sz="1000" b="0" dirty="0" smtClean="0">
-                          <a:solidFill>
-                            <a:schemeClr val="tx1"/>
-                          </a:solidFill>
-                          <a:latin typeface="+mn-ea"/>
-                          <a:ea typeface="+mn-ea"/>
-                        </a:rPr>
-                        <a:t>페이지 명</a:t>
-                      </a:r>
-                      <a:endParaRPr lang="ko-KR" altLang="en-US" sz="1000" b="0" dirty="0">
-                        <a:solidFill>
-                          <a:schemeClr val="tx1"/>
-                        </a:solidFill>
-                        <a:latin typeface="+mn-ea"/>
-                        <a:ea typeface="+mn-ea"/>
-                      </a:endParaRPr>
-                    </a:p>
-                  </a:txBody>
-                  <a:tcPr anchor="ctr">
-                    <a:lnL w="12700" cap="flat" cmpd="sng" algn="ctr">
-                      <a:solidFill>
-                        <a:schemeClr val="bg1">
-                          <a:lumMod val="65000"/>
-                        </a:schemeClr>
-                      </a:solidFill>
-                      <a:prstDash val="solid"/>
-                      <a:round/>
-                    </a:lnL>
-                    <a:lnR w="12700" cap="flat" cmpd="sng" algn="ctr">
-                      <a:solidFill>
-                        <a:schemeClr val="bg1">
-                          <a:lumMod val="65000"/>
-                        </a:schemeClr>
-                      </a:solidFill>
-                      <a:prstDash val="solid"/>
-                      <a:round/>
-                    </a:lnR>
-                    <a:lnT w="12700" cap="flat" cmpd="sng" algn="ctr">
-                      <a:solidFill>
-                        <a:schemeClr val="bg1">
-                          <a:lumMod val="65000"/>
-                        </a:schemeClr>
-                      </a:solidFill>
-                      <a:prstDash val="solid"/>
-                      <a:round/>
-                    </a:lnT>
-                    <a:lnB w="12700" cap="flat" cmpd="sng" algn="ctr">
-                      <a:solidFill>
-                        <a:schemeClr val="bg1">
-                          <a:lumMod val="65000"/>
-                        </a:schemeClr>
-                      </a:solidFill>
-                      <a:prstDash val="solid"/>
-                      <a:round/>
-                    </a:lnB>
-                    <a:solidFill>
-                      <a:schemeClr val="bg1">
-                        <a:lumMod val="85000"/>
-                      </a:schemeClr>
-                    </a:solidFill>
-                  </a:tcPr>
-                </a:tc>
-                <a:tc>
-                  <a:txBody>
-                    <a:bodyPr/>
-                    <a:lstStyle/>
-                    <a:p>
-                      <a:pPr latinLnBrk="1">
-                        <a:defRPr lang="ko-KR" altLang="en-US"/>
-                      </a:pPr>
-                      <a:r>
-                        <a:rPr lang="en-US" altLang="ko-KR" sz="1000" b="0" dirty="0" smtClean="0">
-                          <a:solidFill>
-                            <a:schemeClr val="tx1"/>
-                          </a:solidFill>
-                          <a:latin typeface="+mn-ea"/>
-                          <a:ea typeface="+mn-ea"/>
-                        </a:rPr>
-                        <a:t>Data</a:t>
-                      </a:r>
-                      <a:r>
-                        <a:rPr lang="ko-KR" altLang="en-US" sz="1000" b="0" dirty="0" smtClean="0">
-                          <a:solidFill>
-                            <a:schemeClr val="tx1"/>
-                          </a:solidFill>
-                          <a:latin typeface="+mn-ea"/>
-                          <a:ea typeface="+mn-ea"/>
-                        </a:rPr>
-                        <a:t>관리 </a:t>
-                      </a:r>
-                      <a:r>
-                        <a:rPr lang="en-US" altLang="ko-KR" sz="1000" b="0" dirty="0" smtClean="0">
-                          <a:solidFill>
-                            <a:schemeClr val="tx1"/>
-                          </a:solidFill>
-                          <a:latin typeface="+mn-ea"/>
-                          <a:ea typeface="+mn-ea"/>
-                        </a:rPr>
-                        <a:t>– </a:t>
-                      </a:r>
-                      <a:r>
-                        <a:rPr lang="ko-KR" altLang="en-US" sz="1000" b="0" dirty="0" smtClean="0">
-                          <a:solidFill>
-                            <a:schemeClr val="tx1"/>
-                          </a:solidFill>
-                          <a:latin typeface="+mn-ea"/>
-                          <a:ea typeface="+mn-ea"/>
-                        </a:rPr>
-                        <a:t>선수정보 수정 </a:t>
-                      </a:r>
-                      <a:r>
-                        <a:rPr lang="en-US" altLang="ko-KR" sz="1000" b="0" dirty="0" smtClean="0">
-                          <a:solidFill>
-                            <a:schemeClr val="tx1"/>
-                          </a:solidFill>
-                          <a:latin typeface="+mn-ea"/>
-                          <a:ea typeface="+mn-ea"/>
-                        </a:rPr>
-                        <a:t>– </a:t>
-                      </a:r>
-                      <a:r>
-                        <a:rPr lang="ko-KR" altLang="en-US" sz="1000" b="0" dirty="0" smtClean="0">
-                          <a:solidFill>
-                            <a:schemeClr val="tx1"/>
-                          </a:solidFill>
-                          <a:latin typeface="+mn-ea"/>
-                          <a:ea typeface="+mn-ea"/>
-                        </a:rPr>
-                        <a:t>선수 이력 수정</a:t>
-                      </a:r>
-                      <a:endParaRPr lang="ko-KR" altLang="en-US" sz="1000" b="0" dirty="0">
-                        <a:solidFill>
-                          <a:schemeClr val="tx1"/>
-                        </a:solidFill>
-                        <a:latin typeface="+mn-ea"/>
-                        <a:ea typeface="+mn-ea"/>
-                      </a:endParaRPr>
-                    </a:p>
-                  </a:txBody>
-                  <a:tcPr anchor="ctr">
-                    <a:lnL w="12700" cap="flat" cmpd="sng" algn="ctr">
-                      <a:solidFill>
-                        <a:schemeClr val="bg1">
-                          <a:lumMod val="65000"/>
-                        </a:schemeClr>
-                      </a:solidFill>
-                      <a:prstDash val="solid"/>
-                      <a:round/>
-                    </a:lnL>
-                    <a:lnR w="12700" cap="flat" cmpd="sng" algn="ctr">
-                      <a:solidFill>
-                        <a:schemeClr val="bg1">
-                          <a:lumMod val="65000"/>
-                        </a:schemeClr>
-                      </a:solidFill>
-                      <a:prstDash val="solid"/>
-                      <a:round/>
-                    </a:lnR>
-                    <a:lnT w="12700" cap="flat" cmpd="sng" algn="ctr">
-                      <a:solidFill>
-                        <a:schemeClr val="bg1">
-                          <a:lumMod val="65000"/>
-                        </a:schemeClr>
-                      </a:solidFill>
-                      <a:prstDash val="solid"/>
-                      <a:round/>
-                    </a:lnT>
-                    <a:lnB w="12700" cap="flat" cmpd="sng" algn="ctr">
-                      <a:solidFill>
-                        <a:schemeClr val="bg1">
-                          <a:lumMod val="65000"/>
-                        </a:schemeClr>
-                      </a:solidFill>
-                      <a:prstDash val="solid"/>
-                      <a:round/>
-                    </a:lnB>
-                    <a:noFill/>
-                  </a:tcPr>
-                </a:tc>
-                <a:tc>
-                  <a:txBody>
-                    <a:bodyPr/>
-                    <a:lstStyle/>
-                    <a:p>
-                      <a:pPr algn="ctr" latinLnBrk="1">
-                        <a:defRPr lang="ko-KR" altLang="en-US"/>
-                      </a:pPr>
-                      <a:r>
-                        <a:rPr lang="ko-KR" altLang="en-US" sz="1000" b="0" dirty="0" smtClean="0">
-                          <a:solidFill>
-                            <a:schemeClr val="tx1"/>
-                          </a:solidFill>
-                          <a:latin typeface="+mn-ea"/>
-                          <a:ea typeface="+mn-ea"/>
-                        </a:rPr>
-                        <a:t>작성자</a:t>
-                      </a:r>
-                      <a:endParaRPr lang="ko-KR" altLang="en-US" sz="1000" b="0" dirty="0">
-                        <a:solidFill>
-                          <a:schemeClr val="tx1"/>
-                        </a:solidFill>
-                        <a:latin typeface="+mn-ea"/>
-                        <a:ea typeface="+mn-ea"/>
-                      </a:endParaRPr>
-                    </a:p>
-                  </a:txBody>
-                  <a:tcPr anchor="ctr">
-                    <a:lnL w="12700" cap="flat" cmpd="sng" algn="ctr">
-                      <a:solidFill>
-                        <a:schemeClr val="bg1">
-                          <a:lumMod val="65000"/>
-                        </a:schemeClr>
-                      </a:solidFill>
-                      <a:prstDash val="solid"/>
-                      <a:round/>
-                    </a:lnL>
-                    <a:lnR w="12700" cap="flat" cmpd="sng" algn="ctr">
-                      <a:solidFill>
-                        <a:schemeClr val="bg1">
-                          <a:lumMod val="65000"/>
-                        </a:schemeClr>
-                      </a:solidFill>
-                      <a:prstDash val="solid"/>
-                      <a:round/>
-                    </a:lnR>
-                    <a:lnT w="12700" cap="flat" cmpd="sng" algn="ctr">
-                      <a:solidFill>
-                        <a:schemeClr val="bg1">
-                          <a:lumMod val="65000"/>
-                        </a:schemeClr>
-                      </a:solidFill>
-                      <a:prstDash val="solid"/>
-                      <a:round/>
-                    </a:lnT>
-                    <a:lnB w="12700" cap="flat" cmpd="sng" algn="ctr">
-                      <a:solidFill>
-                        <a:schemeClr val="bg1">
-                          <a:lumMod val="65000"/>
-                        </a:schemeClr>
-                      </a:solidFill>
-                      <a:prstDash val="solid"/>
-                      <a:round/>
-                    </a:lnB>
-                    <a:solidFill>
-                      <a:schemeClr val="bg1">
-                        <a:lumMod val="85000"/>
-                      </a:schemeClr>
-                    </a:solidFill>
-                  </a:tcPr>
-                </a:tc>
-                <a:tc>
-                  <a:txBody>
-                    <a:bodyPr/>
-                    <a:lstStyle/>
-                    <a:p>
-                      <a:pPr latinLnBrk="1">
-                        <a:defRPr lang="ko-KR" altLang="en-US"/>
-                      </a:pPr>
-                      <a:r>
-                        <a:rPr lang="ko-KR" altLang="en-US" sz="1000" b="0" dirty="0" smtClean="0">
-                          <a:solidFill>
-                            <a:schemeClr val="tx1"/>
-                          </a:solidFill>
-                          <a:latin typeface="+mn-ea"/>
-                          <a:ea typeface="+mn-ea"/>
-                        </a:rPr>
-                        <a:t>황민동</a:t>
-                      </a:r>
-                      <a:endParaRPr lang="ko-KR" altLang="en-US" sz="1000" b="0" dirty="0">
-                        <a:solidFill>
-                          <a:schemeClr val="tx1"/>
-                        </a:solidFill>
-                        <a:latin typeface="+mn-ea"/>
-                        <a:ea typeface="+mn-ea"/>
-                      </a:endParaRPr>
-                    </a:p>
-                  </a:txBody>
-                  <a:tcPr anchor="ctr">
-                    <a:lnL w="12700" cap="flat" cmpd="sng" algn="ctr">
-                      <a:solidFill>
-                        <a:schemeClr val="bg1">
-                          <a:lumMod val="65000"/>
-                        </a:schemeClr>
-                      </a:solidFill>
-                      <a:prstDash val="solid"/>
-                      <a:round/>
-                      <a:headEnd type="none" w="med" len="med"/>
-                      <a:tailEnd type="none" w="med" len="med"/>
-                    </a:lnL>
-                    <a:lnR w="12700" cap="flat" cmpd="sng" algn="ctr">
-                      <a:solidFill>
-                        <a:schemeClr val="bg1">
-                          <a:lumMod val="65000"/>
-                        </a:schemeClr>
-                      </a:solidFill>
-                      <a:prstDash val="solid"/>
-                      <a:round/>
-                    </a:lnR>
-                    <a:lnT w="12700" cap="flat" cmpd="sng" algn="ctr">
-                      <a:solidFill>
-                        <a:schemeClr val="bg1">
-                          <a:lumMod val="65000"/>
-                        </a:schemeClr>
-                      </a:solidFill>
-                      <a:prstDash val="solid"/>
-                      <a:round/>
-                    </a:lnT>
-                    <a:lnB w="12700" cap="flat" cmpd="sng" algn="ctr">
-                      <a:solidFill>
-                        <a:schemeClr val="bg1">
-                          <a:lumMod val="65000"/>
-                        </a:schemeClr>
-                      </a:solidFill>
-                      <a:prstDash val="solid"/>
-                      <a:round/>
-                    </a:lnB>
-                    <a:noFill/>
-                  </a:tcPr>
-                </a:tc>
-                <a:extLst>
-                  <a:ext uri="{0D108BD9-81ED-4DB2-BD59-A6C34878D82A}">
-                    <a16:rowId xmlns:a16="http://schemas.microsoft.com/office/drawing/2014/main" xmlns="" val="10000"/>
-                  </a:ext>
-                </a:extLst>
-              </a:tr>
-            </a:tbl>
-          </a:graphicData>
-        </a:graphic>
-      </p:graphicFrame>
-      <p:graphicFrame>
-        <p:nvGraphicFramePr>
-          <p:cNvPr id="23" name="표 22"/>
-          <p:cNvGraphicFramePr>
-            <a:graphicFrameLocks noGrp="1"/>
-          </p:cNvGraphicFramePr>
-          <p:nvPr>
-            <p:extLst>
-              <p:ext uri="{D42A27DB-BD31-4B8C-83A1-F6EECF244321}">
-                <p14:modId xmlns:p14="http://schemas.microsoft.com/office/powerpoint/2010/main" val="738574299"/>
-              </p:ext>
-            </p:extLst>
-          </p:nvPr>
-        </p:nvGraphicFramePr>
-        <p:xfrm>
-          <a:off x="6781801" y="4319365"/>
-          <a:ext cx="2158313" cy="2316480"/>
-        </p:xfrm>
-        <a:graphic>
-          <a:graphicData uri="http://schemas.openxmlformats.org/drawingml/2006/table">
-            <a:tbl>
-              <a:tblPr firstRow="1" bandRow="1">
-                <a:tableStyleId>{F5AB1C69-6EDB-4FF4-983F-18BD219EF322}</a:tableStyleId>
-              </a:tblPr>
-              <a:tblGrid>
-                <a:gridCol w="2158313"/>
-              </a:tblGrid>
-              <a:tr h="170543">
-                <a:tc>
-                  <a:txBody>
-                    <a:bodyPr/>
-                    <a:lstStyle/>
-                    <a:p>
-                      <a:pPr algn="ctr" latinLnBrk="1"/>
-                      <a:r>
-                        <a:rPr lang="ko-KR" altLang="en-US" sz="1200" dirty="0" smtClean="0"/>
-                        <a:t>경로</a:t>
-                      </a:r>
-                      <a:endParaRPr lang="ko-KR" altLang="en-US" sz="1200" dirty="0"/>
-                    </a:p>
-                  </a:txBody>
-                  <a:tcPr marL="68580" marR="68580"/>
-                </a:tc>
-              </a:tr>
-              <a:tr h="170543">
-                <a:tc>
-                  <a:txBody>
-                    <a:bodyPr/>
-                    <a:lstStyle/>
-                    <a:p>
-                      <a:pPr latinLnBrk="1"/>
-                      <a:r>
-                        <a:rPr lang="en-US" altLang="ko-KR" sz="1200" dirty="0" smtClean="0"/>
-                        <a:t>Request</a:t>
-                      </a:r>
-                      <a:endParaRPr lang="ko-KR" altLang="en-US" sz="1200" dirty="0"/>
-                    </a:p>
-                  </a:txBody>
-                  <a:tcPr marL="68580" marR="68580"/>
-                </a:tc>
-              </a:tr>
-              <a:tr h="170543">
-                <a:tc>
-                  <a:txBody>
-                    <a:bodyPr/>
-                    <a:lstStyle/>
-                    <a:p>
-                      <a:pPr marL="0" marR="0" indent="0" algn="l" defTabSz="914400" rtl="0" eaLnBrk="1" fontAlgn="auto" latinLnBrk="1" hangingPunct="1">
-                        <a:lnSpc>
-                          <a:spcPct val="100000"/>
-                        </a:lnSpc>
-                        <a:spcBef>
-                          <a:spcPts val="0"/>
-                        </a:spcBef>
-                        <a:spcAft>
-                          <a:spcPts val="0"/>
-                        </a:spcAft>
-                        <a:buClrTx/>
-                        <a:buSzTx/>
-                        <a:buFontTx/>
-                        <a:buNone/>
-                        <a:tabLst/>
-                        <a:defRPr/>
-                      </a:pPr>
-                      <a:endParaRPr lang="ko-KR" altLang="en-US" sz="1000" dirty="0"/>
-                    </a:p>
-                  </a:txBody>
-                  <a:tcPr marL="68580" marR="68580"/>
-                </a:tc>
-              </a:tr>
-              <a:tr h="170543">
-                <a:tc>
-                  <a:txBody>
-                    <a:bodyPr/>
-                    <a:lstStyle/>
-                    <a:p>
-                      <a:pPr latinLnBrk="1"/>
-                      <a:r>
-                        <a:rPr lang="en-US" altLang="ko-KR" sz="1200" dirty="0" smtClean="0"/>
-                        <a:t>Controller</a:t>
-                      </a:r>
-                      <a:endParaRPr lang="ko-KR" altLang="en-US" sz="1200" dirty="0"/>
-                    </a:p>
-                  </a:txBody>
-                  <a:tcPr marL="68580" marR="68580"/>
-                </a:tc>
-              </a:tr>
-              <a:tr h="170543">
-                <a:tc>
-                  <a:txBody>
-                    <a:bodyPr/>
-                    <a:lstStyle/>
-                    <a:p>
-                      <a:pPr marL="0" marR="0" indent="0" algn="l" defTabSz="914400" rtl="0" eaLnBrk="1" fontAlgn="auto" latinLnBrk="1" hangingPunct="1">
-                        <a:lnSpc>
-                          <a:spcPct val="100000"/>
-                        </a:lnSpc>
-                        <a:spcBef>
-                          <a:spcPts val="0"/>
-                        </a:spcBef>
-                        <a:spcAft>
-                          <a:spcPts val="0"/>
-                        </a:spcAft>
-                        <a:buClrTx/>
-                        <a:buSzTx/>
-                        <a:buFontTx/>
-                        <a:buNone/>
-                        <a:tabLst/>
-                        <a:defRPr/>
-                      </a:pPr>
-                      <a:endParaRPr lang="ko-KR" altLang="en-US" sz="1000" dirty="0"/>
-                    </a:p>
-                  </a:txBody>
-                  <a:tcPr marL="68580" marR="68580"/>
-                </a:tc>
-              </a:tr>
-              <a:tr h="170543">
-                <a:tc>
-                  <a:txBody>
-                    <a:bodyPr/>
-                    <a:lstStyle/>
-                    <a:p>
-                      <a:pPr latinLnBrk="1"/>
-                      <a:r>
-                        <a:rPr lang="en-US" altLang="ko-KR" sz="1200" dirty="0" smtClean="0"/>
-                        <a:t>Parameter</a:t>
-                      </a:r>
-                      <a:endParaRPr lang="ko-KR" altLang="en-US" sz="1200" dirty="0"/>
-                    </a:p>
-                  </a:txBody>
-                  <a:tcPr marL="68580" marR="68580"/>
-                </a:tc>
-              </a:tr>
-              <a:tr h="170543">
-                <a:tc>
-                  <a:txBody>
-                    <a:bodyPr/>
-                    <a:lstStyle/>
-                    <a:p>
-                      <a:pPr latinLnBrk="1"/>
-                      <a:endParaRPr lang="ko-KR" altLang="en-US" sz="1000" dirty="0"/>
-                    </a:p>
-                  </a:txBody>
-                  <a:tcPr marL="68580" marR="68580"/>
-                </a:tc>
-              </a:tr>
-              <a:tr h="170543">
-                <a:tc>
-                  <a:txBody>
-                    <a:bodyPr/>
-                    <a:lstStyle/>
-                    <a:p>
-                      <a:pPr latinLnBrk="1"/>
-                      <a:r>
-                        <a:rPr lang="en-US" altLang="ko-KR" sz="1000" dirty="0" smtClean="0"/>
-                        <a:t>View</a:t>
-                      </a:r>
-                      <a:endParaRPr lang="ko-KR" altLang="en-US" sz="1000" dirty="0"/>
-                    </a:p>
-                  </a:txBody>
-                  <a:tcPr marL="68580" marR="68580"/>
-                </a:tc>
-              </a:tr>
-              <a:tr h="170543">
-                <a:tc>
-                  <a:txBody>
-                    <a:bodyPr/>
-                    <a:lstStyle/>
-                    <a:p>
-                      <a:pPr latinLnBrk="1"/>
-                      <a:endParaRPr lang="ko-KR" altLang="en-US" sz="1000" dirty="0"/>
-                    </a:p>
-                  </a:txBody>
-                  <a:tcPr marL="68580" marR="68580"/>
-                </a:tc>
-              </a:tr>
-            </a:tbl>
-          </a:graphicData>
-        </a:graphic>
-      </p:graphicFrame>
-      <p:sp>
-        <p:nvSpPr>
-          <p:cNvPr id="6" name="직사각형 5"/>
-          <p:cNvSpPr/>
-          <p:nvPr/>
-        </p:nvSpPr>
-        <p:spPr>
-          <a:xfrm>
-            <a:off x="6752401" y="908720"/>
-            <a:ext cx="2212087" cy="3384376"/>
-          </a:xfrm>
-          <a:prstGeom prst="rect">
-            <a:avLst/>
-          </a:prstGeom>
-          <a:noFill/>
-        </p:spPr>
-        <p:style>
-          <a:lnRef idx="2">
-            <a:schemeClr val="accent1">
-              <a:shade val="50000"/>
-            </a:schemeClr>
-          </a:lnRef>
-          <a:fillRef idx="1">
-            <a:schemeClr val="accent1"/>
-          </a:fillRef>
-          <a:effectRef idx="0">
-            <a:schemeClr val="accent1"/>
-          </a:effectRef>
-          <a:fontRef idx="minor">
-            <a:schemeClr val="lt1"/>
-          </a:fontRef>
-        </p:style>
-        <p:txBody>
-          <a:bodyPr rtlCol="0" anchor="ctr"/>
-          <a:lstStyle/>
-          <a:p>
-            <a:pPr marL="228600" indent="-228600" algn="ctr">
-              <a:buAutoNum type="arabicPeriod"/>
-              <a:defRPr lang="ko-KR" altLang="en-US"/>
-            </a:pPr>
-            <a:r>
-              <a:rPr lang="ko-KR" altLang="en-US" sz="800" dirty="0" smtClean="0">
-                <a:solidFill>
-                  <a:schemeClr val="tx1"/>
-                </a:solidFill>
-                <a:latin typeface="+mn-ea"/>
-              </a:rPr>
-              <a:t>선수 </a:t>
-            </a:r>
-            <a:r>
-              <a:rPr lang="ko-KR" altLang="en-US" sz="800" dirty="0">
-                <a:solidFill>
-                  <a:schemeClr val="tx1"/>
-                </a:solidFill>
-                <a:latin typeface="+mn-ea"/>
-              </a:rPr>
-              <a:t>이력 정보를 추가</a:t>
-            </a:r>
-            <a:r>
-              <a:rPr lang="en-US" altLang="ko-KR" sz="800" dirty="0">
-                <a:solidFill>
-                  <a:schemeClr val="tx1"/>
-                </a:solidFill>
-                <a:latin typeface="+mn-ea"/>
-              </a:rPr>
-              <a:t>/</a:t>
-            </a:r>
-            <a:r>
-              <a:rPr lang="ko-KR" altLang="en-US" sz="800" dirty="0">
-                <a:solidFill>
-                  <a:schemeClr val="tx1"/>
-                </a:solidFill>
-                <a:latin typeface="+mn-ea"/>
-              </a:rPr>
-              <a:t>수정</a:t>
-            </a:r>
-            <a:r>
-              <a:rPr lang="en-US" altLang="ko-KR" sz="800" dirty="0">
-                <a:solidFill>
-                  <a:schemeClr val="tx1"/>
-                </a:solidFill>
-                <a:latin typeface="+mn-ea"/>
-              </a:rPr>
-              <a:t>/</a:t>
-            </a:r>
-            <a:r>
-              <a:rPr lang="ko-KR" altLang="en-US" sz="800" dirty="0">
-                <a:solidFill>
-                  <a:schemeClr val="tx1"/>
-                </a:solidFill>
-                <a:latin typeface="+mn-ea"/>
-              </a:rPr>
-              <a:t>삭제 할 수 있다</a:t>
-            </a:r>
-            <a:r>
-              <a:rPr lang="en-US" altLang="ko-KR" sz="800" dirty="0">
-                <a:solidFill>
-                  <a:schemeClr val="tx1"/>
-                </a:solidFill>
-                <a:latin typeface="+mn-ea"/>
-              </a:rPr>
-              <a:t>.</a:t>
-            </a:r>
-          </a:p>
-        </p:txBody>
-      </p:sp>
-      <p:pic>
-        <p:nvPicPr>
-          <p:cNvPr id="12289" name="Picture 1"/>
-          <p:cNvPicPr>
-            <a:picLocks noChangeAspect="1" noChangeArrowheads="1"/>
-          </p:cNvPicPr>
-          <p:nvPr/>
-        </p:nvPicPr>
-        <p:blipFill>
-          <a:blip r:embed="rId2">
-            <a:extLst>
-              <a:ext uri="{28A0092B-C50C-407E-A947-70E740481C1C}">
-                <a14:useLocalDpi xmlns:a14="http://schemas.microsoft.com/office/drawing/2010/main" val="0"/>
-              </a:ext>
-            </a:extLst>
-          </a:blip>
-          <a:srcRect/>
-          <a:stretch>
-            <a:fillRect/>
-          </a:stretch>
-        </p:blipFill>
-        <p:spPr bwMode="auto">
-          <a:xfrm>
-            <a:off x="179512" y="980728"/>
-            <a:ext cx="6572889" cy="5616624"/>
-          </a:xfrm>
-          <a:prstGeom prst="rect">
-            <a:avLst/>
-          </a:prstGeom>
-          <a:noFill/>
-          <a:ln>
-            <a:noFill/>
-          </a:ln>
-          <a:effectLst/>
-          <a:extLst>
-            <a:ext uri="{909E8E84-426E-40DD-AFC4-6F175D3DCCD1}">
-              <a14:hiddenFill xmlns:a14="http://schemas.microsoft.com/office/drawing/2010/main">
-                <a:solidFill>
-                  <a:schemeClr val="accent1"/>
-                </a:solidFill>
-              </a14:hiddenFill>
-            </a:ext>
-            <a:ext uri="{91240B29-F687-4F45-9708-019B960494DF}">
-              <a14:hiddenLine xmlns:a14="http://schemas.microsoft.com/office/drawing/2010/main" w="9525">
-                <a:solidFill>
-                  <a:schemeClr val="tx1"/>
-                </a:solidFill>
-                <a:miter lim="800000"/>
-                <a:headEnd/>
-                <a:tailEnd/>
-              </a14:hiddenLine>
-            </a:ext>
-            <a:ext uri="{AF507438-7753-43E0-B8FC-AC1667EBCBE1}">
-              <a14:hiddenEffects xmlns:a14="http://schemas.microsoft.com/office/drawing/2010/main">
-                <a:effectLst>
-                  <a:outerShdw dist="35921" dir="2700000" algn="ctr" rotWithShape="0">
-                    <a:schemeClr val="bg2"/>
-                  </a:outerShdw>
-                </a:effectLst>
-              </a14:hiddenEffects>
-            </a:ext>
-          </a:extLst>
-        </p:spPr>
-      </p:pic>
-      <p:sp>
-        <p:nvSpPr>
-          <p:cNvPr id="9" name="타원 8"/>
-          <p:cNvSpPr/>
-          <p:nvPr/>
-        </p:nvSpPr>
-        <p:spPr>
-          <a:xfrm>
-            <a:off x="323528" y="1777944"/>
+            <a:off x="181230" y="2636912"/>
             <a:ext cx="339812" cy="326752"/>
           </a:xfrm>
           <a:prstGeom prst="ellipse">
@@ -13565,7 +12291,7 @@
                 <a:gridCol w="6587921">
                   <a:extLst>
                     <a:ext uri="{9D8B030D-6E8A-4147-A177-3AD203B41FA5}">
-                      <a16:colId xmlns:a16="http://schemas.microsoft.com/office/drawing/2014/main" xmlns="" val="20000"/>
+                      <a16:colId xmlns="" xmlns:a16="http://schemas.microsoft.com/office/drawing/2014/main" val="20000"/>
                     </a:ext>
                   </a:extLst>
                 </a:gridCol>
@@ -13722,7 +12448,7 @@
                 </a:tc>
                 <a:extLst>
                   <a:ext uri="{0D108BD9-81ED-4DB2-BD59-A6C34878D82A}">
-                    <a16:rowId xmlns:a16="http://schemas.microsoft.com/office/drawing/2014/main" xmlns="" val="10000"/>
+                    <a16:rowId xmlns="" xmlns:a16="http://schemas.microsoft.com/office/drawing/2014/main" val="10000"/>
                   </a:ext>
                 </a:extLst>
               </a:tr>
@@ -13883,42 +12609,42 @@
                 <a:gridCol w="1380432">
                   <a:extLst>
                     <a:ext uri="{9D8B030D-6E8A-4147-A177-3AD203B41FA5}">
-                      <a16:colId xmlns:a16="http://schemas.microsoft.com/office/drawing/2014/main" xmlns="" val="20000"/>
+                      <a16:colId xmlns="" xmlns:a16="http://schemas.microsoft.com/office/drawing/2014/main" val="20000"/>
                     </a:ext>
                   </a:extLst>
                 </a:gridCol>
                 <a:gridCol w="2195892">
                   <a:extLst>
                     <a:ext uri="{9D8B030D-6E8A-4147-A177-3AD203B41FA5}">
-                      <a16:colId xmlns:a16="http://schemas.microsoft.com/office/drawing/2014/main" xmlns="" val="20001"/>
+                      <a16:colId xmlns="" xmlns:a16="http://schemas.microsoft.com/office/drawing/2014/main" val="20001"/>
                     </a:ext>
                   </a:extLst>
                 </a:gridCol>
                 <a:gridCol w="1086007">
                   <a:extLst>
                     <a:ext uri="{9D8B030D-6E8A-4147-A177-3AD203B41FA5}">
-                      <a16:colId xmlns:a16="http://schemas.microsoft.com/office/drawing/2014/main" xmlns="" val="20002"/>
+                      <a16:colId xmlns="" xmlns:a16="http://schemas.microsoft.com/office/drawing/2014/main" val="20002"/>
                     </a:ext>
                   </a:extLst>
                 </a:gridCol>
                 <a:gridCol w="1927970">
                   <a:extLst>
                     <a:ext uri="{9D8B030D-6E8A-4147-A177-3AD203B41FA5}">
-                      <a16:colId xmlns:a16="http://schemas.microsoft.com/office/drawing/2014/main" xmlns="" val="20003"/>
+                      <a16:colId xmlns="" xmlns:a16="http://schemas.microsoft.com/office/drawing/2014/main" val="20003"/>
                     </a:ext>
                   </a:extLst>
                 </a:gridCol>
                 <a:gridCol w="1233488">
                   <a:extLst>
                     <a:ext uri="{9D8B030D-6E8A-4147-A177-3AD203B41FA5}">
-                      <a16:colId xmlns:a16="http://schemas.microsoft.com/office/drawing/2014/main" xmlns="" val="20004"/>
+                      <a16:colId xmlns="" xmlns:a16="http://schemas.microsoft.com/office/drawing/2014/main" val="20004"/>
                     </a:ext>
                   </a:extLst>
                 </a:gridCol>
                 <a:gridCol w="971549">
                   <a:extLst>
                     <a:ext uri="{9D8B030D-6E8A-4147-A177-3AD203B41FA5}">
-                      <a16:colId xmlns:a16="http://schemas.microsoft.com/office/drawing/2014/main" xmlns="" val="20006"/>
+                      <a16:colId xmlns="" xmlns:a16="http://schemas.microsoft.com/office/drawing/2014/main" val="20006"/>
                     </a:ext>
                   </a:extLst>
                 </a:gridCol>
@@ -14342,7 +13068,7 @@
                 </a:tc>
                 <a:extLst>
                   <a:ext uri="{0D108BD9-81ED-4DB2-BD59-A6C34878D82A}">
-                    <a16:rowId xmlns:a16="http://schemas.microsoft.com/office/drawing/2014/main" xmlns="" val="10000"/>
+                    <a16:rowId xmlns="" xmlns:a16="http://schemas.microsoft.com/office/drawing/2014/main" val="10000"/>
                   </a:ext>
                 </a:extLst>
               </a:tr>
@@ -14754,14 +13480,14 @@
       </p:sp>
       <p:pic>
         <p:nvPicPr>
-          <p:cNvPr id="1027" name="Picture 3"/>
+          <p:cNvPr id="10" name="Picture 2" descr="C:\Users\hong\Downloads\[관리자페이지] 전체정보.jpg"/>
           <p:cNvPicPr>
             <a:picLocks noChangeAspect="1" noChangeArrowheads="1"/>
           </p:cNvPicPr>
           <p:nvPr/>
         </p:nvPicPr>
         <p:blipFill>
-          <a:blip r:embed="rId2">
+          <a:blip r:embed="rId2" cstate="print">
             <a:extLst>
               <a:ext uri="{28A0092B-C50C-407E-A947-70E740481C1C}">
                 <a14:useLocalDpi xmlns:a14="http://schemas.microsoft.com/office/drawing/2010/main" val="0"/>
@@ -14775,56 +13501,33 @@
         </p:blipFill>
         <p:spPr bwMode="auto">
           <a:xfrm>
-            <a:off x="180778" y="980728"/>
-            <a:ext cx="6572889" cy="5616624"/>
+            <a:off x="179512" y="1700808"/>
+            <a:ext cx="6549731" cy="3888432"/>
           </a:xfrm>
           <a:prstGeom prst="rect">
             <a:avLst/>
           </a:prstGeom>
           <a:noFill/>
-          <a:ln>
-            <a:noFill/>
-          </a:ln>
-          <a:effectLst/>
           <a:extLst>
             <a:ext uri="{909E8E84-426E-40DD-AFC4-6F175D3DCCD1}">
               <a14:hiddenFill xmlns:a14="http://schemas.microsoft.com/office/drawing/2010/main">
                 <a:solidFill>
-                  <a:schemeClr val="accent1"/>
+                  <a:srgbClr val="FFFFFF"/>
                 </a:solidFill>
               </a14:hiddenFill>
-            </a:ext>
-            <a:ext uri="{91240B29-F687-4F45-9708-019B960494DF}">
-              <a14:hiddenLine xmlns:a14="http://schemas.microsoft.com/office/drawing/2010/main" w="9525">
-                <a:solidFill>
-                  <a:schemeClr val="tx1"/>
-                </a:solidFill>
-                <a:miter lim="800000"/>
-                <a:headEnd/>
-                <a:tailEnd/>
-              </a14:hiddenLine>
-            </a:ext>
-            <a:ext uri="{AF507438-7753-43E0-B8FC-AC1667EBCBE1}">
-              <a14:hiddenEffects xmlns:a14="http://schemas.microsoft.com/office/drawing/2010/main">
-                <a:effectLst>
-                  <a:outerShdw dist="35921" dir="2700000" algn="ctr" rotWithShape="0">
-                    <a:schemeClr val="bg2"/>
-                  </a:outerShdw>
-                </a:effectLst>
-              </a14:hiddenEffects>
             </a:ext>
           </a:extLst>
         </p:spPr>
       </p:pic>
       <p:sp>
         <p:nvSpPr>
-          <p:cNvPr id="12" name="타원 11"/>
+          <p:cNvPr id="11" name="타원 10"/>
           <p:cNvSpPr/>
           <p:nvPr/>
         </p:nvSpPr>
         <p:spPr>
           <a:xfrm>
-            <a:off x="180778" y="1947404"/>
+            <a:off x="251520" y="2437532"/>
             <a:ext cx="339812" cy="326752"/>
           </a:xfrm>
           <a:prstGeom prst="ellipse">
@@ -14862,13 +13565,13 @@
       </p:sp>
       <p:sp>
         <p:nvSpPr>
-          <p:cNvPr id="13" name="타원 12"/>
+          <p:cNvPr id="15" name="타원 14"/>
           <p:cNvSpPr/>
           <p:nvPr/>
         </p:nvSpPr>
         <p:spPr>
           <a:xfrm>
-            <a:off x="180778" y="3284984"/>
+            <a:off x="251520" y="3353003"/>
             <a:ext cx="339812" cy="326752"/>
           </a:xfrm>
           <a:prstGeom prst="ellipse">
@@ -14897,7 +13600,7 @@
           <a:p>
             <a:pPr algn="ctr"/>
             <a:r>
-              <a:rPr lang="en-US" altLang="ko-KR" dirty="0"/>
+              <a:rPr lang="en-US" altLang="ko-KR" dirty="0" smtClean="0"/>
               <a:t>2</a:t>
             </a:r>
             <a:endParaRPr lang="ko-KR" altLang="en-US" dirty="0"/>
@@ -14906,13 +13609,13 @@
       </p:sp>
       <p:sp>
         <p:nvSpPr>
-          <p:cNvPr id="14" name="타원 13"/>
+          <p:cNvPr id="16" name="타원 15"/>
           <p:cNvSpPr/>
           <p:nvPr/>
         </p:nvSpPr>
         <p:spPr>
           <a:xfrm>
-            <a:off x="180778" y="4581128"/>
+            <a:off x="251520" y="4129720"/>
             <a:ext cx="339812" cy="326752"/>
           </a:xfrm>
           <a:prstGeom prst="ellipse">
@@ -14995,7 +13698,7 @@
           <p:nvPr>
             <p:extLst>
               <p:ext uri="{D42A27DB-BD31-4B8C-83A1-F6EECF244321}">
-                <p14:modId xmlns:p14="http://schemas.microsoft.com/office/powerpoint/2010/main" val="2033559566"/>
+                <p14:modId xmlns:p14="http://schemas.microsoft.com/office/powerpoint/2010/main" val="3326058286"/>
               </p:ext>
             </p:extLst>
           </p:nvPr>
@@ -15014,7 +13717,7 @@
                 <a:gridCol w="6587921">
                   <a:extLst>
                     <a:ext uri="{9D8B030D-6E8A-4147-A177-3AD203B41FA5}">
-                      <a16:colId xmlns:a16="http://schemas.microsoft.com/office/drawing/2014/main" xmlns="" val="20000"/>
+                      <a16:colId xmlns="" xmlns:a16="http://schemas.microsoft.com/office/drawing/2014/main" val="20000"/>
                     </a:ext>
                   </a:extLst>
                 </a:gridCol>
@@ -15171,7 +13874,7 @@
                 </a:tc>
                 <a:extLst>
                   <a:ext uri="{0D108BD9-81ED-4DB2-BD59-A6C34878D82A}">
-                    <a16:rowId xmlns:a16="http://schemas.microsoft.com/office/drawing/2014/main" xmlns="" val="10000"/>
+                    <a16:rowId xmlns="" xmlns:a16="http://schemas.microsoft.com/office/drawing/2014/main" val="10000"/>
                   </a:ext>
                 </a:extLst>
               </a:tr>
@@ -15331,42 +14034,42 @@
                 <a:gridCol w="1380432">
                   <a:extLst>
                     <a:ext uri="{9D8B030D-6E8A-4147-A177-3AD203B41FA5}">
-                      <a16:colId xmlns:a16="http://schemas.microsoft.com/office/drawing/2014/main" xmlns="" val="20000"/>
+                      <a16:colId xmlns="" xmlns:a16="http://schemas.microsoft.com/office/drawing/2014/main" val="20000"/>
                     </a:ext>
                   </a:extLst>
                 </a:gridCol>
                 <a:gridCol w="2195892">
                   <a:extLst>
                     <a:ext uri="{9D8B030D-6E8A-4147-A177-3AD203B41FA5}">
-                      <a16:colId xmlns:a16="http://schemas.microsoft.com/office/drawing/2014/main" xmlns="" val="20001"/>
+                      <a16:colId xmlns="" xmlns:a16="http://schemas.microsoft.com/office/drawing/2014/main" val="20001"/>
                     </a:ext>
                   </a:extLst>
                 </a:gridCol>
                 <a:gridCol w="1086007">
                   <a:extLst>
                     <a:ext uri="{9D8B030D-6E8A-4147-A177-3AD203B41FA5}">
-                      <a16:colId xmlns:a16="http://schemas.microsoft.com/office/drawing/2014/main" xmlns="" val="20002"/>
+                      <a16:colId xmlns="" xmlns:a16="http://schemas.microsoft.com/office/drawing/2014/main" val="20002"/>
                     </a:ext>
                   </a:extLst>
                 </a:gridCol>
                 <a:gridCol w="1927970">
                   <a:extLst>
                     <a:ext uri="{9D8B030D-6E8A-4147-A177-3AD203B41FA5}">
-                      <a16:colId xmlns:a16="http://schemas.microsoft.com/office/drawing/2014/main" xmlns="" val="20003"/>
+                      <a16:colId xmlns="" xmlns:a16="http://schemas.microsoft.com/office/drawing/2014/main" val="20003"/>
                     </a:ext>
                   </a:extLst>
                 </a:gridCol>
                 <a:gridCol w="1233488">
                   <a:extLst>
                     <a:ext uri="{9D8B030D-6E8A-4147-A177-3AD203B41FA5}">
-                      <a16:colId xmlns:a16="http://schemas.microsoft.com/office/drawing/2014/main" xmlns="" val="20004"/>
+                      <a16:colId xmlns="" xmlns:a16="http://schemas.microsoft.com/office/drawing/2014/main" val="20004"/>
                     </a:ext>
                   </a:extLst>
                 </a:gridCol>
                 <a:gridCol w="971549">
                   <a:extLst>
                     <a:ext uri="{9D8B030D-6E8A-4147-A177-3AD203B41FA5}">
-                      <a16:colId xmlns:a16="http://schemas.microsoft.com/office/drawing/2014/main" xmlns="" val="20006"/>
+                      <a16:colId xmlns="" xmlns:a16="http://schemas.microsoft.com/office/drawing/2014/main" val="20006"/>
                     </a:ext>
                   </a:extLst>
                 </a:gridCol>
@@ -15817,7 +14520,7 @@
                 </a:tc>
                 <a:extLst>
                   <a:ext uri="{0D108BD9-81ED-4DB2-BD59-A6C34878D82A}">
-                    <a16:rowId xmlns:a16="http://schemas.microsoft.com/office/drawing/2014/main" xmlns="" val="10000"/>
+                    <a16:rowId xmlns="" xmlns:a16="http://schemas.microsoft.com/office/drawing/2014/main" val="10000"/>
                   </a:ext>
                 </a:extLst>
               </a:tr>
@@ -16193,14 +14896,14 @@
       </p:sp>
       <p:pic>
         <p:nvPicPr>
-          <p:cNvPr id="2" name="Picture 2"/>
+          <p:cNvPr id="10" name="Picture 2" descr="C:\Users\hong\Downloads\[관리자페이지] 신고접수 현황- 접수 현황.jpg"/>
           <p:cNvPicPr>
             <a:picLocks noChangeAspect="1" noChangeArrowheads="1"/>
           </p:cNvPicPr>
           <p:nvPr/>
         </p:nvPicPr>
         <p:blipFill>
-          <a:blip r:embed="rId2">
+          <a:blip r:embed="rId2" cstate="print">
             <a:extLst>
               <a:ext uri="{28A0092B-C50C-407E-A947-70E740481C1C}">
                 <a14:useLocalDpi xmlns:a14="http://schemas.microsoft.com/office/drawing/2010/main" val="0"/>
@@ -16214,56 +14917,33 @@
         </p:blipFill>
         <p:spPr bwMode="auto">
           <a:xfrm>
-            <a:off x="179511" y="980728"/>
-            <a:ext cx="6572890" cy="5616623"/>
+            <a:off x="179512" y="1844824"/>
+            <a:ext cx="6552008" cy="3975460"/>
           </a:xfrm>
           <a:prstGeom prst="rect">
             <a:avLst/>
           </a:prstGeom>
           <a:noFill/>
-          <a:ln>
-            <a:noFill/>
-          </a:ln>
-          <a:effectLst/>
           <a:extLst>
             <a:ext uri="{909E8E84-426E-40DD-AFC4-6F175D3DCCD1}">
               <a14:hiddenFill xmlns:a14="http://schemas.microsoft.com/office/drawing/2010/main">
                 <a:solidFill>
-                  <a:schemeClr val="accent1"/>
+                  <a:srgbClr val="FFFFFF"/>
                 </a:solidFill>
               </a14:hiddenFill>
-            </a:ext>
-            <a:ext uri="{91240B29-F687-4F45-9708-019B960494DF}">
-              <a14:hiddenLine xmlns:a14="http://schemas.microsoft.com/office/drawing/2010/main" w="9525">
-                <a:solidFill>
-                  <a:schemeClr val="tx1"/>
-                </a:solidFill>
-                <a:miter lim="800000"/>
-                <a:headEnd/>
-                <a:tailEnd/>
-              </a14:hiddenLine>
-            </a:ext>
-            <a:ext uri="{AF507438-7753-43E0-B8FC-AC1667EBCBE1}">
-              <a14:hiddenEffects xmlns:a14="http://schemas.microsoft.com/office/drawing/2010/main">
-                <a:effectLst>
-                  <a:outerShdw dist="35921" dir="2700000" algn="ctr" rotWithShape="0">
-                    <a:schemeClr val="bg2"/>
-                  </a:outerShdw>
-                </a:effectLst>
-              </a14:hiddenEffects>
             </a:ext>
           </a:extLst>
         </p:spPr>
       </p:pic>
       <p:sp>
         <p:nvSpPr>
-          <p:cNvPr id="11" name="타원 10"/>
+          <p:cNvPr id="14" name="타원 13"/>
           <p:cNvSpPr/>
           <p:nvPr/>
         </p:nvSpPr>
         <p:spPr>
           <a:xfrm>
-            <a:off x="776279" y="2600908"/>
+            <a:off x="179512" y="3140968"/>
             <a:ext cx="339812" cy="326752"/>
           </a:xfrm>
           <a:prstGeom prst="ellipse">
@@ -16301,13 +14981,13 @@
       </p:sp>
       <p:sp>
         <p:nvSpPr>
-          <p:cNvPr id="12" name="타원 11"/>
+          <p:cNvPr id="15" name="타원 14"/>
           <p:cNvSpPr/>
           <p:nvPr/>
         </p:nvSpPr>
         <p:spPr>
           <a:xfrm>
-            <a:off x="4139952" y="2732102"/>
+            <a:off x="2483768" y="2977592"/>
             <a:ext cx="339812" cy="326752"/>
           </a:xfrm>
           <a:prstGeom prst="ellipse">
@@ -16345,13 +15025,13 @@
       </p:sp>
       <p:sp>
         <p:nvSpPr>
-          <p:cNvPr id="13" name="타원 12"/>
+          <p:cNvPr id="16" name="타원 15"/>
           <p:cNvSpPr/>
           <p:nvPr/>
         </p:nvSpPr>
         <p:spPr>
           <a:xfrm>
-            <a:off x="1073152" y="4581128"/>
+            <a:off x="349418" y="4725144"/>
             <a:ext cx="339812" cy="326752"/>
           </a:xfrm>
           <a:prstGeom prst="ellipse">
@@ -16434,7 +15114,7 @@
           <p:nvPr>
             <p:extLst>
               <p:ext uri="{D42A27DB-BD31-4B8C-83A1-F6EECF244321}">
-                <p14:modId xmlns:p14="http://schemas.microsoft.com/office/powerpoint/2010/main" val="2922545624"/>
+                <p14:modId xmlns:p14="http://schemas.microsoft.com/office/powerpoint/2010/main" val="1961523050"/>
               </p:ext>
             </p:extLst>
           </p:nvPr>
@@ -16453,7 +15133,7 @@
                 <a:gridCol w="6587921">
                   <a:extLst>
                     <a:ext uri="{9D8B030D-6E8A-4147-A177-3AD203B41FA5}">
-                      <a16:colId xmlns:a16="http://schemas.microsoft.com/office/drawing/2014/main" xmlns="" val="20000"/>
+                      <a16:colId xmlns="" xmlns:a16="http://schemas.microsoft.com/office/drawing/2014/main" val="20000"/>
                     </a:ext>
                   </a:extLst>
                 </a:gridCol>
@@ -16610,7 +15290,7 @@
                 </a:tc>
                 <a:extLst>
                   <a:ext uri="{0D108BD9-81ED-4DB2-BD59-A6C34878D82A}">
-                    <a16:rowId xmlns:a16="http://schemas.microsoft.com/office/drawing/2014/main" xmlns="" val="10000"/>
+                    <a16:rowId xmlns="" xmlns:a16="http://schemas.microsoft.com/office/drawing/2014/main" val="10000"/>
                   </a:ext>
                 </a:extLst>
               </a:tr>
@@ -16770,42 +15450,42 @@
                 <a:gridCol w="1380432">
                   <a:extLst>
                     <a:ext uri="{9D8B030D-6E8A-4147-A177-3AD203B41FA5}">
-                      <a16:colId xmlns:a16="http://schemas.microsoft.com/office/drawing/2014/main" xmlns="" val="20000"/>
+                      <a16:colId xmlns="" xmlns:a16="http://schemas.microsoft.com/office/drawing/2014/main" val="20000"/>
                     </a:ext>
                   </a:extLst>
                 </a:gridCol>
                 <a:gridCol w="2195892">
                   <a:extLst>
                     <a:ext uri="{9D8B030D-6E8A-4147-A177-3AD203B41FA5}">
-                      <a16:colId xmlns:a16="http://schemas.microsoft.com/office/drawing/2014/main" xmlns="" val="20001"/>
+                      <a16:colId xmlns="" xmlns:a16="http://schemas.microsoft.com/office/drawing/2014/main" val="20001"/>
                     </a:ext>
                   </a:extLst>
                 </a:gridCol>
                 <a:gridCol w="1086007">
                   <a:extLst>
                     <a:ext uri="{9D8B030D-6E8A-4147-A177-3AD203B41FA5}">
-                      <a16:colId xmlns:a16="http://schemas.microsoft.com/office/drawing/2014/main" xmlns="" val="20002"/>
+                      <a16:colId xmlns="" xmlns:a16="http://schemas.microsoft.com/office/drawing/2014/main" val="20002"/>
                     </a:ext>
                   </a:extLst>
                 </a:gridCol>
                 <a:gridCol w="1927970">
                   <a:extLst>
                     <a:ext uri="{9D8B030D-6E8A-4147-A177-3AD203B41FA5}">
-                      <a16:colId xmlns:a16="http://schemas.microsoft.com/office/drawing/2014/main" xmlns="" val="20003"/>
+                      <a16:colId xmlns="" xmlns:a16="http://schemas.microsoft.com/office/drawing/2014/main" val="20003"/>
                     </a:ext>
                   </a:extLst>
                 </a:gridCol>
                 <a:gridCol w="1233488">
                   <a:extLst>
                     <a:ext uri="{9D8B030D-6E8A-4147-A177-3AD203B41FA5}">
-                      <a16:colId xmlns:a16="http://schemas.microsoft.com/office/drawing/2014/main" xmlns="" val="20004"/>
+                      <a16:colId xmlns="" xmlns:a16="http://schemas.microsoft.com/office/drawing/2014/main" val="20004"/>
                     </a:ext>
                   </a:extLst>
                 </a:gridCol>
                 <a:gridCol w="971549">
                   <a:extLst>
                     <a:ext uri="{9D8B030D-6E8A-4147-A177-3AD203B41FA5}">
-                      <a16:colId xmlns:a16="http://schemas.microsoft.com/office/drawing/2014/main" xmlns="" val="20006"/>
+                      <a16:colId xmlns="" xmlns:a16="http://schemas.microsoft.com/office/drawing/2014/main" val="20006"/>
                     </a:ext>
                   </a:extLst>
                 </a:gridCol>
@@ -17266,7 +15946,7 @@
                 </a:tc>
                 <a:extLst>
                   <a:ext uri="{0D108BD9-81ED-4DB2-BD59-A6C34878D82A}">
-                    <a16:rowId xmlns:a16="http://schemas.microsoft.com/office/drawing/2014/main" xmlns="" val="10000"/>
+                    <a16:rowId xmlns="" xmlns:a16="http://schemas.microsoft.com/office/drawing/2014/main" val="10000"/>
                   </a:ext>
                 </a:extLst>
               </a:tr>
@@ -17558,14 +16238,14 @@
       </p:sp>
       <p:pic>
         <p:nvPicPr>
-          <p:cNvPr id="2" name="Picture 2"/>
+          <p:cNvPr id="8" name="Picture 2" descr="C:\Users\hong\Downloads\[관리자페이지] 신고접수 현황- 미처리.jpg"/>
           <p:cNvPicPr>
             <a:picLocks noChangeAspect="1" noChangeArrowheads="1"/>
           </p:cNvPicPr>
           <p:nvPr/>
         </p:nvPicPr>
         <p:blipFill>
-          <a:blip r:embed="rId2">
+          <a:blip r:embed="rId2" cstate="print">
             <a:extLst>
               <a:ext uri="{28A0092B-C50C-407E-A947-70E740481C1C}">
                 <a14:useLocalDpi xmlns:a14="http://schemas.microsoft.com/office/drawing/2010/main" val="0"/>
@@ -17579,56 +16259,33 @@
         </p:blipFill>
         <p:spPr bwMode="auto">
           <a:xfrm>
-            <a:off x="179512" y="980728"/>
-            <a:ext cx="6572889" cy="5616624"/>
+            <a:off x="251520" y="1689460"/>
+            <a:ext cx="6480000" cy="3975460"/>
           </a:xfrm>
           <a:prstGeom prst="rect">
             <a:avLst/>
           </a:prstGeom>
           <a:noFill/>
-          <a:ln>
-            <a:noFill/>
-          </a:ln>
-          <a:effectLst/>
           <a:extLst>
             <a:ext uri="{909E8E84-426E-40DD-AFC4-6F175D3DCCD1}">
               <a14:hiddenFill xmlns:a14="http://schemas.microsoft.com/office/drawing/2010/main">
                 <a:solidFill>
-                  <a:schemeClr val="accent1"/>
+                  <a:srgbClr val="FFFFFF"/>
                 </a:solidFill>
               </a14:hiddenFill>
-            </a:ext>
-            <a:ext uri="{91240B29-F687-4F45-9708-019B960494DF}">
-              <a14:hiddenLine xmlns:a14="http://schemas.microsoft.com/office/drawing/2010/main" w="9525">
-                <a:solidFill>
-                  <a:schemeClr val="tx1"/>
-                </a:solidFill>
-                <a:miter lim="800000"/>
-                <a:headEnd/>
-                <a:tailEnd/>
-              </a14:hiddenLine>
-            </a:ext>
-            <a:ext uri="{AF507438-7753-43E0-B8FC-AC1667EBCBE1}">
-              <a14:hiddenEffects xmlns:a14="http://schemas.microsoft.com/office/drawing/2010/main">
-                <a:effectLst>
-                  <a:outerShdw dist="35921" dir="2700000" algn="ctr" rotWithShape="0">
-                    <a:schemeClr val="bg2"/>
-                  </a:outerShdw>
-                </a:effectLst>
-              </a14:hiddenEffects>
             </a:ext>
           </a:extLst>
         </p:spPr>
       </p:pic>
       <p:sp>
         <p:nvSpPr>
-          <p:cNvPr id="9" name="타원 8"/>
+          <p:cNvPr id="10" name="타원 9"/>
           <p:cNvSpPr/>
           <p:nvPr/>
         </p:nvSpPr>
         <p:spPr>
           <a:xfrm>
-            <a:off x="593402" y="2510738"/>
+            <a:off x="191409" y="2837490"/>
             <a:ext cx="339812" cy="326752"/>
           </a:xfrm>
           <a:prstGeom prst="ellipse">
@@ -17711,7 +16368,7 @@
           <p:nvPr>
             <p:extLst>
               <p:ext uri="{D42A27DB-BD31-4B8C-83A1-F6EECF244321}">
-                <p14:modId xmlns:p14="http://schemas.microsoft.com/office/powerpoint/2010/main" val="2922545624"/>
+                <p14:modId xmlns:p14="http://schemas.microsoft.com/office/powerpoint/2010/main" val="779234007"/>
               </p:ext>
             </p:extLst>
           </p:nvPr>
@@ -17730,7 +16387,7 @@
                 <a:gridCol w="6587921">
                   <a:extLst>
                     <a:ext uri="{9D8B030D-6E8A-4147-A177-3AD203B41FA5}">
-                      <a16:colId xmlns:a16="http://schemas.microsoft.com/office/drawing/2014/main" xmlns="" val="20000"/>
+                      <a16:colId xmlns="" xmlns:a16="http://schemas.microsoft.com/office/drawing/2014/main" val="20000"/>
                     </a:ext>
                   </a:extLst>
                 </a:gridCol>
@@ -17887,7 +16544,7 @@
                 </a:tc>
                 <a:extLst>
                   <a:ext uri="{0D108BD9-81ED-4DB2-BD59-A6C34878D82A}">
-                    <a16:rowId xmlns:a16="http://schemas.microsoft.com/office/drawing/2014/main" xmlns="" val="10000"/>
+                    <a16:rowId xmlns="" xmlns:a16="http://schemas.microsoft.com/office/drawing/2014/main" val="10000"/>
                   </a:ext>
                 </a:extLst>
               </a:tr>
@@ -18047,42 +16704,42 @@
                 <a:gridCol w="1380432">
                   <a:extLst>
                     <a:ext uri="{9D8B030D-6E8A-4147-A177-3AD203B41FA5}">
-                      <a16:colId xmlns:a16="http://schemas.microsoft.com/office/drawing/2014/main" xmlns="" val="20000"/>
+                      <a16:colId xmlns="" xmlns:a16="http://schemas.microsoft.com/office/drawing/2014/main" val="20000"/>
                     </a:ext>
                   </a:extLst>
                 </a:gridCol>
                 <a:gridCol w="2195892">
                   <a:extLst>
                     <a:ext uri="{9D8B030D-6E8A-4147-A177-3AD203B41FA5}">
-                      <a16:colId xmlns:a16="http://schemas.microsoft.com/office/drawing/2014/main" xmlns="" val="20001"/>
+                      <a16:colId xmlns="" xmlns:a16="http://schemas.microsoft.com/office/drawing/2014/main" val="20001"/>
                     </a:ext>
                   </a:extLst>
                 </a:gridCol>
                 <a:gridCol w="1086007">
                   <a:extLst>
                     <a:ext uri="{9D8B030D-6E8A-4147-A177-3AD203B41FA5}">
-                      <a16:colId xmlns:a16="http://schemas.microsoft.com/office/drawing/2014/main" xmlns="" val="20002"/>
+                      <a16:colId xmlns="" xmlns:a16="http://schemas.microsoft.com/office/drawing/2014/main" val="20002"/>
                     </a:ext>
                   </a:extLst>
                 </a:gridCol>
                 <a:gridCol w="1927970">
                   <a:extLst>
                     <a:ext uri="{9D8B030D-6E8A-4147-A177-3AD203B41FA5}">
-                      <a16:colId xmlns:a16="http://schemas.microsoft.com/office/drawing/2014/main" xmlns="" val="20003"/>
+                      <a16:colId xmlns="" xmlns:a16="http://schemas.microsoft.com/office/drawing/2014/main" val="20003"/>
                     </a:ext>
                   </a:extLst>
                 </a:gridCol>
                 <a:gridCol w="1233488">
                   <a:extLst>
                     <a:ext uri="{9D8B030D-6E8A-4147-A177-3AD203B41FA5}">
-                      <a16:colId xmlns:a16="http://schemas.microsoft.com/office/drawing/2014/main" xmlns="" val="20004"/>
+                      <a16:colId xmlns="" xmlns:a16="http://schemas.microsoft.com/office/drawing/2014/main" val="20004"/>
                     </a:ext>
                   </a:extLst>
                 </a:gridCol>
                 <a:gridCol w="971549">
                   <a:extLst>
                     <a:ext uri="{9D8B030D-6E8A-4147-A177-3AD203B41FA5}">
-                      <a16:colId xmlns:a16="http://schemas.microsoft.com/office/drawing/2014/main" xmlns="" val="20006"/>
+                      <a16:colId xmlns="" xmlns:a16="http://schemas.microsoft.com/office/drawing/2014/main" val="20006"/>
                     </a:ext>
                   </a:extLst>
                 </a:gridCol>
@@ -18563,7 +17220,7 @@
                 </a:tc>
                 <a:extLst>
                   <a:ext uri="{0D108BD9-81ED-4DB2-BD59-A6C34878D82A}">
-                    <a16:rowId xmlns:a16="http://schemas.microsoft.com/office/drawing/2014/main" xmlns="" val="10000"/>
+                    <a16:rowId xmlns="" xmlns:a16="http://schemas.microsoft.com/office/drawing/2014/main" val="10000"/>
                   </a:ext>
                 </a:extLst>
               </a:tr>
@@ -18952,14 +17609,14 @@
       </p:sp>
       <p:pic>
         <p:nvPicPr>
-          <p:cNvPr id="2" name="Picture 2"/>
+          <p:cNvPr id="9" name="Picture 2" descr="C:\Users\hong\Downloads\[관리자페이지] 신고접수 현황- 미처리 - 신고처리.jpg"/>
           <p:cNvPicPr>
             <a:picLocks noChangeAspect="1" noChangeArrowheads="1"/>
           </p:cNvPicPr>
           <p:nvPr/>
         </p:nvPicPr>
         <p:blipFill>
-          <a:blip r:embed="rId2">
+          <a:blip r:embed="rId2" cstate="print">
             <a:extLst>
               <a:ext uri="{28A0092B-C50C-407E-A947-70E740481C1C}">
                 <a14:useLocalDpi xmlns:a14="http://schemas.microsoft.com/office/drawing/2010/main" val="0"/>
@@ -18973,56 +17630,33 @@
         </p:blipFill>
         <p:spPr bwMode="auto">
           <a:xfrm>
-            <a:off x="179512" y="980728"/>
-            <a:ext cx="6572889" cy="5616624"/>
+            <a:off x="251520" y="1916832"/>
+            <a:ext cx="6480000" cy="3975460"/>
           </a:xfrm>
           <a:prstGeom prst="rect">
             <a:avLst/>
           </a:prstGeom>
           <a:noFill/>
-          <a:ln>
-            <a:noFill/>
-          </a:ln>
-          <a:effectLst/>
           <a:extLst>
             <a:ext uri="{909E8E84-426E-40DD-AFC4-6F175D3DCCD1}">
               <a14:hiddenFill xmlns:a14="http://schemas.microsoft.com/office/drawing/2010/main">
                 <a:solidFill>
-                  <a:schemeClr val="accent1"/>
+                  <a:srgbClr val="FFFFFF"/>
                 </a:solidFill>
               </a14:hiddenFill>
-            </a:ext>
-            <a:ext uri="{91240B29-F687-4F45-9708-019B960494DF}">
-              <a14:hiddenLine xmlns:a14="http://schemas.microsoft.com/office/drawing/2010/main" w="9525">
-                <a:solidFill>
-                  <a:schemeClr val="tx1"/>
-                </a:solidFill>
-                <a:miter lim="800000"/>
-                <a:headEnd/>
-                <a:tailEnd/>
-              </a14:hiddenLine>
-            </a:ext>
-            <a:ext uri="{AF507438-7753-43E0-B8FC-AC1667EBCBE1}">
-              <a14:hiddenEffects xmlns:a14="http://schemas.microsoft.com/office/drawing/2010/main">
-                <a:effectLst>
-                  <a:outerShdw dist="35921" dir="2700000" algn="ctr" rotWithShape="0">
-                    <a:schemeClr val="bg2"/>
-                  </a:outerShdw>
-                </a:effectLst>
-              </a14:hiddenEffects>
             </a:ext>
           </a:extLst>
         </p:spPr>
       </p:pic>
       <p:sp>
         <p:nvSpPr>
-          <p:cNvPr id="10" name="타원 9"/>
+          <p:cNvPr id="12" name="타원 11"/>
           <p:cNvSpPr/>
           <p:nvPr/>
         </p:nvSpPr>
         <p:spPr>
           <a:xfrm>
-            <a:off x="538637" y="4613502"/>
+            <a:off x="251520" y="3068960"/>
             <a:ext cx="339812" cy="326752"/>
           </a:xfrm>
           <a:prstGeom prst="ellipse">
@@ -19060,13 +17694,13 @@
       </p:sp>
       <p:sp>
         <p:nvSpPr>
-          <p:cNvPr id="11" name="타원 10"/>
+          <p:cNvPr id="13" name="타원 12"/>
           <p:cNvSpPr/>
           <p:nvPr/>
         </p:nvSpPr>
         <p:spPr>
           <a:xfrm>
-            <a:off x="4211960" y="5301208"/>
+            <a:off x="4376204" y="5013176"/>
             <a:ext cx="339812" cy="326752"/>
           </a:xfrm>
           <a:prstGeom prst="ellipse">
@@ -19149,7 +17783,7 @@
           <p:nvPr>
             <p:extLst>
               <p:ext uri="{D42A27DB-BD31-4B8C-83A1-F6EECF244321}">
-                <p14:modId xmlns:p14="http://schemas.microsoft.com/office/powerpoint/2010/main" val="2490536625"/>
+                <p14:modId xmlns:p14="http://schemas.microsoft.com/office/powerpoint/2010/main" val="1243913763"/>
               </p:ext>
             </p:extLst>
           </p:nvPr>
@@ -19168,7 +17802,7 @@
                 <a:gridCol w="6587921">
                   <a:extLst>
                     <a:ext uri="{9D8B030D-6E8A-4147-A177-3AD203B41FA5}">
-                      <a16:colId xmlns:a16="http://schemas.microsoft.com/office/drawing/2014/main" xmlns="" val="20000"/>
+                      <a16:colId xmlns="" xmlns:a16="http://schemas.microsoft.com/office/drawing/2014/main" val="20000"/>
                     </a:ext>
                   </a:extLst>
                 </a:gridCol>
@@ -19325,7 +17959,7 @@
                 </a:tc>
                 <a:extLst>
                   <a:ext uri="{0D108BD9-81ED-4DB2-BD59-A6C34878D82A}">
-                    <a16:rowId xmlns:a16="http://schemas.microsoft.com/office/drawing/2014/main" xmlns="" val="10000"/>
+                    <a16:rowId xmlns="" xmlns:a16="http://schemas.microsoft.com/office/drawing/2014/main" val="10000"/>
                   </a:ext>
                 </a:extLst>
               </a:tr>
@@ -19485,42 +18119,42 @@
                 <a:gridCol w="1380432">
                   <a:extLst>
                     <a:ext uri="{9D8B030D-6E8A-4147-A177-3AD203B41FA5}">
-                      <a16:colId xmlns:a16="http://schemas.microsoft.com/office/drawing/2014/main" xmlns="" val="20000"/>
+                      <a16:colId xmlns="" xmlns:a16="http://schemas.microsoft.com/office/drawing/2014/main" val="20000"/>
                     </a:ext>
                   </a:extLst>
                 </a:gridCol>
                 <a:gridCol w="2195892">
                   <a:extLst>
                     <a:ext uri="{9D8B030D-6E8A-4147-A177-3AD203B41FA5}">
-                      <a16:colId xmlns:a16="http://schemas.microsoft.com/office/drawing/2014/main" xmlns="" val="20001"/>
+                      <a16:colId xmlns="" xmlns:a16="http://schemas.microsoft.com/office/drawing/2014/main" val="20001"/>
                     </a:ext>
                   </a:extLst>
                 </a:gridCol>
                 <a:gridCol w="1086007">
                   <a:extLst>
                     <a:ext uri="{9D8B030D-6E8A-4147-A177-3AD203B41FA5}">
-                      <a16:colId xmlns:a16="http://schemas.microsoft.com/office/drawing/2014/main" xmlns="" val="20002"/>
+                      <a16:colId xmlns="" xmlns:a16="http://schemas.microsoft.com/office/drawing/2014/main" val="20002"/>
                     </a:ext>
                   </a:extLst>
                 </a:gridCol>
                 <a:gridCol w="1927970">
                   <a:extLst>
                     <a:ext uri="{9D8B030D-6E8A-4147-A177-3AD203B41FA5}">
-                      <a16:colId xmlns:a16="http://schemas.microsoft.com/office/drawing/2014/main" xmlns="" val="20003"/>
+                      <a16:colId xmlns="" xmlns:a16="http://schemas.microsoft.com/office/drawing/2014/main" val="20003"/>
                     </a:ext>
                   </a:extLst>
                 </a:gridCol>
                 <a:gridCol w="1233488">
                   <a:extLst>
                     <a:ext uri="{9D8B030D-6E8A-4147-A177-3AD203B41FA5}">
-                      <a16:colId xmlns:a16="http://schemas.microsoft.com/office/drawing/2014/main" xmlns="" val="20004"/>
+                      <a16:colId xmlns="" xmlns:a16="http://schemas.microsoft.com/office/drawing/2014/main" val="20004"/>
                     </a:ext>
                   </a:extLst>
                 </a:gridCol>
                 <a:gridCol w="971549">
                   <a:extLst>
                     <a:ext uri="{9D8B030D-6E8A-4147-A177-3AD203B41FA5}">
-                      <a16:colId xmlns:a16="http://schemas.microsoft.com/office/drawing/2014/main" xmlns="" val="20006"/>
+                      <a16:colId xmlns="" xmlns:a16="http://schemas.microsoft.com/office/drawing/2014/main" val="20006"/>
                     </a:ext>
                   </a:extLst>
                 </a:gridCol>
@@ -19981,7 +18615,7 @@
                 </a:tc>
                 <a:extLst>
                   <a:ext uri="{0D108BD9-81ED-4DB2-BD59-A6C34878D82A}">
-                    <a16:rowId xmlns:a16="http://schemas.microsoft.com/office/drawing/2014/main" xmlns="" val="10000"/>
+                    <a16:rowId xmlns="" xmlns:a16="http://schemas.microsoft.com/office/drawing/2014/main" val="10000"/>
                   </a:ext>
                 </a:extLst>
               </a:tr>
@@ -20405,14 +19039,14 @@
       </p:sp>
       <p:pic>
         <p:nvPicPr>
-          <p:cNvPr id="2" name="Picture 2"/>
+          <p:cNvPr id="9" name="Picture 2" descr="C:\Users\hong\Downloads\[관리자페이지] 신고접수 현황- 처리완료.jpg"/>
           <p:cNvPicPr>
             <a:picLocks noChangeAspect="1" noChangeArrowheads="1"/>
           </p:cNvPicPr>
           <p:nvPr/>
         </p:nvPicPr>
         <p:blipFill>
-          <a:blip r:embed="rId2">
+          <a:blip r:embed="rId2" cstate="print">
             <a:extLst>
               <a:ext uri="{28A0092B-C50C-407E-A947-70E740481C1C}">
                 <a14:useLocalDpi xmlns:a14="http://schemas.microsoft.com/office/drawing/2010/main" val="0"/>
@@ -20426,56 +19060,33 @@
         </p:blipFill>
         <p:spPr bwMode="auto">
           <a:xfrm>
-            <a:off x="179512" y="980728"/>
-            <a:ext cx="6572889" cy="5616624"/>
+            <a:off x="251520" y="1844824"/>
+            <a:ext cx="6480000" cy="3975460"/>
           </a:xfrm>
           <a:prstGeom prst="rect">
             <a:avLst/>
           </a:prstGeom>
           <a:noFill/>
-          <a:ln>
-            <a:noFill/>
-          </a:ln>
-          <a:effectLst/>
           <a:extLst>
             <a:ext uri="{909E8E84-426E-40DD-AFC4-6F175D3DCCD1}">
               <a14:hiddenFill xmlns:a14="http://schemas.microsoft.com/office/drawing/2010/main">
                 <a:solidFill>
-                  <a:schemeClr val="accent1"/>
+                  <a:srgbClr val="FFFFFF"/>
                 </a:solidFill>
               </a14:hiddenFill>
-            </a:ext>
-            <a:ext uri="{91240B29-F687-4F45-9708-019B960494DF}">
-              <a14:hiddenLine xmlns:a14="http://schemas.microsoft.com/office/drawing/2010/main" w="9525">
-                <a:solidFill>
-                  <a:schemeClr val="tx1"/>
-                </a:solidFill>
-                <a:miter lim="800000"/>
-                <a:headEnd/>
-                <a:tailEnd/>
-              </a14:hiddenLine>
-            </a:ext>
-            <a:ext uri="{AF507438-7753-43E0-B8FC-AC1667EBCBE1}">
-              <a14:hiddenEffects xmlns:a14="http://schemas.microsoft.com/office/drawing/2010/main">
-                <a:effectLst>
-                  <a:outerShdw dist="35921" dir="2700000" algn="ctr" rotWithShape="0">
-                    <a:schemeClr val="bg2"/>
-                  </a:outerShdw>
-                </a:effectLst>
-              </a14:hiddenEffects>
             </a:ext>
           </a:extLst>
         </p:spPr>
       </p:pic>
       <p:sp>
         <p:nvSpPr>
-          <p:cNvPr id="11" name="타원 10"/>
+          <p:cNvPr id="10" name="타원 9"/>
           <p:cNvSpPr/>
           <p:nvPr/>
         </p:nvSpPr>
         <p:spPr>
           <a:xfrm>
-            <a:off x="539552" y="2706180"/>
+            <a:off x="204574" y="3068960"/>
             <a:ext cx="339812" cy="326752"/>
           </a:xfrm>
           <a:prstGeom prst="ellipse">
@@ -20513,13 +19124,13 @@
       </p:sp>
       <p:sp>
         <p:nvSpPr>
-          <p:cNvPr id="12" name="타원 11"/>
+          <p:cNvPr id="13" name="타원 12"/>
           <p:cNvSpPr/>
           <p:nvPr/>
         </p:nvSpPr>
         <p:spPr>
           <a:xfrm>
-            <a:off x="4283968" y="2279742"/>
+            <a:off x="3944156" y="2927660"/>
             <a:ext cx="339812" cy="326752"/>
           </a:xfrm>
           <a:prstGeom prst="ellipse">
@@ -20621,7 +19232,7 @@
                 <a:gridCol w="6587921">
                   <a:extLst>
                     <a:ext uri="{9D8B030D-6E8A-4147-A177-3AD203B41FA5}">
-                      <a16:colId xmlns:a16="http://schemas.microsoft.com/office/drawing/2014/main" xmlns="" val="20000"/>
+                      <a16:colId xmlns="" xmlns:a16="http://schemas.microsoft.com/office/drawing/2014/main" val="20000"/>
                     </a:ext>
                   </a:extLst>
                 </a:gridCol>
@@ -20778,7 +19389,7 @@
                 </a:tc>
                 <a:extLst>
                   <a:ext uri="{0D108BD9-81ED-4DB2-BD59-A6C34878D82A}">
-                    <a16:rowId xmlns:a16="http://schemas.microsoft.com/office/drawing/2014/main" xmlns="" val="10000"/>
+                    <a16:rowId xmlns="" xmlns:a16="http://schemas.microsoft.com/office/drawing/2014/main" val="10000"/>
                   </a:ext>
                 </a:extLst>
               </a:tr>
@@ -20938,42 +19549,42 @@
                 <a:gridCol w="1380432">
                   <a:extLst>
                     <a:ext uri="{9D8B030D-6E8A-4147-A177-3AD203B41FA5}">
-                      <a16:colId xmlns:a16="http://schemas.microsoft.com/office/drawing/2014/main" xmlns="" val="20000"/>
+                      <a16:colId xmlns="" xmlns:a16="http://schemas.microsoft.com/office/drawing/2014/main" val="20000"/>
                     </a:ext>
                   </a:extLst>
                 </a:gridCol>
                 <a:gridCol w="2195892">
                   <a:extLst>
                     <a:ext uri="{9D8B030D-6E8A-4147-A177-3AD203B41FA5}">
-                      <a16:colId xmlns:a16="http://schemas.microsoft.com/office/drawing/2014/main" xmlns="" val="20001"/>
+                      <a16:colId xmlns="" xmlns:a16="http://schemas.microsoft.com/office/drawing/2014/main" val="20001"/>
                     </a:ext>
                   </a:extLst>
                 </a:gridCol>
                 <a:gridCol w="1086007">
                   <a:extLst>
                     <a:ext uri="{9D8B030D-6E8A-4147-A177-3AD203B41FA5}">
-                      <a16:colId xmlns:a16="http://schemas.microsoft.com/office/drawing/2014/main" xmlns="" val="20002"/>
+                      <a16:colId xmlns="" xmlns:a16="http://schemas.microsoft.com/office/drawing/2014/main" val="20002"/>
                     </a:ext>
                   </a:extLst>
                 </a:gridCol>
                 <a:gridCol w="1927970">
                   <a:extLst>
                     <a:ext uri="{9D8B030D-6E8A-4147-A177-3AD203B41FA5}">
-                      <a16:colId xmlns:a16="http://schemas.microsoft.com/office/drawing/2014/main" xmlns="" val="20003"/>
+                      <a16:colId xmlns="" xmlns:a16="http://schemas.microsoft.com/office/drawing/2014/main" val="20003"/>
                     </a:ext>
                   </a:extLst>
                 </a:gridCol>
                 <a:gridCol w="1233488">
                   <a:extLst>
                     <a:ext uri="{9D8B030D-6E8A-4147-A177-3AD203B41FA5}">
-                      <a16:colId xmlns:a16="http://schemas.microsoft.com/office/drawing/2014/main" xmlns="" val="20004"/>
+                      <a16:colId xmlns="" xmlns:a16="http://schemas.microsoft.com/office/drawing/2014/main" val="20004"/>
                     </a:ext>
                   </a:extLst>
                 </a:gridCol>
                 <a:gridCol w="971549">
                   <a:extLst>
                     <a:ext uri="{9D8B030D-6E8A-4147-A177-3AD203B41FA5}">
-                      <a16:colId xmlns:a16="http://schemas.microsoft.com/office/drawing/2014/main" xmlns="" val="20006"/>
+                      <a16:colId xmlns="" xmlns:a16="http://schemas.microsoft.com/office/drawing/2014/main" val="20006"/>
                     </a:ext>
                   </a:extLst>
                 </a:gridCol>
@@ -21417,7 +20028,7 @@
                 </a:tc>
                 <a:extLst>
                   <a:ext uri="{0D108BD9-81ED-4DB2-BD59-A6C34878D82A}">
-                    <a16:rowId xmlns:a16="http://schemas.microsoft.com/office/drawing/2014/main" xmlns="" val="10000"/>
+                    <a16:rowId xmlns="" xmlns:a16="http://schemas.microsoft.com/office/drawing/2014/main" val="10000"/>
                   </a:ext>
                 </a:extLst>
               </a:tr>
@@ -21838,14 +20449,14 @@
       </p:sp>
       <p:pic>
         <p:nvPicPr>
-          <p:cNvPr id="2" name="Picture 2"/>
+          <p:cNvPr id="9" name="Picture 2" descr="C:\Users\hong\Downloads\[관리자페이지] 회원관리 - 회원 현황.jpg"/>
           <p:cNvPicPr>
             <a:picLocks noChangeAspect="1" noChangeArrowheads="1"/>
           </p:cNvPicPr>
           <p:nvPr/>
         </p:nvPicPr>
         <p:blipFill>
-          <a:blip r:embed="rId2">
+          <a:blip r:embed="rId2" cstate="print">
             <a:extLst>
               <a:ext uri="{28A0092B-C50C-407E-A947-70E740481C1C}">
                 <a14:useLocalDpi xmlns:a14="http://schemas.microsoft.com/office/drawing/2010/main" val="0"/>
@@ -21859,56 +20470,33 @@
         </p:blipFill>
         <p:spPr bwMode="auto">
           <a:xfrm>
-            <a:off x="187796" y="1013420"/>
-            <a:ext cx="6564605" cy="5583932"/>
+            <a:off x="251520" y="1685485"/>
+            <a:ext cx="6480000" cy="3975460"/>
           </a:xfrm>
           <a:prstGeom prst="rect">
             <a:avLst/>
           </a:prstGeom>
           <a:noFill/>
-          <a:ln>
-            <a:noFill/>
-          </a:ln>
-          <a:effectLst/>
           <a:extLst>
             <a:ext uri="{909E8E84-426E-40DD-AFC4-6F175D3DCCD1}">
               <a14:hiddenFill xmlns:a14="http://schemas.microsoft.com/office/drawing/2010/main">
                 <a:solidFill>
-                  <a:schemeClr val="accent1"/>
+                  <a:srgbClr val="FFFFFF"/>
                 </a:solidFill>
               </a14:hiddenFill>
-            </a:ext>
-            <a:ext uri="{91240B29-F687-4F45-9708-019B960494DF}">
-              <a14:hiddenLine xmlns:a14="http://schemas.microsoft.com/office/drawing/2010/main" w="9525">
-                <a:solidFill>
-                  <a:schemeClr val="tx1"/>
-                </a:solidFill>
-                <a:miter lim="800000"/>
-                <a:headEnd/>
-                <a:tailEnd/>
-              </a14:hiddenLine>
-            </a:ext>
-            <a:ext uri="{AF507438-7753-43E0-B8FC-AC1667EBCBE1}">
-              <a14:hiddenEffects xmlns:a14="http://schemas.microsoft.com/office/drawing/2010/main">
-                <a:effectLst>
-                  <a:outerShdw dist="35921" dir="2700000" algn="ctr" rotWithShape="0">
-                    <a:schemeClr val="bg2"/>
-                  </a:outerShdw>
-                </a:effectLst>
-              </a14:hiddenEffects>
             </a:ext>
           </a:extLst>
         </p:spPr>
       </p:pic>
       <p:sp>
         <p:nvSpPr>
-          <p:cNvPr id="10" name="타원 9"/>
+          <p:cNvPr id="12" name="타원 11"/>
           <p:cNvSpPr/>
           <p:nvPr/>
         </p:nvSpPr>
         <p:spPr>
           <a:xfrm>
-            <a:off x="971600" y="2694925"/>
+            <a:off x="199740" y="2780383"/>
             <a:ext cx="339812" cy="326752"/>
           </a:xfrm>
           <a:prstGeom prst="ellipse">
@@ -21946,13 +20534,13 @@
       </p:sp>
       <p:sp>
         <p:nvSpPr>
-          <p:cNvPr id="11" name="타원 10"/>
+          <p:cNvPr id="13" name="타원 12"/>
           <p:cNvSpPr/>
           <p:nvPr/>
         </p:nvSpPr>
         <p:spPr>
           <a:xfrm>
-            <a:off x="1043608" y="4252922"/>
+            <a:off x="683568" y="4129720"/>
             <a:ext cx="339812" cy="326752"/>
           </a:xfrm>
           <a:prstGeom prst="ellipse">
@@ -22035,7 +20623,7 @@
           <p:nvPr>
             <p:extLst>
               <p:ext uri="{D42A27DB-BD31-4B8C-83A1-F6EECF244321}">
-                <p14:modId xmlns:p14="http://schemas.microsoft.com/office/powerpoint/2010/main" val="2922545624"/>
+                <p14:modId xmlns:p14="http://schemas.microsoft.com/office/powerpoint/2010/main" val="4180552925"/>
               </p:ext>
             </p:extLst>
           </p:nvPr>
@@ -22054,7 +20642,7 @@
                 <a:gridCol w="6587921">
                   <a:extLst>
                     <a:ext uri="{9D8B030D-6E8A-4147-A177-3AD203B41FA5}">
-                      <a16:colId xmlns:a16="http://schemas.microsoft.com/office/drawing/2014/main" xmlns="" val="20000"/>
+                      <a16:colId xmlns="" xmlns:a16="http://schemas.microsoft.com/office/drawing/2014/main" val="20000"/>
                     </a:ext>
                   </a:extLst>
                 </a:gridCol>
@@ -22211,7 +20799,7 @@
                 </a:tc>
                 <a:extLst>
                   <a:ext uri="{0D108BD9-81ED-4DB2-BD59-A6C34878D82A}">
-                    <a16:rowId xmlns:a16="http://schemas.microsoft.com/office/drawing/2014/main" xmlns="" val="10000"/>
+                    <a16:rowId xmlns="" xmlns:a16="http://schemas.microsoft.com/office/drawing/2014/main" val="10000"/>
                   </a:ext>
                 </a:extLst>
               </a:tr>
@@ -22371,42 +20959,42 @@
                 <a:gridCol w="1380432">
                   <a:extLst>
                     <a:ext uri="{9D8B030D-6E8A-4147-A177-3AD203B41FA5}">
-                      <a16:colId xmlns:a16="http://schemas.microsoft.com/office/drawing/2014/main" xmlns="" val="20000"/>
+                      <a16:colId xmlns="" xmlns:a16="http://schemas.microsoft.com/office/drawing/2014/main" val="20000"/>
                     </a:ext>
                   </a:extLst>
                 </a:gridCol>
                 <a:gridCol w="2195892">
                   <a:extLst>
                     <a:ext uri="{9D8B030D-6E8A-4147-A177-3AD203B41FA5}">
-                      <a16:colId xmlns:a16="http://schemas.microsoft.com/office/drawing/2014/main" xmlns="" val="20001"/>
+                      <a16:colId xmlns="" xmlns:a16="http://schemas.microsoft.com/office/drawing/2014/main" val="20001"/>
                     </a:ext>
                   </a:extLst>
                 </a:gridCol>
                 <a:gridCol w="1086007">
                   <a:extLst>
                     <a:ext uri="{9D8B030D-6E8A-4147-A177-3AD203B41FA5}">
-                      <a16:colId xmlns:a16="http://schemas.microsoft.com/office/drawing/2014/main" xmlns="" val="20002"/>
+                      <a16:colId xmlns="" xmlns:a16="http://schemas.microsoft.com/office/drawing/2014/main" val="20002"/>
                     </a:ext>
                   </a:extLst>
                 </a:gridCol>
                 <a:gridCol w="1927970">
                   <a:extLst>
                     <a:ext uri="{9D8B030D-6E8A-4147-A177-3AD203B41FA5}">
-                      <a16:colId xmlns:a16="http://schemas.microsoft.com/office/drawing/2014/main" xmlns="" val="20003"/>
+                      <a16:colId xmlns="" xmlns:a16="http://schemas.microsoft.com/office/drawing/2014/main" val="20003"/>
                     </a:ext>
                   </a:extLst>
                 </a:gridCol>
                 <a:gridCol w="1233488">
                   <a:extLst>
                     <a:ext uri="{9D8B030D-6E8A-4147-A177-3AD203B41FA5}">
-                      <a16:colId xmlns:a16="http://schemas.microsoft.com/office/drawing/2014/main" xmlns="" val="20004"/>
+                      <a16:colId xmlns="" xmlns:a16="http://schemas.microsoft.com/office/drawing/2014/main" val="20004"/>
                     </a:ext>
                   </a:extLst>
                 </a:gridCol>
                 <a:gridCol w="971549">
                   <a:extLst>
                     <a:ext uri="{9D8B030D-6E8A-4147-A177-3AD203B41FA5}">
-                      <a16:colId xmlns:a16="http://schemas.microsoft.com/office/drawing/2014/main" xmlns="" val="20006"/>
+                      <a16:colId xmlns="" xmlns:a16="http://schemas.microsoft.com/office/drawing/2014/main" val="20006"/>
                     </a:ext>
                   </a:extLst>
                 </a:gridCol>
@@ -22850,7 +21438,7 @@
                 </a:tc>
                 <a:extLst>
                   <a:ext uri="{0D108BD9-81ED-4DB2-BD59-A6C34878D82A}">
-                    <a16:rowId xmlns:a16="http://schemas.microsoft.com/office/drawing/2014/main" xmlns="" val="10000"/>
+                    <a16:rowId xmlns="" xmlns:a16="http://schemas.microsoft.com/office/drawing/2014/main" val="10000"/>
                   </a:ext>
                 </a:extLst>
               </a:tr>
@@ -23304,14 +21892,14 @@
       </p:sp>
       <p:pic>
         <p:nvPicPr>
-          <p:cNvPr id="2" name="Picture 2"/>
+          <p:cNvPr id="10" name="Picture 2" descr="C:\Users\hong\Downloads\[관리자페이지] 회원관리 - 회원관리.jpg"/>
           <p:cNvPicPr>
             <a:picLocks noChangeAspect="1" noChangeArrowheads="1"/>
           </p:cNvPicPr>
           <p:nvPr/>
         </p:nvPicPr>
         <p:blipFill>
-          <a:blip r:embed="rId2">
+          <a:blip r:embed="rId2" cstate="print">
             <a:extLst>
               <a:ext uri="{28A0092B-C50C-407E-A947-70E740481C1C}">
                 <a14:useLocalDpi xmlns:a14="http://schemas.microsoft.com/office/drawing/2010/main" val="0"/>
@@ -23325,56 +21913,33 @@
         </p:blipFill>
         <p:spPr bwMode="auto">
           <a:xfrm>
-            <a:off x="179512" y="941412"/>
-            <a:ext cx="6572889" cy="5655940"/>
+            <a:off x="251520" y="1689460"/>
+            <a:ext cx="6480000" cy="3975460"/>
           </a:xfrm>
           <a:prstGeom prst="rect">
             <a:avLst/>
           </a:prstGeom>
           <a:noFill/>
-          <a:ln>
-            <a:noFill/>
-          </a:ln>
-          <a:effectLst/>
           <a:extLst>
             <a:ext uri="{909E8E84-426E-40DD-AFC4-6F175D3DCCD1}">
               <a14:hiddenFill xmlns:a14="http://schemas.microsoft.com/office/drawing/2010/main">
                 <a:solidFill>
-                  <a:schemeClr val="accent1"/>
+                  <a:srgbClr val="FFFFFF"/>
                 </a:solidFill>
               </a14:hiddenFill>
-            </a:ext>
-            <a:ext uri="{91240B29-F687-4F45-9708-019B960494DF}">
-              <a14:hiddenLine xmlns:a14="http://schemas.microsoft.com/office/drawing/2010/main" w="9525">
-                <a:solidFill>
-                  <a:schemeClr val="tx1"/>
-                </a:solidFill>
-                <a:miter lim="800000"/>
-                <a:headEnd/>
-                <a:tailEnd/>
-              </a14:hiddenLine>
-            </a:ext>
-            <a:ext uri="{AF507438-7753-43E0-B8FC-AC1667EBCBE1}">
-              <a14:hiddenEffects xmlns:a14="http://schemas.microsoft.com/office/drawing/2010/main">
-                <a:effectLst>
-                  <a:outerShdw dist="35921" dir="2700000" algn="ctr" rotWithShape="0">
-                    <a:schemeClr val="bg2"/>
-                  </a:outerShdw>
-                </a:effectLst>
-              </a14:hiddenEffects>
             </a:ext>
           </a:extLst>
         </p:spPr>
       </p:pic>
       <p:sp>
         <p:nvSpPr>
-          <p:cNvPr id="12" name="타원 11"/>
+          <p:cNvPr id="11" name="타원 10"/>
           <p:cNvSpPr/>
           <p:nvPr/>
         </p:nvSpPr>
         <p:spPr>
           <a:xfrm>
-            <a:off x="755576" y="2538396"/>
+            <a:off x="224449" y="2865148"/>
             <a:ext cx="339812" cy="326752"/>
           </a:xfrm>
           <a:prstGeom prst="ellipse">
@@ -23412,13 +21977,13 @@
       </p:sp>
       <p:sp>
         <p:nvSpPr>
-          <p:cNvPr id="13" name="타원 12"/>
+          <p:cNvPr id="15" name="타원 14"/>
           <p:cNvSpPr/>
           <p:nvPr/>
         </p:nvSpPr>
         <p:spPr>
           <a:xfrm>
-            <a:off x="4139952" y="2375020"/>
+            <a:off x="3923928" y="2780928"/>
             <a:ext cx="339812" cy="326752"/>
           </a:xfrm>
           <a:prstGeom prst="ellipse">
@@ -23456,13 +22021,13 @@
       </p:sp>
       <p:sp>
         <p:nvSpPr>
-          <p:cNvPr id="14" name="타원 13"/>
+          <p:cNvPr id="16" name="타원 15"/>
           <p:cNvSpPr/>
           <p:nvPr/>
         </p:nvSpPr>
         <p:spPr>
           <a:xfrm>
-            <a:off x="6228184" y="3284984"/>
+            <a:off x="3925834" y="3350438"/>
             <a:ext cx="339812" cy="326752"/>
           </a:xfrm>
           <a:prstGeom prst="ellipse">

--- a/doc/0.공용폴더/07 스토리보드/스토리보드 - 관리자 페이지.pptx
+++ b/doc/0.공용폴더/07 스토리보드/스토리보드 - 관리자 페이지.pptx
@@ -301,7 +301,7 @@
           <a:p>
             <a:fld id="{4204022D-519A-4CD6-99D3-23FD7668B2FE}" type="datetimeFigureOut">
               <a:rPr lang="ko-KR" altLang="en-US" smtClean="0"/>
-              <a:t>2020-07-01</a:t>
+              <a:t>2020-07-02</a:t>
             </a:fld>
             <a:endParaRPr lang="ko-KR" altLang="en-US"/>
           </a:p>
@@ -466,7 +466,7 @@
           <a:p>
             <a:fld id="{4204022D-519A-4CD6-99D3-23FD7668B2FE}" type="datetimeFigureOut">
               <a:rPr lang="ko-KR" altLang="en-US" smtClean="0"/>
-              <a:t>2020-07-01</a:t>
+              <a:t>2020-07-02</a:t>
             </a:fld>
             <a:endParaRPr lang="ko-KR" altLang="en-US"/>
           </a:p>
@@ -641,7 +641,7 @@
           <a:p>
             <a:fld id="{4204022D-519A-4CD6-99D3-23FD7668B2FE}" type="datetimeFigureOut">
               <a:rPr lang="ko-KR" altLang="en-US" smtClean="0"/>
-              <a:t>2020-07-01</a:t>
+              <a:t>2020-07-02</a:t>
             </a:fld>
             <a:endParaRPr lang="ko-KR" altLang="en-US"/>
           </a:p>
@@ -806,7 +806,7 @@
           <a:p>
             <a:fld id="{4204022D-519A-4CD6-99D3-23FD7668B2FE}" type="datetimeFigureOut">
               <a:rPr lang="ko-KR" altLang="en-US" smtClean="0"/>
-              <a:t>2020-07-01</a:t>
+              <a:t>2020-07-02</a:t>
             </a:fld>
             <a:endParaRPr lang="ko-KR" altLang="en-US"/>
           </a:p>
@@ -1047,7 +1047,7 @@
           <a:p>
             <a:fld id="{4204022D-519A-4CD6-99D3-23FD7668B2FE}" type="datetimeFigureOut">
               <a:rPr lang="ko-KR" altLang="en-US" smtClean="0"/>
-              <a:t>2020-07-01</a:t>
+              <a:t>2020-07-02</a:t>
             </a:fld>
             <a:endParaRPr lang="ko-KR" altLang="en-US"/>
           </a:p>
@@ -1330,7 +1330,7 @@
           <a:p>
             <a:fld id="{4204022D-519A-4CD6-99D3-23FD7668B2FE}" type="datetimeFigureOut">
               <a:rPr lang="ko-KR" altLang="en-US" smtClean="0"/>
-              <a:t>2020-07-01</a:t>
+              <a:t>2020-07-02</a:t>
             </a:fld>
             <a:endParaRPr lang="ko-KR" altLang="en-US"/>
           </a:p>
@@ -1747,7 +1747,7 @@
           <a:p>
             <a:fld id="{4204022D-519A-4CD6-99D3-23FD7668B2FE}" type="datetimeFigureOut">
               <a:rPr lang="ko-KR" altLang="en-US" smtClean="0"/>
-              <a:t>2020-07-01</a:t>
+              <a:t>2020-07-02</a:t>
             </a:fld>
             <a:endParaRPr lang="ko-KR" altLang="en-US"/>
           </a:p>
@@ -1860,7 +1860,7 @@
           <a:p>
             <a:fld id="{4204022D-519A-4CD6-99D3-23FD7668B2FE}" type="datetimeFigureOut">
               <a:rPr lang="ko-KR" altLang="en-US" smtClean="0"/>
-              <a:t>2020-07-01</a:t>
+              <a:t>2020-07-02</a:t>
             </a:fld>
             <a:endParaRPr lang="ko-KR" altLang="en-US"/>
           </a:p>
@@ -1950,7 +1950,7 @@
           <a:p>
             <a:fld id="{4204022D-519A-4CD6-99D3-23FD7668B2FE}" type="datetimeFigureOut">
               <a:rPr lang="ko-KR" altLang="en-US" smtClean="0"/>
-              <a:t>2020-07-01</a:t>
+              <a:t>2020-07-02</a:t>
             </a:fld>
             <a:endParaRPr lang="ko-KR" altLang="en-US"/>
           </a:p>
@@ -2222,7 +2222,7 @@
           <a:p>
             <a:fld id="{4204022D-519A-4CD6-99D3-23FD7668B2FE}" type="datetimeFigureOut">
               <a:rPr lang="ko-KR" altLang="en-US" smtClean="0"/>
-              <a:t>2020-07-01</a:t>
+              <a:t>2020-07-02</a:t>
             </a:fld>
             <a:endParaRPr lang="ko-KR" altLang="en-US"/>
           </a:p>
@@ -2470,7 +2470,7 @@
           <a:p>
             <a:fld id="{4204022D-519A-4CD6-99D3-23FD7668B2FE}" type="datetimeFigureOut">
               <a:rPr lang="ko-KR" altLang="en-US" smtClean="0"/>
-              <a:t>2020-07-01</a:t>
+              <a:t>2020-07-02</a:t>
             </a:fld>
             <a:endParaRPr lang="ko-KR" altLang="en-US"/>
           </a:p>
@@ -2678,7 +2678,7 @@
           <a:p>
             <a:fld id="{4204022D-519A-4CD6-99D3-23FD7668B2FE}" type="datetimeFigureOut">
               <a:rPr lang="ko-KR" altLang="en-US" smtClean="0"/>
-              <a:t>2020-07-01</a:t>
+              <a:t>2020-07-02</a:t>
             </a:fld>
             <a:endParaRPr lang="ko-KR" altLang="en-US"/>
           </a:p>
@@ -6177,206 +6177,6 @@
           </a:graphicData>
         </a:graphic>
       </p:graphicFrame>
-      <p:graphicFrame>
-        <p:nvGraphicFramePr>
-          <p:cNvPr id="23" name="표 22"/>
-          <p:cNvGraphicFramePr>
-            <a:graphicFrameLocks noGrp="1"/>
-          </p:cNvGraphicFramePr>
-          <p:nvPr>
-            <p:extLst>
-              <p:ext uri="{D42A27DB-BD31-4B8C-83A1-F6EECF244321}">
-                <p14:modId xmlns:p14="http://schemas.microsoft.com/office/powerpoint/2010/main" val="2026406099"/>
-              </p:ext>
-            </p:extLst>
-          </p:nvPr>
-        </p:nvGraphicFramePr>
-        <p:xfrm>
-          <a:off x="6781801" y="4319365"/>
-          <a:ext cx="2158313" cy="2316480"/>
-        </p:xfrm>
-        <a:graphic>
-          <a:graphicData uri="http://schemas.openxmlformats.org/drawingml/2006/table">
-            <a:tbl>
-              <a:tblPr firstRow="1" bandRow="1">
-                <a:tableStyleId>{F5AB1C69-6EDB-4FF4-983F-18BD219EF322}</a:tableStyleId>
-              </a:tblPr>
-              <a:tblGrid>
-                <a:gridCol w="2158313"/>
-              </a:tblGrid>
-              <a:tr h="170543">
-                <a:tc>
-                  <a:txBody>
-                    <a:bodyPr/>
-                    <a:lstStyle/>
-                    <a:p>
-                      <a:pPr algn="ctr" latinLnBrk="1"/>
-                      <a:r>
-                        <a:rPr lang="ko-KR" altLang="en-US" sz="1200" dirty="0" smtClean="0"/>
-                        <a:t>경로</a:t>
-                      </a:r>
-                      <a:endParaRPr lang="ko-KR" altLang="en-US" sz="1200" dirty="0"/>
-                    </a:p>
-                  </a:txBody>
-                  <a:tcPr marL="68580" marR="68580"/>
-                </a:tc>
-              </a:tr>
-              <a:tr h="170543">
-                <a:tc>
-                  <a:txBody>
-                    <a:bodyPr/>
-                    <a:lstStyle/>
-                    <a:p>
-                      <a:pPr latinLnBrk="1"/>
-                      <a:r>
-                        <a:rPr lang="en-US" altLang="ko-KR" sz="1200" dirty="0" smtClean="0"/>
-                        <a:t>Request</a:t>
-                      </a:r>
-                      <a:endParaRPr lang="ko-KR" altLang="en-US" sz="1200" dirty="0"/>
-                    </a:p>
-                  </a:txBody>
-                  <a:tcPr marL="68580" marR="68580"/>
-                </a:tc>
-              </a:tr>
-              <a:tr h="170543">
-                <a:tc>
-                  <a:txBody>
-                    <a:bodyPr/>
-                    <a:lstStyle/>
-                    <a:p>
-                      <a:pPr marL="0" marR="0" indent="0" algn="l" defTabSz="914400" rtl="0" eaLnBrk="1" fontAlgn="auto" latinLnBrk="1" hangingPunct="1">
-                        <a:lnSpc>
-                          <a:spcPct val="100000"/>
-                        </a:lnSpc>
-                        <a:spcBef>
-                          <a:spcPts val="0"/>
-                        </a:spcBef>
-                        <a:spcAft>
-                          <a:spcPts val="0"/>
-                        </a:spcAft>
-                        <a:buClrTx/>
-                        <a:buSzTx/>
-                        <a:buFontTx/>
-                        <a:buNone/>
-                        <a:tabLst/>
-                        <a:defRPr/>
-                      </a:pPr>
-                      <a:endParaRPr lang="ko-KR" altLang="en-US" sz="1000" dirty="0"/>
-                    </a:p>
-                  </a:txBody>
-                  <a:tcPr marL="68580" marR="68580"/>
-                </a:tc>
-              </a:tr>
-              <a:tr h="170543">
-                <a:tc>
-                  <a:txBody>
-                    <a:bodyPr/>
-                    <a:lstStyle/>
-                    <a:p>
-                      <a:pPr latinLnBrk="1"/>
-                      <a:r>
-                        <a:rPr lang="en-US" altLang="ko-KR" sz="1200" dirty="0" smtClean="0"/>
-                        <a:t>Controller</a:t>
-                      </a:r>
-                      <a:endParaRPr lang="ko-KR" altLang="en-US" sz="1200" dirty="0"/>
-                    </a:p>
-                  </a:txBody>
-                  <a:tcPr marL="68580" marR="68580"/>
-                </a:tc>
-              </a:tr>
-              <a:tr h="170543">
-                <a:tc>
-                  <a:txBody>
-                    <a:bodyPr/>
-                    <a:lstStyle/>
-                    <a:p>
-                      <a:pPr marL="0" marR="0" indent="0" algn="l" defTabSz="914400" rtl="0" eaLnBrk="1" fontAlgn="auto" latinLnBrk="1" hangingPunct="1">
-                        <a:lnSpc>
-                          <a:spcPct val="100000"/>
-                        </a:lnSpc>
-                        <a:spcBef>
-                          <a:spcPts val="0"/>
-                        </a:spcBef>
-                        <a:spcAft>
-                          <a:spcPts val="0"/>
-                        </a:spcAft>
-                        <a:buClrTx/>
-                        <a:buSzTx/>
-                        <a:buFontTx/>
-                        <a:buNone/>
-                        <a:tabLst/>
-                        <a:defRPr/>
-                      </a:pPr>
-                      <a:endParaRPr lang="ko-KR" altLang="en-US" sz="1000" dirty="0"/>
-                    </a:p>
-                  </a:txBody>
-                  <a:tcPr marL="68580" marR="68580"/>
-                </a:tc>
-              </a:tr>
-              <a:tr h="170543">
-                <a:tc>
-                  <a:txBody>
-                    <a:bodyPr/>
-                    <a:lstStyle/>
-                    <a:p>
-                      <a:pPr latinLnBrk="1"/>
-                      <a:r>
-                        <a:rPr lang="en-US" altLang="ko-KR" sz="1200" dirty="0" smtClean="0"/>
-                        <a:t>Parameter</a:t>
-                      </a:r>
-                      <a:endParaRPr lang="ko-KR" altLang="en-US" sz="1200" dirty="0"/>
-                    </a:p>
-                  </a:txBody>
-                  <a:tcPr marL="68580" marR="68580"/>
-                </a:tc>
-              </a:tr>
-              <a:tr h="170543">
-                <a:tc>
-                  <a:txBody>
-                    <a:bodyPr/>
-                    <a:lstStyle/>
-                    <a:p>
-                      <a:pPr latinLnBrk="1"/>
-                      <a:endParaRPr lang="ko-KR" altLang="en-US" sz="1000" dirty="0"/>
-                    </a:p>
-                  </a:txBody>
-                  <a:tcPr marL="68580" marR="68580"/>
-                </a:tc>
-              </a:tr>
-              <a:tr h="170543">
-                <a:tc>
-                  <a:txBody>
-                    <a:bodyPr/>
-                    <a:lstStyle/>
-                    <a:p>
-                      <a:pPr latinLnBrk="1"/>
-                      <a:r>
-                        <a:rPr lang="en-US" altLang="ko-KR" sz="1000" dirty="0" smtClean="0"/>
-                        <a:t>View</a:t>
-                      </a:r>
-                      <a:endParaRPr lang="ko-KR" altLang="en-US" sz="1000" dirty="0"/>
-                    </a:p>
-                  </a:txBody>
-                  <a:tcPr marL="68580" marR="68580"/>
-                </a:tc>
-              </a:tr>
-              <a:tr h="170543">
-                <a:tc>
-                  <a:txBody>
-                    <a:bodyPr/>
-                    <a:lstStyle/>
-                    <a:p>
-                      <a:pPr latinLnBrk="1"/>
-                      <a:endParaRPr lang="ko-KR" altLang="en-US" sz="1000" dirty="0"/>
-                    </a:p>
-                  </a:txBody>
-                  <a:tcPr marL="68580" marR="68580"/>
-                </a:tc>
-              </a:tr>
-            </a:tbl>
-          </a:graphicData>
-        </a:graphic>
-      </p:graphicFrame>
       <p:sp>
         <p:nvSpPr>
           <p:cNvPr id="6" name="직사각형 5"/>
@@ -6386,7 +6186,7 @@
         <p:spPr>
           <a:xfrm>
             <a:off x="6752401" y="908720"/>
-            <a:ext cx="2212087" cy="3384376"/>
+            <a:ext cx="2212087" cy="2448272"/>
           </a:xfrm>
           <a:prstGeom prst="rect">
             <a:avLst/>
@@ -6686,6 +6486,248 @@
           </a:p>
         </p:txBody>
       </p:sp>
+      <p:graphicFrame>
+        <p:nvGraphicFramePr>
+          <p:cNvPr id="13" name="표 12"/>
+          <p:cNvGraphicFramePr>
+            <a:graphicFrameLocks noGrp="1"/>
+          </p:cNvGraphicFramePr>
+          <p:nvPr>
+            <p:extLst>
+              <p:ext uri="{D42A27DB-BD31-4B8C-83A1-F6EECF244321}">
+                <p14:modId xmlns:p14="http://schemas.microsoft.com/office/powerpoint/2010/main" val="284597315"/>
+              </p:ext>
+            </p:extLst>
+          </p:nvPr>
+        </p:nvGraphicFramePr>
+        <p:xfrm>
+          <a:off x="6779287" y="3428999"/>
+          <a:ext cx="2158313" cy="3168350"/>
+        </p:xfrm>
+        <a:graphic>
+          <a:graphicData uri="http://schemas.openxmlformats.org/drawingml/2006/table">
+            <a:tbl>
+              <a:tblPr firstRow="1" bandRow="1">
+                <a:tableStyleId>{F5AB1C69-6EDB-4FF4-983F-18BD219EF322}</a:tableStyleId>
+              </a:tblPr>
+              <a:tblGrid>
+                <a:gridCol w="2158313"/>
+              </a:tblGrid>
+              <a:tr h="380202">
+                <a:tc>
+                  <a:txBody>
+                    <a:bodyPr/>
+                    <a:lstStyle/>
+                    <a:p>
+                      <a:pPr algn="ctr" latinLnBrk="1"/>
+                      <a:r>
+                        <a:rPr lang="ko-KR" altLang="en-US" sz="1200" dirty="0" smtClean="0"/>
+                        <a:t>경로</a:t>
+                      </a:r>
+                      <a:endParaRPr lang="ko-KR" altLang="en-US" sz="1200" dirty="0"/>
+                    </a:p>
+                  </a:txBody>
+                  <a:tcPr marL="68580" marR="68580"/>
+                </a:tc>
+              </a:tr>
+              <a:tr h="380202">
+                <a:tc>
+                  <a:txBody>
+                    <a:bodyPr/>
+                    <a:lstStyle/>
+                    <a:p>
+                      <a:pPr latinLnBrk="1"/>
+                      <a:r>
+                        <a:rPr lang="en-US" altLang="ko-KR" sz="1200" dirty="0" smtClean="0"/>
+                        <a:t>Request</a:t>
+                      </a:r>
+                      <a:endParaRPr lang="ko-KR" altLang="en-US" sz="1200" dirty="0"/>
+                    </a:p>
+                  </a:txBody>
+                  <a:tcPr marL="68580" marR="68580"/>
+                </a:tc>
+              </a:tr>
+              <a:tr h="549181">
+                <a:tc>
+                  <a:txBody>
+                    <a:bodyPr/>
+                    <a:lstStyle/>
+                    <a:p>
+                      <a:pPr marL="0" marR="0" indent="0" algn="l" defTabSz="914400" rtl="0" eaLnBrk="1" fontAlgn="auto" latinLnBrk="1" hangingPunct="1">
+                        <a:lnSpc>
+                          <a:spcPct val="100000"/>
+                        </a:lnSpc>
+                        <a:spcBef>
+                          <a:spcPts val="0"/>
+                        </a:spcBef>
+                        <a:spcAft>
+                          <a:spcPts val="0"/>
+                        </a:spcAft>
+                        <a:buClrTx/>
+                        <a:buSzTx/>
+                        <a:buFontTx/>
+                        <a:buNone/>
+                        <a:tabLst/>
+                        <a:defRPr/>
+                      </a:pPr>
+                      <a:r>
+                        <a:rPr lang="en-US" altLang="ko-KR" sz="1000" dirty="0" smtClean="0"/>
+                        <a:t>/</a:t>
+                      </a:r>
+                      <a:r>
+                        <a:rPr lang="en-US" altLang="ko-KR" sz="1000" dirty="0" err="1" smtClean="0"/>
+                        <a:t>ErrorBoard</a:t>
+                      </a:r>
+                      <a:r>
+                        <a:rPr lang="en-US" altLang="ko-KR" sz="1000" dirty="0" smtClean="0">
+                          <a:solidFill>
+                            <a:schemeClr val="tx1"/>
+                          </a:solidFill>
+                        </a:rPr>
+                        <a:t>,</a:t>
+                      </a:r>
+                      <a:r>
+                        <a:rPr lang="en-US" altLang="ko-KR" sz="1000" baseline="0" dirty="0" smtClean="0">
+                          <a:solidFill>
+                            <a:schemeClr val="tx1"/>
+                          </a:solidFill>
+                        </a:rPr>
+                        <a:t> /</a:t>
+                      </a:r>
+                      <a:r>
+                        <a:rPr lang="en-US" altLang="ko-KR" sz="1000" baseline="0" dirty="0" err="1" smtClean="0">
+                          <a:solidFill>
+                            <a:schemeClr val="tx1"/>
+                          </a:solidFill>
+                        </a:rPr>
+                        <a:t>TeamList</a:t>
+                      </a:r>
+                      <a:endParaRPr lang="en-US" altLang="ko-KR" sz="1000" dirty="0" smtClean="0"/>
+                    </a:p>
+                  </a:txBody>
+                  <a:tcPr marL="68580" marR="68580"/>
+                </a:tc>
+              </a:tr>
+              <a:tr h="380202">
+                <a:tc>
+                  <a:txBody>
+                    <a:bodyPr/>
+                    <a:lstStyle/>
+                    <a:p>
+                      <a:pPr latinLnBrk="1"/>
+                      <a:r>
+                        <a:rPr lang="en-US" altLang="ko-KR" sz="1200" dirty="0" smtClean="0"/>
+                        <a:t>Controller</a:t>
+                      </a:r>
+                      <a:endParaRPr lang="ko-KR" altLang="en-US" sz="1200" dirty="0"/>
+                    </a:p>
+                  </a:txBody>
+                  <a:tcPr marL="68580" marR="68580"/>
+                </a:tc>
+              </a:tr>
+              <a:tr h="760404">
+                <a:tc>
+                  <a:txBody>
+                    <a:bodyPr/>
+                    <a:lstStyle/>
+                    <a:p>
+                      <a:pPr marL="0" marR="0" indent="0" algn="l" defTabSz="914400" rtl="0" eaLnBrk="1" fontAlgn="auto" latinLnBrk="1" hangingPunct="1">
+                        <a:lnSpc>
+                          <a:spcPct val="100000"/>
+                        </a:lnSpc>
+                        <a:spcBef>
+                          <a:spcPts val="0"/>
+                        </a:spcBef>
+                        <a:spcAft>
+                          <a:spcPts val="0"/>
+                        </a:spcAft>
+                        <a:buClrTx/>
+                        <a:buSzTx/>
+                        <a:buFontTx/>
+                        <a:buNone/>
+                        <a:tabLst/>
+                        <a:defRPr/>
+                      </a:pPr>
+                      <a:r>
+                        <a:rPr lang="en-US" altLang="ko-KR" sz="1000" dirty="0" err="1" smtClean="0"/>
+                        <a:t>ErrorController</a:t>
+                      </a:r>
+                      <a:r>
+                        <a:rPr lang="en-US" altLang="ko-KR" sz="1000" dirty="0" smtClean="0"/>
+                        <a:t>,</a:t>
+                      </a:r>
+                      <a:r>
+                        <a:rPr lang="en-US" altLang="ko-KR" sz="1000" baseline="0" dirty="0" smtClean="0"/>
+                        <a:t> </a:t>
+                      </a:r>
+                      <a:r>
+                        <a:rPr lang="en-US" altLang="ko-KR" sz="1000" baseline="0" dirty="0" err="1" smtClean="0"/>
+                        <a:t>TeamController</a:t>
+                      </a:r>
+                      <a:endParaRPr lang="en-US" altLang="ko-KR" sz="1000" dirty="0" smtClean="0">
+                        <a:solidFill>
+                          <a:schemeClr val="tx1"/>
+                        </a:solidFill>
+                      </a:endParaRPr>
+                    </a:p>
+                  </a:txBody>
+                  <a:tcPr marL="68580" marR="68580"/>
+                </a:tc>
+              </a:tr>
+              <a:tr h="380202">
+                <a:tc>
+                  <a:txBody>
+                    <a:bodyPr/>
+                    <a:lstStyle/>
+                    <a:p>
+                      <a:pPr latinLnBrk="1"/>
+                      <a:r>
+                        <a:rPr lang="en-US" altLang="ko-KR" sz="1200" dirty="0" smtClean="0"/>
+                        <a:t>View</a:t>
+                      </a:r>
+                      <a:endParaRPr lang="ko-KR" altLang="en-US" sz="1200" dirty="0"/>
+                    </a:p>
+                  </a:txBody>
+                  <a:tcPr marL="68580" marR="68580"/>
+                </a:tc>
+              </a:tr>
+              <a:tr h="337957">
+                <a:tc>
+                  <a:txBody>
+                    <a:bodyPr/>
+                    <a:lstStyle/>
+                    <a:p>
+                      <a:pPr marL="0" marR="0" indent="0" algn="l" defTabSz="914400" rtl="0" eaLnBrk="1" fontAlgn="auto" latinLnBrk="1" hangingPunct="1">
+                        <a:lnSpc>
+                          <a:spcPct val="100000"/>
+                        </a:lnSpc>
+                        <a:spcBef>
+                          <a:spcPts val="0"/>
+                        </a:spcBef>
+                        <a:spcAft>
+                          <a:spcPts val="0"/>
+                        </a:spcAft>
+                        <a:buClrTx/>
+                        <a:buSzTx/>
+                        <a:buFontTx/>
+                        <a:buNone/>
+                        <a:tabLst/>
+                        <a:defRPr/>
+                      </a:pPr>
+                      <a:r>
+                        <a:rPr lang="en-US" altLang="ko-KR" sz="1000" dirty="0" err="1" smtClean="0"/>
+                        <a:t>TeamInfo.jsp</a:t>
+                      </a:r>
+                      <a:endParaRPr lang="ko-KR" altLang="en-US" sz="1000" dirty="0" smtClean="0"/>
+                    </a:p>
+                  </a:txBody>
+                  <a:tcPr marL="68580" marR="68580"/>
+                </a:tc>
+              </a:tr>
+            </a:tbl>
+          </a:graphicData>
+        </a:graphic>
+      </p:graphicFrame>
     </p:spTree>
     <p:extLst>
       <p:ext uri="{BB962C8B-B14F-4D97-AF65-F5344CB8AC3E}">
@@ -7576,206 +7618,6 @@
           </a:graphicData>
         </a:graphic>
       </p:graphicFrame>
-      <p:graphicFrame>
-        <p:nvGraphicFramePr>
-          <p:cNvPr id="23" name="표 22"/>
-          <p:cNvGraphicFramePr>
-            <a:graphicFrameLocks noGrp="1"/>
-          </p:cNvGraphicFramePr>
-          <p:nvPr>
-            <p:extLst>
-              <p:ext uri="{D42A27DB-BD31-4B8C-83A1-F6EECF244321}">
-                <p14:modId xmlns:p14="http://schemas.microsoft.com/office/powerpoint/2010/main" val="2026406099"/>
-              </p:ext>
-            </p:extLst>
-          </p:nvPr>
-        </p:nvGraphicFramePr>
-        <p:xfrm>
-          <a:off x="6781801" y="4319365"/>
-          <a:ext cx="2158313" cy="2316480"/>
-        </p:xfrm>
-        <a:graphic>
-          <a:graphicData uri="http://schemas.openxmlformats.org/drawingml/2006/table">
-            <a:tbl>
-              <a:tblPr firstRow="1" bandRow="1">
-                <a:tableStyleId>{F5AB1C69-6EDB-4FF4-983F-18BD219EF322}</a:tableStyleId>
-              </a:tblPr>
-              <a:tblGrid>
-                <a:gridCol w="2158313"/>
-              </a:tblGrid>
-              <a:tr h="170543">
-                <a:tc>
-                  <a:txBody>
-                    <a:bodyPr/>
-                    <a:lstStyle/>
-                    <a:p>
-                      <a:pPr algn="ctr" latinLnBrk="1"/>
-                      <a:r>
-                        <a:rPr lang="ko-KR" altLang="en-US" sz="1200" dirty="0" smtClean="0"/>
-                        <a:t>경로</a:t>
-                      </a:r>
-                      <a:endParaRPr lang="ko-KR" altLang="en-US" sz="1200" dirty="0"/>
-                    </a:p>
-                  </a:txBody>
-                  <a:tcPr marL="68580" marR="68580"/>
-                </a:tc>
-              </a:tr>
-              <a:tr h="170543">
-                <a:tc>
-                  <a:txBody>
-                    <a:bodyPr/>
-                    <a:lstStyle/>
-                    <a:p>
-                      <a:pPr latinLnBrk="1"/>
-                      <a:r>
-                        <a:rPr lang="en-US" altLang="ko-KR" sz="1200" dirty="0" smtClean="0"/>
-                        <a:t>Request</a:t>
-                      </a:r>
-                      <a:endParaRPr lang="ko-KR" altLang="en-US" sz="1200" dirty="0"/>
-                    </a:p>
-                  </a:txBody>
-                  <a:tcPr marL="68580" marR="68580"/>
-                </a:tc>
-              </a:tr>
-              <a:tr h="170543">
-                <a:tc>
-                  <a:txBody>
-                    <a:bodyPr/>
-                    <a:lstStyle/>
-                    <a:p>
-                      <a:pPr marL="0" marR="0" indent="0" algn="l" defTabSz="914400" rtl="0" eaLnBrk="1" fontAlgn="auto" latinLnBrk="1" hangingPunct="1">
-                        <a:lnSpc>
-                          <a:spcPct val="100000"/>
-                        </a:lnSpc>
-                        <a:spcBef>
-                          <a:spcPts val="0"/>
-                        </a:spcBef>
-                        <a:spcAft>
-                          <a:spcPts val="0"/>
-                        </a:spcAft>
-                        <a:buClrTx/>
-                        <a:buSzTx/>
-                        <a:buFontTx/>
-                        <a:buNone/>
-                        <a:tabLst/>
-                        <a:defRPr/>
-                      </a:pPr>
-                      <a:endParaRPr lang="ko-KR" altLang="en-US" sz="1000" dirty="0"/>
-                    </a:p>
-                  </a:txBody>
-                  <a:tcPr marL="68580" marR="68580"/>
-                </a:tc>
-              </a:tr>
-              <a:tr h="170543">
-                <a:tc>
-                  <a:txBody>
-                    <a:bodyPr/>
-                    <a:lstStyle/>
-                    <a:p>
-                      <a:pPr latinLnBrk="1"/>
-                      <a:r>
-                        <a:rPr lang="en-US" altLang="ko-KR" sz="1200" dirty="0" smtClean="0"/>
-                        <a:t>Controller</a:t>
-                      </a:r>
-                      <a:endParaRPr lang="ko-KR" altLang="en-US" sz="1200" dirty="0"/>
-                    </a:p>
-                  </a:txBody>
-                  <a:tcPr marL="68580" marR="68580"/>
-                </a:tc>
-              </a:tr>
-              <a:tr h="170543">
-                <a:tc>
-                  <a:txBody>
-                    <a:bodyPr/>
-                    <a:lstStyle/>
-                    <a:p>
-                      <a:pPr marL="0" marR="0" indent="0" algn="l" defTabSz="914400" rtl="0" eaLnBrk="1" fontAlgn="auto" latinLnBrk="1" hangingPunct="1">
-                        <a:lnSpc>
-                          <a:spcPct val="100000"/>
-                        </a:lnSpc>
-                        <a:spcBef>
-                          <a:spcPts val="0"/>
-                        </a:spcBef>
-                        <a:spcAft>
-                          <a:spcPts val="0"/>
-                        </a:spcAft>
-                        <a:buClrTx/>
-                        <a:buSzTx/>
-                        <a:buFontTx/>
-                        <a:buNone/>
-                        <a:tabLst/>
-                        <a:defRPr/>
-                      </a:pPr>
-                      <a:endParaRPr lang="ko-KR" altLang="en-US" sz="1000" dirty="0"/>
-                    </a:p>
-                  </a:txBody>
-                  <a:tcPr marL="68580" marR="68580"/>
-                </a:tc>
-              </a:tr>
-              <a:tr h="170543">
-                <a:tc>
-                  <a:txBody>
-                    <a:bodyPr/>
-                    <a:lstStyle/>
-                    <a:p>
-                      <a:pPr latinLnBrk="1"/>
-                      <a:r>
-                        <a:rPr lang="en-US" altLang="ko-KR" sz="1200" dirty="0" smtClean="0"/>
-                        <a:t>Parameter</a:t>
-                      </a:r>
-                      <a:endParaRPr lang="ko-KR" altLang="en-US" sz="1200" dirty="0"/>
-                    </a:p>
-                  </a:txBody>
-                  <a:tcPr marL="68580" marR="68580"/>
-                </a:tc>
-              </a:tr>
-              <a:tr h="170543">
-                <a:tc>
-                  <a:txBody>
-                    <a:bodyPr/>
-                    <a:lstStyle/>
-                    <a:p>
-                      <a:pPr latinLnBrk="1"/>
-                      <a:endParaRPr lang="ko-KR" altLang="en-US" sz="1000" dirty="0"/>
-                    </a:p>
-                  </a:txBody>
-                  <a:tcPr marL="68580" marR="68580"/>
-                </a:tc>
-              </a:tr>
-              <a:tr h="170543">
-                <a:tc>
-                  <a:txBody>
-                    <a:bodyPr/>
-                    <a:lstStyle/>
-                    <a:p>
-                      <a:pPr latinLnBrk="1"/>
-                      <a:r>
-                        <a:rPr lang="en-US" altLang="ko-KR" sz="1000" dirty="0" smtClean="0"/>
-                        <a:t>View</a:t>
-                      </a:r>
-                      <a:endParaRPr lang="ko-KR" altLang="en-US" sz="1000" dirty="0"/>
-                    </a:p>
-                  </a:txBody>
-                  <a:tcPr marL="68580" marR="68580"/>
-                </a:tc>
-              </a:tr>
-              <a:tr h="170543">
-                <a:tc>
-                  <a:txBody>
-                    <a:bodyPr/>
-                    <a:lstStyle/>
-                    <a:p>
-                      <a:pPr latinLnBrk="1"/>
-                      <a:endParaRPr lang="ko-KR" altLang="en-US" sz="1000" dirty="0"/>
-                    </a:p>
-                  </a:txBody>
-                  <a:tcPr marL="68580" marR="68580"/>
-                </a:tc>
-              </a:tr>
-            </a:tbl>
-          </a:graphicData>
-        </a:graphic>
-      </p:graphicFrame>
       <p:sp>
         <p:nvSpPr>
           <p:cNvPr id="6" name="직사각형 5"/>
@@ -7785,7 +7627,7 @@
         <p:spPr>
           <a:xfrm>
             <a:off x="6752401" y="908720"/>
-            <a:ext cx="2212087" cy="3384376"/>
+            <a:ext cx="2212087" cy="2448272"/>
           </a:xfrm>
           <a:prstGeom prst="rect">
             <a:avLst/>
@@ -7912,12 +7754,6 @@
               </a:rPr>
               <a:t>.</a:t>
             </a:r>
-            <a:endParaRPr lang="en-US" altLang="ko-KR" sz="800" dirty="0">
-              <a:solidFill>
-                <a:schemeClr val="tx1"/>
-              </a:solidFill>
-              <a:latin typeface="+mn-ea"/>
-            </a:endParaRPr>
           </a:p>
         </p:txBody>
       </p:sp>
@@ -8050,6 +7886,236 @@
           </a:p>
         </p:txBody>
       </p:sp>
+      <p:graphicFrame>
+        <p:nvGraphicFramePr>
+          <p:cNvPr id="10" name="표 9"/>
+          <p:cNvGraphicFramePr>
+            <a:graphicFrameLocks noGrp="1"/>
+          </p:cNvGraphicFramePr>
+          <p:nvPr>
+            <p:extLst>
+              <p:ext uri="{D42A27DB-BD31-4B8C-83A1-F6EECF244321}">
+                <p14:modId xmlns:p14="http://schemas.microsoft.com/office/powerpoint/2010/main" val="2284946974"/>
+              </p:ext>
+            </p:extLst>
+          </p:nvPr>
+        </p:nvGraphicFramePr>
+        <p:xfrm>
+          <a:off x="6779287" y="3428999"/>
+          <a:ext cx="2158313" cy="3168350"/>
+        </p:xfrm>
+        <a:graphic>
+          <a:graphicData uri="http://schemas.openxmlformats.org/drawingml/2006/table">
+            <a:tbl>
+              <a:tblPr firstRow="1" bandRow="1">
+                <a:tableStyleId>{F5AB1C69-6EDB-4FF4-983F-18BD219EF322}</a:tableStyleId>
+              </a:tblPr>
+              <a:tblGrid>
+                <a:gridCol w="2158313"/>
+              </a:tblGrid>
+              <a:tr h="380202">
+                <a:tc>
+                  <a:txBody>
+                    <a:bodyPr/>
+                    <a:lstStyle/>
+                    <a:p>
+                      <a:pPr algn="ctr" latinLnBrk="1"/>
+                      <a:r>
+                        <a:rPr lang="ko-KR" altLang="en-US" sz="1200" dirty="0" smtClean="0"/>
+                        <a:t>경로</a:t>
+                      </a:r>
+                      <a:endParaRPr lang="ko-KR" altLang="en-US" sz="1200" dirty="0"/>
+                    </a:p>
+                  </a:txBody>
+                  <a:tcPr marL="68580" marR="68580"/>
+                </a:tc>
+              </a:tr>
+              <a:tr h="380202">
+                <a:tc>
+                  <a:txBody>
+                    <a:bodyPr/>
+                    <a:lstStyle/>
+                    <a:p>
+                      <a:pPr latinLnBrk="1"/>
+                      <a:r>
+                        <a:rPr lang="en-US" altLang="ko-KR" sz="1200" dirty="0" smtClean="0"/>
+                        <a:t>Request</a:t>
+                      </a:r>
+                      <a:endParaRPr lang="ko-KR" altLang="en-US" sz="1200" dirty="0"/>
+                    </a:p>
+                  </a:txBody>
+                  <a:tcPr marL="68580" marR="68580"/>
+                </a:tc>
+              </a:tr>
+              <a:tr h="549181">
+                <a:tc>
+                  <a:txBody>
+                    <a:bodyPr/>
+                    <a:lstStyle/>
+                    <a:p>
+                      <a:pPr marL="0" marR="0" indent="0" algn="l" defTabSz="914400" rtl="0" eaLnBrk="1" fontAlgn="auto" latinLnBrk="1" hangingPunct="1">
+                        <a:lnSpc>
+                          <a:spcPct val="100000"/>
+                        </a:lnSpc>
+                        <a:spcBef>
+                          <a:spcPts val="0"/>
+                        </a:spcBef>
+                        <a:spcAft>
+                          <a:spcPts val="0"/>
+                        </a:spcAft>
+                        <a:buClrTx/>
+                        <a:buSzTx/>
+                        <a:buFontTx/>
+                        <a:buNone/>
+                        <a:tabLst/>
+                        <a:defRPr/>
+                      </a:pPr>
+                      <a:r>
+                        <a:rPr lang="en-US" altLang="ko-KR" sz="1000" dirty="0" smtClean="0"/>
+                        <a:t>/</a:t>
+                      </a:r>
+                      <a:r>
+                        <a:rPr lang="en-US" altLang="ko-KR" sz="1000" dirty="0" err="1" smtClean="0"/>
+                        <a:t>TeamUpdate</a:t>
+                      </a:r>
+                      <a:r>
+                        <a:rPr lang="en-US" altLang="ko-KR" sz="1000" dirty="0" smtClean="0">
+                          <a:solidFill>
+                            <a:schemeClr val="tx1"/>
+                          </a:solidFill>
+                        </a:rPr>
+                        <a:t>,</a:t>
+                      </a:r>
+                      <a:r>
+                        <a:rPr lang="en-US" altLang="ko-KR" sz="1000" baseline="0" dirty="0" smtClean="0">
+                          <a:solidFill>
+                            <a:schemeClr val="tx1"/>
+                          </a:solidFill>
+                        </a:rPr>
+                        <a:t> /</a:t>
+                      </a:r>
+                      <a:r>
+                        <a:rPr lang="en-US" altLang="ko-KR" sz="1000" baseline="0" dirty="0" err="1" smtClean="0">
+                          <a:solidFill>
+                            <a:schemeClr val="tx1"/>
+                          </a:solidFill>
+                        </a:rPr>
+                        <a:t>TeamHistoryUpdate</a:t>
+                      </a:r>
+                      <a:endParaRPr lang="en-US" altLang="ko-KR" sz="1000" dirty="0" smtClean="0"/>
+                    </a:p>
+                  </a:txBody>
+                  <a:tcPr marL="68580" marR="68580"/>
+                </a:tc>
+              </a:tr>
+              <a:tr h="380202">
+                <a:tc>
+                  <a:txBody>
+                    <a:bodyPr/>
+                    <a:lstStyle/>
+                    <a:p>
+                      <a:pPr latinLnBrk="1"/>
+                      <a:r>
+                        <a:rPr lang="en-US" altLang="ko-KR" sz="1200" dirty="0" smtClean="0"/>
+                        <a:t>Controller</a:t>
+                      </a:r>
+                      <a:endParaRPr lang="ko-KR" altLang="en-US" sz="1200" dirty="0"/>
+                    </a:p>
+                  </a:txBody>
+                  <a:tcPr marL="68580" marR="68580"/>
+                </a:tc>
+              </a:tr>
+              <a:tr h="760404">
+                <a:tc>
+                  <a:txBody>
+                    <a:bodyPr/>
+                    <a:lstStyle/>
+                    <a:p>
+                      <a:pPr marL="0" marR="0" indent="0" algn="l" defTabSz="914400" rtl="0" eaLnBrk="1" fontAlgn="auto" latinLnBrk="1" hangingPunct="1">
+                        <a:lnSpc>
+                          <a:spcPct val="100000"/>
+                        </a:lnSpc>
+                        <a:spcBef>
+                          <a:spcPts val="0"/>
+                        </a:spcBef>
+                        <a:spcAft>
+                          <a:spcPts val="0"/>
+                        </a:spcAft>
+                        <a:buClrTx/>
+                        <a:buSzTx/>
+                        <a:buFontTx/>
+                        <a:buNone/>
+                        <a:tabLst/>
+                        <a:defRPr/>
+                      </a:pPr>
+                      <a:r>
+                        <a:rPr lang="en-US" altLang="ko-KR" sz="1000" baseline="0" dirty="0" err="1" smtClean="0"/>
+                        <a:t>TeamController</a:t>
+                      </a:r>
+                      <a:endParaRPr lang="en-US" altLang="ko-KR" sz="1000" dirty="0" smtClean="0">
+                        <a:solidFill>
+                          <a:schemeClr val="tx1"/>
+                        </a:solidFill>
+                      </a:endParaRPr>
+                    </a:p>
+                  </a:txBody>
+                  <a:tcPr marL="68580" marR="68580"/>
+                </a:tc>
+              </a:tr>
+              <a:tr h="380202">
+                <a:tc>
+                  <a:txBody>
+                    <a:bodyPr/>
+                    <a:lstStyle/>
+                    <a:p>
+                      <a:pPr latinLnBrk="1"/>
+                      <a:r>
+                        <a:rPr lang="en-US" altLang="ko-KR" sz="1200" dirty="0" smtClean="0"/>
+                        <a:t>View</a:t>
+                      </a:r>
+                      <a:endParaRPr lang="ko-KR" altLang="en-US" sz="1200" dirty="0"/>
+                    </a:p>
+                  </a:txBody>
+                  <a:tcPr marL="68580" marR="68580"/>
+                </a:tc>
+              </a:tr>
+              <a:tr h="337957">
+                <a:tc>
+                  <a:txBody>
+                    <a:bodyPr/>
+                    <a:lstStyle/>
+                    <a:p>
+                      <a:pPr marL="0" marR="0" indent="0" algn="l" defTabSz="914400" rtl="0" eaLnBrk="1" fontAlgn="auto" latinLnBrk="1" hangingPunct="1">
+                        <a:lnSpc>
+                          <a:spcPct val="100000"/>
+                        </a:lnSpc>
+                        <a:spcBef>
+                          <a:spcPts val="0"/>
+                        </a:spcBef>
+                        <a:spcAft>
+                          <a:spcPts val="0"/>
+                        </a:spcAft>
+                        <a:buClrTx/>
+                        <a:buSzTx/>
+                        <a:buFontTx/>
+                        <a:buNone/>
+                        <a:tabLst/>
+                        <a:defRPr/>
+                      </a:pPr>
+                      <a:r>
+                        <a:rPr lang="en-US" altLang="ko-KR" sz="1000" dirty="0" err="1" smtClean="0"/>
+                        <a:t>TeamUpdate.jsp</a:t>
+                      </a:r>
+                      <a:endParaRPr lang="ko-KR" altLang="en-US" sz="1000" dirty="0" smtClean="0"/>
+                    </a:p>
+                  </a:txBody>
+                  <a:tcPr marL="68580" marR="68580"/>
+                </a:tc>
+              </a:tr>
+            </a:tbl>
+          </a:graphicData>
+        </a:graphic>
+      </p:graphicFrame>
     </p:spTree>
     <p:extLst>
       <p:ext uri="{BB962C8B-B14F-4D97-AF65-F5344CB8AC3E}">
@@ -8930,206 +8996,6 @@
           </a:graphicData>
         </a:graphic>
       </p:graphicFrame>
-      <p:graphicFrame>
-        <p:nvGraphicFramePr>
-          <p:cNvPr id="23" name="표 22"/>
-          <p:cNvGraphicFramePr>
-            <a:graphicFrameLocks noGrp="1"/>
-          </p:cNvGraphicFramePr>
-          <p:nvPr>
-            <p:extLst>
-              <p:ext uri="{D42A27DB-BD31-4B8C-83A1-F6EECF244321}">
-                <p14:modId xmlns:p14="http://schemas.microsoft.com/office/powerpoint/2010/main" val="738574299"/>
-              </p:ext>
-            </p:extLst>
-          </p:nvPr>
-        </p:nvGraphicFramePr>
-        <p:xfrm>
-          <a:off x="6781801" y="4319365"/>
-          <a:ext cx="2158313" cy="2316480"/>
-        </p:xfrm>
-        <a:graphic>
-          <a:graphicData uri="http://schemas.openxmlformats.org/drawingml/2006/table">
-            <a:tbl>
-              <a:tblPr firstRow="1" bandRow="1">
-                <a:tableStyleId>{F5AB1C69-6EDB-4FF4-983F-18BD219EF322}</a:tableStyleId>
-              </a:tblPr>
-              <a:tblGrid>
-                <a:gridCol w="2158313"/>
-              </a:tblGrid>
-              <a:tr h="170543">
-                <a:tc>
-                  <a:txBody>
-                    <a:bodyPr/>
-                    <a:lstStyle/>
-                    <a:p>
-                      <a:pPr algn="ctr" latinLnBrk="1"/>
-                      <a:r>
-                        <a:rPr lang="ko-KR" altLang="en-US" sz="1200" dirty="0" smtClean="0"/>
-                        <a:t>경로</a:t>
-                      </a:r>
-                      <a:endParaRPr lang="ko-KR" altLang="en-US" sz="1200" dirty="0"/>
-                    </a:p>
-                  </a:txBody>
-                  <a:tcPr marL="68580" marR="68580"/>
-                </a:tc>
-              </a:tr>
-              <a:tr h="170543">
-                <a:tc>
-                  <a:txBody>
-                    <a:bodyPr/>
-                    <a:lstStyle/>
-                    <a:p>
-                      <a:pPr latinLnBrk="1"/>
-                      <a:r>
-                        <a:rPr lang="en-US" altLang="ko-KR" sz="1200" dirty="0" smtClean="0"/>
-                        <a:t>Request</a:t>
-                      </a:r>
-                      <a:endParaRPr lang="ko-KR" altLang="en-US" sz="1200" dirty="0"/>
-                    </a:p>
-                  </a:txBody>
-                  <a:tcPr marL="68580" marR="68580"/>
-                </a:tc>
-              </a:tr>
-              <a:tr h="170543">
-                <a:tc>
-                  <a:txBody>
-                    <a:bodyPr/>
-                    <a:lstStyle/>
-                    <a:p>
-                      <a:pPr marL="0" marR="0" indent="0" algn="l" defTabSz="914400" rtl="0" eaLnBrk="1" fontAlgn="auto" latinLnBrk="1" hangingPunct="1">
-                        <a:lnSpc>
-                          <a:spcPct val="100000"/>
-                        </a:lnSpc>
-                        <a:spcBef>
-                          <a:spcPts val="0"/>
-                        </a:spcBef>
-                        <a:spcAft>
-                          <a:spcPts val="0"/>
-                        </a:spcAft>
-                        <a:buClrTx/>
-                        <a:buSzTx/>
-                        <a:buFontTx/>
-                        <a:buNone/>
-                        <a:tabLst/>
-                        <a:defRPr/>
-                      </a:pPr>
-                      <a:endParaRPr lang="ko-KR" altLang="en-US" sz="1000" dirty="0"/>
-                    </a:p>
-                  </a:txBody>
-                  <a:tcPr marL="68580" marR="68580"/>
-                </a:tc>
-              </a:tr>
-              <a:tr h="170543">
-                <a:tc>
-                  <a:txBody>
-                    <a:bodyPr/>
-                    <a:lstStyle/>
-                    <a:p>
-                      <a:pPr latinLnBrk="1"/>
-                      <a:r>
-                        <a:rPr lang="en-US" altLang="ko-KR" sz="1200" dirty="0" smtClean="0"/>
-                        <a:t>Controller</a:t>
-                      </a:r>
-                      <a:endParaRPr lang="ko-KR" altLang="en-US" sz="1200" dirty="0"/>
-                    </a:p>
-                  </a:txBody>
-                  <a:tcPr marL="68580" marR="68580"/>
-                </a:tc>
-              </a:tr>
-              <a:tr h="170543">
-                <a:tc>
-                  <a:txBody>
-                    <a:bodyPr/>
-                    <a:lstStyle/>
-                    <a:p>
-                      <a:pPr marL="0" marR="0" indent="0" algn="l" defTabSz="914400" rtl="0" eaLnBrk="1" fontAlgn="auto" latinLnBrk="1" hangingPunct="1">
-                        <a:lnSpc>
-                          <a:spcPct val="100000"/>
-                        </a:lnSpc>
-                        <a:spcBef>
-                          <a:spcPts val="0"/>
-                        </a:spcBef>
-                        <a:spcAft>
-                          <a:spcPts val="0"/>
-                        </a:spcAft>
-                        <a:buClrTx/>
-                        <a:buSzTx/>
-                        <a:buFontTx/>
-                        <a:buNone/>
-                        <a:tabLst/>
-                        <a:defRPr/>
-                      </a:pPr>
-                      <a:endParaRPr lang="ko-KR" altLang="en-US" sz="1000" dirty="0"/>
-                    </a:p>
-                  </a:txBody>
-                  <a:tcPr marL="68580" marR="68580"/>
-                </a:tc>
-              </a:tr>
-              <a:tr h="170543">
-                <a:tc>
-                  <a:txBody>
-                    <a:bodyPr/>
-                    <a:lstStyle/>
-                    <a:p>
-                      <a:pPr latinLnBrk="1"/>
-                      <a:r>
-                        <a:rPr lang="en-US" altLang="ko-KR" sz="1200" dirty="0" smtClean="0"/>
-                        <a:t>Parameter</a:t>
-                      </a:r>
-                      <a:endParaRPr lang="ko-KR" altLang="en-US" sz="1200" dirty="0"/>
-                    </a:p>
-                  </a:txBody>
-                  <a:tcPr marL="68580" marR="68580"/>
-                </a:tc>
-              </a:tr>
-              <a:tr h="170543">
-                <a:tc>
-                  <a:txBody>
-                    <a:bodyPr/>
-                    <a:lstStyle/>
-                    <a:p>
-                      <a:pPr latinLnBrk="1"/>
-                      <a:endParaRPr lang="ko-KR" altLang="en-US" sz="1000" dirty="0"/>
-                    </a:p>
-                  </a:txBody>
-                  <a:tcPr marL="68580" marR="68580"/>
-                </a:tc>
-              </a:tr>
-              <a:tr h="170543">
-                <a:tc>
-                  <a:txBody>
-                    <a:bodyPr/>
-                    <a:lstStyle/>
-                    <a:p>
-                      <a:pPr latinLnBrk="1"/>
-                      <a:r>
-                        <a:rPr lang="en-US" altLang="ko-KR" sz="1000" dirty="0" smtClean="0"/>
-                        <a:t>View</a:t>
-                      </a:r>
-                      <a:endParaRPr lang="ko-KR" altLang="en-US" sz="1000" dirty="0"/>
-                    </a:p>
-                  </a:txBody>
-                  <a:tcPr marL="68580" marR="68580"/>
-                </a:tc>
-              </a:tr>
-              <a:tr h="170543">
-                <a:tc>
-                  <a:txBody>
-                    <a:bodyPr/>
-                    <a:lstStyle/>
-                    <a:p>
-                      <a:pPr latinLnBrk="1"/>
-                      <a:endParaRPr lang="ko-KR" altLang="en-US" sz="1000" dirty="0"/>
-                    </a:p>
-                  </a:txBody>
-                  <a:tcPr marL="68580" marR="68580"/>
-                </a:tc>
-              </a:tr>
-            </a:tbl>
-          </a:graphicData>
-        </a:graphic>
-      </p:graphicFrame>
       <p:sp>
         <p:nvSpPr>
           <p:cNvPr id="6" name="직사각형 5"/>
@@ -9139,7 +9005,7 @@
         <p:spPr>
           <a:xfrm>
             <a:off x="6752401" y="908720"/>
-            <a:ext cx="2212087" cy="3384376"/>
+            <a:ext cx="2212087" cy="2448272"/>
           </a:xfrm>
           <a:prstGeom prst="rect">
             <a:avLst/>
@@ -9189,12 +9055,6 @@
               </a:rPr>
               <a:t>.</a:t>
             </a:r>
-            <a:endParaRPr lang="en-US" altLang="ko-KR" sz="800" dirty="0" smtClean="0">
-              <a:solidFill>
-                <a:schemeClr val="tx1"/>
-              </a:solidFill>
-              <a:latin typeface="+mn-ea"/>
-            </a:endParaRPr>
           </a:p>
           <a:p>
             <a:pPr marL="228600" indent="-228600" algn="ctr">
@@ -9482,6 +9342,248 @@
           </a:p>
         </p:txBody>
       </p:sp>
+      <p:graphicFrame>
+        <p:nvGraphicFramePr>
+          <p:cNvPr id="10" name="표 9"/>
+          <p:cNvGraphicFramePr>
+            <a:graphicFrameLocks noGrp="1"/>
+          </p:cNvGraphicFramePr>
+          <p:nvPr>
+            <p:extLst>
+              <p:ext uri="{D42A27DB-BD31-4B8C-83A1-F6EECF244321}">
+                <p14:modId xmlns:p14="http://schemas.microsoft.com/office/powerpoint/2010/main" val="1855798099"/>
+              </p:ext>
+            </p:extLst>
+          </p:nvPr>
+        </p:nvGraphicFramePr>
+        <p:xfrm>
+          <a:off x="6779287" y="3428999"/>
+          <a:ext cx="2158313" cy="3168350"/>
+        </p:xfrm>
+        <a:graphic>
+          <a:graphicData uri="http://schemas.openxmlformats.org/drawingml/2006/table">
+            <a:tbl>
+              <a:tblPr firstRow="1" bandRow="1">
+                <a:tableStyleId>{F5AB1C69-6EDB-4FF4-983F-18BD219EF322}</a:tableStyleId>
+              </a:tblPr>
+              <a:tblGrid>
+                <a:gridCol w="2158313"/>
+              </a:tblGrid>
+              <a:tr h="380202">
+                <a:tc>
+                  <a:txBody>
+                    <a:bodyPr/>
+                    <a:lstStyle/>
+                    <a:p>
+                      <a:pPr algn="ctr" latinLnBrk="1"/>
+                      <a:r>
+                        <a:rPr lang="ko-KR" altLang="en-US" sz="1200" dirty="0" smtClean="0"/>
+                        <a:t>경로</a:t>
+                      </a:r>
+                      <a:endParaRPr lang="ko-KR" altLang="en-US" sz="1200" dirty="0"/>
+                    </a:p>
+                  </a:txBody>
+                  <a:tcPr marL="68580" marR="68580"/>
+                </a:tc>
+              </a:tr>
+              <a:tr h="380202">
+                <a:tc>
+                  <a:txBody>
+                    <a:bodyPr/>
+                    <a:lstStyle/>
+                    <a:p>
+                      <a:pPr latinLnBrk="1"/>
+                      <a:r>
+                        <a:rPr lang="en-US" altLang="ko-KR" sz="1200" dirty="0" smtClean="0"/>
+                        <a:t>Request</a:t>
+                      </a:r>
+                      <a:endParaRPr lang="ko-KR" altLang="en-US" sz="1200" dirty="0"/>
+                    </a:p>
+                  </a:txBody>
+                  <a:tcPr marL="68580" marR="68580"/>
+                </a:tc>
+              </a:tr>
+              <a:tr h="549181">
+                <a:tc>
+                  <a:txBody>
+                    <a:bodyPr/>
+                    <a:lstStyle/>
+                    <a:p>
+                      <a:pPr marL="0" marR="0" indent="0" algn="l" defTabSz="914400" rtl="0" eaLnBrk="1" fontAlgn="auto" latinLnBrk="1" hangingPunct="1">
+                        <a:lnSpc>
+                          <a:spcPct val="100000"/>
+                        </a:lnSpc>
+                        <a:spcBef>
+                          <a:spcPts val="0"/>
+                        </a:spcBef>
+                        <a:spcAft>
+                          <a:spcPts val="0"/>
+                        </a:spcAft>
+                        <a:buClrTx/>
+                        <a:buSzTx/>
+                        <a:buFontTx/>
+                        <a:buNone/>
+                        <a:tabLst/>
+                        <a:defRPr/>
+                      </a:pPr>
+                      <a:r>
+                        <a:rPr lang="en-US" altLang="ko-KR" sz="1000" dirty="0" smtClean="0"/>
+                        <a:t>/</a:t>
+                      </a:r>
+                      <a:r>
+                        <a:rPr lang="en-US" altLang="ko-KR" sz="1000" dirty="0" err="1" smtClean="0"/>
+                        <a:t>ErrorBoard</a:t>
+                      </a:r>
+                      <a:r>
+                        <a:rPr lang="en-US" altLang="ko-KR" sz="1000" dirty="0" smtClean="0">
+                          <a:solidFill>
+                            <a:schemeClr val="tx1"/>
+                          </a:solidFill>
+                        </a:rPr>
+                        <a:t>,</a:t>
+                      </a:r>
+                      <a:r>
+                        <a:rPr lang="en-US" altLang="ko-KR" sz="1000" baseline="0" dirty="0" smtClean="0">
+                          <a:solidFill>
+                            <a:schemeClr val="tx1"/>
+                          </a:solidFill>
+                        </a:rPr>
+                        <a:t> /</a:t>
+                      </a:r>
+                      <a:r>
+                        <a:rPr lang="en-US" altLang="ko-KR" sz="1000" baseline="0" dirty="0" err="1" smtClean="0">
+                          <a:solidFill>
+                            <a:schemeClr val="tx1"/>
+                          </a:solidFill>
+                        </a:rPr>
+                        <a:t>PlayerList</a:t>
+                      </a:r>
+                      <a:endParaRPr lang="en-US" altLang="ko-KR" sz="1000" dirty="0" smtClean="0"/>
+                    </a:p>
+                  </a:txBody>
+                  <a:tcPr marL="68580" marR="68580"/>
+                </a:tc>
+              </a:tr>
+              <a:tr h="380202">
+                <a:tc>
+                  <a:txBody>
+                    <a:bodyPr/>
+                    <a:lstStyle/>
+                    <a:p>
+                      <a:pPr latinLnBrk="1"/>
+                      <a:r>
+                        <a:rPr lang="en-US" altLang="ko-KR" sz="1200" dirty="0" smtClean="0"/>
+                        <a:t>Controller</a:t>
+                      </a:r>
+                      <a:endParaRPr lang="ko-KR" altLang="en-US" sz="1200" dirty="0"/>
+                    </a:p>
+                  </a:txBody>
+                  <a:tcPr marL="68580" marR="68580"/>
+                </a:tc>
+              </a:tr>
+              <a:tr h="760404">
+                <a:tc>
+                  <a:txBody>
+                    <a:bodyPr/>
+                    <a:lstStyle/>
+                    <a:p>
+                      <a:pPr marL="0" marR="0" indent="0" algn="l" defTabSz="914400" rtl="0" eaLnBrk="1" fontAlgn="auto" latinLnBrk="1" hangingPunct="1">
+                        <a:lnSpc>
+                          <a:spcPct val="100000"/>
+                        </a:lnSpc>
+                        <a:spcBef>
+                          <a:spcPts val="0"/>
+                        </a:spcBef>
+                        <a:spcAft>
+                          <a:spcPts val="0"/>
+                        </a:spcAft>
+                        <a:buClrTx/>
+                        <a:buSzTx/>
+                        <a:buFontTx/>
+                        <a:buNone/>
+                        <a:tabLst/>
+                        <a:defRPr/>
+                      </a:pPr>
+                      <a:r>
+                        <a:rPr lang="en-US" altLang="ko-KR" sz="1000" dirty="0" err="1" smtClean="0"/>
+                        <a:t>ErrorController</a:t>
+                      </a:r>
+                      <a:r>
+                        <a:rPr lang="en-US" altLang="ko-KR" sz="1000" dirty="0" smtClean="0"/>
+                        <a:t>,</a:t>
+                      </a:r>
+                      <a:r>
+                        <a:rPr lang="en-US" altLang="ko-KR" sz="1000" baseline="0" dirty="0" smtClean="0"/>
+                        <a:t> </a:t>
+                      </a:r>
+                      <a:r>
+                        <a:rPr lang="en-US" altLang="ko-KR" sz="1000" baseline="0" dirty="0" err="1" smtClean="0"/>
+                        <a:t>PlayerController</a:t>
+                      </a:r>
+                      <a:endParaRPr lang="en-US" altLang="ko-KR" sz="1000" dirty="0" smtClean="0">
+                        <a:solidFill>
+                          <a:schemeClr val="tx1"/>
+                        </a:solidFill>
+                      </a:endParaRPr>
+                    </a:p>
+                  </a:txBody>
+                  <a:tcPr marL="68580" marR="68580"/>
+                </a:tc>
+              </a:tr>
+              <a:tr h="380202">
+                <a:tc>
+                  <a:txBody>
+                    <a:bodyPr/>
+                    <a:lstStyle/>
+                    <a:p>
+                      <a:pPr latinLnBrk="1"/>
+                      <a:r>
+                        <a:rPr lang="en-US" altLang="ko-KR" sz="1200" dirty="0" smtClean="0"/>
+                        <a:t>View</a:t>
+                      </a:r>
+                      <a:endParaRPr lang="ko-KR" altLang="en-US" sz="1200" dirty="0"/>
+                    </a:p>
+                  </a:txBody>
+                  <a:tcPr marL="68580" marR="68580"/>
+                </a:tc>
+              </a:tr>
+              <a:tr h="337957">
+                <a:tc>
+                  <a:txBody>
+                    <a:bodyPr/>
+                    <a:lstStyle/>
+                    <a:p>
+                      <a:pPr marL="0" marR="0" indent="0" algn="l" defTabSz="914400" rtl="0" eaLnBrk="1" fontAlgn="auto" latinLnBrk="1" hangingPunct="1">
+                        <a:lnSpc>
+                          <a:spcPct val="100000"/>
+                        </a:lnSpc>
+                        <a:spcBef>
+                          <a:spcPts val="0"/>
+                        </a:spcBef>
+                        <a:spcAft>
+                          <a:spcPts val="0"/>
+                        </a:spcAft>
+                        <a:buClrTx/>
+                        <a:buSzTx/>
+                        <a:buFontTx/>
+                        <a:buNone/>
+                        <a:tabLst/>
+                        <a:defRPr/>
+                      </a:pPr>
+                      <a:r>
+                        <a:rPr lang="en-US" altLang="ko-KR" sz="1000" dirty="0" err="1" smtClean="0"/>
+                        <a:t>PlayerInfo.jsp</a:t>
+                      </a:r>
+                      <a:endParaRPr lang="ko-KR" altLang="en-US" sz="1000" dirty="0" smtClean="0"/>
+                    </a:p>
+                  </a:txBody>
+                  <a:tcPr marL="68580" marR="68580"/>
+                </a:tc>
+              </a:tr>
+            </a:tbl>
+          </a:graphicData>
+        </a:graphic>
+      </p:graphicFrame>
     </p:spTree>
     <p:extLst>
       <p:ext uri="{BB962C8B-B14F-4D97-AF65-F5344CB8AC3E}">
@@ -10362,206 +10464,6 @@
           </a:graphicData>
         </a:graphic>
       </p:graphicFrame>
-      <p:graphicFrame>
-        <p:nvGraphicFramePr>
-          <p:cNvPr id="23" name="표 22"/>
-          <p:cNvGraphicFramePr>
-            <a:graphicFrameLocks noGrp="1"/>
-          </p:cNvGraphicFramePr>
-          <p:nvPr>
-            <p:extLst>
-              <p:ext uri="{D42A27DB-BD31-4B8C-83A1-F6EECF244321}">
-                <p14:modId xmlns:p14="http://schemas.microsoft.com/office/powerpoint/2010/main" val="738574299"/>
-              </p:ext>
-            </p:extLst>
-          </p:nvPr>
-        </p:nvGraphicFramePr>
-        <p:xfrm>
-          <a:off x="6781801" y="4319365"/>
-          <a:ext cx="2158313" cy="2316480"/>
-        </p:xfrm>
-        <a:graphic>
-          <a:graphicData uri="http://schemas.openxmlformats.org/drawingml/2006/table">
-            <a:tbl>
-              <a:tblPr firstRow="1" bandRow="1">
-                <a:tableStyleId>{F5AB1C69-6EDB-4FF4-983F-18BD219EF322}</a:tableStyleId>
-              </a:tblPr>
-              <a:tblGrid>
-                <a:gridCol w="2158313"/>
-              </a:tblGrid>
-              <a:tr h="170543">
-                <a:tc>
-                  <a:txBody>
-                    <a:bodyPr/>
-                    <a:lstStyle/>
-                    <a:p>
-                      <a:pPr algn="ctr" latinLnBrk="1"/>
-                      <a:r>
-                        <a:rPr lang="ko-KR" altLang="en-US" sz="1200" dirty="0" smtClean="0"/>
-                        <a:t>경로</a:t>
-                      </a:r>
-                      <a:endParaRPr lang="ko-KR" altLang="en-US" sz="1200" dirty="0"/>
-                    </a:p>
-                  </a:txBody>
-                  <a:tcPr marL="68580" marR="68580"/>
-                </a:tc>
-              </a:tr>
-              <a:tr h="170543">
-                <a:tc>
-                  <a:txBody>
-                    <a:bodyPr/>
-                    <a:lstStyle/>
-                    <a:p>
-                      <a:pPr latinLnBrk="1"/>
-                      <a:r>
-                        <a:rPr lang="en-US" altLang="ko-KR" sz="1200" dirty="0" smtClean="0"/>
-                        <a:t>Request</a:t>
-                      </a:r>
-                      <a:endParaRPr lang="ko-KR" altLang="en-US" sz="1200" dirty="0"/>
-                    </a:p>
-                  </a:txBody>
-                  <a:tcPr marL="68580" marR="68580"/>
-                </a:tc>
-              </a:tr>
-              <a:tr h="170543">
-                <a:tc>
-                  <a:txBody>
-                    <a:bodyPr/>
-                    <a:lstStyle/>
-                    <a:p>
-                      <a:pPr marL="0" marR="0" indent="0" algn="l" defTabSz="914400" rtl="0" eaLnBrk="1" fontAlgn="auto" latinLnBrk="1" hangingPunct="1">
-                        <a:lnSpc>
-                          <a:spcPct val="100000"/>
-                        </a:lnSpc>
-                        <a:spcBef>
-                          <a:spcPts val="0"/>
-                        </a:spcBef>
-                        <a:spcAft>
-                          <a:spcPts val="0"/>
-                        </a:spcAft>
-                        <a:buClrTx/>
-                        <a:buSzTx/>
-                        <a:buFontTx/>
-                        <a:buNone/>
-                        <a:tabLst/>
-                        <a:defRPr/>
-                      </a:pPr>
-                      <a:endParaRPr lang="ko-KR" altLang="en-US" sz="1000" dirty="0"/>
-                    </a:p>
-                  </a:txBody>
-                  <a:tcPr marL="68580" marR="68580"/>
-                </a:tc>
-              </a:tr>
-              <a:tr h="170543">
-                <a:tc>
-                  <a:txBody>
-                    <a:bodyPr/>
-                    <a:lstStyle/>
-                    <a:p>
-                      <a:pPr latinLnBrk="1"/>
-                      <a:r>
-                        <a:rPr lang="en-US" altLang="ko-KR" sz="1200" dirty="0" smtClean="0"/>
-                        <a:t>Controller</a:t>
-                      </a:r>
-                      <a:endParaRPr lang="ko-KR" altLang="en-US" sz="1200" dirty="0"/>
-                    </a:p>
-                  </a:txBody>
-                  <a:tcPr marL="68580" marR="68580"/>
-                </a:tc>
-              </a:tr>
-              <a:tr h="170543">
-                <a:tc>
-                  <a:txBody>
-                    <a:bodyPr/>
-                    <a:lstStyle/>
-                    <a:p>
-                      <a:pPr marL="0" marR="0" indent="0" algn="l" defTabSz="914400" rtl="0" eaLnBrk="1" fontAlgn="auto" latinLnBrk="1" hangingPunct="1">
-                        <a:lnSpc>
-                          <a:spcPct val="100000"/>
-                        </a:lnSpc>
-                        <a:spcBef>
-                          <a:spcPts val="0"/>
-                        </a:spcBef>
-                        <a:spcAft>
-                          <a:spcPts val="0"/>
-                        </a:spcAft>
-                        <a:buClrTx/>
-                        <a:buSzTx/>
-                        <a:buFontTx/>
-                        <a:buNone/>
-                        <a:tabLst/>
-                        <a:defRPr/>
-                      </a:pPr>
-                      <a:endParaRPr lang="ko-KR" altLang="en-US" sz="1000" dirty="0"/>
-                    </a:p>
-                  </a:txBody>
-                  <a:tcPr marL="68580" marR="68580"/>
-                </a:tc>
-              </a:tr>
-              <a:tr h="170543">
-                <a:tc>
-                  <a:txBody>
-                    <a:bodyPr/>
-                    <a:lstStyle/>
-                    <a:p>
-                      <a:pPr latinLnBrk="1"/>
-                      <a:r>
-                        <a:rPr lang="en-US" altLang="ko-KR" sz="1200" dirty="0" smtClean="0"/>
-                        <a:t>Parameter</a:t>
-                      </a:r>
-                      <a:endParaRPr lang="ko-KR" altLang="en-US" sz="1200" dirty="0"/>
-                    </a:p>
-                  </a:txBody>
-                  <a:tcPr marL="68580" marR="68580"/>
-                </a:tc>
-              </a:tr>
-              <a:tr h="170543">
-                <a:tc>
-                  <a:txBody>
-                    <a:bodyPr/>
-                    <a:lstStyle/>
-                    <a:p>
-                      <a:pPr latinLnBrk="1"/>
-                      <a:endParaRPr lang="ko-KR" altLang="en-US" sz="1000" dirty="0"/>
-                    </a:p>
-                  </a:txBody>
-                  <a:tcPr marL="68580" marR="68580"/>
-                </a:tc>
-              </a:tr>
-              <a:tr h="170543">
-                <a:tc>
-                  <a:txBody>
-                    <a:bodyPr/>
-                    <a:lstStyle/>
-                    <a:p>
-                      <a:pPr latinLnBrk="1"/>
-                      <a:r>
-                        <a:rPr lang="en-US" altLang="ko-KR" sz="1000" dirty="0" smtClean="0"/>
-                        <a:t>View</a:t>
-                      </a:r>
-                      <a:endParaRPr lang="ko-KR" altLang="en-US" sz="1000" dirty="0"/>
-                    </a:p>
-                  </a:txBody>
-                  <a:tcPr marL="68580" marR="68580"/>
-                </a:tc>
-              </a:tr>
-              <a:tr h="170543">
-                <a:tc>
-                  <a:txBody>
-                    <a:bodyPr/>
-                    <a:lstStyle/>
-                    <a:p>
-                      <a:pPr latinLnBrk="1"/>
-                      <a:endParaRPr lang="ko-KR" altLang="en-US" sz="1000" dirty="0"/>
-                    </a:p>
-                  </a:txBody>
-                  <a:tcPr marL="68580" marR="68580"/>
-                </a:tc>
-              </a:tr>
-            </a:tbl>
-          </a:graphicData>
-        </a:graphic>
-      </p:graphicFrame>
       <p:sp>
         <p:nvSpPr>
           <p:cNvPr id="6" name="직사각형 5"/>
@@ -10571,7 +10473,7 @@
         <p:spPr>
           <a:xfrm>
             <a:off x="6752401" y="908720"/>
-            <a:ext cx="2212087" cy="3384376"/>
+            <a:ext cx="2212087" cy="2486992"/>
           </a:xfrm>
           <a:prstGeom prst="rect">
             <a:avLst/>
@@ -10680,12 +10582,6 @@
               </a:rPr>
               <a:t>.</a:t>
             </a:r>
-            <a:endParaRPr lang="en-US" altLang="ko-KR" sz="800" dirty="0">
-              <a:solidFill>
-                <a:schemeClr val="tx1"/>
-              </a:solidFill>
-              <a:latin typeface="+mn-ea"/>
-            </a:endParaRPr>
           </a:p>
         </p:txBody>
       </p:sp>
@@ -10834,6 +10730,236 @@
           </a:p>
         </p:txBody>
       </p:sp>
+      <p:graphicFrame>
+        <p:nvGraphicFramePr>
+          <p:cNvPr id="9" name="표 8"/>
+          <p:cNvGraphicFramePr>
+            <a:graphicFrameLocks noGrp="1"/>
+          </p:cNvGraphicFramePr>
+          <p:nvPr>
+            <p:extLst>
+              <p:ext uri="{D42A27DB-BD31-4B8C-83A1-F6EECF244321}">
+                <p14:modId xmlns:p14="http://schemas.microsoft.com/office/powerpoint/2010/main" val="2918012247"/>
+              </p:ext>
+            </p:extLst>
+          </p:nvPr>
+        </p:nvGraphicFramePr>
+        <p:xfrm>
+          <a:off x="6779287" y="3428999"/>
+          <a:ext cx="2158313" cy="3168350"/>
+        </p:xfrm>
+        <a:graphic>
+          <a:graphicData uri="http://schemas.openxmlformats.org/drawingml/2006/table">
+            <a:tbl>
+              <a:tblPr firstRow="1" bandRow="1">
+                <a:tableStyleId>{F5AB1C69-6EDB-4FF4-983F-18BD219EF322}</a:tableStyleId>
+              </a:tblPr>
+              <a:tblGrid>
+                <a:gridCol w="2158313"/>
+              </a:tblGrid>
+              <a:tr h="380202">
+                <a:tc>
+                  <a:txBody>
+                    <a:bodyPr/>
+                    <a:lstStyle/>
+                    <a:p>
+                      <a:pPr algn="ctr" latinLnBrk="1"/>
+                      <a:r>
+                        <a:rPr lang="ko-KR" altLang="en-US" sz="1200" dirty="0" smtClean="0"/>
+                        <a:t>경로</a:t>
+                      </a:r>
+                      <a:endParaRPr lang="ko-KR" altLang="en-US" sz="1200" dirty="0"/>
+                    </a:p>
+                  </a:txBody>
+                  <a:tcPr marL="68580" marR="68580"/>
+                </a:tc>
+              </a:tr>
+              <a:tr h="380202">
+                <a:tc>
+                  <a:txBody>
+                    <a:bodyPr/>
+                    <a:lstStyle/>
+                    <a:p>
+                      <a:pPr latinLnBrk="1"/>
+                      <a:r>
+                        <a:rPr lang="en-US" altLang="ko-KR" sz="1200" dirty="0" smtClean="0"/>
+                        <a:t>Request</a:t>
+                      </a:r>
+                      <a:endParaRPr lang="ko-KR" altLang="en-US" sz="1200" dirty="0"/>
+                    </a:p>
+                  </a:txBody>
+                  <a:tcPr marL="68580" marR="68580"/>
+                </a:tc>
+              </a:tr>
+              <a:tr h="549181">
+                <a:tc>
+                  <a:txBody>
+                    <a:bodyPr/>
+                    <a:lstStyle/>
+                    <a:p>
+                      <a:pPr marL="0" marR="0" indent="0" algn="l" defTabSz="914400" rtl="0" eaLnBrk="1" fontAlgn="auto" latinLnBrk="1" hangingPunct="1">
+                        <a:lnSpc>
+                          <a:spcPct val="100000"/>
+                        </a:lnSpc>
+                        <a:spcBef>
+                          <a:spcPts val="0"/>
+                        </a:spcBef>
+                        <a:spcAft>
+                          <a:spcPts val="0"/>
+                        </a:spcAft>
+                        <a:buClrTx/>
+                        <a:buSzTx/>
+                        <a:buFontTx/>
+                        <a:buNone/>
+                        <a:tabLst/>
+                        <a:defRPr/>
+                      </a:pPr>
+                      <a:r>
+                        <a:rPr lang="en-US" altLang="ko-KR" sz="1000" dirty="0" smtClean="0"/>
+                        <a:t>/</a:t>
+                      </a:r>
+                      <a:r>
+                        <a:rPr lang="en-US" altLang="ko-KR" sz="1000" dirty="0" err="1" smtClean="0"/>
+                        <a:t>PlayerUpdate</a:t>
+                      </a:r>
+                      <a:r>
+                        <a:rPr lang="en-US" altLang="ko-KR" sz="1000" dirty="0" smtClean="0">
+                          <a:solidFill>
+                            <a:schemeClr val="tx1"/>
+                          </a:solidFill>
+                        </a:rPr>
+                        <a:t>,</a:t>
+                      </a:r>
+                      <a:r>
+                        <a:rPr lang="en-US" altLang="ko-KR" sz="1000" baseline="0" dirty="0" smtClean="0">
+                          <a:solidFill>
+                            <a:schemeClr val="tx1"/>
+                          </a:solidFill>
+                        </a:rPr>
+                        <a:t> /</a:t>
+                      </a:r>
+                      <a:r>
+                        <a:rPr lang="en-US" altLang="ko-KR" sz="1000" baseline="0" dirty="0" err="1" smtClean="0">
+                          <a:solidFill>
+                            <a:schemeClr val="tx1"/>
+                          </a:solidFill>
+                        </a:rPr>
+                        <a:t>PlayerHistoryUpdate</a:t>
+                      </a:r>
+                      <a:endParaRPr lang="en-US" altLang="ko-KR" sz="1000" dirty="0" smtClean="0"/>
+                    </a:p>
+                  </a:txBody>
+                  <a:tcPr marL="68580" marR="68580"/>
+                </a:tc>
+              </a:tr>
+              <a:tr h="380202">
+                <a:tc>
+                  <a:txBody>
+                    <a:bodyPr/>
+                    <a:lstStyle/>
+                    <a:p>
+                      <a:pPr latinLnBrk="1"/>
+                      <a:r>
+                        <a:rPr lang="en-US" altLang="ko-KR" sz="1200" dirty="0" smtClean="0"/>
+                        <a:t>Controller</a:t>
+                      </a:r>
+                      <a:endParaRPr lang="ko-KR" altLang="en-US" sz="1200" dirty="0"/>
+                    </a:p>
+                  </a:txBody>
+                  <a:tcPr marL="68580" marR="68580"/>
+                </a:tc>
+              </a:tr>
+              <a:tr h="760404">
+                <a:tc>
+                  <a:txBody>
+                    <a:bodyPr/>
+                    <a:lstStyle/>
+                    <a:p>
+                      <a:pPr marL="0" marR="0" indent="0" algn="l" defTabSz="914400" rtl="0" eaLnBrk="1" fontAlgn="auto" latinLnBrk="1" hangingPunct="1">
+                        <a:lnSpc>
+                          <a:spcPct val="100000"/>
+                        </a:lnSpc>
+                        <a:spcBef>
+                          <a:spcPts val="0"/>
+                        </a:spcBef>
+                        <a:spcAft>
+                          <a:spcPts val="0"/>
+                        </a:spcAft>
+                        <a:buClrTx/>
+                        <a:buSzTx/>
+                        <a:buFontTx/>
+                        <a:buNone/>
+                        <a:tabLst/>
+                        <a:defRPr/>
+                      </a:pPr>
+                      <a:r>
+                        <a:rPr lang="en-US" altLang="ko-KR" sz="1000" baseline="0" dirty="0" err="1" smtClean="0"/>
+                        <a:t>PlayerController</a:t>
+                      </a:r>
+                      <a:endParaRPr lang="en-US" altLang="ko-KR" sz="1000" dirty="0" smtClean="0">
+                        <a:solidFill>
+                          <a:schemeClr val="tx1"/>
+                        </a:solidFill>
+                      </a:endParaRPr>
+                    </a:p>
+                  </a:txBody>
+                  <a:tcPr marL="68580" marR="68580"/>
+                </a:tc>
+              </a:tr>
+              <a:tr h="380202">
+                <a:tc>
+                  <a:txBody>
+                    <a:bodyPr/>
+                    <a:lstStyle/>
+                    <a:p>
+                      <a:pPr latinLnBrk="1"/>
+                      <a:r>
+                        <a:rPr lang="en-US" altLang="ko-KR" sz="1200" dirty="0" smtClean="0"/>
+                        <a:t>View</a:t>
+                      </a:r>
+                      <a:endParaRPr lang="ko-KR" altLang="en-US" sz="1200" dirty="0"/>
+                    </a:p>
+                  </a:txBody>
+                  <a:tcPr marL="68580" marR="68580"/>
+                </a:tc>
+              </a:tr>
+              <a:tr h="337957">
+                <a:tc>
+                  <a:txBody>
+                    <a:bodyPr/>
+                    <a:lstStyle/>
+                    <a:p>
+                      <a:pPr marL="0" marR="0" indent="0" algn="l" defTabSz="914400" rtl="0" eaLnBrk="1" fontAlgn="auto" latinLnBrk="1" hangingPunct="1">
+                        <a:lnSpc>
+                          <a:spcPct val="100000"/>
+                        </a:lnSpc>
+                        <a:spcBef>
+                          <a:spcPts val="0"/>
+                        </a:spcBef>
+                        <a:spcAft>
+                          <a:spcPts val="0"/>
+                        </a:spcAft>
+                        <a:buClrTx/>
+                        <a:buSzTx/>
+                        <a:buFontTx/>
+                        <a:buNone/>
+                        <a:tabLst/>
+                        <a:defRPr/>
+                      </a:pPr>
+                      <a:r>
+                        <a:rPr lang="en-US" altLang="ko-KR" sz="1000" dirty="0" err="1" smtClean="0"/>
+                        <a:t>PlayerUpdate.jsp</a:t>
+                      </a:r>
+                      <a:endParaRPr lang="ko-KR" altLang="en-US" sz="1000" dirty="0" smtClean="0"/>
+                    </a:p>
+                  </a:txBody>
+                  <a:tcPr marL="68580" marR="68580"/>
+                </a:tc>
+              </a:tr>
+            </a:tbl>
+          </a:graphicData>
+        </a:graphic>
+      </p:graphicFrame>
     </p:spTree>
     <p:extLst>
       <p:ext uri="{BB962C8B-B14F-4D97-AF65-F5344CB8AC3E}">
@@ -11714,206 +11840,6 @@
           </a:graphicData>
         </a:graphic>
       </p:graphicFrame>
-      <p:graphicFrame>
-        <p:nvGraphicFramePr>
-          <p:cNvPr id="23" name="표 22"/>
-          <p:cNvGraphicFramePr>
-            <a:graphicFrameLocks noGrp="1"/>
-          </p:cNvGraphicFramePr>
-          <p:nvPr>
-            <p:extLst>
-              <p:ext uri="{D42A27DB-BD31-4B8C-83A1-F6EECF244321}">
-                <p14:modId xmlns:p14="http://schemas.microsoft.com/office/powerpoint/2010/main" val="738574299"/>
-              </p:ext>
-            </p:extLst>
-          </p:nvPr>
-        </p:nvGraphicFramePr>
-        <p:xfrm>
-          <a:off x="6781801" y="4319365"/>
-          <a:ext cx="2158313" cy="2316480"/>
-        </p:xfrm>
-        <a:graphic>
-          <a:graphicData uri="http://schemas.openxmlformats.org/drawingml/2006/table">
-            <a:tbl>
-              <a:tblPr firstRow="1" bandRow="1">
-                <a:tableStyleId>{F5AB1C69-6EDB-4FF4-983F-18BD219EF322}</a:tableStyleId>
-              </a:tblPr>
-              <a:tblGrid>
-                <a:gridCol w="2158313"/>
-              </a:tblGrid>
-              <a:tr h="170543">
-                <a:tc>
-                  <a:txBody>
-                    <a:bodyPr/>
-                    <a:lstStyle/>
-                    <a:p>
-                      <a:pPr algn="ctr" latinLnBrk="1"/>
-                      <a:r>
-                        <a:rPr lang="ko-KR" altLang="en-US" sz="1200" dirty="0" smtClean="0"/>
-                        <a:t>경로</a:t>
-                      </a:r>
-                      <a:endParaRPr lang="ko-KR" altLang="en-US" sz="1200" dirty="0"/>
-                    </a:p>
-                  </a:txBody>
-                  <a:tcPr marL="68580" marR="68580"/>
-                </a:tc>
-              </a:tr>
-              <a:tr h="170543">
-                <a:tc>
-                  <a:txBody>
-                    <a:bodyPr/>
-                    <a:lstStyle/>
-                    <a:p>
-                      <a:pPr latinLnBrk="1"/>
-                      <a:r>
-                        <a:rPr lang="en-US" altLang="ko-KR" sz="1200" dirty="0" smtClean="0"/>
-                        <a:t>Request</a:t>
-                      </a:r>
-                      <a:endParaRPr lang="ko-KR" altLang="en-US" sz="1200" dirty="0"/>
-                    </a:p>
-                  </a:txBody>
-                  <a:tcPr marL="68580" marR="68580"/>
-                </a:tc>
-              </a:tr>
-              <a:tr h="170543">
-                <a:tc>
-                  <a:txBody>
-                    <a:bodyPr/>
-                    <a:lstStyle/>
-                    <a:p>
-                      <a:pPr marL="0" marR="0" indent="0" algn="l" defTabSz="914400" rtl="0" eaLnBrk="1" fontAlgn="auto" latinLnBrk="1" hangingPunct="1">
-                        <a:lnSpc>
-                          <a:spcPct val="100000"/>
-                        </a:lnSpc>
-                        <a:spcBef>
-                          <a:spcPts val="0"/>
-                        </a:spcBef>
-                        <a:spcAft>
-                          <a:spcPts val="0"/>
-                        </a:spcAft>
-                        <a:buClrTx/>
-                        <a:buSzTx/>
-                        <a:buFontTx/>
-                        <a:buNone/>
-                        <a:tabLst/>
-                        <a:defRPr/>
-                      </a:pPr>
-                      <a:endParaRPr lang="ko-KR" altLang="en-US" sz="1000" dirty="0"/>
-                    </a:p>
-                  </a:txBody>
-                  <a:tcPr marL="68580" marR="68580"/>
-                </a:tc>
-              </a:tr>
-              <a:tr h="170543">
-                <a:tc>
-                  <a:txBody>
-                    <a:bodyPr/>
-                    <a:lstStyle/>
-                    <a:p>
-                      <a:pPr latinLnBrk="1"/>
-                      <a:r>
-                        <a:rPr lang="en-US" altLang="ko-KR" sz="1200" dirty="0" smtClean="0"/>
-                        <a:t>Controller</a:t>
-                      </a:r>
-                      <a:endParaRPr lang="ko-KR" altLang="en-US" sz="1200" dirty="0"/>
-                    </a:p>
-                  </a:txBody>
-                  <a:tcPr marL="68580" marR="68580"/>
-                </a:tc>
-              </a:tr>
-              <a:tr h="170543">
-                <a:tc>
-                  <a:txBody>
-                    <a:bodyPr/>
-                    <a:lstStyle/>
-                    <a:p>
-                      <a:pPr marL="0" marR="0" indent="0" algn="l" defTabSz="914400" rtl="0" eaLnBrk="1" fontAlgn="auto" latinLnBrk="1" hangingPunct="1">
-                        <a:lnSpc>
-                          <a:spcPct val="100000"/>
-                        </a:lnSpc>
-                        <a:spcBef>
-                          <a:spcPts val="0"/>
-                        </a:spcBef>
-                        <a:spcAft>
-                          <a:spcPts val="0"/>
-                        </a:spcAft>
-                        <a:buClrTx/>
-                        <a:buSzTx/>
-                        <a:buFontTx/>
-                        <a:buNone/>
-                        <a:tabLst/>
-                        <a:defRPr/>
-                      </a:pPr>
-                      <a:endParaRPr lang="ko-KR" altLang="en-US" sz="1000" dirty="0"/>
-                    </a:p>
-                  </a:txBody>
-                  <a:tcPr marL="68580" marR="68580"/>
-                </a:tc>
-              </a:tr>
-              <a:tr h="170543">
-                <a:tc>
-                  <a:txBody>
-                    <a:bodyPr/>
-                    <a:lstStyle/>
-                    <a:p>
-                      <a:pPr latinLnBrk="1"/>
-                      <a:r>
-                        <a:rPr lang="en-US" altLang="ko-KR" sz="1200" dirty="0" smtClean="0"/>
-                        <a:t>Parameter</a:t>
-                      </a:r>
-                      <a:endParaRPr lang="ko-KR" altLang="en-US" sz="1200" dirty="0"/>
-                    </a:p>
-                  </a:txBody>
-                  <a:tcPr marL="68580" marR="68580"/>
-                </a:tc>
-              </a:tr>
-              <a:tr h="170543">
-                <a:tc>
-                  <a:txBody>
-                    <a:bodyPr/>
-                    <a:lstStyle/>
-                    <a:p>
-                      <a:pPr latinLnBrk="1"/>
-                      <a:endParaRPr lang="ko-KR" altLang="en-US" sz="1000" dirty="0"/>
-                    </a:p>
-                  </a:txBody>
-                  <a:tcPr marL="68580" marR="68580"/>
-                </a:tc>
-              </a:tr>
-              <a:tr h="170543">
-                <a:tc>
-                  <a:txBody>
-                    <a:bodyPr/>
-                    <a:lstStyle/>
-                    <a:p>
-                      <a:pPr latinLnBrk="1"/>
-                      <a:r>
-                        <a:rPr lang="en-US" altLang="ko-KR" sz="1000" dirty="0" smtClean="0"/>
-                        <a:t>View</a:t>
-                      </a:r>
-                      <a:endParaRPr lang="ko-KR" altLang="en-US" sz="1000" dirty="0"/>
-                    </a:p>
-                  </a:txBody>
-                  <a:tcPr marL="68580" marR="68580"/>
-                </a:tc>
-              </a:tr>
-              <a:tr h="170543">
-                <a:tc>
-                  <a:txBody>
-                    <a:bodyPr/>
-                    <a:lstStyle/>
-                    <a:p>
-                      <a:pPr latinLnBrk="1"/>
-                      <a:endParaRPr lang="ko-KR" altLang="en-US" sz="1000" dirty="0"/>
-                    </a:p>
-                  </a:txBody>
-                  <a:tcPr marL="68580" marR="68580"/>
-                </a:tc>
-              </a:tr>
-            </a:tbl>
-          </a:graphicData>
-        </a:graphic>
-      </p:graphicFrame>
       <p:sp>
         <p:nvSpPr>
           <p:cNvPr id="6" name="직사각형 5"/>
@@ -11923,7 +11849,7 @@
         <p:spPr>
           <a:xfrm>
             <a:off x="6752401" y="908720"/>
-            <a:ext cx="2212087" cy="3384376"/>
+            <a:ext cx="2212087" cy="2448272"/>
           </a:xfrm>
           <a:prstGeom prst="rect">
             <a:avLst/>
@@ -11973,12 +11899,6 @@
               </a:rPr>
               <a:t>.</a:t>
             </a:r>
-            <a:endParaRPr lang="en-US" altLang="ko-KR" sz="800" dirty="0" smtClean="0">
-              <a:solidFill>
-                <a:schemeClr val="tx1"/>
-              </a:solidFill>
-              <a:latin typeface="+mn-ea"/>
-            </a:endParaRPr>
           </a:p>
           <a:p>
             <a:pPr marL="228600" indent="-228600" algn="ctr">
@@ -11992,16 +11912,7 @@
                 </a:solidFill>
                 <a:latin typeface="+mn-ea"/>
               </a:rPr>
-              <a:t>경기일정을</a:t>
-            </a:r>
-            <a:r>
-              <a:rPr lang="ko-KR" altLang="en-US" sz="800" smtClean="0">
-                <a:solidFill>
-                  <a:schemeClr val="tx1"/>
-                </a:solidFill>
-                <a:latin typeface="+mn-ea"/>
-              </a:rPr>
-              <a:t> 수정할 </a:t>
+              <a:t>경기일정을 수정할 </a:t>
             </a:r>
             <a:r>
               <a:rPr lang="ko-KR" altLang="en-US" sz="800" dirty="0">
@@ -12169,6 +12080,228 @@
           </a:p>
         </p:txBody>
       </p:sp>
+      <p:graphicFrame>
+        <p:nvGraphicFramePr>
+          <p:cNvPr id="9" name="표 8"/>
+          <p:cNvGraphicFramePr>
+            <a:graphicFrameLocks noGrp="1"/>
+          </p:cNvGraphicFramePr>
+          <p:nvPr>
+            <p:extLst>
+              <p:ext uri="{D42A27DB-BD31-4B8C-83A1-F6EECF244321}">
+                <p14:modId xmlns:p14="http://schemas.microsoft.com/office/powerpoint/2010/main" val="2512219435"/>
+              </p:ext>
+            </p:extLst>
+          </p:nvPr>
+        </p:nvGraphicFramePr>
+        <p:xfrm>
+          <a:off x="6779287" y="3428999"/>
+          <a:ext cx="2158313" cy="3168350"/>
+        </p:xfrm>
+        <a:graphic>
+          <a:graphicData uri="http://schemas.openxmlformats.org/drawingml/2006/table">
+            <a:tbl>
+              <a:tblPr firstRow="1" bandRow="1">
+                <a:tableStyleId>{F5AB1C69-6EDB-4FF4-983F-18BD219EF322}</a:tableStyleId>
+              </a:tblPr>
+              <a:tblGrid>
+                <a:gridCol w="2158313"/>
+              </a:tblGrid>
+              <a:tr h="380202">
+                <a:tc>
+                  <a:txBody>
+                    <a:bodyPr/>
+                    <a:lstStyle/>
+                    <a:p>
+                      <a:pPr algn="ctr" latinLnBrk="1"/>
+                      <a:r>
+                        <a:rPr lang="ko-KR" altLang="en-US" sz="1200" dirty="0" smtClean="0"/>
+                        <a:t>경로</a:t>
+                      </a:r>
+                      <a:endParaRPr lang="ko-KR" altLang="en-US" sz="1200" dirty="0"/>
+                    </a:p>
+                  </a:txBody>
+                  <a:tcPr marL="68580" marR="68580"/>
+                </a:tc>
+              </a:tr>
+              <a:tr h="380202">
+                <a:tc>
+                  <a:txBody>
+                    <a:bodyPr/>
+                    <a:lstStyle/>
+                    <a:p>
+                      <a:pPr latinLnBrk="1"/>
+                      <a:r>
+                        <a:rPr lang="en-US" altLang="ko-KR" sz="1200" dirty="0" smtClean="0"/>
+                        <a:t>Request</a:t>
+                      </a:r>
+                      <a:endParaRPr lang="ko-KR" altLang="en-US" sz="1200" dirty="0"/>
+                    </a:p>
+                  </a:txBody>
+                  <a:tcPr marL="68580" marR="68580"/>
+                </a:tc>
+              </a:tr>
+              <a:tr h="549181">
+                <a:tc>
+                  <a:txBody>
+                    <a:bodyPr/>
+                    <a:lstStyle/>
+                    <a:p>
+                      <a:pPr marL="0" marR="0" indent="0" algn="l" defTabSz="914400" rtl="0" eaLnBrk="1" fontAlgn="auto" latinLnBrk="1" hangingPunct="1">
+                        <a:lnSpc>
+                          <a:spcPct val="100000"/>
+                        </a:lnSpc>
+                        <a:spcBef>
+                          <a:spcPts val="0"/>
+                        </a:spcBef>
+                        <a:spcAft>
+                          <a:spcPts val="0"/>
+                        </a:spcAft>
+                        <a:buClrTx/>
+                        <a:buSzTx/>
+                        <a:buFontTx/>
+                        <a:buNone/>
+                        <a:tabLst/>
+                        <a:defRPr/>
+                      </a:pPr>
+                      <a:r>
+                        <a:rPr lang="en-US" altLang="ko-KR" sz="1000" dirty="0" smtClean="0"/>
+                        <a:t>/</a:t>
+                      </a:r>
+                      <a:r>
+                        <a:rPr lang="en-US" altLang="ko-KR" sz="1000" dirty="0" err="1" smtClean="0"/>
+                        <a:t>ErrorBoard</a:t>
+                      </a:r>
+                      <a:r>
+                        <a:rPr lang="en-US" altLang="ko-KR" sz="1000" dirty="0" smtClean="0"/>
+                        <a:t>, /</a:t>
+                      </a:r>
+                      <a:r>
+                        <a:rPr lang="en-US" altLang="ko-KR" sz="1000" dirty="0" err="1" smtClean="0"/>
+                        <a:t>ScheduleUpdate</a:t>
+                      </a:r>
+                      <a:endParaRPr lang="en-US" altLang="ko-KR" sz="1000" dirty="0" smtClean="0"/>
+                    </a:p>
+                  </a:txBody>
+                  <a:tcPr marL="68580" marR="68580"/>
+                </a:tc>
+              </a:tr>
+              <a:tr h="380202">
+                <a:tc>
+                  <a:txBody>
+                    <a:bodyPr/>
+                    <a:lstStyle/>
+                    <a:p>
+                      <a:pPr latinLnBrk="1"/>
+                      <a:r>
+                        <a:rPr lang="en-US" altLang="ko-KR" sz="1200" dirty="0" smtClean="0"/>
+                        <a:t>Controller</a:t>
+                      </a:r>
+                      <a:endParaRPr lang="ko-KR" altLang="en-US" sz="1200" dirty="0"/>
+                    </a:p>
+                  </a:txBody>
+                  <a:tcPr marL="68580" marR="68580"/>
+                </a:tc>
+              </a:tr>
+              <a:tr h="760404">
+                <a:tc>
+                  <a:txBody>
+                    <a:bodyPr/>
+                    <a:lstStyle/>
+                    <a:p>
+                      <a:pPr marL="0" marR="0" indent="0" algn="l" defTabSz="914400" rtl="0" eaLnBrk="1" fontAlgn="auto" latinLnBrk="1" hangingPunct="1">
+                        <a:lnSpc>
+                          <a:spcPct val="100000"/>
+                        </a:lnSpc>
+                        <a:spcBef>
+                          <a:spcPts val="0"/>
+                        </a:spcBef>
+                        <a:spcAft>
+                          <a:spcPts val="0"/>
+                        </a:spcAft>
+                        <a:buClrTx/>
+                        <a:buSzTx/>
+                        <a:buFontTx/>
+                        <a:buNone/>
+                        <a:tabLst/>
+                        <a:defRPr/>
+                      </a:pPr>
+                      <a:r>
+                        <a:rPr lang="en-US" altLang="ko-KR" sz="1000" dirty="0" err="1" smtClean="0"/>
+                        <a:t>ErrorController</a:t>
+                      </a:r>
+                      <a:r>
+                        <a:rPr lang="en-US" altLang="ko-KR" sz="1000" dirty="0" smtClean="0"/>
+                        <a:t>, </a:t>
+                      </a:r>
+                      <a:r>
+                        <a:rPr lang="en-US" altLang="ko-KR" sz="1000" baseline="0" dirty="0" err="1" smtClean="0"/>
+                        <a:t>ScheduleController</a:t>
+                      </a:r>
+                      <a:endParaRPr lang="en-US" altLang="ko-KR" sz="1000" dirty="0" smtClean="0">
+                        <a:solidFill>
+                          <a:schemeClr val="tx1"/>
+                        </a:solidFill>
+                      </a:endParaRPr>
+                    </a:p>
+                  </a:txBody>
+                  <a:tcPr marL="68580" marR="68580"/>
+                </a:tc>
+              </a:tr>
+              <a:tr h="380202">
+                <a:tc>
+                  <a:txBody>
+                    <a:bodyPr/>
+                    <a:lstStyle/>
+                    <a:p>
+                      <a:pPr latinLnBrk="1"/>
+                      <a:r>
+                        <a:rPr lang="en-US" altLang="ko-KR" sz="1200" dirty="0" smtClean="0"/>
+                        <a:t>View</a:t>
+                      </a:r>
+                      <a:endParaRPr lang="ko-KR" altLang="en-US" sz="1200" dirty="0"/>
+                    </a:p>
+                  </a:txBody>
+                  <a:tcPr marL="68580" marR="68580"/>
+                </a:tc>
+              </a:tr>
+              <a:tr h="337957">
+                <a:tc>
+                  <a:txBody>
+                    <a:bodyPr/>
+                    <a:lstStyle/>
+                    <a:p>
+                      <a:pPr marL="0" marR="0" indent="0" algn="l" defTabSz="914400" rtl="0" eaLnBrk="1" fontAlgn="auto" latinLnBrk="1" hangingPunct="1">
+                        <a:lnSpc>
+                          <a:spcPct val="100000"/>
+                        </a:lnSpc>
+                        <a:spcBef>
+                          <a:spcPts val="0"/>
+                        </a:spcBef>
+                        <a:spcAft>
+                          <a:spcPts val="0"/>
+                        </a:spcAft>
+                        <a:buClrTx/>
+                        <a:buSzTx/>
+                        <a:buFontTx/>
+                        <a:buNone/>
+                        <a:tabLst/>
+                        <a:defRPr/>
+                      </a:pPr>
+                      <a:r>
+                        <a:rPr lang="en-US" altLang="ko-KR" sz="1000" dirty="0" err="1" smtClean="0"/>
+                        <a:t>ScheduleUpdate.jsp</a:t>
+                      </a:r>
+                      <a:endParaRPr lang="ko-KR" altLang="en-US" sz="1000" dirty="0" smtClean="0"/>
+                    </a:p>
+                  </a:txBody>
+                  <a:tcPr marL="68580" marR="68580"/>
+                </a:tc>
+              </a:tr>
+            </a:tbl>
+          </a:graphicData>
+        </a:graphic>
+      </p:graphicFrame>
     </p:spTree>
     <p:extLst>
       <p:ext uri="{BB962C8B-B14F-4D97-AF65-F5344CB8AC3E}">
@@ -13076,206 +13209,6 @@
           </a:graphicData>
         </a:graphic>
       </p:graphicFrame>
-      <p:graphicFrame>
-        <p:nvGraphicFramePr>
-          <p:cNvPr id="23" name="표 22"/>
-          <p:cNvGraphicFramePr>
-            <a:graphicFrameLocks noGrp="1"/>
-          </p:cNvGraphicFramePr>
-          <p:nvPr>
-            <p:extLst>
-              <p:ext uri="{D42A27DB-BD31-4B8C-83A1-F6EECF244321}">
-                <p14:modId xmlns:p14="http://schemas.microsoft.com/office/powerpoint/2010/main" val="101464881"/>
-              </p:ext>
-            </p:extLst>
-          </p:nvPr>
-        </p:nvGraphicFramePr>
-        <p:xfrm>
-          <a:off x="6781801" y="4319365"/>
-          <a:ext cx="2158313" cy="2316480"/>
-        </p:xfrm>
-        <a:graphic>
-          <a:graphicData uri="http://schemas.openxmlformats.org/drawingml/2006/table">
-            <a:tbl>
-              <a:tblPr firstRow="1" bandRow="1">
-                <a:tableStyleId>{F5AB1C69-6EDB-4FF4-983F-18BD219EF322}</a:tableStyleId>
-              </a:tblPr>
-              <a:tblGrid>
-                <a:gridCol w="2158313"/>
-              </a:tblGrid>
-              <a:tr h="170543">
-                <a:tc>
-                  <a:txBody>
-                    <a:bodyPr/>
-                    <a:lstStyle/>
-                    <a:p>
-                      <a:pPr algn="ctr" latinLnBrk="1"/>
-                      <a:r>
-                        <a:rPr lang="ko-KR" altLang="en-US" sz="1200" dirty="0" smtClean="0"/>
-                        <a:t>경로</a:t>
-                      </a:r>
-                      <a:endParaRPr lang="ko-KR" altLang="en-US" sz="1200" dirty="0"/>
-                    </a:p>
-                  </a:txBody>
-                  <a:tcPr marL="68580" marR="68580"/>
-                </a:tc>
-              </a:tr>
-              <a:tr h="170543">
-                <a:tc>
-                  <a:txBody>
-                    <a:bodyPr/>
-                    <a:lstStyle/>
-                    <a:p>
-                      <a:pPr latinLnBrk="1"/>
-                      <a:r>
-                        <a:rPr lang="en-US" altLang="ko-KR" sz="1200" dirty="0" smtClean="0"/>
-                        <a:t>Request</a:t>
-                      </a:r>
-                      <a:endParaRPr lang="ko-KR" altLang="en-US" sz="1200" dirty="0"/>
-                    </a:p>
-                  </a:txBody>
-                  <a:tcPr marL="68580" marR="68580"/>
-                </a:tc>
-              </a:tr>
-              <a:tr h="170543">
-                <a:tc>
-                  <a:txBody>
-                    <a:bodyPr/>
-                    <a:lstStyle/>
-                    <a:p>
-                      <a:pPr marL="0" marR="0" indent="0" algn="l" defTabSz="914400" rtl="0" eaLnBrk="1" fontAlgn="auto" latinLnBrk="1" hangingPunct="1">
-                        <a:lnSpc>
-                          <a:spcPct val="100000"/>
-                        </a:lnSpc>
-                        <a:spcBef>
-                          <a:spcPts val="0"/>
-                        </a:spcBef>
-                        <a:spcAft>
-                          <a:spcPts val="0"/>
-                        </a:spcAft>
-                        <a:buClrTx/>
-                        <a:buSzTx/>
-                        <a:buFontTx/>
-                        <a:buNone/>
-                        <a:tabLst/>
-                        <a:defRPr/>
-                      </a:pPr>
-                      <a:endParaRPr lang="ko-KR" altLang="en-US" sz="1000" dirty="0"/>
-                    </a:p>
-                  </a:txBody>
-                  <a:tcPr marL="68580" marR="68580"/>
-                </a:tc>
-              </a:tr>
-              <a:tr h="170543">
-                <a:tc>
-                  <a:txBody>
-                    <a:bodyPr/>
-                    <a:lstStyle/>
-                    <a:p>
-                      <a:pPr latinLnBrk="1"/>
-                      <a:r>
-                        <a:rPr lang="en-US" altLang="ko-KR" sz="1200" dirty="0" smtClean="0"/>
-                        <a:t>Controller</a:t>
-                      </a:r>
-                      <a:endParaRPr lang="ko-KR" altLang="en-US" sz="1200" dirty="0"/>
-                    </a:p>
-                  </a:txBody>
-                  <a:tcPr marL="68580" marR="68580"/>
-                </a:tc>
-              </a:tr>
-              <a:tr h="170543">
-                <a:tc>
-                  <a:txBody>
-                    <a:bodyPr/>
-                    <a:lstStyle/>
-                    <a:p>
-                      <a:pPr marL="0" marR="0" indent="0" algn="l" defTabSz="914400" rtl="0" eaLnBrk="1" fontAlgn="auto" latinLnBrk="1" hangingPunct="1">
-                        <a:lnSpc>
-                          <a:spcPct val="100000"/>
-                        </a:lnSpc>
-                        <a:spcBef>
-                          <a:spcPts val="0"/>
-                        </a:spcBef>
-                        <a:spcAft>
-                          <a:spcPts val="0"/>
-                        </a:spcAft>
-                        <a:buClrTx/>
-                        <a:buSzTx/>
-                        <a:buFontTx/>
-                        <a:buNone/>
-                        <a:tabLst/>
-                        <a:defRPr/>
-                      </a:pPr>
-                      <a:endParaRPr lang="ko-KR" altLang="en-US" sz="1000" dirty="0"/>
-                    </a:p>
-                  </a:txBody>
-                  <a:tcPr marL="68580" marR="68580"/>
-                </a:tc>
-              </a:tr>
-              <a:tr h="170543">
-                <a:tc>
-                  <a:txBody>
-                    <a:bodyPr/>
-                    <a:lstStyle/>
-                    <a:p>
-                      <a:pPr latinLnBrk="1"/>
-                      <a:r>
-                        <a:rPr lang="en-US" altLang="ko-KR" sz="1200" dirty="0" smtClean="0"/>
-                        <a:t>Parameter</a:t>
-                      </a:r>
-                      <a:endParaRPr lang="ko-KR" altLang="en-US" sz="1200" dirty="0"/>
-                    </a:p>
-                  </a:txBody>
-                  <a:tcPr marL="68580" marR="68580"/>
-                </a:tc>
-              </a:tr>
-              <a:tr h="170543">
-                <a:tc>
-                  <a:txBody>
-                    <a:bodyPr/>
-                    <a:lstStyle/>
-                    <a:p>
-                      <a:pPr latinLnBrk="1"/>
-                      <a:endParaRPr lang="ko-KR" altLang="en-US" sz="1000" dirty="0"/>
-                    </a:p>
-                  </a:txBody>
-                  <a:tcPr marL="68580" marR="68580"/>
-                </a:tc>
-              </a:tr>
-              <a:tr h="170543">
-                <a:tc>
-                  <a:txBody>
-                    <a:bodyPr/>
-                    <a:lstStyle/>
-                    <a:p>
-                      <a:pPr latinLnBrk="1"/>
-                      <a:r>
-                        <a:rPr lang="en-US" altLang="ko-KR" sz="1000" dirty="0" smtClean="0"/>
-                        <a:t>View</a:t>
-                      </a:r>
-                      <a:endParaRPr lang="ko-KR" altLang="en-US" sz="1000" dirty="0"/>
-                    </a:p>
-                  </a:txBody>
-                  <a:tcPr marL="68580" marR="68580"/>
-                </a:tc>
-              </a:tr>
-              <a:tr h="170543">
-                <a:tc>
-                  <a:txBody>
-                    <a:bodyPr/>
-                    <a:lstStyle/>
-                    <a:p>
-                      <a:pPr latinLnBrk="1"/>
-                      <a:endParaRPr lang="ko-KR" altLang="en-US" sz="1000" dirty="0"/>
-                    </a:p>
-                  </a:txBody>
-                  <a:tcPr marL="68580" marR="68580"/>
-                </a:tc>
-              </a:tr>
-            </a:tbl>
-          </a:graphicData>
-        </a:graphic>
-      </p:graphicFrame>
       <p:sp>
         <p:nvSpPr>
           <p:cNvPr id="4" name="직사각형 3"/>
@@ -13285,7 +13218,7 @@
         <p:spPr>
           <a:xfrm>
             <a:off x="6752401" y="908720"/>
-            <a:ext cx="2212087" cy="3384376"/>
+            <a:ext cx="2212087" cy="2444283"/>
           </a:xfrm>
           <a:prstGeom prst="rect">
             <a:avLst/>
@@ -13651,6 +13584,907 @@
           </a:p>
         </p:txBody>
       </p:sp>
+      <p:sp>
+        <p:nvSpPr>
+          <p:cNvPr id="12" name="직사각형 11"/>
+          <p:cNvSpPr/>
+          <p:nvPr/>
+        </p:nvSpPr>
+        <p:spPr>
+          <a:xfrm>
+            <a:off x="-2216534" y="1675104"/>
+            <a:ext cx="2134350" cy="1008112"/>
+          </a:xfrm>
+          <a:prstGeom prst="rect">
+            <a:avLst/>
+          </a:prstGeom>
+          <a:solidFill>
+            <a:schemeClr val="bg1"/>
+          </a:solidFill>
+          <a:ln>
+            <a:solidFill>
+              <a:schemeClr val="tx2">
+                <a:lumMod val="60000"/>
+                <a:lumOff val="40000"/>
+              </a:schemeClr>
+            </a:solidFill>
+          </a:ln>
+        </p:spPr>
+        <p:style>
+          <a:lnRef idx="2">
+            <a:schemeClr val="accent1">
+              <a:shade val="50000"/>
+            </a:schemeClr>
+          </a:lnRef>
+          <a:fillRef idx="1">
+            <a:schemeClr val="accent1"/>
+          </a:fillRef>
+          <a:effectRef idx="0">
+            <a:schemeClr val="accent1"/>
+          </a:effectRef>
+          <a:fontRef idx="minor">
+            <a:schemeClr val="lt1"/>
+          </a:fontRef>
+        </p:style>
+        <p:txBody>
+          <a:bodyPr rtlCol="0" anchor="ctr"/>
+          <a:lstStyle/>
+          <a:p>
+            <a:r>
+              <a:rPr lang="en-US" altLang="ko-KR" sz="1000" dirty="0" smtClean="0">
+                <a:solidFill>
+                  <a:schemeClr val="tx1"/>
+                </a:solidFill>
+              </a:rPr>
+              <a:t>1.</a:t>
+            </a:r>
+            <a:r>
+              <a:rPr lang="ko-KR" altLang="en-US" sz="1000" dirty="0" smtClean="0">
+                <a:solidFill>
+                  <a:schemeClr val="tx1"/>
+                </a:solidFill>
+              </a:rPr>
+              <a:t>요청 </a:t>
+            </a:r>
+            <a:r>
+              <a:rPr lang="en-US" altLang="ko-KR" sz="1000" dirty="0" smtClean="0">
+                <a:solidFill>
+                  <a:schemeClr val="tx1"/>
+                </a:solidFill>
+              </a:rPr>
+              <a:t>: /</a:t>
+            </a:r>
+            <a:r>
+              <a:rPr lang="en-US" altLang="ko-KR" sz="1000" dirty="0" err="1" smtClean="0">
+                <a:solidFill>
+                  <a:schemeClr val="tx1"/>
+                </a:solidFill>
+              </a:rPr>
+              <a:t>Admin</a:t>
+            </a:r>
+            <a:r>
+              <a:rPr lang="en-US" altLang="ko-KR" sz="1000" dirty="0" err="1">
+                <a:solidFill>
+                  <a:schemeClr val="tx1"/>
+                </a:solidFill>
+              </a:rPr>
+              <a:t>B</a:t>
+            </a:r>
+            <a:r>
+              <a:rPr lang="en-US" altLang="ko-KR" sz="1000" dirty="0" err="1" smtClean="0">
+                <a:solidFill>
+                  <a:schemeClr val="tx1"/>
+                </a:solidFill>
+              </a:rPr>
+              <a:t>oard</a:t>
+            </a:r>
+            <a:endParaRPr lang="en-US" altLang="ko-KR" sz="1000" dirty="0" smtClean="0">
+              <a:solidFill>
+                <a:schemeClr val="tx1"/>
+              </a:solidFill>
+            </a:endParaRPr>
+          </a:p>
+          <a:p>
+            <a:r>
+              <a:rPr lang="en-US" altLang="ko-KR" sz="1000" dirty="0" smtClean="0">
+                <a:solidFill>
+                  <a:schemeClr val="tx1"/>
+                </a:solidFill>
+              </a:rPr>
+              <a:t>2.</a:t>
+            </a:r>
+            <a:r>
+              <a:rPr lang="ko-KR" altLang="en-US" sz="1000" dirty="0" smtClean="0">
+                <a:solidFill>
+                  <a:schemeClr val="tx1"/>
+                </a:solidFill>
+              </a:rPr>
+              <a:t>파라미터 </a:t>
+            </a:r>
+            <a:r>
+              <a:rPr lang="en-US" altLang="ko-KR" sz="1000" dirty="0" smtClean="0">
+                <a:solidFill>
+                  <a:schemeClr val="tx1"/>
+                </a:solidFill>
+              </a:rPr>
+              <a:t>: </a:t>
+            </a:r>
+            <a:r>
+              <a:rPr lang="ko-KR" altLang="en-US" sz="1000" dirty="0" smtClean="0">
+                <a:solidFill>
+                  <a:schemeClr val="tx1"/>
+                </a:solidFill>
+              </a:rPr>
+              <a:t>게시</a:t>
+            </a:r>
+            <a:r>
+              <a:rPr lang="ko-KR" altLang="en-US" sz="1000" dirty="0">
+                <a:solidFill>
+                  <a:schemeClr val="tx1"/>
+                </a:solidFill>
+              </a:rPr>
+              <a:t>판</a:t>
+            </a:r>
+            <a:r>
+              <a:rPr lang="en-US" altLang="ko-KR" sz="1000" dirty="0" smtClean="0">
+                <a:solidFill>
+                  <a:schemeClr val="tx1"/>
+                </a:solidFill>
+              </a:rPr>
+              <a:t>= / </a:t>
+            </a:r>
+            <a:r>
+              <a:rPr lang="ko-KR" altLang="en-US" sz="1000" dirty="0" smtClean="0">
+                <a:solidFill>
+                  <a:schemeClr val="tx1"/>
+                </a:solidFill>
+              </a:rPr>
+              <a:t>글번호</a:t>
+            </a:r>
+            <a:r>
+              <a:rPr lang="en-US" altLang="ko-KR" sz="1000" dirty="0" smtClean="0">
+                <a:solidFill>
+                  <a:schemeClr val="tx1"/>
+                </a:solidFill>
+              </a:rPr>
+              <a:t>= / </a:t>
+            </a:r>
+            <a:r>
+              <a:rPr lang="ko-KR" altLang="en-US" sz="1000" dirty="0" smtClean="0">
+                <a:solidFill>
+                  <a:schemeClr val="tx1"/>
+                </a:solidFill>
+              </a:rPr>
+              <a:t>작성자</a:t>
+            </a:r>
+            <a:r>
+              <a:rPr lang="en-US" altLang="ko-KR" sz="1000" dirty="0" smtClean="0">
+                <a:solidFill>
+                  <a:schemeClr val="tx1"/>
+                </a:solidFill>
+              </a:rPr>
+              <a:t>= / </a:t>
+            </a:r>
+            <a:r>
+              <a:rPr lang="ko-KR" altLang="en-US" sz="1000" dirty="0" smtClean="0">
+                <a:solidFill>
+                  <a:schemeClr val="tx1"/>
+                </a:solidFill>
+              </a:rPr>
+              <a:t>제목</a:t>
+            </a:r>
+            <a:r>
+              <a:rPr lang="en-US" altLang="ko-KR" sz="1000" dirty="0" smtClean="0">
+                <a:solidFill>
+                  <a:schemeClr val="tx1"/>
+                </a:solidFill>
+              </a:rPr>
+              <a:t>= / </a:t>
+            </a:r>
+            <a:r>
+              <a:rPr lang="ko-KR" altLang="en-US" sz="1000" dirty="0" smtClean="0">
+                <a:solidFill>
+                  <a:schemeClr val="tx1"/>
+                </a:solidFill>
+              </a:rPr>
+              <a:t>작성일 </a:t>
+            </a:r>
+            <a:r>
+              <a:rPr lang="en-US" altLang="ko-KR" sz="1000" dirty="0" smtClean="0">
+                <a:solidFill>
+                  <a:schemeClr val="tx1"/>
+                </a:solidFill>
+              </a:rPr>
+              <a:t>= </a:t>
+            </a:r>
+            <a:endParaRPr lang="en-US" altLang="ko-KR" sz="1000" dirty="0">
+              <a:solidFill>
+                <a:schemeClr val="tx1"/>
+              </a:solidFill>
+            </a:endParaRPr>
+          </a:p>
+        </p:txBody>
+      </p:sp>
+      <p:sp>
+        <p:nvSpPr>
+          <p:cNvPr id="13" name="직사각형 12"/>
+          <p:cNvSpPr/>
+          <p:nvPr/>
+        </p:nvSpPr>
+        <p:spPr>
+          <a:xfrm>
+            <a:off x="-2242164" y="3012323"/>
+            <a:ext cx="2134350" cy="1008112"/>
+          </a:xfrm>
+          <a:prstGeom prst="rect">
+            <a:avLst/>
+          </a:prstGeom>
+          <a:solidFill>
+            <a:schemeClr val="bg1"/>
+          </a:solidFill>
+          <a:ln>
+            <a:solidFill>
+              <a:schemeClr val="tx2">
+                <a:lumMod val="60000"/>
+                <a:lumOff val="40000"/>
+              </a:schemeClr>
+            </a:solidFill>
+          </a:ln>
+        </p:spPr>
+        <p:style>
+          <a:lnRef idx="2">
+            <a:schemeClr val="accent1">
+              <a:shade val="50000"/>
+            </a:schemeClr>
+          </a:lnRef>
+          <a:fillRef idx="1">
+            <a:schemeClr val="accent1"/>
+          </a:fillRef>
+          <a:effectRef idx="0">
+            <a:schemeClr val="accent1"/>
+          </a:effectRef>
+          <a:fontRef idx="minor">
+            <a:schemeClr val="lt1"/>
+          </a:fontRef>
+        </p:style>
+        <p:txBody>
+          <a:bodyPr rtlCol="0" anchor="ctr"/>
+          <a:lstStyle/>
+          <a:p>
+            <a:r>
+              <a:rPr lang="en-US" altLang="ko-KR" sz="1000" dirty="0" smtClean="0">
+                <a:solidFill>
+                  <a:schemeClr val="tx1"/>
+                </a:solidFill>
+              </a:rPr>
+              <a:t>1.</a:t>
+            </a:r>
+            <a:r>
+              <a:rPr lang="ko-KR" altLang="en-US" sz="1000" dirty="0" smtClean="0">
+                <a:solidFill>
+                  <a:schemeClr val="tx1"/>
+                </a:solidFill>
+              </a:rPr>
+              <a:t>요청 </a:t>
+            </a:r>
+            <a:r>
+              <a:rPr lang="en-US" altLang="ko-KR" sz="1000" dirty="0" smtClean="0">
+                <a:solidFill>
+                  <a:schemeClr val="tx1"/>
+                </a:solidFill>
+              </a:rPr>
+              <a:t>: /</a:t>
+            </a:r>
+            <a:r>
+              <a:rPr lang="en-US" altLang="ko-KR" sz="1000" dirty="0" err="1">
+                <a:solidFill>
+                  <a:schemeClr val="tx1"/>
+                </a:solidFill>
+              </a:rPr>
+              <a:t>A</a:t>
+            </a:r>
+            <a:r>
+              <a:rPr lang="en-US" altLang="ko-KR" sz="1000" dirty="0" err="1" smtClean="0">
+                <a:solidFill>
+                  <a:schemeClr val="tx1"/>
+                </a:solidFill>
+              </a:rPr>
+              <a:t>dminReport</a:t>
+            </a:r>
+            <a:endParaRPr lang="en-US" altLang="ko-KR" sz="1000" dirty="0" smtClean="0">
+              <a:solidFill>
+                <a:schemeClr val="tx1"/>
+              </a:solidFill>
+            </a:endParaRPr>
+          </a:p>
+          <a:p>
+            <a:r>
+              <a:rPr lang="en-US" altLang="ko-KR" sz="1000" dirty="0" smtClean="0">
+                <a:solidFill>
+                  <a:schemeClr val="tx1"/>
+                </a:solidFill>
+              </a:rPr>
+              <a:t>2.</a:t>
+            </a:r>
+            <a:r>
+              <a:rPr lang="ko-KR" altLang="en-US" sz="1000" dirty="0" smtClean="0">
+                <a:solidFill>
+                  <a:schemeClr val="tx1"/>
+                </a:solidFill>
+              </a:rPr>
+              <a:t>파라미터 </a:t>
+            </a:r>
+            <a:r>
+              <a:rPr lang="en-US" altLang="ko-KR" sz="1000" dirty="0" smtClean="0">
+                <a:solidFill>
+                  <a:schemeClr val="tx1"/>
+                </a:solidFill>
+              </a:rPr>
+              <a:t>: </a:t>
+            </a:r>
+            <a:r>
+              <a:rPr lang="ko-KR" altLang="en-US" sz="1000" dirty="0" smtClean="0">
+                <a:solidFill>
+                  <a:schemeClr val="tx1"/>
+                </a:solidFill>
+              </a:rPr>
+              <a:t>등록번호</a:t>
+            </a:r>
+            <a:r>
+              <a:rPr lang="en-US" altLang="ko-KR" sz="1000" dirty="0" smtClean="0">
+                <a:solidFill>
+                  <a:schemeClr val="tx1"/>
+                </a:solidFill>
+              </a:rPr>
+              <a:t>= / </a:t>
+            </a:r>
+            <a:r>
+              <a:rPr lang="ko-KR" altLang="en-US" sz="1000" dirty="0" smtClean="0">
+                <a:solidFill>
+                  <a:schemeClr val="tx1"/>
+                </a:solidFill>
+              </a:rPr>
+              <a:t>글번호</a:t>
+            </a:r>
+            <a:r>
+              <a:rPr lang="en-US" altLang="ko-KR" sz="1000" dirty="0" smtClean="0">
+                <a:solidFill>
+                  <a:schemeClr val="tx1"/>
+                </a:solidFill>
+              </a:rPr>
+              <a:t>= / </a:t>
+            </a:r>
+            <a:r>
+              <a:rPr lang="ko-KR" altLang="en-US" sz="1000" dirty="0" smtClean="0">
+                <a:solidFill>
+                  <a:schemeClr val="tx1"/>
+                </a:solidFill>
+              </a:rPr>
+              <a:t>작성자</a:t>
+            </a:r>
+            <a:r>
+              <a:rPr lang="en-US" altLang="ko-KR" sz="1000" dirty="0" smtClean="0">
+                <a:solidFill>
+                  <a:schemeClr val="tx1"/>
+                </a:solidFill>
+              </a:rPr>
+              <a:t>= / </a:t>
+            </a:r>
+            <a:r>
+              <a:rPr lang="ko-KR" altLang="en-US" sz="1000" dirty="0" smtClean="0">
+                <a:solidFill>
+                  <a:schemeClr val="tx1"/>
+                </a:solidFill>
+              </a:rPr>
+              <a:t>신고</a:t>
+            </a:r>
+            <a:r>
+              <a:rPr lang="ko-KR" altLang="en-US" sz="1000" dirty="0">
+                <a:solidFill>
+                  <a:schemeClr val="tx1"/>
+                </a:solidFill>
+              </a:rPr>
+              <a:t>자</a:t>
+            </a:r>
+            <a:r>
+              <a:rPr lang="en-US" altLang="ko-KR" sz="1000" dirty="0" smtClean="0">
+                <a:solidFill>
+                  <a:schemeClr val="tx1"/>
+                </a:solidFill>
+              </a:rPr>
+              <a:t>= / </a:t>
+            </a:r>
+            <a:r>
+              <a:rPr lang="ko-KR" altLang="en-US" sz="1000" dirty="0" smtClean="0">
+                <a:solidFill>
+                  <a:schemeClr val="tx1"/>
+                </a:solidFill>
+              </a:rPr>
+              <a:t>신고</a:t>
+            </a:r>
+            <a:r>
+              <a:rPr lang="ko-KR" altLang="en-US" sz="1000" dirty="0">
+                <a:solidFill>
+                  <a:schemeClr val="tx1"/>
+                </a:solidFill>
+              </a:rPr>
+              <a:t>일</a:t>
+            </a:r>
+            <a:r>
+              <a:rPr lang="ko-KR" altLang="en-US" sz="1000" dirty="0" smtClean="0">
+                <a:solidFill>
+                  <a:schemeClr val="tx1"/>
+                </a:solidFill>
+              </a:rPr>
+              <a:t> </a:t>
+            </a:r>
+            <a:r>
+              <a:rPr lang="en-US" altLang="ko-KR" sz="1000" dirty="0" smtClean="0">
+                <a:solidFill>
+                  <a:schemeClr val="tx1"/>
+                </a:solidFill>
+              </a:rPr>
+              <a:t>= / </a:t>
+            </a:r>
+            <a:r>
+              <a:rPr lang="ko-KR" altLang="en-US" sz="1000" dirty="0" smtClean="0">
+                <a:solidFill>
+                  <a:schemeClr val="tx1"/>
+                </a:solidFill>
+              </a:rPr>
+              <a:t>처리상태 </a:t>
+            </a:r>
+            <a:r>
+              <a:rPr lang="en-US" altLang="ko-KR" sz="1000" dirty="0" smtClean="0">
+                <a:solidFill>
+                  <a:schemeClr val="tx1"/>
+                </a:solidFill>
+              </a:rPr>
+              <a:t>= / </a:t>
+            </a:r>
+            <a:r>
+              <a:rPr lang="ko-KR" altLang="en-US" sz="1000" dirty="0" smtClean="0">
+                <a:solidFill>
+                  <a:schemeClr val="tx1"/>
+                </a:solidFill>
+              </a:rPr>
+              <a:t>게시판 </a:t>
+            </a:r>
+            <a:r>
+              <a:rPr lang="en-US" altLang="ko-KR" sz="1000" dirty="0" smtClean="0">
+                <a:solidFill>
+                  <a:schemeClr val="tx1"/>
+                </a:solidFill>
+              </a:rPr>
+              <a:t>= / </a:t>
+            </a:r>
+            <a:r>
+              <a:rPr lang="ko-KR" altLang="en-US" sz="1000" dirty="0" smtClean="0">
+                <a:solidFill>
+                  <a:schemeClr val="tx1"/>
+                </a:solidFill>
+              </a:rPr>
+              <a:t>작성자 </a:t>
+            </a:r>
+            <a:r>
+              <a:rPr lang="en-US" altLang="ko-KR" sz="1000" dirty="0" smtClean="0">
+                <a:solidFill>
+                  <a:schemeClr val="tx1"/>
+                </a:solidFill>
+              </a:rPr>
+              <a:t>= / </a:t>
+            </a:r>
+            <a:r>
+              <a:rPr lang="ko-KR" altLang="en-US" sz="1000" dirty="0" smtClean="0">
+                <a:solidFill>
+                  <a:schemeClr val="tx1"/>
+                </a:solidFill>
+              </a:rPr>
+              <a:t>제목 </a:t>
+            </a:r>
+            <a:r>
+              <a:rPr lang="en-US" altLang="ko-KR" sz="1000" dirty="0" smtClean="0">
+                <a:solidFill>
+                  <a:schemeClr val="tx1"/>
+                </a:solidFill>
+              </a:rPr>
+              <a:t>= / </a:t>
+            </a:r>
+            <a:r>
+              <a:rPr lang="ko-KR" altLang="en-US" sz="1000" dirty="0" smtClean="0">
+                <a:solidFill>
+                  <a:schemeClr val="tx1"/>
+                </a:solidFill>
+              </a:rPr>
+              <a:t>신고사유 </a:t>
+            </a:r>
+            <a:r>
+              <a:rPr lang="en-US" altLang="ko-KR" sz="1000" dirty="0" smtClean="0">
+                <a:solidFill>
+                  <a:schemeClr val="tx1"/>
+                </a:solidFill>
+              </a:rPr>
+              <a:t>= </a:t>
+            </a:r>
+            <a:endParaRPr lang="en-US" altLang="ko-KR" sz="1000" dirty="0">
+              <a:solidFill>
+                <a:schemeClr val="tx1"/>
+              </a:solidFill>
+            </a:endParaRPr>
+          </a:p>
+        </p:txBody>
+      </p:sp>
+      <p:sp>
+        <p:nvSpPr>
+          <p:cNvPr id="14" name="직사각형 13"/>
+          <p:cNvSpPr/>
+          <p:nvPr/>
+        </p:nvSpPr>
+        <p:spPr>
+          <a:xfrm>
+            <a:off x="-2256943" y="4328853"/>
+            <a:ext cx="2134350" cy="1008112"/>
+          </a:xfrm>
+          <a:prstGeom prst="rect">
+            <a:avLst/>
+          </a:prstGeom>
+          <a:solidFill>
+            <a:schemeClr val="bg1"/>
+          </a:solidFill>
+          <a:ln>
+            <a:solidFill>
+              <a:schemeClr val="tx2">
+                <a:lumMod val="60000"/>
+                <a:lumOff val="40000"/>
+              </a:schemeClr>
+            </a:solidFill>
+          </a:ln>
+        </p:spPr>
+        <p:style>
+          <a:lnRef idx="2">
+            <a:schemeClr val="accent1">
+              <a:shade val="50000"/>
+            </a:schemeClr>
+          </a:lnRef>
+          <a:fillRef idx="1">
+            <a:schemeClr val="accent1"/>
+          </a:fillRef>
+          <a:effectRef idx="0">
+            <a:schemeClr val="accent1"/>
+          </a:effectRef>
+          <a:fontRef idx="minor">
+            <a:schemeClr val="lt1"/>
+          </a:fontRef>
+        </p:style>
+        <p:txBody>
+          <a:bodyPr rtlCol="0" anchor="ctr"/>
+          <a:lstStyle/>
+          <a:p>
+            <a:r>
+              <a:rPr lang="en-US" altLang="ko-KR" sz="1000" dirty="0" smtClean="0">
+                <a:solidFill>
+                  <a:schemeClr val="tx1"/>
+                </a:solidFill>
+              </a:rPr>
+              <a:t>1.</a:t>
+            </a:r>
+            <a:r>
+              <a:rPr lang="ko-KR" altLang="en-US" sz="1000" dirty="0" smtClean="0">
+                <a:solidFill>
+                  <a:schemeClr val="tx1"/>
+                </a:solidFill>
+              </a:rPr>
+              <a:t>요청 </a:t>
+            </a:r>
+            <a:r>
+              <a:rPr lang="en-US" altLang="ko-KR" sz="1000" dirty="0" smtClean="0">
+                <a:solidFill>
+                  <a:schemeClr val="tx1"/>
+                </a:solidFill>
+              </a:rPr>
+              <a:t>: /</a:t>
+            </a:r>
+            <a:r>
+              <a:rPr lang="en-US" altLang="ko-KR" sz="1000" dirty="0" err="1" smtClean="0">
+                <a:solidFill>
+                  <a:schemeClr val="tx1"/>
+                </a:solidFill>
+              </a:rPr>
+              <a:t>AdminMember</a:t>
+            </a:r>
+            <a:endParaRPr lang="en-US" altLang="ko-KR" sz="1000" dirty="0" smtClean="0">
+              <a:solidFill>
+                <a:schemeClr val="tx1"/>
+              </a:solidFill>
+            </a:endParaRPr>
+          </a:p>
+          <a:p>
+            <a:r>
+              <a:rPr lang="en-US" altLang="ko-KR" sz="1000" dirty="0" smtClean="0">
+                <a:solidFill>
+                  <a:schemeClr val="tx1"/>
+                </a:solidFill>
+              </a:rPr>
+              <a:t>2.</a:t>
+            </a:r>
+            <a:r>
+              <a:rPr lang="ko-KR" altLang="en-US" sz="1000" dirty="0" smtClean="0">
+                <a:solidFill>
+                  <a:schemeClr val="tx1"/>
+                </a:solidFill>
+              </a:rPr>
+              <a:t>파라미터 </a:t>
+            </a:r>
+            <a:r>
+              <a:rPr lang="en-US" altLang="ko-KR" sz="1000" dirty="0" smtClean="0">
+                <a:solidFill>
+                  <a:schemeClr val="tx1"/>
+                </a:solidFill>
+              </a:rPr>
+              <a:t>: </a:t>
+            </a:r>
+            <a:r>
+              <a:rPr lang="ko-KR" altLang="en-US" sz="1000" dirty="0" smtClean="0">
+                <a:solidFill>
+                  <a:schemeClr val="tx1"/>
+                </a:solidFill>
+              </a:rPr>
+              <a:t>아이디 </a:t>
+            </a:r>
+            <a:r>
+              <a:rPr lang="en-US" altLang="ko-KR" sz="1000" dirty="0" smtClean="0">
+                <a:solidFill>
+                  <a:schemeClr val="tx1"/>
+                </a:solidFill>
+              </a:rPr>
+              <a:t>= / </a:t>
+            </a:r>
+            <a:r>
+              <a:rPr lang="ko-KR" altLang="en-US" sz="1000" dirty="0" smtClean="0">
+                <a:solidFill>
+                  <a:schemeClr val="tx1"/>
+                </a:solidFill>
+              </a:rPr>
+              <a:t>방문 </a:t>
+            </a:r>
+            <a:r>
+              <a:rPr lang="en-US" altLang="ko-KR" sz="1000" dirty="0" smtClean="0">
+                <a:solidFill>
+                  <a:schemeClr val="tx1"/>
+                </a:solidFill>
+              </a:rPr>
+              <a:t>=  </a:t>
+            </a:r>
+            <a:endParaRPr lang="en-US" altLang="ko-KR" sz="1000" dirty="0">
+              <a:solidFill>
+                <a:schemeClr val="tx1"/>
+              </a:solidFill>
+            </a:endParaRPr>
+          </a:p>
+        </p:txBody>
+      </p:sp>
+      <p:graphicFrame>
+        <p:nvGraphicFramePr>
+          <p:cNvPr id="17" name="표 16"/>
+          <p:cNvGraphicFramePr>
+            <a:graphicFrameLocks noGrp="1"/>
+          </p:cNvGraphicFramePr>
+          <p:nvPr>
+            <p:extLst>
+              <p:ext uri="{D42A27DB-BD31-4B8C-83A1-F6EECF244321}">
+                <p14:modId xmlns:p14="http://schemas.microsoft.com/office/powerpoint/2010/main" val="2000035576"/>
+              </p:ext>
+            </p:extLst>
+          </p:nvPr>
+        </p:nvGraphicFramePr>
+        <p:xfrm>
+          <a:off x="6779287" y="3428999"/>
+          <a:ext cx="2158313" cy="3168350"/>
+        </p:xfrm>
+        <a:graphic>
+          <a:graphicData uri="http://schemas.openxmlformats.org/drawingml/2006/table">
+            <a:tbl>
+              <a:tblPr firstRow="1" bandRow="1">
+                <a:tableStyleId>{F5AB1C69-6EDB-4FF4-983F-18BD219EF322}</a:tableStyleId>
+              </a:tblPr>
+              <a:tblGrid>
+                <a:gridCol w="2158313"/>
+              </a:tblGrid>
+              <a:tr h="380202">
+                <a:tc>
+                  <a:txBody>
+                    <a:bodyPr/>
+                    <a:lstStyle/>
+                    <a:p>
+                      <a:pPr algn="ctr" latinLnBrk="1"/>
+                      <a:r>
+                        <a:rPr lang="ko-KR" altLang="en-US" sz="1200" dirty="0" smtClean="0"/>
+                        <a:t>경로</a:t>
+                      </a:r>
+                      <a:endParaRPr lang="ko-KR" altLang="en-US" sz="1200" dirty="0"/>
+                    </a:p>
+                  </a:txBody>
+                  <a:tcPr marL="68580" marR="68580"/>
+                </a:tc>
+              </a:tr>
+              <a:tr h="380202">
+                <a:tc>
+                  <a:txBody>
+                    <a:bodyPr/>
+                    <a:lstStyle/>
+                    <a:p>
+                      <a:pPr latinLnBrk="1"/>
+                      <a:r>
+                        <a:rPr lang="en-US" altLang="ko-KR" sz="1200" dirty="0" smtClean="0"/>
+                        <a:t>Request</a:t>
+                      </a:r>
+                      <a:endParaRPr lang="ko-KR" altLang="en-US" sz="1200" dirty="0"/>
+                    </a:p>
+                  </a:txBody>
+                  <a:tcPr marL="68580" marR="68580"/>
+                </a:tc>
+              </a:tr>
+              <a:tr h="549181">
+                <a:tc>
+                  <a:txBody>
+                    <a:bodyPr/>
+                    <a:lstStyle/>
+                    <a:p>
+                      <a:pPr marL="0" marR="0" indent="0" algn="l" defTabSz="914400" rtl="0" eaLnBrk="1" fontAlgn="auto" latinLnBrk="1" hangingPunct="1">
+                        <a:lnSpc>
+                          <a:spcPct val="100000"/>
+                        </a:lnSpc>
+                        <a:spcBef>
+                          <a:spcPts val="0"/>
+                        </a:spcBef>
+                        <a:spcAft>
+                          <a:spcPts val="0"/>
+                        </a:spcAft>
+                        <a:buClrTx/>
+                        <a:buSzTx/>
+                        <a:buFontTx/>
+                        <a:buNone/>
+                        <a:tabLst/>
+                        <a:defRPr/>
+                      </a:pPr>
+                      <a:r>
+                        <a:rPr lang="en-US" altLang="ko-KR" sz="1000" dirty="0" smtClean="0"/>
+                        <a:t>/</a:t>
+                      </a:r>
+                      <a:r>
+                        <a:rPr lang="en-US" altLang="ko-KR" sz="1000" dirty="0" err="1" smtClean="0"/>
+                        <a:t>AdminBoard</a:t>
+                      </a:r>
+                      <a:r>
+                        <a:rPr lang="en-US" altLang="ko-KR" sz="1000" dirty="0" smtClean="0"/>
+                        <a:t>,</a:t>
+                      </a:r>
+                      <a:r>
+                        <a:rPr lang="en-US" altLang="ko-KR" sz="1000" baseline="0" dirty="0" smtClean="0"/>
+                        <a:t> /</a:t>
+                      </a:r>
+                      <a:r>
+                        <a:rPr lang="en-US" altLang="ko-KR" sz="1000" baseline="0" dirty="0" err="1" smtClean="0"/>
+                        <a:t>AdminReport</a:t>
+                      </a:r>
+                      <a:r>
+                        <a:rPr lang="en-US" altLang="ko-KR" sz="1000" baseline="0" dirty="0" smtClean="0"/>
+                        <a:t>, /</a:t>
+                      </a:r>
+                      <a:r>
+                        <a:rPr lang="en-US" altLang="ko-KR" sz="1000" baseline="0" dirty="0" err="1" smtClean="0"/>
+                        <a:t>AdminMember</a:t>
+                      </a:r>
+                      <a:endParaRPr lang="ko-KR" altLang="en-US" sz="1000" dirty="0" smtClean="0"/>
+                    </a:p>
+                  </a:txBody>
+                  <a:tcPr marL="68580" marR="68580"/>
+                </a:tc>
+              </a:tr>
+              <a:tr h="380202">
+                <a:tc>
+                  <a:txBody>
+                    <a:bodyPr/>
+                    <a:lstStyle/>
+                    <a:p>
+                      <a:pPr latinLnBrk="1"/>
+                      <a:r>
+                        <a:rPr lang="en-US" altLang="ko-KR" sz="1200" dirty="0" smtClean="0"/>
+                        <a:t>Controller</a:t>
+                      </a:r>
+                      <a:endParaRPr lang="ko-KR" altLang="en-US" sz="1200" dirty="0"/>
+                    </a:p>
+                  </a:txBody>
+                  <a:tcPr marL="68580" marR="68580"/>
+                </a:tc>
+              </a:tr>
+              <a:tr h="760404">
+                <a:tc>
+                  <a:txBody>
+                    <a:bodyPr/>
+                    <a:lstStyle/>
+                    <a:p>
+                      <a:pPr marL="0" marR="0" indent="0" algn="l" defTabSz="914400" rtl="0" eaLnBrk="1" fontAlgn="auto" latinLnBrk="1" hangingPunct="1">
+                        <a:lnSpc>
+                          <a:spcPct val="100000"/>
+                        </a:lnSpc>
+                        <a:spcBef>
+                          <a:spcPts val="0"/>
+                        </a:spcBef>
+                        <a:spcAft>
+                          <a:spcPts val="0"/>
+                        </a:spcAft>
+                        <a:buClrTx/>
+                        <a:buSzTx/>
+                        <a:buFontTx/>
+                        <a:buNone/>
+                        <a:tabLst/>
+                        <a:defRPr/>
+                      </a:pPr>
+                      <a:r>
+                        <a:rPr lang="en-US" altLang="ko-KR" sz="1000" dirty="0" err="1" smtClean="0"/>
+                        <a:t>TotalInfoController</a:t>
+                      </a:r>
+                      <a:endParaRPr lang="ko-KR" altLang="en-US" sz="1000" dirty="0" smtClean="0"/>
+                    </a:p>
+                  </a:txBody>
+                  <a:tcPr marL="68580" marR="68580"/>
+                </a:tc>
+              </a:tr>
+              <a:tr h="380202">
+                <a:tc>
+                  <a:txBody>
+                    <a:bodyPr/>
+                    <a:lstStyle/>
+                    <a:p>
+                      <a:pPr latinLnBrk="1"/>
+                      <a:r>
+                        <a:rPr lang="en-US" altLang="ko-KR" sz="1200" dirty="0" smtClean="0"/>
+                        <a:t>View</a:t>
+                      </a:r>
+                      <a:endParaRPr lang="ko-KR" altLang="en-US" sz="1200" dirty="0"/>
+                    </a:p>
+                  </a:txBody>
+                  <a:tcPr marL="68580" marR="68580"/>
+                </a:tc>
+              </a:tr>
+              <a:tr h="337957">
+                <a:tc>
+                  <a:txBody>
+                    <a:bodyPr/>
+                    <a:lstStyle/>
+                    <a:p>
+                      <a:pPr marL="0" marR="0" indent="0" algn="l" defTabSz="914400" rtl="0" eaLnBrk="1" fontAlgn="auto" latinLnBrk="1" hangingPunct="1">
+                        <a:lnSpc>
+                          <a:spcPct val="100000"/>
+                        </a:lnSpc>
+                        <a:spcBef>
+                          <a:spcPts val="0"/>
+                        </a:spcBef>
+                        <a:spcAft>
+                          <a:spcPts val="0"/>
+                        </a:spcAft>
+                        <a:buClrTx/>
+                        <a:buSzTx/>
+                        <a:buFontTx/>
+                        <a:buNone/>
+                        <a:tabLst/>
+                        <a:defRPr/>
+                      </a:pPr>
+                      <a:r>
+                        <a:rPr lang="en-US" altLang="ko-KR" sz="1000" dirty="0" err="1" smtClean="0"/>
+                        <a:t>TotalInfo.jsp</a:t>
+                      </a:r>
+                      <a:endParaRPr lang="ko-KR" altLang="en-US" sz="1000" dirty="0" smtClean="0"/>
+                    </a:p>
+                  </a:txBody>
+                  <a:tcPr marL="68580" marR="68580"/>
+                </a:tc>
+              </a:tr>
+            </a:tbl>
+          </a:graphicData>
+        </a:graphic>
+      </p:graphicFrame>
     </p:spTree>
     <p:extLst>
       <p:ext uri="{BB962C8B-B14F-4D97-AF65-F5344CB8AC3E}">
@@ -14528,206 +15362,6 @@
           </a:graphicData>
         </a:graphic>
       </p:graphicFrame>
-      <p:graphicFrame>
-        <p:nvGraphicFramePr>
-          <p:cNvPr id="23" name="표 22"/>
-          <p:cNvGraphicFramePr>
-            <a:graphicFrameLocks noGrp="1"/>
-          </p:cNvGraphicFramePr>
-          <p:nvPr>
-            <p:extLst>
-              <p:ext uri="{D42A27DB-BD31-4B8C-83A1-F6EECF244321}">
-                <p14:modId xmlns:p14="http://schemas.microsoft.com/office/powerpoint/2010/main" val="2573210107"/>
-              </p:ext>
-            </p:extLst>
-          </p:nvPr>
-        </p:nvGraphicFramePr>
-        <p:xfrm>
-          <a:off x="6781801" y="4319365"/>
-          <a:ext cx="2158313" cy="2316480"/>
-        </p:xfrm>
-        <a:graphic>
-          <a:graphicData uri="http://schemas.openxmlformats.org/drawingml/2006/table">
-            <a:tbl>
-              <a:tblPr firstRow="1" bandRow="1">
-                <a:tableStyleId>{F5AB1C69-6EDB-4FF4-983F-18BD219EF322}</a:tableStyleId>
-              </a:tblPr>
-              <a:tblGrid>
-                <a:gridCol w="2158313"/>
-              </a:tblGrid>
-              <a:tr h="170543">
-                <a:tc>
-                  <a:txBody>
-                    <a:bodyPr/>
-                    <a:lstStyle/>
-                    <a:p>
-                      <a:pPr algn="ctr" latinLnBrk="1"/>
-                      <a:r>
-                        <a:rPr lang="ko-KR" altLang="en-US" sz="1200" dirty="0" smtClean="0"/>
-                        <a:t>경로</a:t>
-                      </a:r>
-                      <a:endParaRPr lang="ko-KR" altLang="en-US" sz="1200" dirty="0"/>
-                    </a:p>
-                  </a:txBody>
-                  <a:tcPr marL="68580" marR="68580"/>
-                </a:tc>
-              </a:tr>
-              <a:tr h="170543">
-                <a:tc>
-                  <a:txBody>
-                    <a:bodyPr/>
-                    <a:lstStyle/>
-                    <a:p>
-                      <a:pPr latinLnBrk="1"/>
-                      <a:r>
-                        <a:rPr lang="en-US" altLang="ko-KR" sz="1200" dirty="0" smtClean="0"/>
-                        <a:t>Request</a:t>
-                      </a:r>
-                      <a:endParaRPr lang="ko-KR" altLang="en-US" sz="1200" dirty="0"/>
-                    </a:p>
-                  </a:txBody>
-                  <a:tcPr marL="68580" marR="68580"/>
-                </a:tc>
-              </a:tr>
-              <a:tr h="170543">
-                <a:tc>
-                  <a:txBody>
-                    <a:bodyPr/>
-                    <a:lstStyle/>
-                    <a:p>
-                      <a:pPr marL="0" marR="0" indent="0" algn="l" defTabSz="914400" rtl="0" eaLnBrk="1" fontAlgn="auto" latinLnBrk="1" hangingPunct="1">
-                        <a:lnSpc>
-                          <a:spcPct val="100000"/>
-                        </a:lnSpc>
-                        <a:spcBef>
-                          <a:spcPts val="0"/>
-                        </a:spcBef>
-                        <a:spcAft>
-                          <a:spcPts val="0"/>
-                        </a:spcAft>
-                        <a:buClrTx/>
-                        <a:buSzTx/>
-                        <a:buFontTx/>
-                        <a:buNone/>
-                        <a:tabLst/>
-                        <a:defRPr/>
-                      </a:pPr>
-                      <a:endParaRPr lang="ko-KR" altLang="en-US" sz="1000" dirty="0"/>
-                    </a:p>
-                  </a:txBody>
-                  <a:tcPr marL="68580" marR="68580"/>
-                </a:tc>
-              </a:tr>
-              <a:tr h="170543">
-                <a:tc>
-                  <a:txBody>
-                    <a:bodyPr/>
-                    <a:lstStyle/>
-                    <a:p>
-                      <a:pPr latinLnBrk="1"/>
-                      <a:r>
-                        <a:rPr lang="en-US" altLang="ko-KR" sz="1200" dirty="0" smtClean="0"/>
-                        <a:t>Controller</a:t>
-                      </a:r>
-                      <a:endParaRPr lang="ko-KR" altLang="en-US" sz="1200" dirty="0"/>
-                    </a:p>
-                  </a:txBody>
-                  <a:tcPr marL="68580" marR="68580"/>
-                </a:tc>
-              </a:tr>
-              <a:tr h="170543">
-                <a:tc>
-                  <a:txBody>
-                    <a:bodyPr/>
-                    <a:lstStyle/>
-                    <a:p>
-                      <a:pPr marL="0" marR="0" indent="0" algn="l" defTabSz="914400" rtl="0" eaLnBrk="1" fontAlgn="auto" latinLnBrk="1" hangingPunct="1">
-                        <a:lnSpc>
-                          <a:spcPct val="100000"/>
-                        </a:lnSpc>
-                        <a:spcBef>
-                          <a:spcPts val="0"/>
-                        </a:spcBef>
-                        <a:spcAft>
-                          <a:spcPts val="0"/>
-                        </a:spcAft>
-                        <a:buClrTx/>
-                        <a:buSzTx/>
-                        <a:buFontTx/>
-                        <a:buNone/>
-                        <a:tabLst/>
-                        <a:defRPr/>
-                      </a:pPr>
-                      <a:endParaRPr lang="ko-KR" altLang="en-US" sz="1000" dirty="0"/>
-                    </a:p>
-                  </a:txBody>
-                  <a:tcPr marL="68580" marR="68580"/>
-                </a:tc>
-              </a:tr>
-              <a:tr h="170543">
-                <a:tc>
-                  <a:txBody>
-                    <a:bodyPr/>
-                    <a:lstStyle/>
-                    <a:p>
-                      <a:pPr latinLnBrk="1"/>
-                      <a:r>
-                        <a:rPr lang="en-US" altLang="ko-KR" sz="1200" dirty="0" smtClean="0"/>
-                        <a:t>Parameter</a:t>
-                      </a:r>
-                      <a:endParaRPr lang="ko-KR" altLang="en-US" sz="1200" dirty="0"/>
-                    </a:p>
-                  </a:txBody>
-                  <a:tcPr marL="68580" marR="68580"/>
-                </a:tc>
-              </a:tr>
-              <a:tr h="170543">
-                <a:tc>
-                  <a:txBody>
-                    <a:bodyPr/>
-                    <a:lstStyle/>
-                    <a:p>
-                      <a:pPr latinLnBrk="1"/>
-                      <a:endParaRPr lang="ko-KR" altLang="en-US" sz="1000" dirty="0"/>
-                    </a:p>
-                  </a:txBody>
-                  <a:tcPr marL="68580" marR="68580"/>
-                </a:tc>
-              </a:tr>
-              <a:tr h="170543">
-                <a:tc>
-                  <a:txBody>
-                    <a:bodyPr/>
-                    <a:lstStyle/>
-                    <a:p>
-                      <a:pPr latinLnBrk="1"/>
-                      <a:r>
-                        <a:rPr lang="en-US" altLang="ko-KR" sz="1000" dirty="0" smtClean="0"/>
-                        <a:t>View</a:t>
-                      </a:r>
-                      <a:endParaRPr lang="ko-KR" altLang="en-US" sz="1000" dirty="0"/>
-                    </a:p>
-                  </a:txBody>
-                  <a:tcPr marL="68580" marR="68580"/>
-                </a:tc>
-              </a:tr>
-              <a:tr h="170543">
-                <a:tc>
-                  <a:txBody>
-                    <a:bodyPr/>
-                    <a:lstStyle/>
-                    <a:p>
-                      <a:pPr latinLnBrk="1"/>
-                      <a:endParaRPr lang="ko-KR" altLang="en-US" sz="1000" dirty="0"/>
-                    </a:p>
-                  </a:txBody>
-                  <a:tcPr marL="68580" marR="68580"/>
-                </a:tc>
-              </a:tr>
-            </a:tbl>
-          </a:graphicData>
-        </a:graphic>
-      </p:graphicFrame>
       <p:sp>
         <p:nvSpPr>
           <p:cNvPr id="7" name="직사각형 6"/>
@@ -14737,7 +15371,7 @@
         <p:spPr>
           <a:xfrm>
             <a:off x="6752401" y="908720"/>
-            <a:ext cx="2212087" cy="3384376"/>
+            <a:ext cx="2212087" cy="2448272"/>
           </a:xfrm>
           <a:prstGeom prst="rect">
             <a:avLst/>
@@ -15067,6 +15701,667 @@
           </a:p>
         </p:txBody>
       </p:sp>
+      <p:sp>
+        <p:nvSpPr>
+          <p:cNvPr id="11" name="직사각형 10"/>
+          <p:cNvSpPr/>
+          <p:nvPr/>
+        </p:nvSpPr>
+        <p:spPr>
+          <a:xfrm>
+            <a:off x="-2217537" y="2977592"/>
+            <a:ext cx="2134350" cy="1008112"/>
+          </a:xfrm>
+          <a:prstGeom prst="rect">
+            <a:avLst/>
+          </a:prstGeom>
+          <a:solidFill>
+            <a:schemeClr val="bg1"/>
+          </a:solidFill>
+          <a:ln>
+            <a:solidFill>
+              <a:schemeClr val="tx2">
+                <a:lumMod val="60000"/>
+                <a:lumOff val="40000"/>
+              </a:schemeClr>
+            </a:solidFill>
+          </a:ln>
+        </p:spPr>
+        <p:style>
+          <a:lnRef idx="2">
+            <a:schemeClr val="accent1">
+              <a:shade val="50000"/>
+            </a:schemeClr>
+          </a:lnRef>
+          <a:fillRef idx="1">
+            <a:schemeClr val="accent1"/>
+          </a:fillRef>
+          <a:effectRef idx="0">
+            <a:schemeClr val="accent1"/>
+          </a:effectRef>
+          <a:fontRef idx="minor">
+            <a:schemeClr val="lt1"/>
+          </a:fontRef>
+        </p:style>
+        <p:txBody>
+          <a:bodyPr rtlCol="0" anchor="ctr"/>
+          <a:lstStyle/>
+          <a:p>
+            <a:r>
+              <a:rPr lang="en-US" altLang="ko-KR" sz="1000" dirty="0" smtClean="0">
+                <a:solidFill>
+                  <a:schemeClr val="tx1"/>
+                </a:solidFill>
+              </a:rPr>
+              <a:t>1.</a:t>
+            </a:r>
+            <a:r>
+              <a:rPr lang="ko-KR" altLang="en-US" sz="1000" dirty="0" smtClean="0">
+                <a:solidFill>
+                  <a:schemeClr val="tx1"/>
+                </a:solidFill>
+              </a:rPr>
+              <a:t>요청 </a:t>
+            </a:r>
+            <a:r>
+              <a:rPr lang="en-US" altLang="ko-KR" sz="1000" dirty="0" smtClean="0">
+                <a:solidFill>
+                  <a:schemeClr val="tx1"/>
+                </a:solidFill>
+              </a:rPr>
+              <a:t>: /</a:t>
+            </a:r>
+            <a:r>
+              <a:rPr lang="en-US" altLang="ko-KR" sz="1000" dirty="0" err="1" smtClean="0">
+                <a:solidFill>
+                  <a:schemeClr val="tx1"/>
+                </a:solidFill>
+              </a:rPr>
+              <a:t>ReportCount</a:t>
+            </a:r>
+            <a:endParaRPr lang="en-US" altLang="ko-KR" sz="1000" dirty="0" smtClean="0">
+              <a:solidFill>
+                <a:schemeClr val="tx1"/>
+              </a:solidFill>
+            </a:endParaRPr>
+          </a:p>
+          <a:p>
+            <a:r>
+              <a:rPr lang="en-US" altLang="ko-KR" sz="1000" dirty="0" smtClean="0">
+                <a:solidFill>
+                  <a:schemeClr val="tx1"/>
+                </a:solidFill>
+              </a:rPr>
+              <a:t>2.</a:t>
+            </a:r>
+            <a:r>
+              <a:rPr lang="ko-KR" altLang="en-US" sz="1000" dirty="0" smtClean="0">
+                <a:solidFill>
+                  <a:schemeClr val="tx1"/>
+                </a:solidFill>
+              </a:rPr>
+              <a:t>파라미터 </a:t>
+            </a:r>
+            <a:r>
+              <a:rPr lang="en-US" altLang="ko-KR" sz="1000" dirty="0" smtClean="0">
+                <a:solidFill>
+                  <a:schemeClr val="tx1"/>
+                </a:solidFill>
+              </a:rPr>
+              <a:t>: </a:t>
+            </a:r>
+            <a:r>
+              <a:rPr lang="ko-KR" altLang="en-US" sz="1000" dirty="0" smtClean="0">
+                <a:solidFill>
+                  <a:schemeClr val="tx1"/>
+                </a:solidFill>
+              </a:rPr>
+              <a:t>신고상태 </a:t>
+            </a:r>
+            <a:r>
+              <a:rPr lang="en-US" altLang="ko-KR" sz="1000" dirty="0" smtClean="0">
+                <a:solidFill>
+                  <a:schemeClr val="tx1"/>
+                </a:solidFill>
+              </a:rPr>
+              <a:t>= / </a:t>
+            </a:r>
+            <a:r>
+              <a:rPr lang="ko-KR" altLang="en-US" sz="1000" dirty="0" smtClean="0">
+                <a:solidFill>
+                  <a:schemeClr val="tx1"/>
+                </a:solidFill>
+              </a:rPr>
+              <a:t>신고날짜 </a:t>
+            </a:r>
+            <a:r>
+              <a:rPr lang="en-US" altLang="ko-KR" sz="1000" dirty="0" smtClean="0">
+                <a:solidFill>
+                  <a:schemeClr val="tx1"/>
+                </a:solidFill>
+              </a:rPr>
+              <a:t>= </a:t>
+            </a:r>
+            <a:endParaRPr lang="en-US" altLang="ko-KR" sz="1000" dirty="0">
+              <a:solidFill>
+                <a:schemeClr val="tx1"/>
+              </a:solidFill>
+            </a:endParaRPr>
+          </a:p>
+        </p:txBody>
+      </p:sp>
+      <p:sp>
+        <p:nvSpPr>
+          <p:cNvPr id="12" name="직사각형 11"/>
+          <p:cNvSpPr/>
+          <p:nvPr/>
+        </p:nvSpPr>
+        <p:spPr>
+          <a:xfrm>
+            <a:off x="3779912" y="2636912"/>
+            <a:ext cx="2134350" cy="1008112"/>
+          </a:xfrm>
+          <a:prstGeom prst="rect">
+            <a:avLst/>
+          </a:prstGeom>
+          <a:solidFill>
+            <a:schemeClr val="bg1"/>
+          </a:solidFill>
+          <a:ln>
+            <a:solidFill>
+              <a:schemeClr val="tx2">
+                <a:lumMod val="60000"/>
+                <a:lumOff val="40000"/>
+              </a:schemeClr>
+            </a:solidFill>
+          </a:ln>
+        </p:spPr>
+        <p:style>
+          <a:lnRef idx="2">
+            <a:schemeClr val="accent1">
+              <a:shade val="50000"/>
+            </a:schemeClr>
+          </a:lnRef>
+          <a:fillRef idx="1">
+            <a:schemeClr val="accent1"/>
+          </a:fillRef>
+          <a:effectRef idx="0">
+            <a:schemeClr val="accent1"/>
+          </a:effectRef>
+          <a:fontRef idx="minor">
+            <a:schemeClr val="lt1"/>
+          </a:fontRef>
+        </p:style>
+        <p:txBody>
+          <a:bodyPr rtlCol="0" anchor="ctr"/>
+          <a:lstStyle/>
+          <a:p>
+            <a:r>
+              <a:rPr lang="en-US" altLang="ko-KR" sz="1000" dirty="0" smtClean="0">
+                <a:solidFill>
+                  <a:schemeClr val="tx1"/>
+                </a:solidFill>
+              </a:rPr>
+              <a:t>1.</a:t>
+            </a:r>
+            <a:r>
+              <a:rPr lang="ko-KR" altLang="en-US" sz="1000" dirty="0" smtClean="0">
+                <a:solidFill>
+                  <a:schemeClr val="tx1"/>
+                </a:solidFill>
+              </a:rPr>
+              <a:t>요청 </a:t>
+            </a:r>
+            <a:r>
+              <a:rPr lang="en-US" altLang="ko-KR" sz="1000" dirty="0" smtClean="0">
+                <a:solidFill>
+                  <a:schemeClr val="tx1"/>
+                </a:solidFill>
+              </a:rPr>
+              <a:t>: /</a:t>
+            </a:r>
+            <a:r>
+              <a:rPr lang="en-US" altLang="ko-KR" sz="1000" dirty="0" err="1" smtClean="0">
+                <a:solidFill>
+                  <a:schemeClr val="tx1"/>
+                </a:solidFill>
+              </a:rPr>
+              <a:t>ReportReason</a:t>
+            </a:r>
+            <a:endParaRPr lang="en-US" altLang="ko-KR" sz="1000" dirty="0" smtClean="0">
+              <a:solidFill>
+                <a:schemeClr val="tx1"/>
+              </a:solidFill>
+            </a:endParaRPr>
+          </a:p>
+          <a:p>
+            <a:r>
+              <a:rPr lang="en-US" altLang="ko-KR" sz="1000" dirty="0" smtClean="0">
+                <a:solidFill>
+                  <a:schemeClr val="tx1"/>
+                </a:solidFill>
+              </a:rPr>
+              <a:t>2.</a:t>
+            </a:r>
+            <a:r>
+              <a:rPr lang="ko-KR" altLang="en-US" sz="1000" dirty="0" smtClean="0">
+                <a:solidFill>
+                  <a:schemeClr val="tx1"/>
+                </a:solidFill>
+              </a:rPr>
+              <a:t>파라미터 </a:t>
+            </a:r>
+            <a:r>
+              <a:rPr lang="en-US" altLang="ko-KR" sz="1000" dirty="0" smtClean="0">
+                <a:solidFill>
+                  <a:schemeClr val="tx1"/>
+                </a:solidFill>
+              </a:rPr>
+              <a:t>: </a:t>
+            </a:r>
+            <a:r>
+              <a:rPr lang="ko-KR" altLang="en-US" sz="1000" dirty="0" smtClean="0">
+                <a:solidFill>
+                  <a:schemeClr val="tx1"/>
+                </a:solidFill>
+              </a:rPr>
+              <a:t>신고사유 </a:t>
+            </a:r>
+            <a:r>
+              <a:rPr lang="en-US" altLang="ko-KR" sz="1000" dirty="0" smtClean="0">
+                <a:solidFill>
+                  <a:schemeClr val="tx1"/>
+                </a:solidFill>
+              </a:rPr>
+              <a:t>= </a:t>
+            </a:r>
+            <a:endParaRPr lang="en-US" altLang="ko-KR" sz="1000" dirty="0">
+              <a:solidFill>
+                <a:schemeClr val="tx1"/>
+              </a:solidFill>
+            </a:endParaRPr>
+          </a:p>
+        </p:txBody>
+      </p:sp>
+      <p:sp>
+        <p:nvSpPr>
+          <p:cNvPr id="13" name="직사각형 12"/>
+          <p:cNvSpPr/>
+          <p:nvPr/>
+        </p:nvSpPr>
+        <p:spPr>
+          <a:xfrm>
+            <a:off x="-2196752" y="4437112"/>
+            <a:ext cx="2134350" cy="1008112"/>
+          </a:xfrm>
+          <a:prstGeom prst="rect">
+            <a:avLst/>
+          </a:prstGeom>
+          <a:solidFill>
+            <a:schemeClr val="bg1"/>
+          </a:solidFill>
+          <a:ln>
+            <a:solidFill>
+              <a:schemeClr val="tx2">
+                <a:lumMod val="60000"/>
+                <a:lumOff val="40000"/>
+              </a:schemeClr>
+            </a:solidFill>
+          </a:ln>
+        </p:spPr>
+        <p:style>
+          <a:lnRef idx="2">
+            <a:schemeClr val="accent1">
+              <a:shade val="50000"/>
+            </a:schemeClr>
+          </a:lnRef>
+          <a:fillRef idx="1">
+            <a:schemeClr val="accent1"/>
+          </a:fillRef>
+          <a:effectRef idx="0">
+            <a:schemeClr val="accent1"/>
+          </a:effectRef>
+          <a:fontRef idx="minor">
+            <a:schemeClr val="lt1"/>
+          </a:fontRef>
+        </p:style>
+        <p:txBody>
+          <a:bodyPr rtlCol="0" anchor="ctr"/>
+          <a:lstStyle/>
+          <a:p>
+            <a:r>
+              <a:rPr lang="en-US" altLang="ko-KR" sz="1000" dirty="0" smtClean="0">
+                <a:solidFill>
+                  <a:schemeClr val="tx1"/>
+                </a:solidFill>
+              </a:rPr>
+              <a:t>1.</a:t>
+            </a:r>
+            <a:r>
+              <a:rPr lang="ko-KR" altLang="en-US" sz="1000" dirty="0" smtClean="0">
+                <a:solidFill>
+                  <a:schemeClr val="tx1"/>
+                </a:solidFill>
+              </a:rPr>
+              <a:t>요청 </a:t>
+            </a:r>
+            <a:r>
+              <a:rPr lang="en-US" altLang="ko-KR" sz="1000" dirty="0" smtClean="0">
+                <a:solidFill>
+                  <a:schemeClr val="tx1"/>
+                </a:solidFill>
+              </a:rPr>
+              <a:t>: /</a:t>
+            </a:r>
+            <a:r>
+              <a:rPr lang="en-US" altLang="ko-KR" sz="1000" dirty="0" err="1" smtClean="0">
+                <a:solidFill>
+                  <a:schemeClr val="tx1"/>
+                </a:solidFill>
+              </a:rPr>
+              <a:t>ReportTime</a:t>
+            </a:r>
+            <a:endParaRPr lang="en-US" altLang="ko-KR" sz="1000" dirty="0" smtClean="0">
+              <a:solidFill>
+                <a:schemeClr val="tx1"/>
+              </a:solidFill>
+            </a:endParaRPr>
+          </a:p>
+          <a:p>
+            <a:r>
+              <a:rPr lang="en-US" altLang="ko-KR" sz="1000" dirty="0" smtClean="0">
+                <a:solidFill>
+                  <a:schemeClr val="tx1"/>
+                </a:solidFill>
+              </a:rPr>
+              <a:t>2.</a:t>
+            </a:r>
+            <a:r>
+              <a:rPr lang="ko-KR" altLang="en-US" sz="1000" dirty="0" smtClean="0">
+                <a:solidFill>
+                  <a:schemeClr val="tx1"/>
+                </a:solidFill>
+              </a:rPr>
+              <a:t>파라미터 </a:t>
+            </a:r>
+            <a:r>
+              <a:rPr lang="en-US" altLang="ko-KR" sz="1000" dirty="0" smtClean="0">
+                <a:solidFill>
+                  <a:schemeClr val="tx1"/>
+                </a:solidFill>
+              </a:rPr>
+              <a:t>: </a:t>
+            </a:r>
+            <a:r>
+              <a:rPr lang="ko-KR" altLang="en-US" sz="1000" dirty="0" smtClean="0">
+                <a:solidFill>
+                  <a:schemeClr val="tx1"/>
+                </a:solidFill>
+              </a:rPr>
+              <a:t>신고날짜 </a:t>
+            </a:r>
+            <a:r>
+              <a:rPr lang="en-US" altLang="ko-KR" sz="1000" dirty="0" smtClean="0">
+                <a:solidFill>
+                  <a:schemeClr val="tx1"/>
+                </a:solidFill>
+              </a:rPr>
+              <a:t>= / </a:t>
+            </a:r>
+            <a:r>
+              <a:rPr lang="ko-KR" altLang="en-US" sz="1000" dirty="0" smtClean="0">
+                <a:solidFill>
+                  <a:schemeClr val="tx1"/>
+                </a:solidFill>
+              </a:rPr>
+              <a:t>처리날짜 </a:t>
+            </a:r>
+            <a:r>
+              <a:rPr lang="en-US" altLang="ko-KR" sz="1000" dirty="0" smtClean="0">
+                <a:solidFill>
+                  <a:schemeClr val="tx1"/>
+                </a:solidFill>
+              </a:rPr>
+              <a:t>= </a:t>
+            </a:r>
+            <a:endParaRPr lang="en-US" altLang="ko-KR" sz="1000" dirty="0">
+              <a:solidFill>
+                <a:schemeClr val="tx1"/>
+              </a:solidFill>
+            </a:endParaRPr>
+          </a:p>
+        </p:txBody>
+      </p:sp>
+      <p:graphicFrame>
+        <p:nvGraphicFramePr>
+          <p:cNvPr id="17" name="표 16"/>
+          <p:cNvGraphicFramePr>
+            <a:graphicFrameLocks noGrp="1"/>
+          </p:cNvGraphicFramePr>
+          <p:nvPr>
+            <p:extLst>
+              <p:ext uri="{D42A27DB-BD31-4B8C-83A1-F6EECF244321}">
+                <p14:modId xmlns:p14="http://schemas.microsoft.com/office/powerpoint/2010/main" val="732127226"/>
+              </p:ext>
+            </p:extLst>
+          </p:nvPr>
+        </p:nvGraphicFramePr>
+        <p:xfrm>
+          <a:off x="6779287" y="3428999"/>
+          <a:ext cx="2158313" cy="3168350"/>
+        </p:xfrm>
+        <a:graphic>
+          <a:graphicData uri="http://schemas.openxmlformats.org/drawingml/2006/table">
+            <a:tbl>
+              <a:tblPr firstRow="1" bandRow="1">
+                <a:tableStyleId>{F5AB1C69-6EDB-4FF4-983F-18BD219EF322}</a:tableStyleId>
+              </a:tblPr>
+              <a:tblGrid>
+                <a:gridCol w="2158313"/>
+              </a:tblGrid>
+              <a:tr h="380202">
+                <a:tc>
+                  <a:txBody>
+                    <a:bodyPr/>
+                    <a:lstStyle/>
+                    <a:p>
+                      <a:pPr algn="ctr" latinLnBrk="1"/>
+                      <a:r>
+                        <a:rPr lang="ko-KR" altLang="en-US" sz="1200" dirty="0" smtClean="0"/>
+                        <a:t>경로</a:t>
+                      </a:r>
+                      <a:endParaRPr lang="ko-KR" altLang="en-US" sz="1200" dirty="0"/>
+                    </a:p>
+                  </a:txBody>
+                  <a:tcPr marL="68580" marR="68580"/>
+                </a:tc>
+              </a:tr>
+              <a:tr h="380202">
+                <a:tc>
+                  <a:txBody>
+                    <a:bodyPr/>
+                    <a:lstStyle/>
+                    <a:p>
+                      <a:pPr latinLnBrk="1"/>
+                      <a:r>
+                        <a:rPr lang="en-US" altLang="ko-KR" sz="1200" dirty="0" smtClean="0"/>
+                        <a:t>Request</a:t>
+                      </a:r>
+                      <a:endParaRPr lang="ko-KR" altLang="en-US" sz="1200" dirty="0"/>
+                    </a:p>
+                  </a:txBody>
+                  <a:tcPr marL="68580" marR="68580"/>
+                </a:tc>
+              </a:tr>
+              <a:tr h="549181">
+                <a:tc>
+                  <a:txBody>
+                    <a:bodyPr/>
+                    <a:lstStyle/>
+                    <a:p>
+                      <a:pPr marL="0" marR="0" indent="0" algn="l" defTabSz="914400" rtl="0" eaLnBrk="1" fontAlgn="auto" latinLnBrk="1" hangingPunct="1">
+                        <a:lnSpc>
+                          <a:spcPct val="100000"/>
+                        </a:lnSpc>
+                        <a:spcBef>
+                          <a:spcPts val="0"/>
+                        </a:spcBef>
+                        <a:spcAft>
+                          <a:spcPts val="0"/>
+                        </a:spcAft>
+                        <a:buClrTx/>
+                        <a:buSzTx/>
+                        <a:buFontTx/>
+                        <a:buNone/>
+                        <a:tabLst/>
+                        <a:defRPr/>
+                      </a:pPr>
+                      <a:r>
+                        <a:rPr lang="en-US" altLang="ko-KR" sz="1000" dirty="0" smtClean="0"/>
+                        <a:t>/</a:t>
+                      </a:r>
+                      <a:r>
+                        <a:rPr lang="en-US" altLang="ko-KR" sz="1000" dirty="0" err="1" smtClean="0"/>
+                        <a:t>ReportCount</a:t>
+                      </a:r>
+                      <a:r>
+                        <a:rPr lang="en-US" altLang="ko-KR" sz="1000" dirty="0" smtClean="0"/>
+                        <a:t>,</a:t>
+                      </a:r>
+                      <a:r>
+                        <a:rPr lang="en-US" altLang="ko-KR" sz="1000" baseline="0" dirty="0" smtClean="0"/>
+                        <a:t> /</a:t>
+                      </a:r>
+                      <a:r>
+                        <a:rPr lang="en-US" altLang="ko-KR" sz="1000" dirty="0" err="1" smtClean="0">
+                          <a:solidFill>
+                            <a:schemeClr val="tx1"/>
+                          </a:solidFill>
+                        </a:rPr>
+                        <a:t>ReportReason</a:t>
+                      </a:r>
+                      <a:r>
+                        <a:rPr lang="en-US" altLang="ko-KR" sz="1000" baseline="0" dirty="0" smtClean="0"/>
+                        <a:t>,  /</a:t>
+                      </a:r>
+                      <a:r>
+                        <a:rPr lang="en-US" altLang="ko-KR" sz="1000" dirty="0" err="1" smtClean="0">
+                          <a:solidFill>
+                            <a:schemeClr val="tx1"/>
+                          </a:solidFill>
+                        </a:rPr>
+                        <a:t>ReportTime</a:t>
+                      </a:r>
+                      <a:endParaRPr lang="ko-KR" altLang="en-US" sz="1000" dirty="0" smtClean="0"/>
+                    </a:p>
+                  </a:txBody>
+                  <a:tcPr marL="68580" marR="68580"/>
+                </a:tc>
+              </a:tr>
+              <a:tr h="380202">
+                <a:tc>
+                  <a:txBody>
+                    <a:bodyPr/>
+                    <a:lstStyle/>
+                    <a:p>
+                      <a:pPr latinLnBrk="1"/>
+                      <a:r>
+                        <a:rPr lang="en-US" altLang="ko-KR" sz="1200" dirty="0" smtClean="0"/>
+                        <a:t>Controller</a:t>
+                      </a:r>
+                      <a:endParaRPr lang="ko-KR" altLang="en-US" sz="1200" dirty="0"/>
+                    </a:p>
+                  </a:txBody>
+                  <a:tcPr marL="68580" marR="68580"/>
+                </a:tc>
+              </a:tr>
+              <a:tr h="760404">
+                <a:tc>
+                  <a:txBody>
+                    <a:bodyPr/>
+                    <a:lstStyle/>
+                    <a:p>
+                      <a:pPr marL="0" marR="0" indent="0" algn="l" defTabSz="914400" rtl="0" eaLnBrk="1" fontAlgn="auto" latinLnBrk="1" hangingPunct="1">
+                        <a:lnSpc>
+                          <a:spcPct val="100000"/>
+                        </a:lnSpc>
+                        <a:spcBef>
+                          <a:spcPts val="0"/>
+                        </a:spcBef>
+                        <a:spcAft>
+                          <a:spcPts val="0"/>
+                        </a:spcAft>
+                        <a:buClrTx/>
+                        <a:buSzTx/>
+                        <a:buFontTx/>
+                        <a:buNone/>
+                        <a:tabLst/>
+                        <a:defRPr/>
+                      </a:pPr>
+                      <a:r>
+                        <a:rPr lang="en-US" altLang="ko-KR" sz="1000" dirty="0" err="1" smtClean="0"/>
+                        <a:t>ReportController</a:t>
+                      </a:r>
+                      <a:endParaRPr lang="ko-KR" altLang="en-US" sz="1000" dirty="0" smtClean="0"/>
+                    </a:p>
+                  </a:txBody>
+                  <a:tcPr marL="68580" marR="68580"/>
+                </a:tc>
+              </a:tr>
+              <a:tr h="380202">
+                <a:tc>
+                  <a:txBody>
+                    <a:bodyPr/>
+                    <a:lstStyle/>
+                    <a:p>
+                      <a:pPr latinLnBrk="1"/>
+                      <a:r>
+                        <a:rPr lang="en-US" altLang="ko-KR" sz="1200" dirty="0" smtClean="0"/>
+                        <a:t>View</a:t>
+                      </a:r>
+                      <a:endParaRPr lang="ko-KR" altLang="en-US" sz="1200" dirty="0"/>
+                    </a:p>
+                  </a:txBody>
+                  <a:tcPr marL="68580" marR="68580"/>
+                </a:tc>
+              </a:tr>
+              <a:tr h="337957">
+                <a:tc>
+                  <a:txBody>
+                    <a:bodyPr/>
+                    <a:lstStyle/>
+                    <a:p>
+                      <a:pPr marL="0" marR="0" indent="0" algn="l" defTabSz="914400" rtl="0" eaLnBrk="1" fontAlgn="auto" latinLnBrk="1" hangingPunct="1">
+                        <a:lnSpc>
+                          <a:spcPct val="100000"/>
+                        </a:lnSpc>
+                        <a:spcBef>
+                          <a:spcPts val="0"/>
+                        </a:spcBef>
+                        <a:spcAft>
+                          <a:spcPts val="0"/>
+                        </a:spcAft>
+                        <a:buClrTx/>
+                        <a:buSzTx/>
+                        <a:buFontTx/>
+                        <a:buNone/>
+                        <a:tabLst/>
+                        <a:defRPr/>
+                      </a:pPr>
+                      <a:r>
+                        <a:rPr lang="en-US" altLang="ko-KR" sz="1000" dirty="0" err="1" smtClean="0"/>
+                        <a:t>ReportSituation.jsp</a:t>
+                      </a:r>
+                      <a:endParaRPr lang="ko-KR" altLang="en-US" sz="1000" dirty="0" smtClean="0"/>
+                    </a:p>
+                  </a:txBody>
+                  <a:tcPr marL="68580" marR="68580"/>
+                </a:tc>
+              </a:tr>
+            </a:tbl>
+          </a:graphicData>
+        </a:graphic>
+      </p:graphicFrame>
     </p:spTree>
     <p:extLst>
       <p:ext uri="{BB962C8B-B14F-4D97-AF65-F5344CB8AC3E}">
@@ -15954,206 +17249,6 @@
           </a:graphicData>
         </a:graphic>
       </p:graphicFrame>
-      <p:graphicFrame>
-        <p:nvGraphicFramePr>
-          <p:cNvPr id="23" name="표 22"/>
-          <p:cNvGraphicFramePr>
-            <a:graphicFrameLocks noGrp="1"/>
-          </p:cNvGraphicFramePr>
-          <p:nvPr>
-            <p:extLst>
-              <p:ext uri="{D42A27DB-BD31-4B8C-83A1-F6EECF244321}">
-                <p14:modId xmlns:p14="http://schemas.microsoft.com/office/powerpoint/2010/main" val="2026406099"/>
-              </p:ext>
-            </p:extLst>
-          </p:nvPr>
-        </p:nvGraphicFramePr>
-        <p:xfrm>
-          <a:off x="6781801" y="4319365"/>
-          <a:ext cx="2158313" cy="2316480"/>
-        </p:xfrm>
-        <a:graphic>
-          <a:graphicData uri="http://schemas.openxmlformats.org/drawingml/2006/table">
-            <a:tbl>
-              <a:tblPr firstRow="1" bandRow="1">
-                <a:tableStyleId>{F5AB1C69-6EDB-4FF4-983F-18BD219EF322}</a:tableStyleId>
-              </a:tblPr>
-              <a:tblGrid>
-                <a:gridCol w="2158313"/>
-              </a:tblGrid>
-              <a:tr h="170543">
-                <a:tc>
-                  <a:txBody>
-                    <a:bodyPr/>
-                    <a:lstStyle/>
-                    <a:p>
-                      <a:pPr algn="ctr" latinLnBrk="1"/>
-                      <a:r>
-                        <a:rPr lang="ko-KR" altLang="en-US" sz="1200" dirty="0" smtClean="0"/>
-                        <a:t>경로</a:t>
-                      </a:r>
-                      <a:endParaRPr lang="ko-KR" altLang="en-US" sz="1200" dirty="0"/>
-                    </a:p>
-                  </a:txBody>
-                  <a:tcPr marL="68580" marR="68580"/>
-                </a:tc>
-              </a:tr>
-              <a:tr h="170543">
-                <a:tc>
-                  <a:txBody>
-                    <a:bodyPr/>
-                    <a:lstStyle/>
-                    <a:p>
-                      <a:pPr latinLnBrk="1"/>
-                      <a:r>
-                        <a:rPr lang="en-US" altLang="ko-KR" sz="1200" dirty="0" smtClean="0"/>
-                        <a:t>Request</a:t>
-                      </a:r>
-                      <a:endParaRPr lang="ko-KR" altLang="en-US" sz="1200" dirty="0"/>
-                    </a:p>
-                  </a:txBody>
-                  <a:tcPr marL="68580" marR="68580"/>
-                </a:tc>
-              </a:tr>
-              <a:tr h="170543">
-                <a:tc>
-                  <a:txBody>
-                    <a:bodyPr/>
-                    <a:lstStyle/>
-                    <a:p>
-                      <a:pPr marL="0" marR="0" indent="0" algn="l" defTabSz="914400" rtl="0" eaLnBrk="1" fontAlgn="auto" latinLnBrk="1" hangingPunct="1">
-                        <a:lnSpc>
-                          <a:spcPct val="100000"/>
-                        </a:lnSpc>
-                        <a:spcBef>
-                          <a:spcPts val="0"/>
-                        </a:spcBef>
-                        <a:spcAft>
-                          <a:spcPts val="0"/>
-                        </a:spcAft>
-                        <a:buClrTx/>
-                        <a:buSzTx/>
-                        <a:buFontTx/>
-                        <a:buNone/>
-                        <a:tabLst/>
-                        <a:defRPr/>
-                      </a:pPr>
-                      <a:endParaRPr lang="ko-KR" altLang="en-US" sz="1000" dirty="0"/>
-                    </a:p>
-                  </a:txBody>
-                  <a:tcPr marL="68580" marR="68580"/>
-                </a:tc>
-              </a:tr>
-              <a:tr h="170543">
-                <a:tc>
-                  <a:txBody>
-                    <a:bodyPr/>
-                    <a:lstStyle/>
-                    <a:p>
-                      <a:pPr latinLnBrk="1"/>
-                      <a:r>
-                        <a:rPr lang="en-US" altLang="ko-KR" sz="1200" dirty="0" smtClean="0"/>
-                        <a:t>Controller</a:t>
-                      </a:r>
-                      <a:endParaRPr lang="ko-KR" altLang="en-US" sz="1200" dirty="0"/>
-                    </a:p>
-                  </a:txBody>
-                  <a:tcPr marL="68580" marR="68580"/>
-                </a:tc>
-              </a:tr>
-              <a:tr h="170543">
-                <a:tc>
-                  <a:txBody>
-                    <a:bodyPr/>
-                    <a:lstStyle/>
-                    <a:p>
-                      <a:pPr marL="0" marR="0" indent="0" algn="l" defTabSz="914400" rtl="0" eaLnBrk="1" fontAlgn="auto" latinLnBrk="1" hangingPunct="1">
-                        <a:lnSpc>
-                          <a:spcPct val="100000"/>
-                        </a:lnSpc>
-                        <a:spcBef>
-                          <a:spcPts val="0"/>
-                        </a:spcBef>
-                        <a:spcAft>
-                          <a:spcPts val="0"/>
-                        </a:spcAft>
-                        <a:buClrTx/>
-                        <a:buSzTx/>
-                        <a:buFontTx/>
-                        <a:buNone/>
-                        <a:tabLst/>
-                        <a:defRPr/>
-                      </a:pPr>
-                      <a:endParaRPr lang="ko-KR" altLang="en-US" sz="1000" dirty="0"/>
-                    </a:p>
-                  </a:txBody>
-                  <a:tcPr marL="68580" marR="68580"/>
-                </a:tc>
-              </a:tr>
-              <a:tr h="170543">
-                <a:tc>
-                  <a:txBody>
-                    <a:bodyPr/>
-                    <a:lstStyle/>
-                    <a:p>
-                      <a:pPr latinLnBrk="1"/>
-                      <a:r>
-                        <a:rPr lang="en-US" altLang="ko-KR" sz="1200" dirty="0" smtClean="0"/>
-                        <a:t>Parameter</a:t>
-                      </a:r>
-                      <a:endParaRPr lang="ko-KR" altLang="en-US" sz="1200" dirty="0"/>
-                    </a:p>
-                  </a:txBody>
-                  <a:tcPr marL="68580" marR="68580"/>
-                </a:tc>
-              </a:tr>
-              <a:tr h="170543">
-                <a:tc>
-                  <a:txBody>
-                    <a:bodyPr/>
-                    <a:lstStyle/>
-                    <a:p>
-                      <a:pPr latinLnBrk="1"/>
-                      <a:endParaRPr lang="ko-KR" altLang="en-US" sz="1000" dirty="0"/>
-                    </a:p>
-                  </a:txBody>
-                  <a:tcPr marL="68580" marR="68580"/>
-                </a:tc>
-              </a:tr>
-              <a:tr h="170543">
-                <a:tc>
-                  <a:txBody>
-                    <a:bodyPr/>
-                    <a:lstStyle/>
-                    <a:p>
-                      <a:pPr latinLnBrk="1"/>
-                      <a:r>
-                        <a:rPr lang="en-US" altLang="ko-KR" sz="1000" dirty="0" smtClean="0"/>
-                        <a:t>View</a:t>
-                      </a:r>
-                      <a:endParaRPr lang="ko-KR" altLang="en-US" sz="1000" dirty="0"/>
-                    </a:p>
-                  </a:txBody>
-                  <a:tcPr marL="68580" marR="68580"/>
-                </a:tc>
-              </a:tr>
-              <a:tr h="170543">
-                <a:tc>
-                  <a:txBody>
-                    <a:bodyPr/>
-                    <a:lstStyle/>
-                    <a:p>
-                      <a:pPr latinLnBrk="1"/>
-                      <a:endParaRPr lang="ko-KR" altLang="en-US" sz="1000" dirty="0"/>
-                    </a:p>
-                  </a:txBody>
-                  <a:tcPr marL="68580" marR="68580"/>
-                </a:tc>
-              </a:tr>
-            </a:tbl>
-          </a:graphicData>
-        </a:graphic>
-      </p:graphicFrame>
       <p:sp>
         <p:nvSpPr>
           <p:cNvPr id="7" name="직사각형 6"/>
@@ -16163,7 +17258,7 @@
         <p:spPr>
           <a:xfrm>
             <a:off x="6752401" y="908720"/>
-            <a:ext cx="2212087" cy="3384376"/>
+            <a:ext cx="2212087" cy="2448272"/>
           </a:xfrm>
           <a:prstGeom prst="rect">
             <a:avLst/>
@@ -16321,6 +17416,517 @@
           </a:p>
         </p:txBody>
       </p:sp>
+      <p:sp>
+        <p:nvSpPr>
+          <p:cNvPr id="9" name="직사각형 8"/>
+          <p:cNvSpPr/>
+          <p:nvPr/>
+        </p:nvSpPr>
+        <p:spPr>
+          <a:xfrm>
+            <a:off x="-2052736" y="2788015"/>
+            <a:ext cx="2134350" cy="1008112"/>
+          </a:xfrm>
+          <a:prstGeom prst="rect">
+            <a:avLst/>
+          </a:prstGeom>
+          <a:solidFill>
+            <a:schemeClr val="bg1"/>
+          </a:solidFill>
+          <a:ln>
+            <a:solidFill>
+              <a:schemeClr val="tx2">
+                <a:lumMod val="60000"/>
+                <a:lumOff val="40000"/>
+              </a:schemeClr>
+            </a:solidFill>
+          </a:ln>
+        </p:spPr>
+        <p:style>
+          <a:lnRef idx="2">
+            <a:schemeClr val="accent1">
+              <a:shade val="50000"/>
+            </a:schemeClr>
+          </a:lnRef>
+          <a:fillRef idx="1">
+            <a:schemeClr val="accent1"/>
+          </a:fillRef>
+          <a:effectRef idx="0">
+            <a:schemeClr val="accent1"/>
+          </a:effectRef>
+          <a:fontRef idx="minor">
+            <a:schemeClr val="lt1"/>
+          </a:fontRef>
+        </p:style>
+        <p:txBody>
+          <a:bodyPr rtlCol="0" anchor="ctr"/>
+          <a:lstStyle/>
+          <a:p>
+            <a:r>
+              <a:rPr lang="en-US" altLang="ko-KR" sz="1000" dirty="0" smtClean="0">
+                <a:solidFill>
+                  <a:schemeClr val="tx1"/>
+                </a:solidFill>
+              </a:rPr>
+              <a:t>1.</a:t>
+            </a:r>
+            <a:r>
+              <a:rPr lang="ko-KR" altLang="en-US" sz="1000" dirty="0" smtClean="0">
+                <a:solidFill>
+                  <a:schemeClr val="tx1"/>
+                </a:solidFill>
+              </a:rPr>
+              <a:t>요청 </a:t>
+            </a:r>
+            <a:r>
+              <a:rPr lang="en-US" altLang="ko-KR" sz="1000" dirty="0" smtClean="0">
+                <a:solidFill>
+                  <a:schemeClr val="tx1"/>
+                </a:solidFill>
+              </a:rPr>
+              <a:t>: /</a:t>
+            </a:r>
+            <a:r>
+              <a:rPr lang="en-US" altLang="ko-KR" sz="1000" dirty="0" err="1" smtClean="0">
+                <a:solidFill>
+                  <a:schemeClr val="tx1"/>
+                </a:solidFill>
+              </a:rPr>
+              <a:t>ReportUntreated</a:t>
+            </a:r>
+            <a:endParaRPr lang="en-US" altLang="ko-KR" sz="1000" dirty="0" smtClean="0">
+              <a:solidFill>
+                <a:schemeClr val="tx1"/>
+              </a:solidFill>
+            </a:endParaRPr>
+          </a:p>
+          <a:p>
+            <a:r>
+              <a:rPr lang="en-US" altLang="ko-KR" sz="1000" dirty="0" smtClean="0">
+                <a:solidFill>
+                  <a:schemeClr val="tx1"/>
+                </a:solidFill>
+              </a:rPr>
+              <a:t>2.</a:t>
+            </a:r>
+            <a:r>
+              <a:rPr lang="ko-KR" altLang="en-US" sz="1000" dirty="0" smtClean="0">
+                <a:solidFill>
+                  <a:schemeClr val="tx1"/>
+                </a:solidFill>
+              </a:rPr>
+              <a:t>파라미터 </a:t>
+            </a:r>
+            <a:r>
+              <a:rPr lang="en-US" altLang="ko-KR" sz="1000" dirty="0" smtClean="0">
+                <a:solidFill>
+                  <a:schemeClr val="tx1"/>
+                </a:solidFill>
+              </a:rPr>
+              <a:t>: </a:t>
+            </a:r>
+            <a:r>
+              <a:rPr lang="ko-KR" altLang="en-US" sz="1000" dirty="0" smtClean="0">
+                <a:solidFill>
+                  <a:schemeClr val="tx1"/>
+                </a:solidFill>
+              </a:rPr>
+              <a:t>등록번호 </a:t>
+            </a:r>
+            <a:r>
+              <a:rPr lang="en-US" altLang="ko-KR" sz="1000" dirty="0" smtClean="0">
+                <a:solidFill>
+                  <a:schemeClr val="tx1"/>
+                </a:solidFill>
+              </a:rPr>
+              <a:t>= / </a:t>
+            </a:r>
+            <a:r>
+              <a:rPr lang="ko-KR" altLang="en-US" sz="1000" dirty="0" smtClean="0">
+                <a:solidFill>
+                  <a:schemeClr val="tx1"/>
+                </a:solidFill>
+              </a:rPr>
+              <a:t>접수일 </a:t>
+            </a:r>
+            <a:r>
+              <a:rPr lang="en-US" altLang="ko-KR" sz="1000" dirty="0" smtClean="0">
+                <a:solidFill>
+                  <a:schemeClr val="tx1"/>
+                </a:solidFill>
+              </a:rPr>
+              <a:t>= / </a:t>
+            </a:r>
+            <a:r>
+              <a:rPr lang="ko-KR" altLang="en-US" sz="1000" dirty="0" smtClean="0">
+                <a:solidFill>
+                  <a:schemeClr val="tx1"/>
+                </a:solidFill>
+              </a:rPr>
+              <a:t>게시판 </a:t>
+            </a:r>
+            <a:r>
+              <a:rPr lang="en-US" altLang="ko-KR" sz="1000" dirty="0" smtClean="0">
+                <a:solidFill>
+                  <a:schemeClr val="tx1"/>
+                </a:solidFill>
+              </a:rPr>
+              <a:t>= / </a:t>
+            </a:r>
+            <a:r>
+              <a:rPr lang="ko-KR" altLang="en-US" sz="1000" dirty="0" smtClean="0">
+                <a:solidFill>
+                  <a:schemeClr val="tx1"/>
+                </a:solidFill>
+              </a:rPr>
+              <a:t>글번호 </a:t>
+            </a:r>
+            <a:r>
+              <a:rPr lang="en-US" altLang="ko-KR" sz="1000" dirty="0" smtClean="0">
+                <a:solidFill>
+                  <a:schemeClr val="tx1"/>
+                </a:solidFill>
+              </a:rPr>
+              <a:t>= / </a:t>
+            </a:r>
+            <a:r>
+              <a:rPr lang="ko-KR" altLang="en-US" sz="1000" dirty="0" smtClean="0">
+                <a:solidFill>
+                  <a:schemeClr val="tx1"/>
+                </a:solidFill>
+              </a:rPr>
+              <a:t>작성자 </a:t>
+            </a:r>
+            <a:r>
+              <a:rPr lang="en-US" altLang="ko-KR" sz="1000" dirty="0" smtClean="0">
+                <a:solidFill>
+                  <a:schemeClr val="tx1"/>
+                </a:solidFill>
+              </a:rPr>
+              <a:t>= / </a:t>
+            </a:r>
+            <a:r>
+              <a:rPr lang="ko-KR" altLang="en-US" sz="1000" dirty="0" smtClean="0">
+                <a:solidFill>
+                  <a:schemeClr val="tx1"/>
+                </a:solidFill>
+              </a:rPr>
+              <a:t>제목 </a:t>
+            </a:r>
+            <a:r>
+              <a:rPr lang="en-US" altLang="ko-KR" sz="1000" dirty="0" smtClean="0">
+                <a:solidFill>
+                  <a:schemeClr val="tx1"/>
+                </a:solidFill>
+              </a:rPr>
+              <a:t>= / </a:t>
+            </a:r>
+            <a:r>
+              <a:rPr lang="ko-KR" altLang="en-US" sz="1000" dirty="0" smtClean="0">
+                <a:solidFill>
+                  <a:schemeClr val="tx1"/>
+                </a:solidFill>
+              </a:rPr>
+              <a:t>작성일 </a:t>
+            </a:r>
+            <a:r>
+              <a:rPr lang="en-US" altLang="ko-KR" sz="1000" dirty="0" smtClean="0">
+                <a:solidFill>
+                  <a:schemeClr val="tx1"/>
+                </a:solidFill>
+              </a:rPr>
+              <a:t>= / </a:t>
+            </a:r>
+            <a:r>
+              <a:rPr lang="ko-KR" altLang="en-US" sz="1000" dirty="0" smtClean="0">
+                <a:solidFill>
+                  <a:schemeClr val="tx1"/>
+                </a:solidFill>
+              </a:rPr>
+              <a:t>신고자 </a:t>
+            </a:r>
+            <a:r>
+              <a:rPr lang="en-US" altLang="ko-KR" sz="1000" dirty="0" smtClean="0">
+                <a:solidFill>
+                  <a:schemeClr val="tx1"/>
+                </a:solidFill>
+              </a:rPr>
+              <a:t>= / </a:t>
+            </a:r>
+            <a:r>
+              <a:rPr lang="ko-KR" altLang="en-US" sz="1000" dirty="0" smtClean="0">
+                <a:solidFill>
+                  <a:schemeClr val="tx1"/>
+                </a:solidFill>
+              </a:rPr>
+              <a:t>신고사유 </a:t>
+            </a:r>
+            <a:r>
+              <a:rPr lang="en-US" altLang="ko-KR" sz="1000" dirty="0" smtClean="0">
+                <a:solidFill>
+                  <a:schemeClr val="tx1"/>
+                </a:solidFill>
+              </a:rPr>
+              <a:t>/ </a:t>
+            </a:r>
+            <a:r>
+              <a:rPr lang="ko-KR" altLang="en-US" sz="1000" dirty="0" smtClean="0">
+                <a:solidFill>
+                  <a:schemeClr val="tx1"/>
+                </a:solidFill>
+              </a:rPr>
+              <a:t>신고일 </a:t>
+            </a:r>
+            <a:r>
+              <a:rPr lang="en-US" altLang="ko-KR" sz="1000" dirty="0" smtClean="0">
+                <a:solidFill>
+                  <a:schemeClr val="tx1"/>
+                </a:solidFill>
+              </a:rPr>
+              <a:t>= / </a:t>
+            </a:r>
+            <a:r>
+              <a:rPr lang="ko-KR" altLang="en-US" sz="1000" dirty="0" smtClean="0">
+                <a:solidFill>
+                  <a:schemeClr val="tx1"/>
+                </a:solidFill>
+              </a:rPr>
+              <a:t>처리상태 </a:t>
+            </a:r>
+            <a:r>
+              <a:rPr lang="en-US" altLang="ko-KR" sz="1000" dirty="0" smtClean="0">
+                <a:solidFill>
+                  <a:schemeClr val="tx1"/>
+                </a:solidFill>
+              </a:rPr>
+              <a:t>= </a:t>
+            </a:r>
+            <a:endParaRPr lang="en-US" altLang="ko-KR" sz="1000" dirty="0">
+              <a:solidFill>
+                <a:schemeClr val="tx1"/>
+              </a:solidFill>
+            </a:endParaRPr>
+          </a:p>
+        </p:txBody>
+      </p:sp>
+      <p:graphicFrame>
+        <p:nvGraphicFramePr>
+          <p:cNvPr id="11" name="표 10"/>
+          <p:cNvGraphicFramePr>
+            <a:graphicFrameLocks noGrp="1"/>
+          </p:cNvGraphicFramePr>
+          <p:nvPr>
+            <p:extLst>
+              <p:ext uri="{D42A27DB-BD31-4B8C-83A1-F6EECF244321}">
+                <p14:modId xmlns:p14="http://schemas.microsoft.com/office/powerpoint/2010/main" val="1962974484"/>
+              </p:ext>
+            </p:extLst>
+          </p:nvPr>
+        </p:nvGraphicFramePr>
+        <p:xfrm>
+          <a:off x="6779287" y="3428999"/>
+          <a:ext cx="2158313" cy="3168350"/>
+        </p:xfrm>
+        <a:graphic>
+          <a:graphicData uri="http://schemas.openxmlformats.org/drawingml/2006/table">
+            <a:tbl>
+              <a:tblPr firstRow="1" bandRow="1">
+                <a:tableStyleId>{F5AB1C69-6EDB-4FF4-983F-18BD219EF322}</a:tableStyleId>
+              </a:tblPr>
+              <a:tblGrid>
+                <a:gridCol w="2158313"/>
+              </a:tblGrid>
+              <a:tr h="380202">
+                <a:tc>
+                  <a:txBody>
+                    <a:bodyPr/>
+                    <a:lstStyle/>
+                    <a:p>
+                      <a:pPr algn="ctr" latinLnBrk="1"/>
+                      <a:r>
+                        <a:rPr lang="ko-KR" altLang="en-US" sz="1200" dirty="0" smtClean="0"/>
+                        <a:t>경로</a:t>
+                      </a:r>
+                      <a:endParaRPr lang="ko-KR" altLang="en-US" sz="1200" dirty="0"/>
+                    </a:p>
+                  </a:txBody>
+                  <a:tcPr marL="68580" marR="68580"/>
+                </a:tc>
+              </a:tr>
+              <a:tr h="380202">
+                <a:tc>
+                  <a:txBody>
+                    <a:bodyPr/>
+                    <a:lstStyle/>
+                    <a:p>
+                      <a:pPr latinLnBrk="1"/>
+                      <a:r>
+                        <a:rPr lang="en-US" altLang="ko-KR" sz="1200" dirty="0" smtClean="0"/>
+                        <a:t>Request</a:t>
+                      </a:r>
+                      <a:endParaRPr lang="ko-KR" altLang="en-US" sz="1200" dirty="0"/>
+                    </a:p>
+                  </a:txBody>
+                  <a:tcPr marL="68580" marR="68580"/>
+                </a:tc>
+              </a:tr>
+              <a:tr h="549181">
+                <a:tc>
+                  <a:txBody>
+                    <a:bodyPr/>
+                    <a:lstStyle/>
+                    <a:p>
+                      <a:pPr marL="0" marR="0" indent="0" algn="l" defTabSz="914400" rtl="0" eaLnBrk="1" fontAlgn="auto" latinLnBrk="1" hangingPunct="1">
+                        <a:lnSpc>
+                          <a:spcPct val="100000"/>
+                        </a:lnSpc>
+                        <a:spcBef>
+                          <a:spcPts val="0"/>
+                        </a:spcBef>
+                        <a:spcAft>
+                          <a:spcPts val="0"/>
+                        </a:spcAft>
+                        <a:buClrTx/>
+                        <a:buSzTx/>
+                        <a:buFontTx/>
+                        <a:buNone/>
+                        <a:tabLst/>
+                        <a:defRPr/>
+                      </a:pPr>
+                      <a:r>
+                        <a:rPr lang="en-US" altLang="ko-KR" sz="1000" dirty="0" smtClean="0"/>
+                        <a:t>/</a:t>
+                      </a:r>
+                      <a:r>
+                        <a:rPr lang="en-US" altLang="ko-KR" sz="1000" dirty="0" err="1" smtClean="0">
+                          <a:solidFill>
+                            <a:schemeClr val="tx1"/>
+                          </a:solidFill>
+                        </a:rPr>
+                        <a:t>ReportUntreated</a:t>
+                      </a:r>
+                      <a:endParaRPr lang="en-US" altLang="ko-KR" sz="1000" dirty="0" smtClean="0">
+                        <a:solidFill>
+                          <a:schemeClr val="tx1"/>
+                        </a:solidFill>
+                      </a:endParaRPr>
+                    </a:p>
+                  </a:txBody>
+                  <a:tcPr marL="68580" marR="68580"/>
+                </a:tc>
+              </a:tr>
+              <a:tr h="380202">
+                <a:tc>
+                  <a:txBody>
+                    <a:bodyPr/>
+                    <a:lstStyle/>
+                    <a:p>
+                      <a:pPr latinLnBrk="1"/>
+                      <a:r>
+                        <a:rPr lang="en-US" altLang="ko-KR" sz="1200" dirty="0" smtClean="0"/>
+                        <a:t>Controller</a:t>
+                      </a:r>
+                      <a:endParaRPr lang="ko-KR" altLang="en-US" sz="1200" dirty="0"/>
+                    </a:p>
+                  </a:txBody>
+                  <a:tcPr marL="68580" marR="68580"/>
+                </a:tc>
+              </a:tr>
+              <a:tr h="760404">
+                <a:tc>
+                  <a:txBody>
+                    <a:bodyPr/>
+                    <a:lstStyle/>
+                    <a:p>
+                      <a:pPr marL="0" marR="0" indent="0" algn="l" defTabSz="914400" rtl="0" eaLnBrk="1" fontAlgn="auto" latinLnBrk="1" hangingPunct="1">
+                        <a:lnSpc>
+                          <a:spcPct val="100000"/>
+                        </a:lnSpc>
+                        <a:spcBef>
+                          <a:spcPts val="0"/>
+                        </a:spcBef>
+                        <a:spcAft>
+                          <a:spcPts val="0"/>
+                        </a:spcAft>
+                        <a:buClrTx/>
+                        <a:buSzTx/>
+                        <a:buFontTx/>
+                        <a:buNone/>
+                        <a:tabLst/>
+                        <a:defRPr/>
+                      </a:pPr>
+                      <a:r>
+                        <a:rPr lang="en-US" altLang="ko-KR" sz="1000" dirty="0" err="1" smtClean="0"/>
+                        <a:t>ReportController</a:t>
+                      </a:r>
+                      <a:endParaRPr lang="ko-KR" altLang="en-US" sz="1000" dirty="0" smtClean="0"/>
+                    </a:p>
+                  </a:txBody>
+                  <a:tcPr marL="68580" marR="68580"/>
+                </a:tc>
+              </a:tr>
+              <a:tr h="380202">
+                <a:tc>
+                  <a:txBody>
+                    <a:bodyPr/>
+                    <a:lstStyle/>
+                    <a:p>
+                      <a:pPr latinLnBrk="1"/>
+                      <a:r>
+                        <a:rPr lang="en-US" altLang="ko-KR" sz="1200" dirty="0" smtClean="0"/>
+                        <a:t>View</a:t>
+                      </a:r>
+                      <a:endParaRPr lang="ko-KR" altLang="en-US" sz="1200" dirty="0"/>
+                    </a:p>
+                  </a:txBody>
+                  <a:tcPr marL="68580" marR="68580"/>
+                </a:tc>
+              </a:tr>
+              <a:tr h="337957">
+                <a:tc>
+                  <a:txBody>
+                    <a:bodyPr/>
+                    <a:lstStyle/>
+                    <a:p>
+                      <a:pPr marL="0" marR="0" indent="0" algn="l" defTabSz="914400" rtl="0" eaLnBrk="1" fontAlgn="auto" latinLnBrk="1" hangingPunct="1">
+                        <a:lnSpc>
+                          <a:spcPct val="100000"/>
+                        </a:lnSpc>
+                        <a:spcBef>
+                          <a:spcPts val="0"/>
+                        </a:spcBef>
+                        <a:spcAft>
+                          <a:spcPts val="0"/>
+                        </a:spcAft>
+                        <a:buClrTx/>
+                        <a:buSzTx/>
+                        <a:buFontTx/>
+                        <a:buNone/>
+                        <a:tabLst/>
+                        <a:defRPr/>
+                      </a:pPr>
+                      <a:r>
+                        <a:rPr lang="en-US" altLang="ko-KR" sz="1000" dirty="0" err="1" smtClean="0">
+                          <a:solidFill>
+                            <a:schemeClr val="tx1"/>
+                          </a:solidFill>
+                        </a:rPr>
+                        <a:t>ReportUntreated</a:t>
+                      </a:r>
+                      <a:r>
+                        <a:rPr lang="en-US" altLang="ko-KR" sz="1000" dirty="0" err="1" smtClean="0"/>
+                        <a:t>.jsp</a:t>
+                      </a:r>
+                      <a:endParaRPr lang="ko-KR" altLang="en-US" sz="1000" dirty="0" smtClean="0"/>
+                    </a:p>
+                  </a:txBody>
+                  <a:tcPr marL="68580" marR="68580"/>
+                </a:tc>
+              </a:tr>
+            </a:tbl>
+          </a:graphicData>
+        </a:graphic>
+      </p:graphicFrame>
     </p:spTree>
     <p:extLst>
       <p:ext uri="{BB962C8B-B14F-4D97-AF65-F5344CB8AC3E}">
@@ -17228,206 +18834,6 @@
           </a:graphicData>
         </a:graphic>
       </p:graphicFrame>
-      <p:graphicFrame>
-        <p:nvGraphicFramePr>
-          <p:cNvPr id="23" name="표 22"/>
-          <p:cNvGraphicFramePr>
-            <a:graphicFrameLocks noGrp="1"/>
-          </p:cNvGraphicFramePr>
-          <p:nvPr>
-            <p:extLst>
-              <p:ext uri="{D42A27DB-BD31-4B8C-83A1-F6EECF244321}">
-                <p14:modId xmlns:p14="http://schemas.microsoft.com/office/powerpoint/2010/main" val="2026406099"/>
-              </p:ext>
-            </p:extLst>
-          </p:nvPr>
-        </p:nvGraphicFramePr>
-        <p:xfrm>
-          <a:off x="6781801" y="4319365"/>
-          <a:ext cx="2158313" cy="2316480"/>
-        </p:xfrm>
-        <a:graphic>
-          <a:graphicData uri="http://schemas.openxmlformats.org/drawingml/2006/table">
-            <a:tbl>
-              <a:tblPr firstRow="1" bandRow="1">
-                <a:tableStyleId>{F5AB1C69-6EDB-4FF4-983F-18BD219EF322}</a:tableStyleId>
-              </a:tblPr>
-              <a:tblGrid>
-                <a:gridCol w="2158313"/>
-              </a:tblGrid>
-              <a:tr h="170543">
-                <a:tc>
-                  <a:txBody>
-                    <a:bodyPr/>
-                    <a:lstStyle/>
-                    <a:p>
-                      <a:pPr algn="ctr" latinLnBrk="1"/>
-                      <a:r>
-                        <a:rPr lang="ko-KR" altLang="en-US" sz="1200" dirty="0" smtClean="0"/>
-                        <a:t>경로</a:t>
-                      </a:r>
-                      <a:endParaRPr lang="ko-KR" altLang="en-US" sz="1200" dirty="0"/>
-                    </a:p>
-                  </a:txBody>
-                  <a:tcPr marL="68580" marR="68580"/>
-                </a:tc>
-              </a:tr>
-              <a:tr h="170543">
-                <a:tc>
-                  <a:txBody>
-                    <a:bodyPr/>
-                    <a:lstStyle/>
-                    <a:p>
-                      <a:pPr latinLnBrk="1"/>
-                      <a:r>
-                        <a:rPr lang="en-US" altLang="ko-KR" sz="1200" dirty="0" smtClean="0"/>
-                        <a:t>Request</a:t>
-                      </a:r>
-                      <a:endParaRPr lang="ko-KR" altLang="en-US" sz="1200" dirty="0"/>
-                    </a:p>
-                  </a:txBody>
-                  <a:tcPr marL="68580" marR="68580"/>
-                </a:tc>
-              </a:tr>
-              <a:tr h="170543">
-                <a:tc>
-                  <a:txBody>
-                    <a:bodyPr/>
-                    <a:lstStyle/>
-                    <a:p>
-                      <a:pPr marL="0" marR="0" indent="0" algn="l" defTabSz="914400" rtl="0" eaLnBrk="1" fontAlgn="auto" latinLnBrk="1" hangingPunct="1">
-                        <a:lnSpc>
-                          <a:spcPct val="100000"/>
-                        </a:lnSpc>
-                        <a:spcBef>
-                          <a:spcPts val="0"/>
-                        </a:spcBef>
-                        <a:spcAft>
-                          <a:spcPts val="0"/>
-                        </a:spcAft>
-                        <a:buClrTx/>
-                        <a:buSzTx/>
-                        <a:buFontTx/>
-                        <a:buNone/>
-                        <a:tabLst/>
-                        <a:defRPr/>
-                      </a:pPr>
-                      <a:endParaRPr lang="ko-KR" altLang="en-US" sz="1000" dirty="0"/>
-                    </a:p>
-                  </a:txBody>
-                  <a:tcPr marL="68580" marR="68580"/>
-                </a:tc>
-              </a:tr>
-              <a:tr h="170543">
-                <a:tc>
-                  <a:txBody>
-                    <a:bodyPr/>
-                    <a:lstStyle/>
-                    <a:p>
-                      <a:pPr latinLnBrk="1"/>
-                      <a:r>
-                        <a:rPr lang="en-US" altLang="ko-KR" sz="1200" dirty="0" smtClean="0"/>
-                        <a:t>Controller</a:t>
-                      </a:r>
-                      <a:endParaRPr lang="ko-KR" altLang="en-US" sz="1200" dirty="0"/>
-                    </a:p>
-                  </a:txBody>
-                  <a:tcPr marL="68580" marR="68580"/>
-                </a:tc>
-              </a:tr>
-              <a:tr h="170543">
-                <a:tc>
-                  <a:txBody>
-                    <a:bodyPr/>
-                    <a:lstStyle/>
-                    <a:p>
-                      <a:pPr marL="0" marR="0" indent="0" algn="l" defTabSz="914400" rtl="0" eaLnBrk="1" fontAlgn="auto" latinLnBrk="1" hangingPunct="1">
-                        <a:lnSpc>
-                          <a:spcPct val="100000"/>
-                        </a:lnSpc>
-                        <a:spcBef>
-                          <a:spcPts val="0"/>
-                        </a:spcBef>
-                        <a:spcAft>
-                          <a:spcPts val="0"/>
-                        </a:spcAft>
-                        <a:buClrTx/>
-                        <a:buSzTx/>
-                        <a:buFontTx/>
-                        <a:buNone/>
-                        <a:tabLst/>
-                        <a:defRPr/>
-                      </a:pPr>
-                      <a:endParaRPr lang="ko-KR" altLang="en-US" sz="1000" dirty="0"/>
-                    </a:p>
-                  </a:txBody>
-                  <a:tcPr marL="68580" marR="68580"/>
-                </a:tc>
-              </a:tr>
-              <a:tr h="170543">
-                <a:tc>
-                  <a:txBody>
-                    <a:bodyPr/>
-                    <a:lstStyle/>
-                    <a:p>
-                      <a:pPr latinLnBrk="1"/>
-                      <a:r>
-                        <a:rPr lang="en-US" altLang="ko-KR" sz="1200" dirty="0" smtClean="0"/>
-                        <a:t>Parameter</a:t>
-                      </a:r>
-                      <a:endParaRPr lang="ko-KR" altLang="en-US" sz="1200" dirty="0"/>
-                    </a:p>
-                  </a:txBody>
-                  <a:tcPr marL="68580" marR="68580"/>
-                </a:tc>
-              </a:tr>
-              <a:tr h="170543">
-                <a:tc>
-                  <a:txBody>
-                    <a:bodyPr/>
-                    <a:lstStyle/>
-                    <a:p>
-                      <a:pPr latinLnBrk="1"/>
-                      <a:endParaRPr lang="ko-KR" altLang="en-US" sz="1000" dirty="0"/>
-                    </a:p>
-                  </a:txBody>
-                  <a:tcPr marL="68580" marR="68580"/>
-                </a:tc>
-              </a:tr>
-              <a:tr h="170543">
-                <a:tc>
-                  <a:txBody>
-                    <a:bodyPr/>
-                    <a:lstStyle/>
-                    <a:p>
-                      <a:pPr latinLnBrk="1"/>
-                      <a:r>
-                        <a:rPr lang="en-US" altLang="ko-KR" sz="1000" dirty="0" smtClean="0"/>
-                        <a:t>View</a:t>
-                      </a:r>
-                      <a:endParaRPr lang="ko-KR" altLang="en-US" sz="1000" dirty="0"/>
-                    </a:p>
-                  </a:txBody>
-                  <a:tcPr marL="68580" marR="68580"/>
-                </a:tc>
-              </a:tr>
-              <a:tr h="170543">
-                <a:tc>
-                  <a:txBody>
-                    <a:bodyPr/>
-                    <a:lstStyle/>
-                    <a:p>
-                      <a:pPr latinLnBrk="1"/>
-                      <a:endParaRPr lang="ko-KR" altLang="en-US" sz="1000" dirty="0"/>
-                    </a:p>
-                  </a:txBody>
-                  <a:tcPr marL="68580" marR="68580"/>
-                </a:tc>
-              </a:tr>
-            </a:tbl>
-          </a:graphicData>
-        </a:graphic>
-      </p:graphicFrame>
       <p:sp>
         <p:nvSpPr>
           <p:cNvPr id="6" name="직사각형 5"/>
@@ -17437,7 +18843,7 @@
         <p:spPr>
           <a:xfrm>
             <a:off x="6752401" y="908720"/>
-            <a:ext cx="2212087" cy="3384376"/>
+            <a:ext cx="2212087" cy="2486992"/>
           </a:xfrm>
           <a:prstGeom prst="rect">
             <a:avLst/>
@@ -17736,6 +19142,228 @@
           </a:p>
         </p:txBody>
       </p:sp>
+      <p:graphicFrame>
+        <p:nvGraphicFramePr>
+          <p:cNvPr id="10" name="표 9"/>
+          <p:cNvGraphicFramePr>
+            <a:graphicFrameLocks noGrp="1"/>
+          </p:cNvGraphicFramePr>
+          <p:nvPr>
+            <p:extLst>
+              <p:ext uri="{D42A27DB-BD31-4B8C-83A1-F6EECF244321}">
+                <p14:modId xmlns:p14="http://schemas.microsoft.com/office/powerpoint/2010/main" val="2560729977"/>
+              </p:ext>
+            </p:extLst>
+          </p:nvPr>
+        </p:nvGraphicFramePr>
+        <p:xfrm>
+          <a:off x="6779287" y="3428999"/>
+          <a:ext cx="2158313" cy="3168350"/>
+        </p:xfrm>
+        <a:graphic>
+          <a:graphicData uri="http://schemas.openxmlformats.org/drawingml/2006/table">
+            <a:tbl>
+              <a:tblPr firstRow="1" bandRow="1">
+                <a:tableStyleId>{F5AB1C69-6EDB-4FF4-983F-18BD219EF322}</a:tableStyleId>
+              </a:tblPr>
+              <a:tblGrid>
+                <a:gridCol w="2158313"/>
+              </a:tblGrid>
+              <a:tr h="380202">
+                <a:tc>
+                  <a:txBody>
+                    <a:bodyPr/>
+                    <a:lstStyle/>
+                    <a:p>
+                      <a:pPr algn="ctr" latinLnBrk="1"/>
+                      <a:r>
+                        <a:rPr lang="ko-KR" altLang="en-US" sz="1200" dirty="0" smtClean="0"/>
+                        <a:t>경로</a:t>
+                      </a:r>
+                      <a:endParaRPr lang="ko-KR" altLang="en-US" sz="1200" dirty="0"/>
+                    </a:p>
+                  </a:txBody>
+                  <a:tcPr marL="68580" marR="68580"/>
+                </a:tc>
+              </a:tr>
+              <a:tr h="380202">
+                <a:tc>
+                  <a:txBody>
+                    <a:bodyPr/>
+                    <a:lstStyle/>
+                    <a:p>
+                      <a:pPr latinLnBrk="1"/>
+                      <a:r>
+                        <a:rPr lang="en-US" altLang="ko-KR" sz="1200" dirty="0" smtClean="0"/>
+                        <a:t>Request</a:t>
+                      </a:r>
+                      <a:endParaRPr lang="ko-KR" altLang="en-US" sz="1200" dirty="0"/>
+                    </a:p>
+                  </a:txBody>
+                  <a:tcPr marL="68580" marR="68580"/>
+                </a:tc>
+              </a:tr>
+              <a:tr h="549181">
+                <a:tc>
+                  <a:txBody>
+                    <a:bodyPr/>
+                    <a:lstStyle/>
+                    <a:p>
+                      <a:pPr marL="0" marR="0" indent="0" algn="l" defTabSz="914400" rtl="0" eaLnBrk="1" fontAlgn="auto" latinLnBrk="1" hangingPunct="1">
+                        <a:lnSpc>
+                          <a:spcPct val="100000"/>
+                        </a:lnSpc>
+                        <a:spcBef>
+                          <a:spcPts val="0"/>
+                        </a:spcBef>
+                        <a:spcAft>
+                          <a:spcPts val="0"/>
+                        </a:spcAft>
+                        <a:buClrTx/>
+                        <a:buSzTx/>
+                        <a:buFontTx/>
+                        <a:buNone/>
+                        <a:tabLst/>
+                        <a:defRPr/>
+                      </a:pPr>
+                      <a:r>
+                        <a:rPr lang="en-US" altLang="ko-KR" sz="1000" dirty="0" smtClean="0"/>
+                        <a:t>/</a:t>
+                      </a:r>
+                      <a:r>
+                        <a:rPr lang="en-US" altLang="ko-KR" sz="1000" dirty="0" err="1" smtClean="0">
+                          <a:solidFill>
+                            <a:schemeClr val="tx1"/>
+                          </a:solidFill>
+                        </a:rPr>
+                        <a:t>ReportTreate</a:t>
+                      </a:r>
+                      <a:endParaRPr lang="en-US" altLang="ko-KR" sz="1000" dirty="0" smtClean="0">
+                        <a:solidFill>
+                          <a:schemeClr val="tx1"/>
+                        </a:solidFill>
+                      </a:endParaRPr>
+                    </a:p>
+                  </a:txBody>
+                  <a:tcPr marL="68580" marR="68580"/>
+                </a:tc>
+              </a:tr>
+              <a:tr h="380202">
+                <a:tc>
+                  <a:txBody>
+                    <a:bodyPr/>
+                    <a:lstStyle/>
+                    <a:p>
+                      <a:pPr latinLnBrk="1"/>
+                      <a:r>
+                        <a:rPr lang="en-US" altLang="ko-KR" sz="1200" dirty="0" smtClean="0"/>
+                        <a:t>Controller</a:t>
+                      </a:r>
+                      <a:endParaRPr lang="ko-KR" altLang="en-US" sz="1200" dirty="0"/>
+                    </a:p>
+                  </a:txBody>
+                  <a:tcPr marL="68580" marR="68580"/>
+                </a:tc>
+              </a:tr>
+              <a:tr h="760404">
+                <a:tc>
+                  <a:txBody>
+                    <a:bodyPr/>
+                    <a:lstStyle/>
+                    <a:p>
+                      <a:pPr marL="0" marR="0" indent="0" algn="l" defTabSz="914400" rtl="0" eaLnBrk="1" fontAlgn="auto" latinLnBrk="1" hangingPunct="1">
+                        <a:lnSpc>
+                          <a:spcPct val="100000"/>
+                        </a:lnSpc>
+                        <a:spcBef>
+                          <a:spcPts val="0"/>
+                        </a:spcBef>
+                        <a:spcAft>
+                          <a:spcPts val="0"/>
+                        </a:spcAft>
+                        <a:buClrTx/>
+                        <a:buSzTx/>
+                        <a:buFontTx/>
+                        <a:buNone/>
+                        <a:tabLst/>
+                        <a:defRPr/>
+                      </a:pPr>
+                      <a:r>
+                        <a:rPr lang="en-US" altLang="ko-KR" sz="1000" dirty="0" err="1" smtClean="0"/>
+                        <a:t>ReportController</a:t>
+                      </a:r>
+                      <a:endParaRPr lang="en-US" altLang="ko-KR" sz="1000" dirty="0" smtClean="0">
+                        <a:solidFill>
+                          <a:schemeClr val="tx1"/>
+                        </a:solidFill>
+                      </a:endParaRPr>
+                    </a:p>
+                  </a:txBody>
+                  <a:tcPr marL="68580" marR="68580"/>
+                </a:tc>
+              </a:tr>
+              <a:tr h="380202">
+                <a:tc>
+                  <a:txBody>
+                    <a:bodyPr/>
+                    <a:lstStyle/>
+                    <a:p>
+                      <a:pPr latinLnBrk="1"/>
+                      <a:r>
+                        <a:rPr lang="en-US" altLang="ko-KR" sz="1200" dirty="0" smtClean="0"/>
+                        <a:t>View</a:t>
+                      </a:r>
+                      <a:endParaRPr lang="ko-KR" altLang="en-US" sz="1200" dirty="0"/>
+                    </a:p>
+                  </a:txBody>
+                  <a:tcPr marL="68580" marR="68580"/>
+                </a:tc>
+              </a:tr>
+              <a:tr h="337957">
+                <a:tc>
+                  <a:txBody>
+                    <a:bodyPr/>
+                    <a:lstStyle/>
+                    <a:p>
+                      <a:pPr marL="0" marR="0" indent="0" algn="l" defTabSz="914400" rtl="0" eaLnBrk="1" fontAlgn="auto" latinLnBrk="1" hangingPunct="1">
+                        <a:lnSpc>
+                          <a:spcPct val="100000"/>
+                        </a:lnSpc>
+                        <a:spcBef>
+                          <a:spcPts val="0"/>
+                        </a:spcBef>
+                        <a:spcAft>
+                          <a:spcPts val="0"/>
+                        </a:spcAft>
+                        <a:buClrTx/>
+                        <a:buSzTx/>
+                        <a:buFontTx/>
+                        <a:buNone/>
+                        <a:tabLst/>
+                        <a:defRPr/>
+                      </a:pPr>
+                      <a:r>
+                        <a:rPr lang="en-US" altLang="ko-KR" sz="1000" dirty="0" err="1" smtClean="0">
+                          <a:solidFill>
+                            <a:schemeClr val="tx1"/>
+                          </a:solidFill>
+                        </a:rPr>
+                        <a:t>ReportTreate</a:t>
+                      </a:r>
+                      <a:r>
+                        <a:rPr lang="en-US" altLang="ko-KR" sz="1000" dirty="0" err="1" smtClean="0"/>
+                        <a:t>.jsp</a:t>
+                      </a:r>
+                      <a:endParaRPr lang="ko-KR" altLang="en-US" sz="1000" dirty="0" smtClean="0"/>
+                    </a:p>
+                  </a:txBody>
+                  <a:tcPr marL="68580" marR="68580"/>
+                </a:tc>
+              </a:tr>
+            </a:tbl>
+          </a:graphicData>
+        </a:graphic>
+      </p:graphicFrame>
     </p:spTree>
     <p:extLst>
       <p:ext uri="{BB962C8B-B14F-4D97-AF65-F5344CB8AC3E}">
@@ -17783,14 +19411,14 @@
           <p:nvPr>
             <p:extLst>
               <p:ext uri="{D42A27DB-BD31-4B8C-83A1-F6EECF244321}">
-                <p14:modId xmlns:p14="http://schemas.microsoft.com/office/powerpoint/2010/main" val="1243913763"/>
+                <p14:modId xmlns:p14="http://schemas.microsoft.com/office/powerpoint/2010/main" val="3599843117"/>
               </p:ext>
             </p:extLst>
           </p:nvPr>
         </p:nvGraphicFramePr>
         <p:xfrm>
           <a:off x="177211" y="590532"/>
-          <a:ext cx="8795341" cy="6038869"/>
+          <a:ext cx="8795341" cy="6952292"/>
         </p:xfrm>
         <a:graphic>
           <a:graphicData uri="http://schemas.openxmlformats.org/drawingml/2006/table">
@@ -17808,7 +19436,7 @@
                 </a:gridCol>
                 <a:gridCol w="2207420"/>
               </a:tblGrid>
-              <a:tr h="339580">
+              <a:tr h="390944">
                 <a:tc>
                   <a:txBody>
                     <a:bodyPr/>
@@ -17963,7 +19591,7 @@
                   </a:ext>
                 </a:extLst>
               </a:tr>
-              <a:tr h="5699289">
+              <a:tr h="6561348">
                 <a:tc>
                   <a:txBody>
                     <a:bodyPr/>
@@ -18623,206 +20251,6 @@
           </a:graphicData>
         </a:graphic>
       </p:graphicFrame>
-      <p:graphicFrame>
-        <p:nvGraphicFramePr>
-          <p:cNvPr id="23" name="표 22"/>
-          <p:cNvGraphicFramePr>
-            <a:graphicFrameLocks noGrp="1"/>
-          </p:cNvGraphicFramePr>
-          <p:nvPr>
-            <p:extLst>
-              <p:ext uri="{D42A27DB-BD31-4B8C-83A1-F6EECF244321}">
-                <p14:modId xmlns:p14="http://schemas.microsoft.com/office/powerpoint/2010/main" val="2026406099"/>
-              </p:ext>
-            </p:extLst>
-          </p:nvPr>
-        </p:nvGraphicFramePr>
-        <p:xfrm>
-          <a:off x="6781801" y="4319365"/>
-          <a:ext cx="2158313" cy="2316480"/>
-        </p:xfrm>
-        <a:graphic>
-          <a:graphicData uri="http://schemas.openxmlformats.org/drawingml/2006/table">
-            <a:tbl>
-              <a:tblPr firstRow="1" bandRow="1">
-                <a:tableStyleId>{F5AB1C69-6EDB-4FF4-983F-18BD219EF322}</a:tableStyleId>
-              </a:tblPr>
-              <a:tblGrid>
-                <a:gridCol w="2158313"/>
-              </a:tblGrid>
-              <a:tr h="170543">
-                <a:tc>
-                  <a:txBody>
-                    <a:bodyPr/>
-                    <a:lstStyle/>
-                    <a:p>
-                      <a:pPr algn="ctr" latinLnBrk="1"/>
-                      <a:r>
-                        <a:rPr lang="ko-KR" altLang="en-US" sz="1200" dirty="0" smtClean="0"/>
-                        <a:t>경로</a:t>
-                      </a:r>
-                      <a:endParaRPr lang="ko-KR" altLang="en-US" sz="1200" dirty="0"/>
-                    </a:p>
-                  </a:txBody>
-                  <a:tcPr marL="68580" marR="68580"/>
-                </a:tc>
-              </a:tr>
-              <a:tr h="170543">
-                <a:tc>
-                  <a:txBody>
-                    <a:bodyPr/>
-                    <a:lstStyle/>
-                    <a:p>
-                      <a:pPr latinLnBrk="1"/>
-                      <a:r>
-                        <a:rPr lang="en-US" altLang="ko-KR" sz="1200" dirty="0" smtClean="0"/>
-                        <a:t>Request</a:t>
-                      </a:r>
-                      <a:endParaRPr lang="ko-KR" altLang="en-US" sz="1200" dirty="0"/>
-                    </a:p>
-                  </a:txBody>
-                  <a:tcPr marL="68580" marR="68580"/>
-                </a:tc>
-              </a:tr>
-              <a:tr h="170543">
-                <a:tc>
-                  <a:txBody>
-                    <a:bodyPr/>
-                    <a:lstStyle/>
-                    <a:p>
-                      <a:pPr marL="0" marR="0" indent="0" algn="l" defTabSz="914400" rtl="0" eaLnBrk="1" fontAlgn="auto" latinLnBrk="1" hangingPunct="1">
-                        <a:lnSpc>
-                          <a:spcPct val="100000"/>
-                        </a:lnSpc>
-                        <a:spcBef>
-                          <a:spcPts val="0"/>
-                        </a:spcBef>
-                        <a:spcAft>
-                          <a:spcPts val="0"/>
-                        </a:spcAft>
-                        <a:buClrTx/>
-                        <a:buSzTx/>
-                        <a:buFontTx/>
-                        <a:buNone/>
-                        <a:tabLst/>
-                        <a:defRPr/>
-                      </a:pPr>
-                      <a:endParaRPr lang="ko-KR" altLang="en-US" sz="1000" dirty="0"/>
-                    </a:p>
-                  </a:txBody>
-                  <a:tcPr marL="68580" marR="68580"/>
-                </a:tc>
-              </a:tr>
-              <a:tr h="170543">
-                <a:tc>
-                  <a:txBody>
-                    <a:bodyPr/>
-                    <a:lstStyle/>
-                    <a:p>
-                      <a:pPr latinLnBrk="1"/>
-                      <a:r>
-                        <a:rPr lang="en-US" altLang="ko-KR" sz="1200" dirty="0" smtClean="0"/>
-                        <a:t>Controller</a:t>
-                      </a:r>
-                      <a:endParaRPr lang="ko-KR" altLang="en-US" sz="1200" dirty="0"/>
-                    </a:p>
-                  </a:txBody>
-                  <a:tcPr marL="68580" marR="68580"/>
-                </a:tc>
-              </a:tr>
-              <a:tr h="170543">
-                <a:tc>
-                  <a:txBody>
-                    <a:bodyPr/>
-                    <a:lstStyle/>
-                    <a:p>
-                      <a:pPr marL="0" marR="0" indent="0" algn="l" defTabSz="914400" rtl="0" eaLnBrk="1" fontAlgn="auto" latinLnBrk="1" hangingPunct="1">
-                        <a:lnSpc>
-                          <a:spcPct val="100000"/>
-                        </a:lnSpc>
-                        <a:spcBef>
-                          <a:spcPts val="0"/>
-                        </a:spcBef>
-                        <a:spcAft>
-                          <a:spcPts val="0"/>
-                        </a:spcAft>
-                        <a:buClrTx/>
-                        <a:buSzTx/>
-                        <a:buFontTx/>
-                        <a:buNone/>
-                        <a:tabLst/>
-                        <a:defRPr/>
-                      </a:pPr>
-                      <a:endParaRPr lang="ko-KR" altLang="en-US" sz="1000" dirty="0"/>
-                    </a:p>
-                  </a:txBody>
-                  <a:tcPr marL="68580" marR="68580"/>
-                </a:tc>
-              </a:tr>
-              <a:tr h="170543">
-                <a:tc>
-                  <a:txBody>
-                    <a:bodyPr/>
-                    <a:lstStyle/>
-                    <a:p>
-                      <a:pPr latinLnBrk="1"/>
-                      <a:r>
-                        <a:rPr lang="en-US" altLang="ko-KR" sz="1200" dirty="0" smtClean="0"/>
-                        <a:t>Parameter</a:t>
-                      </a:r>
-                      <a:endParaRPr lang="ko-KR" altLang="en-US" sz="1200" dirty="0"/>
-                    </a:p>
-                  </a:txBody>
-                  <a:tcPr marL="68580" marR="68580"/>
-                </a:tc>
-              </a:tr>
-              <a:tr h="170543">
-                <a:tc>
-                  <a:txBody>
-                    <a:bodyPr/>
-                    <a:lstStyle/>
-                    <a:p>
-                      <a:pPr latinLnBrk="1"/>
-                      <a:endParaRPr lang="ko-KR" altLang="en-US" sz="1000" dirty="0"/>
-                    </a:p>
-                  </a:txBody>
-                  <a:tcPr marL="68580" marR="68580"/>
-                </a:tc>
-              </a:tr>
-              <a:tr h="170543">
-                <a:tc>
-                  <a:txBody>
-                    <a:bodyPr/>
-                    <a:lstStyle/>
-                    <a:p>
-                      <a:pPr latinLnBrk="1"/>
-                      <a:r>
-                        <a:rPr lang="en-US" altLang="ko-KR" sz="1000" dirty="0" smtClean="0"/>
-                        <a:t>View</a:t>
-                      </a:r>
-                      <a:endParaRPr lang="ko-KR" altLang="en-US" sz="1000" dirty="0"/>
-                    </a:p>
-                  </a:txBody>
-                  <a:tcPr marL="68580" marR="68580"/>
-                </a:tc>
-              </a:tr>
-              <a:tr h="170543">
-                <a:tc>
-                  <a:txBody>
-                    <a:bodyPr/>
-                    <a:lstStyle/>
-                    <a:p>
-                      <a:pPr latinLnBrk="1"/>
-                      <a:endParaRPr lang="ko-KR" altLang="en-US" sz="1000" dirty="0"/>
-                    </a:p>
-                  </a:txBody>
-                  <a:tcPr marL="68580" marR="68580"/>
-                </a:tc>
-              </a:tr>
-            </a:tbl>
-          </a:graphicData>
-        </a:graphic>
-      </p:graphicFrame>
       <p:sp>
         <p:nvSpPr>
           <p:cNvPr id="7" name="직사각형 6"/>
@@ -18832,7 +20260,7 @@
         <p:spPr>
           <a:xfrm>
             <a:off x="6752401" y="908720"/>
-            <a:ext cx="2212087" cy="3384376"/>
+            <a:ext cx="2212087" cy="2486992"/>
           </a:xfrm>
           <a:prstGeom prst="rect">
             <a:avLst/>
@@ -19166,6 +20594,228 @@
           </a:p>
         </p:txBody>
       </p:sp>
+      <p:graphicFrame>
+        <p:nvGraphicFramePr>
+          <p:cNvPr id="11" name="표 10"/>
+          <p:cNvGraphicFramePr>
+            <a:graphicFrameLocks noGrp="1"/>
+          </p:cNvGraphicFramePr>
+          <p:nvPr>
+            <p:extLst>
+              <p:ext uri="{D42A27DB-BD31-4B8C-83A1-F6EECF244321}">
+                <p14:modId xmlns:p14="http://schemas.microsoft.com/office/powerpoint/2010/main" val="1700757312"/>
+              </p:ext>
+            </p:extLst>
+          </p:nvPr>
+        </p:nvGraphicFramePr>
+        <p:xfrm>
+          <a:off x="6779287" y="3428999"/>
+          <a:ext cx="2158313" cy="3168350"/>
+        </p:xfrm>
+        <a:graphic>
+          <a:graphicData uri="http://schemas.openxmlformats.org/drawingml/2006/table">
+            <a:tbl>
+              <a:tblPr firstRow="1" bandRow="1">
+                <a:tableStyleId>{F5AB1C69-6EDB-4FF4-983F-18BD219EF322}</a:tableStyleId>
+              </a:tblPr>
+              <a:tblGrid>
+                <a:gridCol w="2158313"/>
+              </a:tblGrid>
+              <a:tr h="380202">
+                <a:tc>
+                  <a:txBody>
+                    <a:bodyPr/>
+                    <a:lstStyle/>
+                    <a:p>
+                      <a:pPr algn="ctr" latinLnBrk="1"/>
+                      <a:r>
+                        <a:rPr lang="ko-KR" altLang="en-US" sz="1200" dirty="0" smtClean="0"/>
+                        <a:t>경로</a:t>
+                      </a:r>
+                      <a:endParaRPr lang="ko-KR" altLang="en-US" sz="1200" dirty="0"/>
+                    </a:p>
+                  </a:txBody>
+                  <a:tcPr marL="68580" marR="68580"/>
+                </a:tc>
+              </a:tr>
+              <a:tr h="380202">
+                <a:tc>
+                  <a:txBody>
+                    <a:bodyPr/>
+                    <a:lstStyle/>
+                    <a:p>
+                      <a:pPr latinLnBrk="1"/>
+                      <a:r>
+                        <a:rPr lang="en-US" altLang="ko-KR" sz="1200" dirty="0" smtClean="0"/>
+                        <a:t>Request</a:t>
+                      </a:r>
+                      <a:endParaRPr lang="ko-KR" altLang="en-US" sz="1200" dirty="0"/>
+                    </a:p>
+                  </a:txBody>
+                  <a:tcPr marL="68580" marR="68580"/>
+                </a:tc>
+              </a:tr>
+              <a:tr h="549181">
+                <a:tc>
+                  <a:txBody>
+                    <a:bodyPr/>
+                    <a:lstStyle/>
+                    <a:p>
+                      <a:pPr marL="0" marR="0" indent="0" algn="l" defTabSz="914400" rtl="0" eaLnBrk="1" fontAlgn="auto" latinLnBrk="1" hangingPunct="1">
+                        <a:lnSpc>
+                          <a:spcPct val="100000"/>
+                        </a:lnSpc>
+                        <a:spcBef>
+                          <a:spcPts val="0"/>
+                        </a:spcBef>
+                        <a:spcAft>
+                          <a:spcPts val="0"/>
+                        </a:spcAft>
+                        <a:buClrTx/>
+                        <a:buSzTx/>
+                        <a:buFontTx/>
+                        <a:buNone/>
+                        <a:tabLst/>
+                        <a:defRPr/>
+                      </a:pPr>
+                      <a:r>
+                        <a:rPr lang="en-US" altLang="ko-KR" sz="1000" dirty="0" smtClean="0"/>
+                        <a:t>/</a:t>
+                      </a:r>
+                      <a:r>
+                        <a:rPr lang="en-US" altLang="ko-KR" sz="1000" dirty="0" err="1" smtClean="0">
+                          <a:solidFill>
+                            <a:schemeClr val="tx1"/>
+                          </a:solidFill>
+                        </a:rPr>
+                        <a:t>ReportTreateSuccess</a:t>
+                      </a:r>
+                      <a:endParaRPr lang="en-US" altLang="ko-KR" sz="1000" dirty="0" smtClean="0">
+                        <a:solidFill>
+                          <a:schemeClr val="tx1"/>
+                        </a:solidFill>
+                      </a:endParaRPr>
+                    </a:p>
+                  </a:txBody>
+                  <a:tcPr marL="68580" marR="68580"/>
+                </a:tc>
+              </a:tr>
+              <a:tr h="380202">
+                <a:tc>
+                  <a:txBody>
+                    <a:bodyPr/>
+                    <a:lstStyle/>
+                    <a:p>
+                      <a:pPr latinLnBrk="1"/>
+                      <a:r>
+                        <a:rPr lang="en-US" altLang="ko-KR" sz="1200" dirty="0" smtClean="0"/>
+                        <a:t>Controller</a:t>
+                      </a:r>
+                      <a:endParaRPr lang="ko-KR" altLang="en-US" sz="1200" dirty="0"/>
+                    </a:p>
+                  </a:txBody>
+                  <a:tcPr marL="68580" marR="68580"/>
+                </a:tc>
+              </a:tr>
+              <a:tr h="760404">
+                <a:tc>
+                  <a:txBody>
+                    <a:bodyPr/>
+                    <a:lstStyle/>
+                    <a:p>
+                      <a:pPr marL="0" marR="0" indent="0" algn="l" defTabSz="914400" rtl="0" eaLnBrk="1" fontAlgn="auto" latinLnBrk="1" hangingPunct="1">
+                        <a:lnSpc>
+                          <a:spcPct val="100000"/>
+                        </a:lnSpc>
+                        <a:spcBef>
+                          <a:spcPts val="0"/>
+                        </a:spcBef>
+                        <a:spcAft>
+                          <a:spcPts val="0"/>
+                        </a:spcAft>
+                        <a:buClrTx/>
+                        <a:buSzTx/>
+                        <a:buFontTx/>
+                        <a:buNone/>
+                        <a:tabLst/>
+                        <a:defRPr/>
+                      </a:pPr>
+                      <a:r>
+                        <a:rPr lang="en-US" altLang="ko-KR" sz="1000" dirty="0" err="1" smtClean="0"/>
+                        <a:t>ReportController</a:t>
+                      </a:r>
+                      <a:endParaRPr lang="en-US" altLang="ko-KR" sz="1000" dirty="0" smtClean="0">
+                        <a:solidFill>
+                          <a:schemeClr val="tx1"/>
+                        </a:solidFill>
+                      </a:endParaRPr>
+                    </a:p>
+                  </a:txBody>
+                  <a:tcPr marL="68580" marR="68580"/>
+                </a:tc>
+              </a:tr>
+              <a:tr h="380202">
+                <a:tc>
+                  <a:txBody>
+                    <a:bodyPr/>
+                    <a:lstStyle/>
+                    <a:p>
+                      <a:pPr latinLnBrk="1"/>
+                      <a:r>
+                        <a:rPr lang="en-US" altLang="ko-KR" sz="1200" dirty="0" smtClean="0"/>
+                        <a:t>View</a:t>
+                      </a:r>
+                      <a:endParaRPr lang="ko-KR" altLang="en-US" sz="1200" dirty="0"/>
+                    </a:p>
+                  </a:txBody>
+                  <a:tcPr marL="68580" marR="68580"/>
+                </a:tc>
+              </a:tr>
+              <a:tr h="337957">
+                <a:tc>
+                  <a:txBody>
+                    <a:bodyPr/>
+                    <a:lstStyle/>
+                    <a:p>
+                      <a:pPr marL="0" marR="0" indent="0" algn="l" defTabSz="914400" rtl="0" eaLnBrk="1" fontAlgn="auto" latinLnBrk="1" hangingPunct="1">
+                        <a:lnSpc>
+                          <a:spcPct val="100000"/>
+                        </a:lnSpc>
+                        <a:spcBef>
+                          <a:spcPts val="0"/>
+                        </a:spcBef>
+                        <a:spcAft>
+                          <a:spcPts val="0"/>
+                        </a:spcAft>
+                        <a:buClrTx/>
+                        <a:buSzTx/>
+                        <a:buFontTx/>
+                        <a:buNone/>
+                        <a:tabLst/>
+                        <a:defRPr/>
+                      </a:pPr>
+                      <a:r>
+                        <a:rPr lang="en-US" altLang="ko-KR" sz="1000" dirty="0" err="1" smtClean="0">
+                          <a:solidFill>
+                            <a:schemeClr val="tx1"/>
+                          </a:solidFill>
+                        </a:rPr>
+                        <a:t>ReportTreateSuccess</a:t>
+                      </a:r>
+                      <a:r>
+                        <a:rPr lang="en-US" altLang="ko-KR" sz="1000" dirty="0" err="1" smtClean="0"/>
+                        <a:t>.jsp</a:t>
+                      </a:r>
+                      <a:endParaRPr lang="ko-KR" altLang="en-US" sz="1000" dirty="0" smtClean="0"/>
+                    </a:p>
+                  </a:txBody>
+                  <a:tcPr marL="68580" marR="68580"/>
+                </a:tc>
+              </a:tr>
+            </a:tbl>
+          </a:graphicData>
+        </a:graphic>
+      </p:graphicFrame>
     </p:spTree>
     <p:extLst>
       <p:ext uri="{BB962C8B-B14F-4D97-AF65-F5344CB8AC3E}">
@@ -20036,206 +21686,6 @@
           </a:graphicData>
         </a:graphic>
       </p:graphicFrame>
-      <p:graphicFrame>
-        <p:nvGraphicFramePr>
-          <p:cNvPr id="23" name="표 22"/>
-          <p:cNvGraphicFramePr>
-            <a:graphicFrameLocks noGrp="1"/>
-          </p:cNvGraphicFramePr>
-          <p:nvPr>
-            <p:extLst>
-              <p:ext uri="{D42A27DB-BD31-4B8C-83A1-F6EECF244321}">
-                <p14:modId xmlns:p14="http://schemas.microsoft.com/office/powerpoint/2010/main" val="2026406099"/>
-              </p:ext>
-            </p:extLst>
-          </p:nvPr>
-        </p:nvGraphicFramePr>
-        <p:xfrm>
-          <a:off x="6781801" y="4319365"/>
-          <a:ext cx="2158313" cy="2316480"/>
-        </p:xfrm>
-        <a:graphic>
-          <a:graphicData uri="http://schemas.openxmlformats.org/drawingml/2006/table">
-            <a:tbl>
-              <a:tblPr firstRow="1" bandRow="1">
-                <a:tableStyleId>{F5AB1C69-6EDB-4FF4-983F-18BD219EF322}</a:tableStyleId>
-              </a:tblPr>
-              <a:tblGrid>
-                <a:gridCol w="2158313"/>
-              </a:tblGrid>
-              <a:tr h="170543">
-                <a:tc>
-                  <a:txBody>
-                    <a:bodyPr/>
-                    <a:lstStyle/>
-                    <a:p>
-                      <a:pPr algn="ctr" latinLnBrk="1"/>
-                      <a:r>
-                        <a:rPr lang="ko-KR" altLang="en-US" sz="1200" dirty="0" smtClean="0"/>
-                        <a:t>경로</a:t>
-                      </a:r>
-                      <a:endParaRPr lang="ko-KR" altLang="en-US" sz="1200" dirty="0"/>
-                    </a:p>
-                  </a:txBody>
-                  <a:tcPr marL="68580" marR="68580"/>
-                </a:tc>
-              </a:tr>
-              <a:tr h="170543">
-                <a:tc>
-                  <a:txBody>
-                    <a:bodyPr/>
-                    <a:lstStyle/>
-                    <a:p>
-                      <a:pPr latinLnBrk="1"/>
-                      <a:r>
-                        <a:rPr lang="en-US" altLang="ko-KR" sz="1200" dirty="0" smtClean="0"/>
-                        <a:t>Request</a:t>
-                      </a:r>
-                      <a:endParaRPr lang="ko-KR" altLang="en-US" sz="1200" dirty="0"/>
-                    </a:p>
-                  </a:txBody>
-                  <a:tcPr marL="68580" marR="68580"/>
-                </a:tc>
-              </a:tr>
-              <a:tr h="170543">
-                <a:tc>
-                  <a:txBody>
-                    <a:bodyPr/>
-                    <a:lstStyle/>
-                    <a:p>
-                      <a:pPr marL="0" marR="0" indent="0" algn="l" defTabSz="914400" rtl="0" eaLnBrk="1" fontAlgn="auto" latinLnBrk="1" hangingPunct="1">
-                        <a:lnSpc>
-                          <a:spcPct val="100000"/>
-                        </a:lnSpc>
-                        <a:spcBef>
-                          <a:spcPts val="0"/>
-                        </a:spcBef>
-                        <a:spcAft>
-                          <a:spcPts val="0"/>
-                        </a:spcAft>
-                        <a:buClrTx/>
-                        <a:buSzTx/>
-                        <a:buFontTx/>
-                        <a:buNone/>
-                        <a:tabLst/>
-                        <a:defRPr/>
-                      </a:pPr>
-                      <a:endParaRPr lang="ko-KR" altLang="en-US" sz="1000" dirty="0"/>
-                    </a:p>
-                  </a:txBody>
-                  <a:tcPr marL="68580" marR="68580"/>
-                </a:tc>
-              </a:tr>
-              <a:tr h="170543">
-                <a:tc>
-                  <a:txBody>
-                    <a:bodyPr/>
-                    <a:lstStyle/>
-                    <a:p>
-                      <a:pPr latinLnBrk="1"/>
-                      <a:r>
-                        <a:rPr lang="en-US" altLang="ko-KR" sz="1200" dirty="0" smtClean="0"/>
-                        <a:t>Controller</a:t>
-                      </a:r>
-                      <a:endParaRPr lang="ko-KR" altLang="en-US" sz="1200" dirty="0"/>
-                    </a:p>
-                  </a:txBody>
-                  <a:tcPr marL="68580" marR="68580"/>
-                </a:tc>
-              </a:tr>
-              <a:tr h="170543">
-                <a:tc>
-                  <a:txBody>
-                    <a:bodyPr/>
-                    <a:lstStyle/>
-                    <a:p>
-                      <a:pPr marL="0" marR="0" indent="0" algn="l" defTabSz="914400" rtl="0" eaLnBrk="1" fontAlgn="auto" latinLnBrk="1" hangingPunct="1">
-                        <a:lnSpc>
-                          <a:spcPct val="100000"/>
-                        </a:lnSpc>
-                        <a:spcBef>
-                          <a:spcPts val="0"/>
-                        </a:spcBef>
-                        <a:spcAft>
-                          <a:spcPts val="0"/>
-                        </a:spcAft>
-                        <a:buClrTx/>
-                        <a:buSzTx/>
-                        <a:buFontTx/>
-                        <a:buNone/>
-                        <a:tabLst/>
-                        <a:defRPr/>
-                      </a:pPr>
-                      <a:endParaRPr lang="ko-KR" altLang="en-US" sz="1000" dirty="0"/>
-                    </a:p>
-                  </a:txBody>
-                  <a:tcPr marL="68580" marR="68580"/>
-                </a:tc>
-              </a:tr>
-              <a:tr h="170543">
-                <a:tc>
-                  <a:txBody>
-                    <a:bodyPr/>
-                    <a:lstStyle/>
-                    <a:p>
-                      <a:pPr latinLnBrk="1"/>
-                      <a:r>
-                        <a:rPr lang="en-US" altLang="ko-KR" sz="1200" dirty="0" smtClean="0"/>
-                        <a:t>Parameter</a:t>
-                      </a:r>
-                      <a:endParaRPr lang="ko-KR" altLang="en-US" sz="1200" dirty="0"/>
-                    </a:p>
-                  </a:txBody>
-                  <a:tcPr marL="68580" marR="68580"/>
-                </a:tc>
-              </a:tr>
-              <a:tr h="170543">
-                <a:tc>
-                  <a:txBody>
-                    <a:bodyPr/>
-                    <a:lstStyle/>
-                    <a:p>
-                      <a:pPr latinLnBrk="1"/>
-                      <a:endParaRPr lang="ko-KR" altLang="en-US" sz="1000" dirty="0"/>
-                    </a:p>
-                  </a:txBody>
-                  <a:tcPr marL="68580" marR="68580"/>
-                </a:tc>
-              </a:tr>
-              <a:tr h="170543">
-                <a:tc>
-                  <a:txBody>
-                    <a:bodyPr/>
-                    <a:lstStyle/>
-                    <a:p>
-                      <a:pPr latinLnBrk="1"/>
-                      <a:r>
-                        <a:rPr lang="en-US" altLang="ko-KR" sz="1000" dirty="0" smtClean="0"/>
-                        <a:t>View</a:t>
-                      </a:r>
-                      <a:endParaRPr lang="ko-KR" altLang="en-US" sz="1000" dirty="0"/>
-                    </a:p>
-                  </a:txBody>
-                  <a:tcPr marL="68580" marR="68580"/>
-                </a:tc>
-              </a:tr>
-              <a:tr h="170543">
-                <a:tc>
-                  <a:txBody>
-                    <a:bodyPr/>
-                    <a:lstStyle/>
-                    <a:p>
-                      <a:pPr latinLnBrk="1"/>
-                      <a:endParaRPr lang="ko-KR" altLang="en-US" sz="1000" dirty="0"/>
-                    </a:p>
-                  </a:txBody>
-                  <a:tcPr marL="68580" marR="68580"/>
-                </a:tc>
-              </a:tr>
-            </a:tbl>
-          </a:graphicData>
-        </a:graphic>
-      </p:graphicFrame>
       <p:sp>
         <p:nvSpPr>
           <p:cNvPr id="6" name="직사각형 5"/>
@@ -20245,7 +21695,7 @@
         <p:spPr>
           <a:xfrm>
             <a:off x="6752401" y="908720"/>
-            <a:ext cx="2212087" cy="3384376"/>
+            <a:ext cx="2212087" cy="2448272"/>
           </a:xfrm>
           <a:prstGeom prst="rect">
             <a:avLst/>
@@ -20576,6 +22026,216 @@
           </a:p>
         </p:txBody>
       </p:sp>
+      <p:graphicFrame>
+        <p:nvGraphicFramePr>
+          <p:cNvPr id="10" name="표 9"/>
+          <p:cNvGraphicFramePr>
+            <a:graphicFrameLocks noGrp="1"/>
+          </p:cNvGraphicFramePr>
+          <p:nvPr>
+            <p:extLst>
+              <p:ext uri="{D42A27DB-BD31-4B8C-83A1-F6EECF244321}">
+                <p14:modId xmlns:p14="http://schemas.microsoft.com/office/powerpoint/2010/main" val="3691207529"/>
+              </p:ext>
+            </p:extLst>
+          </p:nvPr>
+        </p:nvGraphicFramePr>
+        <p:xfrm>
+          <a:off x="6779287" y="3428999"/>
+          <a:ext cx="2158313" cy="3168350"/>
+        </p:xfrm>
+        <a:graphic>
+          <a:graphicData uri="http://schemas.openxmlformats.org/drawingml/2006/table">
+            <a:tbl>
+              <a:tblPr firstRow="1" bandRow="1">
+                <a:tableStyleId>{F5AB1C69-6EDB-4FF4-983F-18BD219EF322}</a:tableStyleId>
+              </a:tblPr>
+              <a:tblGrid>
+                <a:gridCol w="2158313"/>
+              </a:tblGrid>
+              <a:tr h="380202">
+                <a:tc>
+                  <a:txBody>
+                    <a:bodyPr/>
+                    <a:lstStyle/>
+                    <a:p>
+                      <a:pPr algn="ctr" latinLnBrk="1"/>
+                      <a:r>
+                        <a:rPr lang="ko-KR" altLang="en-US" sz="1200" dirty="0" smtClean="0"/>
+                        <a:t>경로</a:t>
+                      </a:r>
+                      <a:endParaRPr lang="ko-KR" altLang="en-US" sz="1200" dirty="0"/>
+                    </a:p>
+                  </a:txBody>
+                  <a:tcPr marL="68580" marR="68580"/>
+                </a:tc>
+              </a:tr>
+              <a:tr h="380202">
+                <a:tc>
+                  <a:txBody>
+                    <a:bodyPr/>
+                    <a:lstStyle/>
+                    <a:p>
+                      <a:pPr latinLnBrk="1"/>
+                      <a:r>
+                        <a:rPr lang="en-US" altLang="ko-KR" sz="1200" dirty="0" smtClean="0"/>
+                        <a:t>Request</a:t>
+                      </a:r>
+                      <a:endParaRPr lang="ko-KR" altLang="en-US" sz="1200" dirty="0"/>
+                    </a:p>
+                  </a:txBody>
+                  <a:tcPr marL="68580" marR="68580"/>
+                </a:tc>
+              </a:tr>
+              <a:tr h="549181">
+                <a:tc>
+                  <a:txBody>
+                    <a:bodyPr/>
+                    <a:lstStyle/>
+                    <a:p>
+                      <a:pPr marL="0" marR="0" indent="0" algn="l" defTabSz="914400" rtl="0" eaLnBrk="1" fontAlgn="auto" latinLnBrk="1" hangingPunct="1">
+                        <a:lnSpc>
+                          <a:spcPct val="100000"/>
+                        </a:lnSpc>
+                        <a:spcBef>
+                          <a:spcPts val="0"/>
+                        </a:spcBef>
+                        <a:spcAft>
+                          <a:spcPts val="0"/>
+                        </a:spcAft>
+                        <a:buClrTx/>
+                        <a:buSzTx/>
+                        <a:buFontTx/>
+                        <a:buNone/>
+                        <a:tabLst/>
+                        <a:defRPr/>
+                      </a:pPr>
+                      <a:r>
+                        <a:rPr lang="en-US" altLang="ko-KR" sz="1000" dirty="0" smtClean="0"/>
+                        <a:t>/</a:t>
+                      </a:r>
+                      <a:r>
+                        <a:rPr lang="en-US" altLang="ko-KR" sz="1000" dirty="0" err="1" smtClean="0"/>
+                        <a:t>MemberSituation</a:t>
+                      </a:r>
+                      <a:endParaRPr lang="en-US" altLang="ko-KR" sz="1000" dirty="0" smtClean="0">
+                        <a:solidFill>
+                          <a:schemeClr val="tx1"/>
+                        </a:solidFill>
+                      </a:endParaRPr>
+                    </a:p>
+                  </a:txBody>
+                  <a:tcPr marL="68580" marR="68580"/>
+                </a:tc>
+              </a:tr>
+              <a:tr h="380202">
+                <a:tc>
+                  <a:txBody>
+                    <a:bodyPr/>
+                    <a:lstStyle/>
+                    <a:p>
+                      <a:pPr latinLnBrk="1"/>
+                      <a:r>
+                        <a:rPr lang="en-US" altLang="ko-KR" sz="1200" dirty="0" smtClean="0"/>
+                        <a:t>Controller</a:t>
+                      </a:r>
+                      <a:endParaRPr lang="ko-KR" altLang="en-US" sz="1200" dirty="0"/>
+                    </a:p>
+                  </a:txBody>
+                  <a:tcPr marL="68580" marR="68580"/>
+                </a:tc>
+              </a:tr>
+              <a:tr h="760404">
+                <a:tc>
+                  <a:txBody>
+                    <a:bodyPr/>
+                    <a:lstStyle/>
+                    <a:p>
+                      <a:pPr marL="0" marR="0" indent="0" algn="l" defTabSz="914400" rtl="0" eaLnBrk="1" fontAlgn="auto" latinLnBrk="1" hangingPunct="1">
+                        <a:lnSpc>
+                          <a:spcPct val="100000"/>
+                        </a:lnSpc>
+                        <a:spcBef>
+                          <a:spcPts val="0"/>
+                        </a:spcBef>
+                        <a:spcAft>
+                          <a:spcPts val="0"/>
+                        </a:spcAft>
+                        <a:buClrTx/>
+                        <a:buSzTx/>
+                        <a:buFontTx/>
+                        <a:buNone/>
+                        <a:tabLst/>
+                        <a:defRPr/>
+                      </a:pPr>
+                      <a:r>
+                        <a:rPr lang="en-US" altLang="ko-KR" sz="1000" dirty="0" err="1" smtClean="0"/>
+                        <a:t>MemberController</a:t>
+                      </a:r>
+                      <a:endParaRPr lang="en-US" altLang="ko-KR" sz="1000" dirty="0" smtClean="0">
+                        <a:solidFill>
+                          <a:schemeClr val="tx1"/>
+                        </a:solidFill>
+                      </a:endParaRPr>
+                    </a:p>
+                  </a:txBody>
+                  <a:tcPr marL="68580" marR="68580"/>
+                </a:tc>
+              </a:tr>
+              <a:tr h="380202">
+                <a:tc>
+                  <a:txBody>
+                    <a:bodyPr/>
+                    <a:lstStyle/>
+                    <a:p>
+                      <a:pPr latinLnBrk="1"/>
+                      <a:r>
+                        <a:rPr lang="en-US" altLang="ko-KR" sz="1200" dirty="0" smtClean="0"/>
+                        <a:t>View</a:t>
+                      </a:r>
+                      <a:endParaRPr lang="ko-KR" altLang="en-US" sz="1200" dirty="0"/>
+                    </a:p>
+                  </a:txBody>
+                  <a:tcPr marL="68580" marR="68580"/>
+                </a:tc>
+              </a:tr>
+              <a:tr h="337957">
+                <a:tc>
+                  <a:txBody>
+                    <a:bodyPr/>
+                    <a:lstStyle/>
+                    <a:p>
+                      <a:pPr marL="0" marR="0" indent="0" algn="l" defTabSz="914400" rtl="0" eaLnBrk="1" fontAlgn="auto" latinLnBrk="1" hangingPunct="1">
+                        <a:lnSpc>
+                          <a:spcPct val="100000"/>
+                        </a:lnSpc>
+                        <a:spcBef>
+                          <a:spcPts val="0"/>
+                        </a:spcBef>
+                        <a:spcAft>
+                          <a:spcPts val="0"/>
+                        </a:spcAft>
+                        <a:buClrTx/>
+                        <a:buSzTx/>
+                        <a:buFontTx/>
+                        <a:buNone/>
+                        <a:tabLst/>
+                        <a:defRPr/>
+                      </a:pPr>
+                      <a:r>
+                        <a:rPr lang="en-US" altLang="ko-KR" sz="1000" dirty="0" err="1" smtClean="0"/>
+                        <a:t>MemberSituation.jsp</a:t>
+                      </a:r>
+                      <a:endParaRPr lang="ko-KR" altLang="en-US" sz="1000" dirty="0" smtClean="0"/>
+                    </a:p>
+                  </a:txBody>
+                  <a:tcPr marL="68580" marR="68580"/>
+                </a:tc>
+              </a:tr>
+            </a:tbl>
+          </a:graphicData>
+        </a:graphic>
+      </p:graphicFrame>
     </p:spTree>
     <p:extLst>
       <p:ext uri="{BB962C8B-B14F-4D97-AF65-F5344CB8AC3E}">
@@ -21446,206 +23106,6 @@
           </a:graphicData>
         </a:graphic>
       </p:graphicFrame>
-      <p:graphicFrame>
-        <p:nvGraphicFramePr>
-          <p:cNvPr id="23" name="표 22"/>
-          <p:cNvGraphicFramePr>
-            <a:graphicFrameLocks noGrp="1"/>
-          </p:cNvGraphicFramePr>
-          <p:nvPr>
-            <p:extLst>
-              <p:ext uri="{D42A27DB-BD31-4B8C-83A1-F6EECF244321}">
-                <p14:modId xmlns:p14="http://schemas.microsoft.com/office/powerpoint/2010/main" val="2026406099"/>
-              </p:ext>
-            </p:extLst>
-          </p:nvPr>
-        </p:nvGraphicFramePr>
-        <p:xfrm>
-          <a:off x="6781801" y="4319365"/>
-          <a:ext cx="2158313" cy="2316480"/>
-        </p:xfrm>
-        <a:graphic>
-          <a:graphicData uri="http://schemas.openxmlformats.org/drawingml/2006/table">
-            <a:tbl>
-              <a:tblPr firstRow="1" bandRow="1">
-                <a:tableStyleId>{F5AB1C69-6EDB-4FF4-983F-18BD219EF322}</a:tableStyleId>
-              </a:tblPr>
-              <a:tblGrid>
-                <a:gridCol w="2158313"/>
-              </a:tblGrid>
-              <a:tr h="170543">
-                <a:tc>
-                  <a:txBody>
-                    <a:bodyPr/>
-                    <a:lstStyle/>
-                    <a:p>
-                      <a:pPr algn="ctr" latinLnBrk="1"/>
-                      <a:r>
-                        <a:rPr lang="ko-KR" altLang="en-US" sz="1200" dirty="0" smtClean="0"/>
-                        <a:t>경로</a:t>
-                      </a:r>
-                      <a:endParaRPr lang="ko-KR" altLang="en-US" sz="1200" dirty="0"/>
-                    </a:p>
-                  </a:txBody>
-                  <a:tcPr marL="68580" marR="68580"/>
-                </a:tc>
-              </a:tr>
-              <a:tr h="170543">
-                <a:tc>
-                  <a:txBody>
-                    <a:bodyPr/>
-                    <a:lstStyle/>
-                    <a:p>
-                      <a:pPr latinLnBrk="1"/>
-                      <a:r>
-                        <a:rPr lang="en-US" altLang="ko-KR" sz="1200" dirty="0" smtClean="0"/>
-                        <a:t>Request</a:t>
-                      </a:r>
-                      <a:endParaRPr lang="ko-KR" altLang="en-US" sz="1200" dirty="0"/>
-                    </a:p>
-                  </a:txBody>
-                  <a:tcPr marL="68580" marR="68580"/>
-                </a:tc>
-              </a:tr>
-              <a:tr h="170543">
-                <a:tc>
-                  <a:txBody>
-                    <a:bodyPr/>
-                    <a:lstStyle/>
-                    <a:p>
-                      <a:pPr marL="0" marR="0" indent="0" algn="l" defTabSz="914400" rtl="0" eaLnBrk="1" fontAlgn="auto" latinLnBrk="1" hangingPunct="1">
-                        <a:lnSpc>
-                          <a:spcPct val="100000"/>
-                        </a:lnSpc>
-                        <a:spcBef>
-                          <a:spcPts val="0"/>
-                        </a:spcBef>
-                        <a:spcAft>
-                          <a:spcPts val="0"/>
-                        </a:spcAft>
-                        <a:buClrTx/>
-                        <a:buSzTx/>
-                        <a:buFontTx/>
-                        <a:buNone/>
-                        <a:tabLst/>
-                        <a:defRPr/>
-                      </a:pPr>
-                      <a:endParaRPr lang="ko-KR" altLang="en-US" sz="1000" dirty="0"/>
-                    </a:p>
-                  </a:txBody>
-                  <a:tcPr marL="68580" marR="68580"/>
-                </a:tc>
-              </a:tr>
-              <a:tr h="170543">
-                <a:tc>
-                  <a:txBody>
-                    <a:bodyPr/>
-                    <a:lstStyle/>
-                    <a:p>
-                      <a:pPr latinLnBrk="1"/>
-                      <a:r>
-                        <a:rPr lang="en-US" altLang="ko-KR" sz="1200" dirty="0" smtClean="0"/>
-                        <a:t>Controller</a:t>
-                      </a:r>
-                      <a:endParaRPr lang="ko-KR" altLang="en-US" sz="1200" dirty="0"/>
-                    </a:p>
-                  </a:txBody>
-                  <a:tcPr marL="68580" marR="68580"/>
-                </a:tc>
-              </a:tr>
-              <a:tr h="170543">
-                <a:tc>
-                  <a:txBody>
-                    <a:bodyPr/>
-                    <a:lstStyle/>
-                    <a:p>
-                      <a:pPr marL="0" marR="0" indent="0" algn="l" defTabSz="914400" rtl="0" eaLnBrk="1" fontAlgn="auto" latinLnBrk="1" hangingPunct="1">
-                        <a:lnSpc>
-                          <a:spcPct val="100000"/>
-                        </a:lnSpc>
-                        <a:spcBef>
-                          <a:spcPts val="0"/>
-                        </a:spcBef>
-                        <a:spcAft>
-                          <a:spcPts val="0"/>
-                        </a:spcAft>
-                        <a:buClrTx/>
-                        <a:buSzTx/>
-                        <a:buFontTx/>
-                        <a:buNone/>
-                        <a:tabLst/>
-                        <a:defRPr/>
-                      </a:pPr>
-                      <a:endParaRPr lang="ko-KR" altLang="en-US" sz="1000" dirty="0"/>
-                    </a:p>
-                  </a:txBody>
-                  <a:tcPr marL="68580" marR="68580"/>
-                </a:tc>
-              </a:tr>
-              <a:tr h="170543">
-                <a:tc>
-                  <a:txBody>
-                    <a:bodyPr/>
-                    <a:lstStyle/>
-                    <a:p>
-                      <a:pPr latinLnBrk="1"/>
-                      <a:r>
-                        <a:rPr lang="en-US" altLang="ko-KR" sz="1200" dirty="0" smtClean="0"/>
-                        <a:t>Parameter</a:t>
-                      </a:r>
-                      <a:endParaRPr lang="ko-KR" altLang="en-US" sz="1200" dirty="0"/>
-                    </a:p>
-                  </a:txBody>
-                  <a:tcPr marL="68580" marR="68580"/>
-                </a:tc>
-              </a:tr>
-              <a:tr h="170543">
-                <a:tc>
-                  <a:txBody>
-                    <a:bodyPr/>
-                    <a:lstStyle/>
-                    <a:p>
-                      <a:pPr latinLnBrk="1"/>
-                      <a:endParaRPr lang="ko-KR" altLang="en-US" sz="1000" dirty="0"/>
-                    </a:p>
-                  </a:txBody>
-                  <a:tcPr marL="68580" marR="68580"/>
-                </a:tc>
-              </a:tr>
-              <a:tr h="170543">
-                <a:tc>
-                  <a:txBody>
-                    <a:bodyPr/>
-                    <a:lstStyle/>
-                    <a:p>
-                      <a:pPr latinLnBrk="1"/>
-                      <a:r>
-                        <a:rPr lang="en-US" altLang="ko-KR" sz="1000" dirty="0" smtClean="0"/>
-                        <a:t>View</a:t>
-                      </a:r>
-                      <a:endParaRPr lang="ko-KR" altLang="en-US" sz="1000" dirty="0"/>
-                    </a:p>
-                  </a:txBody>
-                  <a:tcPr marL="68580" marR="68580"/>
-                </a:tc>
-              </a:tr>
-              <a:tr h="170543">
-                <a:tc>
-                  <a:txBody>
-                    <a:bodyPr/>
-                    <a:lstStyle/>
-                    <a:p>
-                      <a:pPr latinLnBrk="1"/>
-                      <a:endParaRPr lang="ko-KR" altLang="en-US" sz="1000" dirty="0"/>
-                    </a:p>
-                  </a:txBody>
-                  <a:tcPr marL="68580" marR="68580"/>
-                </a:tc>
-              </a:tr>
-            </a:tbl>
-          </a:graphicData>
-        </a:graphic>
-      </p:graphicFrame>
       <p:sp>
         <p:nvSpPr>
           <p:cNvPr id="6" name="직사각형 5"/>
@@ -21655,7 +23115,7 @@
         <p:spPr>
           <a:xfrm>
             <a:off x="6752401" y="908720"/>
-            <a:ext cx="2212087" cy="3384376"/>
+            <a:ext cx="2212087" cy="2441718"/>
           </a:xfrm>
           <a:prstGeom prst="rect">
             <a:avLst/>
@@ -22063,6 +23523,216 @@
           </a:p>
         </p:txBody>
       </p:sp>
+      <p:graphicFrame>
+        <p:nvGraphicFramePr>
+          <p:cNvPr id="12" name="표 11"/>
+          <p:cNvGraphicFramePr>
+            <a:graphicFrameLocks noGrp="1"/>
+          </p:cNvGraphicFramePr>
+          <p:nvPr>
+            <p:extLst>
+              <p:ext uri="{D42A27DB-BD31-4B8C-83A1-F6EECF244321}">
+                <p14:modId xmlns:p14="http://schemas.microsoft.com/office/powerpoint/2010/main" val="2658063142"/>
+              </p:ext>
+            </p:extLst>
+          </p:nvPr>
+        </p:nvGraphicFramePr>
+        <p:xfrm>
+          <a:off x="6779287" y="3428999"/>
+          <a:ext cx="2158313" cy="3168350"/>
+        </p:xfrm>
+        <a:graphic>
+          <a:graphicData uri="http://schemas.openxmlformats.org/drawingml/2006/table">
+            <a:tbl>
+              <a:tblPr firstRow="1" bandRow="1">
+                <a:tableStyleId>{F5AB1C69-6EDB-4FF4-983F-18BD219EF322}</a:tableStyleId>
+              </a:tblPr>
+              <a:tblGrid>
+                <a:gridCol w="2158313"/>
+              </a:tblGrid>
+              <a:tr h="380202">
+                <a:tc>
+                  <a:txBody>
+                    <a:bodyPr/>
+                    <a:lstStyle/>
+                    <a:p>
+                      <a:pPr algn="ctr" latinLnBrk="1"/>
+                      <a:r>
+                        <a:rPr lang="ko-KR" altLang="en-US" sz="1200" dirty="0" smtClean="0"/>
+                        <a:t>경로</a:t>
+                      </a:r>
+                      <a:endParaRPr lang="ko-KR" altLang="en-US" sz="1200" dirty="0"/>
+                    </a:p>
+                  </a:txBody>
+                  <a:tcPr marL="68580" marR="68580"/>
+                </a:tc>
+              </a:tr>
+              <a:tr h="380202">
+                <a:tc>
+                  <a:txBody>
+                    <a:bodyPr/>
+                    <a:lstStyle/>
+                    <a:p>
+                      <a:pPr latinLnBrk="1"/>
+                      <a:r>
+                        <a:rPr lang="en-US" altLang="ko-KR" sz="1200" dirty="0" smtClean="0"/>
+                        <a:t>Request</a:t>
+                      </a:r>
+                      <a:endParaRPr lang="ko-KR" altLang="en-US" sz="1200" dirty="0"/>
+                    </a:p>
+                  </a:txBody>
+                  <a:tcPr marL="68580" marR="68580"/>
+                </a:tc>
+              </a:tr>
+              <a:tr h="549181">
+                <a:tc>
+                  <a:txBody>
+                    <a:bodyPr/>
+                    <a:lstStyle/>
+                    <a:p>
+                      <a:pPr marL="0" marR="0" indent="0" algn="l" defTabSz="914400" rtl="0" eaLnBrk="1" fontAlgn="auto" latinLnBrk="1" hangingPunct="1">
+                        <a:lnSpc>
+                          <a:spcPct val="100000"/>
+                        </a:lnSpc>
+                        <a:spcBef>
+                          <a:spcPts val="0"/>
+                        </a:spcBef>
+                        <a:spcAft>
+                          <a:spcPts val="0"/>
+                        </a:spcAft>
+                        <a:buClrTx/>
+                        <a:buSzTx/>
+                        <a:buFontTx/>
+                        <a:buNone/>
+                        <a:tabLst/>
+                        <a:defRPr/>
+                      </a:pPr>
+                      <a:r>
+                        <a:rPr lang="en-US" altLang="ko-KR" sz="1000" dirty="0" smtClean="0"/>
+                        <a:t>/</a:t>
+                      </a:r>
+                      <a:r>
+                        <a:rPr lang="en-US" altLang="ko-KR" sz="1000" dirty="0" err="1" smtClean="0"/>
+                        <a:t>Memberfix</a:t>
+                      </a:r>
+                      <a:endParaRPr lang="en-US" altLang="ko-KR" sz="1000" dirty="0" smtClean="0">
+                        <a:solidFill>
+                          <a:schemeClr val="tx1"/>
+                        </a:solidFill>
+                      </a:endParaRPr>
+                    </a:p>
+                  </a:txBody>
+                  <a:tcPr marL="68580" marR="68580"/>
+                </a:tc>
+              </a:tr>
+              <a:tr h="380202">
+                <a:tc>
+                  <a:txBody>
+                    <a:bodyPr/>
+                    <a:lstStyle/>
+                    <a:p>
+                      <a:pPr latinLnBrk="1"/>
+                      <a:r>
+                        <a:rPr lang="en-US" altLang="ko-KR" sz="1200" dirty="0" smtClean="0"/>
+                        <a:t>Controller</a:t>
+                      </a:r>
+                      <a:endParaRPr lang="ko-KR" altLang="en-US" sz="1200" dirty="0"/>
+                    </a:p>
+                  </a:txBody>
+                  <a:tcPr marL="68580" marR="68580"/>
+                </a:tc>
+              </a:tr>
+              <a:tr h="760404">
+                <a:tc>
+                  <a:txBody>
+                    <a:bodyPr/>
+                    <a:lstStyle/>
+                    <a:p>
+                      <a:pPr marL="0" marR="0" indent="0" algn="l" defTabSz="914400" rtl="0" eaLnBrk="1" fontAlgn="auto" latinLnBrk="1" hangingPunct="1">
+                        <a:lnSpc>
+                          <a:spcPct val="100000"/>
+                        </a:lnSpc>
+                        <a:spcBef>
+                          <a:spcPts val="0"/>
+                        </a:spcBef>
+                        <a:spcAft>
+                          <a:spcPts val="0"/>
+                        </a:spcAft>
+                        <a:buClrTx/>
+                        <a:buSzTx/>
+                        <a:buFontTx/>
+                        <a:buNone/>
+                        <a:tabLst/>
+                        <a:defRPr/>
+                      </a:pPr>
+                      <a:r>
+                        <a:rPr lang="en-US" altLang="ko-KR" sz="1000" dirty="0" err="1" smtClean="0"/>
+                        <a:t>MemberController</a:t>
+                      </a:r>
+                      <a:endParaRPr lang="en-US" altLang="ko-KR" sz="1000" dirty="0" smtClean="0">
+                        <a:solidFill>
+                          <a:schemeClr val="tx1"/>
+                        </a:solidFill>
+                      </a:endParaRPr>
+                    </a:p>
+                  </a:txBody>
+                  <a:tcPr marL="68580" marR="68580"/>
+                </a:tc>
+              </a:tr>
+              <a:tr h="380202">
+                <a:tc>
+                  <a:txBody>
+                    <a:bodyPr/>
+                    <a:lstStyle/>
+                    <a:p>
+                      <a:pPr latinLnBrk="1"/>
+                      <a:r>
+                        <a:rPr lang="en-US" altLang="ko-KR" sz="1200" dirty="0" smtClean="0"/>
+                        <a:t>View</a:t>
+                      </a:r>
+                      <a:endParaRPr lang="ko-KR" altLang="en-US" sz="1200" dirty="0"/>
+                    </a:p>
+                  </a:txBody>
+                  <a:tcPr marL="68580" marR="68580"/>
+                </a:tc>
+              </a:tr>
+              <a:tr h="337957">
+                <a:tc>
+                  <a:txBody>
+                    <a:bodyPr/>
+                    <a:lstStyle/>
+                    <a:p>
+                      <a:pPr marL="0" marR="0" indent="0" algn="l" defTabSz="914400" rtl="0" eaLnBrk="1" fontAlgn="auto" latinLnBrk="1" hangingPunct="1">
+                        <a:lnSpc>
+                          <a:spcPct val="100000"/>
+                        </a:lnSpc>
+                        <a:spcBef>
+                          <a:spcPts val="0"/>
+                        </a:spcBef>
+                        <a:spcAft>
+                          <a:spcPts val="0"/>
+                        </a:spcAft>
+                        <a:buClrTx/>
+                        <a:buSzTx/>
+                        <a:buFontTx/>
+                        <a:buNone/>
+                        <a:tabLst/>
+                        <a:defRPr/>
+                      </a:pPr>
+                      <a:r>
+                        <a:rPr lang="en-US" altLang="ko-KR" sz="1000" dirty="0" err="1" smtClean="0"/>
+                        <a:t>Memberfix.jsp</a:t>
+                      </a:r>
+                      <a:endParaRPr lang="ko-KR" altLang="en-US" sz="1000" dirty="0" smtClean="0"/>
+                    </a:p>
+                  </a:txBody>
+                  <a:tcPr marL="68580" marR="68580"/>
+                </a:tc>
+              </a:tr>
+            </a:tbl>
+          </a:graphicData>
+        </a:graphic>
+      </p:graphicFrame>
     </p:spTree>
     <p:extLst>
       <p:ext uri="{BB962C8B-B14F-4D97-AF65-F5344CB8AC3E}">
